--- a/GEO346_2023_FallQuarter/Exercise_02/exercise02-template.pptx
+++ b/GEO346_2023_FallQuarter/Exercise_02/exercise02-template.pptx
@@ -8,12 +8,10 @@
     <p:sldId id="256" r:id="rId5"/>
     <p:sldId id="258" r:id="rId6"/>
     <p:sldId id="261" r:id="rId7"/>
-    <p:sldId id="260" r:id="rId8"/>
-    <p:sldId id="257" r:id="rId9"/>
-    <p:sldId id="259" r:id="rId10"/>
-    <p:sldId id="262" r:id="rId11"/>
-    <p:sldId id="263" r:id="rId12"/>
-    <p:sldId id="264" r:id="rId13"/>
+    <p:sldId id="262" r:id="rId8"/>
+    <p:sldId id="263" r:id="rId9"/>
+    <p:sldId id="264" r:id="rId10"/>
+    <p:sldId id="265" r:id="rId11"/>
   </p:sldIdLst>
   <p:sldSz cx="12192000" cy="6858000"/>
   <p:notesSz cx="6858000" cy="9144000"/>
@@ -300,7 +298,7 @@
           <a:p>
             <a:fld id="{2F3E8B1C-86EF-43CF-8304-249481088644}" type="datetimeFigureOut">
               <a:rPr lang="en-US" smtClean="0"/>
-              <a:t>9/18/2023</a:t>
+              <a:t>9/27/2023</a:t>
             </a:fld>
             <a:endParaRPr lang="en-US"/>
           </a:p>
@@ -498,7 +496,7 @@
           <a:p>
             <a:fld id="{2F3E8B1C-86EF-43CF-8304-249481088644}" type="datetimeFigureOut">
               <a:rPr lang="en-US" smtClean="0"/>
-              <a:t>9/18/2023</a:t>
+              <a:t>9/27/2023</a:t>
             </a:fld>
             <a:endParaRPr lang="en-US"/>
           </a:p>
@@ -706,7 +704,7 @@
           <a:p>
             <a:fld id="{2F3E8B1C-86EF-43CF-8304-249481088644}" type="datetimeFigureOut">
               <a:rPr lang="en-US" smtClean="0"/>
-              <a:t>9/18/2023</a:t>
+              <a:t>9/27/2023</a:t>
             </a:fld>
             <a:endParaRPr lang="en-US"/>
           </a:p>
@@ -904,7 +902,7 @@
           <a:p>
             <a:fld id="{2F3E8B1C-86EF-43CF-8304-249481088644}" type="datetimeFigureOut">
               <a:rPr lang="en-US" smtClean="0"/>
-              <a:t>9/18/2023</a:t>
+              <a:t>9/27/2023</a:t>
             </a:fld>
             <a:endParaRPr lang="en-US"/>
           </a:p>
@@ -1179,7 +1177,7 @@
           <a:p>
             <a:fld id="{2F3E8B1C-86EF-43CF-8304-249481088644}" type="datetimeFigureOut">
               <a:rPr lang="en-US" smtClean="0"/>
-              <a:t>9/18/2023</a:t>
+              <a:t>9/27/2023</a:t>
             </a:fld>
             <a:endParaRPr lang="en-US"/>
           </a:p>
@@ -1449,7 +1447,7 @@
           <a:p>
             <a:fld id="{2F3E8B1C-86EF-43CF-8304-249481088644}" type="datetimeFigureOut">
               <a:rPr lang="en-US" smtClean="0"/>
-              <a:t>9/18/2023</a:t>
+              <a:t>9/27/2023</a:t>
             </a:fld>
             <a:endParaRPr lang="en-US"/>
           </a:p>
@@ -1869,7 +1867,7 @@
           <a:p>
             <a:fld id="{2F3E8B1C-86EF-43CF-8304-249481088644}" type="datetimeFigureOut">
               <a:rPr lang="en-US" smtClean="0"/>
-              <a:t>9/18/2023</a:t>
+              <a:t>9/27/2023</a:t>
             </a:fld>
             <a:endParaRPr lang="en-US"/>
           </a:p>
@@ -2010,7 +2008,7 @@
           <a:p>
             <a:fld id="{2F3E8B1C-86EF-43CF-8304-249481088644}" type="datetimeFigureOut">
               <a:rPr lang="en-US" smtClean="0"/>
-              <a:t>9/18/2023</a:t>
+              <a:t>9/27/2023</a:t>
             </a:fld>
             <a:endParaRPr lang="en-US"/>
           </a:p>
@@ -2123,7 +2121,7 @@
           <a:p>
             <a:fld id="{2F3E8B1C-86EF-43CF-8304-249481088644}" type="datetimeFigureOut">
               <a:rPr lang="en-US" smtClean="0"/>
-              <a:t>9/18/2023</a:t>
+              <a:t>9/27/2023</a:t>
             </a:fld>
             <a:endParaRPr lang="en-US"/>
           </a:p>
@@ -2434,7 +2432,7 @@
           <a:p>
             <a:fld id="{2F3E8B1C-86EF-43CF-8304-249481088644}" type="datetimeFigureOut">
               <a:rPr lang="en-US" smtClean="0"/>
-              <a:t>9/18/2023</a:t>
+              <a:t>9/27/2023</a:t>
             </a:fld>
             <a:endParaRPr lang="en-US"/>
           </a:p>
@@ -2722,7 +2720,7 @@
           <a:p>
             <a:fld id="{2F3E8B1C-86EF-43CF-8304-249481088644}" type="datetimeFigureOut">
               <a:rPr lang="en-US" smtClean="0"/>
-              <a:t>9/18/2023</a:t>
+              <a:t>9/27/2023</a:t>
             </a:fld>
             <a:endParaRPr lang="en-US"/>
           </a:p>
@@ -2963,7 +2961,7 @@
             <a:fld id="{2F3E8B1C-86EF-43CF-8304-249481088644}" type="datetimeFigureOut">
               <a:rPr lang="en-US" smtClean="0"/>
               <a:pPr/>
-              <a:t>9/18/2023</a:t>
+              <a:t>9/27/2023</a:t>
             </a:fld>
             <a:endParaRPr lang="en-US" dirty="0"/>
           </a:p>
@@ -3822,7 +3820,7 @@
         </p:nvSpPr>
         <p:spPr>
           <a:xfrm>
-            <a:off x="4408035" y="2247336"/>
+            <a:off x="4430942" y="1786958"/>
             <a:ext cx="1634489" cy="810379"/>
           </a:xfrm>
           <a:prstGeom prst="flowChartMagneticDisk">
@@ -3854,7 +3852,7 @@
                 <a:ea typeface="Tahoma" panose="020B0604030504040204" pitchFamily="34" charset="0"/>
                 <a:cs typeface="Tahoma" panose="020B0604030504040204" pitchFamily="34" charset="0"/>
               </a:rPr>
-              <a:t>TRI (2020)</a:t>
+              <a:t>TRI (2021)</a:t>
             </a:r>
           </a:p>
         </p:txBody>
@@ -3873,7 +3871,7 @@
         </p:nvSpPr>
         <p:spPr>
           <a:xfrm>
-            <a:off x="4408035" y="3085473"/>
+            <a:off x="4430942" y="2625095"/>
             <a:ext cx="1634489" cy="411480"/>
           </a:xfrm>
           <a:prstGeom prst="flowChartMagneticDisk">
@@ -3916,7 +3914,7 @@
                 <a:ea typeface="Tahoma" panose="020B0604030504040204" pitchFamily="34" charset="0"/>
                 <a:cs typeface="Tahoma" panose="020B0604030504040204" pitchFamily="34" charset="0"/>
               </a:rPr>
-              <a:t>Indicator tables</a:t>
+              <a:t>TRI</a:t>
             </a:r>
           </a:p>
         </p:txBody>
@@ -3935,7 +3933,7 @@
         </p:nvSpPr>
         <p:spPr>
           <a:xfrm>
-            <a:off x="4408035" y="3524710"/>
+            <a:off x="4430942" y="3064332"/>
             <a:ext cx="1634489" cy="411480"/>
           </a:xfrm>
           <a:prstGeom prst="flowChartMagneticDisk">
@@ -3973,7 +3971,7 @@
                 <a:ea typeface="Tahoma" panose="020B0604030504040204" pitchFamily="34" charset="0"/>
                 <a:cs typeface="Tahoma" panose="020B0604030504040204" pitchFamily="34" charset="0"/>
               </a:rPr>
-              <a:t>Selected indicators</a:t>
+              <a:t>TRI for CA facilities</a:t>
             </a:r>
           </a:p>
         </p:txBody>
@@ -4162,8 +4160,8 @@
         </p:nvSpPr>
         <p:spPr>
           <a:xfrm>
-            <a:off x="3525115" y="4702494"/>
-            <a:ext cx="1634489" cy="1097876"/>
+            <a:off x="4271737" y="4546112"/>
+            <a:ext cx="1952896" cy="1223816"/>
           </a:xfrm>
           <a:prstGeom prst="flowChartMagneticDisk">
             <a:avLst/>
@@ -4201,23 +4199,35 @@
                 <a:ea typeface="Tahoma" panose="020B0604030504040204" pitchFamily="34" charset="0"/>
                 <a:cs typeface="Tahoma" panose="020B0604030504040204" pitchFamily="34" charset="0"/>
               </a:rPr>
-              <a:t>PLACES/SVI indicators by</a:t>
-            </a:r>
-            <a:br>
-              <a:rPr lang="en-US" sz="1200" dirty="0">
-                <a:latin typeface="Tahoma" panose="020B0604030504040204" pitchFamily="34" charset="0"/>
-                <a:ea typeface="Tahoma" panose="020B0604030504040204" pitchFamily="34" charset="0"/>
-                <a:cs typeface="Tahoma" panose="020B0604030504040204" pitchFamily="34" charset="0"/>
-              </a:rPr>
-            </a:br>
-            <a:r>
-              <a:rPr lang="en-US" sz="1200" dirty="0">
-                <a:latin typeface="Tahoma" panose="020B0604030504040204" pitchFamily="34" charset="0"/>
-                <a:ea typeface="Tahoma" panose="020B0604030504040204" pitchFamily="34" charset="0"/>
-                <a:cs typeface="Tahoma" panose="020B0604030504040204" pitchFamily="34" charset="0"/>
-              </a:rPr>
-              <a:t>census tract</a:t>
-            </a:r>
+              <a:t>NEI_2020.shp</a:t>
+            </a:r>
+          </a:p>
+          <a:p>
+            <a:pPr algn="ctr"/>
+            <a:r>
+              <a:rPr lang="en-US" sz="1200" dirty="0">
+                <a:latin typeface="Tahoma" panose="020B0604030504040204" pitchFamily="34" charset="0"/>
+                <a:ea typeface="Tahoma" panose="020B0604030504040204" pitchFamily="34" charset="0"/>
+                <a:cs typeface="Tahoma" panose="020B0604030504040204" pitchFamily="34" charset="0"/>
+              </a:rPr>
+              <a:t>TRI_2021_wtd.shp</a:t>
+            </a:r>
+          </a:p>
+          <a:p>
+            <a:pPr algn="ctr"/>
+            <a:r>
+              <a:rPr lang="en-US" sz="1200" dirty="0" err="1">
+                <a:latin typeface="Tahoma" panose="020B0604030504040204" pitchFamily="34" charset="0"/>
+                <a:ea typeface="Tahoma" panose="020B0604030504040204" pitchFamily="34" charset="0"/>
+                <a:cs typeface="Tahoma" panose="020B0604030504040204" pitchFamily="34" charset="0"/>
+              </a:rPr>
+              <a:t>CoAbDis.shp</a:t>
+            </a:r>
+            <a:endParaRPr lang="en-US" sz="1200" dirty="0">
+              <a:latin typeface="Tahoma" panose="020B0604030504040204" pitchFamily="34" charset="0"/>
+              <a:ea typeface="Tahoma" panose="020B0604030504040204" pitchFamily="34" charset="0"/>
+              <a:cs typeface="Tahoma" panose="020B0604030504040204" pitchFamily="34" charset="0"/>
+            </a:endParaRPr>
           </a:p>
         </p:txBody>
       </p:sp>
@@ -4238,7 +4248,7 @@
         <p:spPr>
           <a:xfrm>
             <a:off x="2146849" y="1806102"/>
-            <a:ext cx="11395" cy="2051466"/>
+            <a:ext cx="14161" cy="2549360"/>
           </a:xfrm>
           <a:prstGeom prst="straightConnector1">
             <a:avLst/>
@@ -4286,8 +4296,8 @@
         </p:nvCxnSpPr>
         <p:spPr>
           <a:xfrm rot="16200000" flipH="1">
-            <a:off x="3504865" y="3864999"/>
-            <a:ext cx="766304" cy="908685"/>
+            <a:off x="4035969" y="3333896"/>
+            <a:ext cx="609922" cy="1814510"/>
           </a:xfrm>
           <a:prstGeom prst="bentConnector3">
             <a:avLst>
@@ -4324,59 +4334,15 @@
           </p:cNvPr>
           <p:cNvCxnSpPr>
             <a:cxnSpLocks/>
-            <a:stCxn id="24" idx="3"/>
+            <a:stCxn id="2" idx="3"/>
             <a:endCxn id="27" idx="1"/>
           </p:cNvCxnSpPr>
           <p:nvPr/>
         </p:nvCxnSpPr>
         <p:spPr>
           <a:xfrm rot="5400000">
-            <a:off x="4400668" y="3877882"/>
-            <a:ext cx="766304" cy="882920"/>
-          </a:xfrm>
-          <a:prstGeom prst="bentConnector3">
-            <a:avLst>
-              <a:gd name="adj1" fmla="val 50000"/>
-            </a:avLst>
-          </a:prstGeom>
-          <a:ln>
-            <a:tailEnd type="triangle"/>
-          </a:ln>
-        </p:spPr>
-        <p:style>
-          <a:lnRef idx="1">
-            <a:schemeClr val="accent1"/>
-          </a:lnRef>
-          <a:fillRef idx="0">
-            <a:schemeClr val="accent1"/>
-          </a:fillRef>
-          <a:effectRef idx="0">
-            <a:schemeClr val="accent1"/>
-          </a:effectRef>
-          <a:fontRef idx="minor">
-            <a:schemeClr val="tx1"/>
-          </a:fontRef>
-        </p:style>
-      </p:cxnSp>
-      <p:cxnSp>
-        <p:nvCxnSpPr>
-          <p:cNvPr id="62" name="Connector: Elbow 61">
-            <a:extLst>
-              <a:ext uri="{FF2B5EF4-FFF2-40B4-BE49-F238E27FC236}">
-                <a16:creationId xmlns:a16="http://schemas.microsoft.com/office/drawing/2014/main" id="{346CD214-E693-49F1-A9A6-596D03916819}"/>
-              </a:ext>
-            </a:extLst>
-          </p:cNvPr>
-          <p:cNvCxnSpPr>
-            <a:cxnSpLocks/>
-            <a:stCxn id="27" idx="4"/>
-          </p:cNvCxnSpPr>
-          <p:nvPr/>
-        </p:nvCxnSpPr>
-        <p:spPr>
-          <a:xfrm flipV="1">
-            <a:off x="5159604" y="3459493"/>
-            <a:ext cx="2259574" cy="1791939"/>
+            <a:off x="4947187" y="4245112"/>
+            <a:ext cx="601999" cy="1"/>
           </a:xfrm>
           <a:prstGeom prst="bentConnector3">
             <a:avLst>
@@ -4416,8 +4382,8 @@
         </p:nvSpPr>
         <p:spPr>
           <a:xfrm>
-            <a:off x="583276" y="1755768"/>
-            <a:ext cx="1563573" cy="2123658"/>
+            <a:off x="558109" y="1755768"/>
+            <a:ext cx="1563573" cy="2677656"/>
           </a:xfrm>
           <a:prstGeom prst="rect">
             <a:avLst/>
@@ -4555,7 +4521,7 @@
                 <a:ea typeface="Tahoma" panose="020B0604030504040204" pitchFamily="34" charset="0"/>
                 <a:cs typeface="Tahoma" panose="020B0604030504040204" pitchFamily="34" charset="0"/>
               </a:rPr>
-              <a:t> and other R data wrangling packages are used to import and transform NEI and  TRI data for facilities that have reported SO2 stack emissions in California.</a:t>
+              <a:t> and other R data wrangling packages are used to import and transform NEI and  TRI data for facilities that have reported SO2 stack emissions in California. Combine TRI facilities with RSEI toxicity weights.</a:t>
             </a:r>
           </a:p>
         </p:txBody>
@@ -4574,8 +4540,8 @@
         </p:nvSpPr>
         <p:spPr>
           <a:xfrm>
-            <a:off x="10080067" y="3999157"/>
-            <a:ext cx="1311833" cy="1569660"/>
+            <a:off x="10357634" y="2436410"/>
+            <a:ext cx="1311833" cy="2677656"/>
           </a:xfrm>
           <a:prstGeom prst="rect">
             <a:avLst/>
@@ -4588,7 +4554,6 @@
           </a:bodyPr>
           <a:lstStyle/>
           <a:p>
-            <a:pPr algn="r"/>
             <a:r>
               <a:rPr lang="en-US" sz="1200" i="1" dirty="0">
                 <a:solidFill>
@@ -4601,7 +4566,49 @@
                 <a:ea typeface="Tahoma" panose="020B0604030504040204" pitchFamily="34" charset="0"/>
                 <a:cs typeface="Tahoma" panose="020B0604030504040204" pitchFamily="34" charset="0"/>
               </a:rPr>
-              <a:t>ArcGIS Pro is used to create a custom study area, and create custom visualizations of air dispersion data.</a:t>
+              <a:t>ArcGIS Pro and Excel are used to create input files for processing in AERMOD.</a:t>
+            </a:r>
+          </a:p>
+          <a:p>
+            <a:endParaRPr lang="en-US" sz="1200" i="1" dirty="0">
+              <a:solidFill>
+                <a:schemeClr val="tx1">
+                  <a:lumMod val="50000"/>
+                  <a:lumOff val="50000"/>
+                </a:schemeClr>
+              </a:solidFill>
+              <a:latin typeface="Tahoma" panose="020B0604030504040204" pitchFamily="34" charset="0"/>
+              <a:ea typeface="Tahoma" panose="020B0604030504040204" pitchFamily="34" charset="0"/>
+              <a:cs typeface="Tahoma" panose="020B0604030504040204" pitchFamily="34" charset="0"/>
+            </a:endParaRPr>
+          </a:p>
+          <a:p>
+            <a:endParaRPr lang="en-US" sz="1200" i="1" dirty="0">
+              <a:solidFill>
+                <a:schemeClr val="tx1">
+                  <a:lumMod val="50000"/>
+                  <a:lumOff val="50000"/>
+                </a:schemeClr>
+              </a:solidFill>
+              <a:latin typeface="Tahoma" panose="020B0604030504040204" pitchFamily="34" charset="0"/>
+              <a:ea typeface="Tahoma" panose="020B0604030504040204" pitchFamily="34" charset="0"/>
+              <a:cs typeface="Tahoma" panose="020B0604030504040204" pitchFamily="34" charset="0"/>
+            </a:endParaRPr>
+          </a:p>
+          <a:p>
+            <a:r>
+              <a:rPr lang="en-US" sz="1200" i="1" dirty="0">
+                <a:solidFill>
+                  <a:schemeClr val="tx1">
+                    <a:lumMod val="50000"/>
+                    <a:lumOff val="50000"/>
+                  </a:schemeClr>
+                </a:solidFill>
+                <a:latin typeface="Tahoma" panose="020B0604030504040204" pitchFamily="34" charset="0"/>
+                <a:ea typeface="Tahoma" panose="020B0604030504040204" pitchFamily="34" charset="0"/>
+                <a:cs typeface="Tahoma" panose="020B0604030504040204" pitchFamily="34" charset="0"/>
+              </a:rPr>
+              <a:t>AERMOD output files are processed and imported into ArcGIS Pro for visualization</a:t>
             </a:r>
             <a:endParaRPr lang="en-US" sz="1200" dirty="0">
               <a:solidFill>
@@ -4631,8 +4638,8 @@
         </p:nvSpPr>
         <p:spPr>
           <a:xfrm>
-            <a:off x="1825779" y="4604586"/>
-            <a:ext cx="1623094" cy="1200329"/>
+            <a:off x="2616430" y="4580151"/>
+            <a:ext cx="1529142" cy="1200329"/>
           </a:xfrm>
           <a:prstGeom prst="rect">
             <a:avLst/>
@@ -4658,11 +4665,780 @@
                 <a:ea typeface="Tahoma" panose="020B0604030504040204" pitchFamily="34" charset="0"/>
                 <a:cs typeface="Tahoma" panose="020B0604030504040204" pitchFamily="34" charset="0"/>
               </a:rPr>
-              <a:t>Selected PLACES and SVI indicator data were attached to census tract geometries via attribute joins.</a:t>
+              <a:t>Export R </a:t>
+            </a:r>
+            <a:r>
+              <a:rPr lang="en-US" sz="1200" dirty="0" err="1">
+                <a:solidFill>
+                  <a:schemeClr val="tx1">
+                    <a:lumMod val="50000"/>
+                    <a:lumOff val="50000"/>
+                  </a:schemeClr>
+                </a:solidFill>
+                <a:latin typeface="Tahoma" panose="020B0604030504040204" pitchFamily="34" charset="0"/>
+                <a:ea typeface="Tahoma" panose="020B0604030504040204" pitchFamily="34" charset="0"/>
+                <a:cs typeface="Tahoma" panose="020B0604030504040204" pitchFamily="34" charset="0"/>
+              </a:rPr>
+              <a:t>dataframes</a:t>
+            </a:r>
+            <a:r>
+              <a:rPr lang="en-US" sz="1200" dirty="0">
+                <a:solidFill>
+                  <a:schemeClr val="tx1">
+                    <a:lumMod val="50000"/>
+                    <a:lumOff val="50000"/>
+                  </a:schemeClr>
+                </a:solidFill>
+                <a:latin typeface="Tahoma" panose="020B0604030504040204" pitchFamily="34" charset="0"/>
+                <a:ea typeface="Tahoma" panose="020B0604030504040204" pitchFamily="34" charset="0"/>
+                <a:cs typeface="Tahoma" panose="020B0604030504040204" pitchFamily="34" charset="0"/>
+              </a:rPr>
+              <a:t> as ESRI shapefiles for import into ArcGIS Pro to visualize as reference files.</a:t>
             </a:r>
           </a:p>
         </p:txBody>
       </p:sp>
+      <p:sp>
+        <p:nvSpPr>
+          <p:cNvPr id="2" name="Flowchart: Magnetic Disk 1">
+            <a:extLst>
+              <a:ext uri="{FF2B5EF4-FFF2-40B4-BE49-F238E27FC236}">
+                <a16:creationId xmlns:a16="http://schemas.microsoft.com/office/drawing/2014/main" id="{147A2D09-5D1A-E28C-4D5C-03DBBE2E10FA}"/>
+              </a:ext>
+            </a:extLst>
+          </p:cNvPr>
+          <p:cNvSpPr/>
+          <p:nvPr/>
+        </p:nvSpPr>
+        <p:spPr>
+          <a:xfrm>
+            <a:off x="4430941" y="3532633"/>
+            <a:ext cx="1634489" cy="411480"/>
+          </a:xfrm>
+          <a:prstGeom prst="flowChartMagneticDisk">
+            <a:avLst/>
+          </a:prstGeom>
+        </p:spPr>
+        <p:style>
+          <a:lnRef idx="3">
+            <a:schemeClr val="lt1"/>
+          </a:lnRef>
+          <a:fillRef idx="1">
+            <a:schemeClr val="accent2"/>
+          </a:fillRef>
+          <a:effectRef idx="1">
+            <a:schemeClr val="accent2"/>
+          </a:effectRef>
+          <a:fontRef idx="minor">
+            <a:schemeClr val="lt1"/>
+          </a:fontRef>
+        </p:style>
+        <p:txBody>
+          <a:bodyPr rtlCol="0" anchor="ctr"/>
+          <a:lstStyle/>
+          <a:p>
+            <a:pPr algn="ctr"/>
+            <a:r>
+              <a:rPr lang="en-US" sz="1200" dirty="0">
+                <a:latin typeface="Tahoma" panose="020B0604030504040204" pitchFamily="34" charset="0"/>
+                <a:ea typeface="Tahoma" panose="020B0604030504040204" pitchFamily="34" charset="0"/>
+                <a:cs typeface="Tahoma" panose="020B0604030504040204" pitchFamily="34" charset="0"/>
+              </a:rPr>
+              <a:t>RSEI (2021)</a:t>
+            </a:r>
+          </a:p>
+        </p:txBody>
+      </p:sp>
+      <p:sp>
+        <p:nvSpPr>
+          <p:cNvPr id="19" name="Flowchart: Magnetic Disk 18">
+            <a:extLst>
+              <a:ext uri="{FF2B5EF4-FFF2-40B4-BE49-F238E27FC236}">
+                <a16:creationId xmlns:a16="http://schemas.microsoft.com/office/drawing/2014/main" id="{1DD57D8F-AB81-D7DC-62C4-27A6EF55084B}"/>
+              </a:ext>
+            </a:extLst>
+          </p:cNvPr>
+          <p:cNvSpPr/>
+          <p:nvPr/>
+        </p:nvSpPr>
+        <p:spPr>
+          <a:xfrm>
+            <a:off x="6345099" y="3532633"/>
+            <a:ext cx="1634489" cy="411480"/>
+          </a:xfrm>
+          <a:prstGeom prst="flowChartMagneticDisk">
+            <a:avLst/>
+          </a:prstGeom>
+        </p:spPr>
+        <p:style>
+          <a:lnRef idx="3">
+            <a:schemeClr val="lt1"/>
+          </a:lnRef>
+          <a:fillRef idx="1">
+            <a:schemeClr val="accent2"/>
+          </a:fillRef>
+          <a:effectRef idx="1">
+            <a:schemeClr val="accent2"/>
+          </a:effectRef>
+          <a:fontRef idx="minor">
+            <a:schemeClr val="lt1"/>
+          </a:fontRef>
+        </p:style>
+        <p:txBody>
+          <a:bodyPr rtlCol="0" anchor="ctr"/>
+          <a:lstStyle/>
+          <a:p>
+            <a:pPr algn="ctr"/>
+            <a:r>
+              <a:rPr lang="en-US" sz="1200" dirty="0">
+                <a:latin typeface="Tahoma" panose="020B0604030504040204" pitchFamily="34" charset="0"/>
+                <a:ea typeface="Tahoma" panose="020B0604030504040204" pitchFamily="34" charset="0"/>
+                <a:cs typeface="Tahoma" panose="020B0604030504040204" pitchFamily="34" charset="0"/>
+              </a:rPr>
+              <a:t>CA Air Basins</a:t>
+            </a:r>
+          </a:p>
+        </p:txBody>
+      </p:sp>
+      <p:cxnSp>
+        <p:nvCxnSpPr>
+          <p:cNvPr id="20" name="Connector: Elbow 19">
+            <a:extLst>
+              <a:ext uri="{FF2B5EF4-FFF2-40B4-BE49-F238E27FC236}">
+                <a16:creationId xmlns:a16="http://schemas.microsoft.com/office/drawing/2014/main" id="{5B2EF747-9930-0AB5-3C37-F9B3D1B90BBF}"/>
+              </a:ext>
+            </a:extLst>
+          </p:cNvPr>
+          <p:cNvCxnSpPr>
+            <a:cxnSpLocks/>
+            <a:stCxn id="19" idx="3"/>
+            <a:endCxn id="27" idx="1"/>
+          </p:cNvCxnSpPr>
+          <p:nvPr/>
+        </p:nvCxnSpPr>
+        <p:spPr>
+          <a:xfrm rot="5400000">
+            <a:off x="5904266" y="3288033"/>
+            <a:ext cx="601999" cy="1914159"/>
+          </a:xfrm>
+          <a:prstGeom prst="bentConnector3">
+            <a:avLst>
+              <a:gd name="adj1" fmla="val 50000"/>
+            </a:avLst>
+          </a:prstGeom>
+          <a:ln>
+            <a:tailEnd type="triangle"/>
+          </a:ln>
+        </p:spPr>
+        <p:style>
+          <a:lnRef idx="1">
+            <a:schemeClr val="accent1"/>
+          </a:lnRef>
+          <a:fillRef idx="0">
+            <a:schemeClr val="accent1"/>
+          </a:fillRef>
+          <a:effectRef idx="0">
+            <a:schemeClr val="accent1"/>
+          </a:effectRef>
+          <a:fontRef idx="minor">
+            <a:schemeClr val="tx1"/>
+          </a:fontRef>
+        </p:style>
+      </p:cxnSp>
+      <p:sp>
+        <p:nvSpPr>
+          <p:cNvPr id="42" name="Flowchart: Magnetic Disk 41">
+            <a:extLst>
+              <a:ext uri="{FF2B5EF4-FFF2-40B4-BE49-F238E27FC236}">
+                <a16:creationId xmlns:a16="http://schemas.microsoft.com/office/drawing/2014/main" id="{FCF75829-D8EC-F2A3-CB3B-ECD510922628}"/>
+              </a:ext>
+            </a:extLst>
+          </p:cNvPr>
+          <p:cNvSpPr/>
+          <p:nvPr/>
+        </p:nvSpPr>
+        <p:spPr>
+          <a:xfrm>
+            <a:off x="7492933" y="1825370"/>
+            <a:ext cx="1634489" cy="411480"/>
+          </a:xfrm>
+          <a:prstGeom prst="flowChartMagneticDisk">
+            <a:avLst/>
+          </a:prstGeom>
+        </p:spPr>
+        <p:style>
+          <a:lnRef idx="3">
+            <a:schemeClr val="lt1"/>
+          </a:lnRef>
+          <a:fillRef idx="1">
+            <a:schemeClr val="accent2"/>
+          </a:fillRef>
+          <a:effectRef idx="1">
+            <a:schemeClr val="accent2"/>
+          </a:effectRef>
+          <a:fontRef idx="minor">
+            <a:schemeClr val="lt1"/>
+          </a:fontRef>
+        </p:style>
+        <p:txBody>
+          <a:bodyPr rtlCol="0" anchor="ctr"/>
+          <a:lstStyle/>
+          <a:p>
+            <a:pPr algn="ctr"/>
+            <a:r>
+              <a:rPr lang="en-US" sz="1200" dirty="0" err="1">
+                <a:latin typeface="Tahoma" panose="020B0604030504040204" pitchFamily="34" charset="0"/>
+                <a:ea typeface="Tahoma" panose="020B0604030504040204" pitchFamily="34" charset="0"/>
+                <a:cs typeface="Tahoma" panose="020B0604030504040204" pitchFamily="34" charset="0"/>
+              </a:rPr>
+              <a:t>study_area.shp</a:t>
+            </a:r>
+            <a:endParaRPr lang="en-US" sz="1200" dirty="0">
+              <a:latin typeface="Tahoma" panose="020B0604030504040204" pitchFamily="34" charset="0"/>
+              <a:ea typeface="Tahoma" panose="020B0604030504040204" pitchFamily="34" charset="0"/>
+              <a:cs typeface="Tahoma" panose="020B0604030504040204" pitchFamily="34" charset="0"/>
+            </a:endParaRPr>
+          </a:p>
+        </p:txBody>
+      </p:sp>
+      <p:sp>
+        <p:nvSpPr>
+          <p:cNvPr id="43" name="Flowchart: Magnetic Disk 42">
+            <a:extLst>
+              <a:ext uri="{FF2B5EF4-FFF2-40B4-BE49-F238E27FC236}">
+                <a16:creationId xmlns:a16="http://schemas.microsoft.com/office/drawing/2014/main" id="{BAFF0A48-ACF6-A5EE-695F-2F117ED1C0C0}"/>
+              </a:ext>
+            </a:extLst>
+          </p:cNvPr>
+          <p:cNvSpPr/>
+          <p:nvPr/>
+        </p:nvSpPr>
+        <p:spPr>
+          <a:xfrm>
+            <a:off x="9237853" y="1835487"/>
+            <a:ext cx="1634489" cy="411480"/>
+          </a:xfrm>
+          <a:prstGeom prst="flowChartMagneticDisk">
+            <a:avLst/>
+          </a:prstGeom>
+        </p:spPr>
+        <p:style>
+          <a:lnRef idx="3">
+            <a:schemeClr val="lt1"/>
+          </a:lnRef>
+          <a:fillRef idx="1">
+            <a:schemeClr val="accent2"/>
+          </a:fillRef>
+          <a:effectRef idx="1">
+            <a:schemeClr val="accent2"/>
+          </a:effectRef>
+          <a:fontRef idx="minor">
+            <a:schemeClr val="lt1"/>
+          </a:fontRef>
+        </p:style>
+        <p:txBody>
+          <a:bodyPr rtlCol="0" anchor="ctr"/>
+          <a:lstStyle/>
+          <a:p>
+            <a:pPr algn="ctr"/>
+            <a:r>
+              <a:rPr lang="en-US" sz="1200" dirty="0">
+                <a:latin typeface="Tahoma" panose="020B0604030504040204" pitchFamily="34" charset="0"/>
+                <a:ea typeface="Tahoma" panose="020B0604030504040204" pitchFamily="34" charset="0"/>
+                <a:cs typeface="Tahoma" panose="020B0604030504040204" pitchFamily="34" charset="0"/>
+              </a:rPr>
+              <a:t>Met data text file</a:t>
+            </a:r>
+          </a:p>
+        </p:txBody>
+      </p:sp>
+      <p:sp>
+        <p:nvSpPr>
+          <p:cNvPr id="45" name="Rectangle: Rounded Corners 44">
+            <a:extLst>
+              <a:ext uri="{FF2B5EF4-FFF2-40B4-BE49-F238E27FC236}">
+                <a16:creationId xmlns:a16="http://schemas.microsoft.com/office/drawing/2014/main" id="{35D956CB-884E-E12F-ABAC-DC3900090DAD}"/>
+              </a:ext>
+            </a:extLst>
+          </p:cNvPr>
+          <p:cNvSpPr/>
+          <p:nvPr/>
+        </p:nvSpPr>
+        <p:spPr>
+          <a:xfrm>
+            <a:off x="8226072" y="3438616"/>
+            <a:ext cx="1952896" cy="411481"/>
+          </a:xfrm>
+          <a:prstGeom prst="roundRect">
+            <a:avLst/>
+          </a:prstGeom>
+        </p:spPr>
+        <p:style>
+          <a:lnRef idx="2">
+            <a:schemeClr val="accent1">
+              <a:shade val="15000"/>
+            </a:schemeClr>
+          </a:lnRef>
+          <a:fillRef idx="1">
+            <a:schemeClr val="accent1"/>
+          </a:fillRef>
+          <a:effectRef idx="0">
+            <a:schemeClr val="accent1"/>
+          </a:effectRef>
+          <a:fontRef idx="minor">
+            <a:schemeClr val="lt1"/>
+          </a:fontRef>
+        </p:style>
+        <p:txBody>
+          <a:bodyPr rtlCol="0" anchor="ctr"/>
+          <a:lstStyle/>
+          <a:p>
+            <a:pPr algn="ctr"/>
+            <a:r>
+              <a:rPr lang="en-US" sz="1200" dirty="0">
+                <a:latin typeface="Tahoma" panose="020B0604030504040204" pitchFamily="34" charset="0"/>
+                <a:ea typeface="Tahoma" panose="020B0604030504040204" pitchFamily="34" charset="0"/>
+                <a:cs typeface="Tahoma" panose="020B0604030504040204" pitchFamily="34" charset="0"/>
+              </a:rPr>
+              <a:t>AERMOD</a:t>
+            </a:r>
+          </a:p>
+        </p:txBody>
+      </p:sp>
+      <p:sp>
+        <p:nvSpPr>
+          <p:cNvPr id="46" name="Flowchart: Magnetic Disk 45">
+            <a:extLst>
+              <a:ext uri="{FF2B5EF4-FFF2-40B4-BE49-F238E27FC236}">
+                <a16:creationId xmlns:a16="http://schemas.microsoft.com/office/drawing/2014/main" id="{16A451FE-3160-8866-1580-B740387DD020}"/>
+              </a:ext>
+            </a:extLst>
+          </p:cNvPr>
+          <p:cNvSpPr/>
+          <p:nvPr/>
+        </p:nvSpPr>
+        <p:spPr>
+          <a:xfrm>
+            <a:off x="8226072" y="2734002"/>
+            <a:ext cx="1952896" cy="576295"/>
+          </a:xfrm>
+          <a:prstGeom prst="flowChartMagneticDisk">
+            <a:avLst/>
+          </a:prstGeom>
+          <a:ln>
+            <a:solidFill>
+              <a:schemeClr val="bg1"/>
+            </a:solidFill>
+          </a:ln>
+        </p:spPr>
+        <p:style>
+          <a:lnRef idx="2">
+            <a:schemeClr val="accent5">
+              <a:shade val="50000"/>
+            </a:schemeClr>
+          </a:lnRef>
+          <a:fillRef idx="1">
+            <a:schemeClr val="accent5"/>
+          </a:fillRef>
+          <a:effectRef idx="0">
+            <a:schemeClr val="accent5"/>
+          </a:effectRef>
+          <a:fontRef idx="minor">
+            <a:schemeClr val="lt1"/>
+          </a:fontRef>
+        </p:style>
+        <p:txBody>
+          <a:bodyPr rtlCol="0" anchor="ctr"/>
+          <a:lstStyle/>
+          <a:p>
+            <a:pPr algn="ctr"/>
+            <a:r>
+              <a:rPr lang="en-US" sz="1200" dirty="0">
+                <a:latin typeface="Tahoma" panose="020B0604030504040204" pitchFamily="34" charset="0"/>
+                <a:ea typeface="Tahoma" panose="020B0604030504040204" pitchFamily="34" charset="0"/>
+                <a:cs typeface="Tahoma" panose="020B0604030504040204" pitchFamily="34" charset="0"/>
+              </a:rPr>
+              <a:t>AERMOD input file</a:t>
+            </a:r>
+          </a:p>
+        </p:txBody>
+      </p:sp>
+      <p:sp>
+        <p:nvSpPr>
+          <p:cNvPr id="47" name="Flowchart: Magnetic Disk 46">
+            <a:extLst>
+              <a:ext uri="{FF2B5EF4-FFF2-40B4-BE49-F238E27FC236}">
+                <a16:creationId xmlns:a16="http://schemas.microsoft.com/office/drawing/2014/main" id="{8517D4F1-92BC-ABF0-862D-981A61413CB6}"/>
+              </a:ext>
+            </a:extLst>
+          </p:cNvPr>
+          <p:cNvSpPr/>
+          <p:nvPr/>
+        </p:nvSpPr>
+        <p:spPr>
+          <a:xfrm>
+            <a:off x="8226072" y="3993157"/>
+            <a:ext cx="1952896" cy="576295"/>
+          </a:xfrm>
+          <a:prstGeom prst="flowChartMagneticDisk">
+            <a:avLst/>
+          </a:prstGeom>
+          <a:ln>
+            <a:solidFill>
+              <a:schemeClr val="bg1"/>
+            </a:solidFill>
+          </a:ln>
+        </p:spPr>
+        <p:style>
+          <a:lnRef idx="2">
+            <a:schemeClr val="accent5">
+              <a:shade val="50000"/>
+            </a:schemeClr>
+          </a:lnRef>
+          <a:fillRef idx="1">
+            <a:schemeClr val="accent5"/>
+          </a:fillRef>
+          <a:effectRef idx="0">
+            <a:schemeClr val="accent5"/>
+          </a:effectRef>
+          <a:fontRef idx="minor">
+            <a:schemeClr val="lt1"/>
+          </a:fontRef>
+        </p:style>
+        <p:txBody>
+          <a:bodyPr rtlCol="0" anchor="ctr"/>
+          <a:lstStyle/>
+          <a:p>
+            <a:pPr algn="ctr"/>
+            <a:r>
+              <a:rPr lang="en-US" sz="1200" dirty="0">
+                <a:latin typeface="Tahoma" panose="020B0604030504040204" pitchFamily="34" charset="0"/>
+                <a:ea typeface="Tahoma" panose="020B0604030504040204" pitchFamily="34" charset="0"/>
+                <a:cs typeface="Tahoma" panose="020B0604030504040204" pitchFamily="34" charset="0"/>
+              </a:rPr>
+              <a:t>AERMOD output file</a:t>
+            </a:r>
+          </a:p>
+        </p:txBody>
+      </p:sp>
+      <p:sp>
+        <p:nvSpPr>
+          <p:cNvPr id="48" name="Rectangle: Rounded Corners 47">
+            <a:extLst>
+              <a:ext uri="{FF2B5EF4-FFF2-40B4-BE49-F238E27FC236}">
+                <a16:creationId xmlns:a16="http://schemas.microsoft.com/office/drawing/2014/main" id="{1C5A8BEA-C5CA-0F28-5F08-536BA0A4ABB9}"/>
+              </a:ext>
+            </a:extLst>
+          </p:cNvPr>
+          <p:cNvSpPr/>
+          <p:nvPr/>
+        </p:nvSpPr>
+        <p:spPr>
+          <a:xfrm>
+            <a:off x="8226072" y="4766015"/>
+            <a:ext cx="1952896" cy="411481"/>
+          </a:xfrm>
+          <a:prstGeom prst="roundRect">
+            <a:avLst/>
+          </a:prstGeom>
+        </p:spPr>
+        <p:style>
+          <a:lnRef idx="2">
+            <a:schemeClr val="accent1">
+              <a:shade val="15000"/>
+            </a:schemeClr>
+          </a:lnRef>
+          <a:fillRef idx="1">
+            <a:schemeClr val="accent1"/>
+          </a:fillRef>
+          <a:effectRef idx="0">
+            <a:schemeClr val="accent1"/>
+          </a:effectRef>
+          <a:fontRef idx="minor">
+            <a:schemeClr val="lt1"/>
+          </a:fontRef>
+        </p:style>
+        <p:txBody>
+          <a:bodyPr rtlCol="0" anchor="ctr"/>
+          <a:lstStyle/>
+          <a:p>
+            <a:pPr algn="ctr"/>
+            <a:r>
+              <a:rPr lang="en-US" sz="1200" dirty="0">
+                <a:latin typeface="Tahoma" panose="020B0604030504040204" pitchFamily="34" charset="0"/>
+                <a:ea typeface="Tahoma" panose="020B0604030504040204" pitchFamily="34" charset="0"/>
+                <a:cs typeface="Tahoma" panose="020B0604030504040204" pitchFamily="34" charset="0"/>
+              </a:rPr>
+              <a:t>ArcGIS Pro</a:t>
+            </a:r>
+          </a:p>
+        </p:txBody>
+      </p:sp>
+      <p:cxnSp>
+        <p:nvCxnSpPr>
+          <p:cNvPr id="49" name="Straight Arrow Connector 48">
+            <a:extLst>
+              <a:ext uri="{FF2B5EF4-FFF2-40B4-BE49-F238E27FC236}">
+                <a16:creationId xmlns:a16="http://schemas.microsoft.com/office/drawing/2014/main" id="{5763102A-9538-17FE-0A6E-C56092387749}"/>
+              </a:ext>
+            </a:extLst>
+          </p:cNvPr>
+          <p:cNvCxnSpPr>
+            <a:cxnSpLocks/>
+          </p:cNvCxnSpPr>
+          <p:nvPr/>
+        </p:nvCxnSpPr>
+        <p:spPr>
+          <a:xfrm>
+            <a:off x="10354687" y="2370709"/>
+            <a:ext cx="0" cy="2847106"/>
+          </a:xfrm>
+          <a:prstGeom prst="straightConnector1">
+            <a:avLst/>
+          </a:prstGeom>
+          <a:ln>
+            <a:solidFill>
+              <a:schemeClr val="tx1">
+                <a:lumMod val="50000"/>
+                <a:lumOff val="50000"/>
+              </a:schemeClr>
+            </a:solidFill>
+            <a:tailEnd type="triangle"/>
+          </a:ln>
+        </p:spPr>
+        <p:style>
+          <a:lnRef idx="1">
+            <a:schemeClr val="accent1"/>
+          </a:lnRef>
+          <a:fillRef idx="0">
+            <a:schemeClr val="accent1"/>
+          </a:fillRef>
+          <a:effectRef idx="0">
+            <a:schemeClr val="accent1"/>
+          </a:effectRef>
+          <a:fontRef idx="minor">
+            <a:schemeClr val="tx1"/>
+          </a:fontRef>
+        </p:style>
+      </p:cxnSp>
+      <p:cxnSp>
+        <p:nvCxnSpPr>
+          <p:cNvPr id="51" name="Connector: Elbow 50">
+            <a:extLst>
+              <a:ext uri="{FF2B5EF4-FFF2-40B4-BE49-F238E27FC236}">
+                <a16:creationId xmlns:a16="http://schemas.microsoft.com/office/drawing/2014/main" id="{524C310D-496B-882C-D694-A9176EAE84D3}"/>
+              </a:ext>
+            </a:extLst>
+          </p:cNvPr>
+          <p:cNvCxnSpPr>
+            <a:cxnSpLocks/>
+            <a:stCxn id="42" idx="3"/>
+            <a:endCxn id="46" idx="1"/>
+          </p:cNvCxnSpPr>
+          <p:nvPr/>
+        </p:nvCxnSpPr>
+        <p:spPr>
+          <a:xfrm rot="16200000" flipH="1">
+            <a:off x="8507773" y="2039255"/>
+            <a:ext cx="497152" cy="892342"/>
+          </a:xfrm>
+          <a:prstGeom prst="bentConnector3">
+            <a:avLst>
+              <a:gd name="adj1" fmla="val 50000"/>
+            </a:avLst>
+          </a:prstGeom>
+          <a:ln>
+            <a:tailEnd type="triangle"/>
+          </a:ln>
+        </p:spPr>
+        <p:style>
+          <a:lnRef idx="1">
+            <a:schemeClr val="accent1"/>
+          </a:lnRef>
+          <a:fillRef idx="0">
+            <a:schemeClr val="accent1"/>
+          </a:fillRef>
+          <a:effectRef idx="0">
+            <a:schemeClr val="accent1"/>
+          </a:effectRef>
+          <a:fontRef idx="minor">
+            <a:schemeClr val="tx1"/>
+          </a:fontRef>
+        </p:style>
+      </p:cxnSp>
+      <p:cxnSp>
+        <p:nvCxnSpPr>
+          <p:cNvPr id="54" name="Connector: Elbow 53">
+            <a:extLst>
+              <a:ext uri="{FF2B5EF4-FFF2-40B4-BE49-F238E27FC236}">
+                <a16:creationId xmlns:a16="http://schemas.microsoft.com/office/drawing/2014/main" id="{0DCA1425-0A8A-46CF-F7FF-A30803CAA038}"/>
+              </a:ext>
+            </a:extLst>
+          </p:cNvPr>
+          <p:cNvCxnSpPr>
+            <a:cxnSpLocks/>
+            <a:stCxn id="43" idx="3"/>
+            <a:endCxn id="46" idx="1"/>
+          </p:cNvCxnSpPr>
+          <p:nvPr/>
+        </p:nvCxnSpPr>
+        <p:spPr>
+          <a:xfrm rot="5400000">
+            <a:off x="9385292" y="2064195"/>
+            <a:ext cx="487035" cy="852578"/>
+          </a:xfrm>
+          <a:prstGeom prst="bentConnector3">
+            <a:avLst>
+              <a:gd name="adj1" fmla="val 50000"/>
+            </a:avLst>
+          </a:prstGeom>
+          <a:ln>
+            <a:tailEnd type="triangle"/>
+          </a:ln>
+        </p:spPr>
+        <p:style>
+          <a:lnRef idx="1">
+            <a:schemeClr val="accent1"/>
+          </a:lnRef>
+          <a:fillRef idx="0">
+            <a:schemeClr val="accent1"/>
+          </a:fillRef>
+          <a:effectRef idx="0">
+            <a:schemeClr val="accent1"/>
+          </a:effectRef>
+          <a:fontRef idx="minor">
+            <a:schemeClr val="tx1"/>
+          </a:fontRef>
+        </p:style>
+      </p:cxnSp>
+      <p:cxnSp>
+        <p:nvCxnSpPr>
+          <p:cNvPr id="60" name="Straight Arrow Connector 59">
+            <a:extLst>
+              <a:ext uri="{FF2B5EF4-FFF2-40B4-BE49-F238E27FC236}">
+                <a16:creationId xmlns:a16="http://schemas.microsoft.com/office/drawing/2014/main" id="{86307C2A-C69E-76BF-1DF2-EC89E428FBDA}"/>
+              </a:ext>
+            </a:extLst>
+          </p:cNvPr>
+          <p:cNvCxnSpPr>
+            <a:stCxn id="46" idx="3"/>
+            <a:endCxn id="45" idx="0"/>
+          </p:cNvCxnSpPr>
+          <p:nvPr/>
+        </p:nvCxnSpPr>
+        <p:spPr>
+          <a:xfrm>
+            <a:off x="9202520" y="3310297"/>
+            <a:ext cx="0" cy="128319"/>
+          </a:xfrm>
+          <a:prstGeom prst="straightConnector1">
+            <a:avLst/>
+          </a:prstGeom>
+          <a:ln>
+            <a:tailEnd type="triangle"/>
+          </a:ln>
+        </p:spPr>
+        <p:style>
+          <a:lnRef idx="1">
+            <a:schemeClr val="accent1"/>
+          </a:lnRef>
+          <a:fillRef idx="0">
+            <a:schemeClr val="accent1"/>
+          </a:fillRef>
+          <a:effectRef idx="0">
+            <a:schemeClr val="accent1"/>
+          </a:effectRef>
+          <a:fontRef idx="minor">
+            <a:schemeClr val="tx1"/>
+          </a:fontRef>
+        </p:style>
+      </p:cxnSp>
+      <p:cxnSp>
+        <p:nvCxnSpPr>
+          <p:cNvPr id="61" name="Straight Arrow Connector 60">
+            <a:extLst>
+              <a:ext uri="{FF2B5EF4-FFF2-40B4-BE49-F238E27FC236}">
+                <a16:creationId xmlns:a16="http://schemas.microsoft.com/office/drawing/2014/main" id="{0EF4A534-51BC-CEF3-D87D-1B5430197B2B}"/>
+              </a:ext>
+            </a:extLst>
+          </p:cNvPr>
+          <p:cNvCxnSpPr>
+            <a:cxnSpLocks/>
+            <a:stCxn id="45" idx="2"/>
+            <a:endCxn id="47" idx="1"/>
+          </p:cNvCxnSpPr>
+          <p:nvPr/>
+        </p:nvCxnSpPr>
+        <p:spPr>
+          <a:xfrm>
+            <a:off x="9202520" y="3850097"/>
+            <a:ext cx="0" cy="143060"/>
+          </a:xfrm>
+          <a:prstGeom prst="straightConnector1">
+            <a:avLst/>
+          </a:prstGeom>
+          <a:ln>
+            <a:tailEnd type="triangle"/>
+          </a:ln>
+        </p:spPr>
+        <p:style>
+          <a:lnRef idx="1">
+            <a:schemeClr val="accent1"/>
+          </a:lnRef>
+          <a:fillRef idx="0">
+            <a:schemeClr val="accent1"/>
+          </a:fillRef>
+          <a:effectRef idx="0">
+            <a:schemeClr val="accent1"/>
+          </a:effectRef>
+          <a:fontRef idx="minor">
+            <a:schemeClr val="tx1"/>
+          </a:fontRef>
+        </p:style>
+      </p:cxnSp>
+      <p:cxnSp>
+        <p:nvCxnSpPr>
+          <p:cNvPr id="66" name="Straight Arrow Connector 65">
+            <a:extLst>
+              <a:ext uri="{FF2B5EF4-FFF2-40B4-BE49-F238E27FC236}">
+                <a16:creationId xmlns:a16="http://schemas.microsoft.com/office/drawing/2014/main" id="{F950242C-3B49-16DE-4B43-2FAF50496190}"/>
+              </a:ext>
+            </a:extLst>
+          </p:cNvPr>
+          <p:cNvCxnSpPr>
+            <a:cxnSpLocks/>
+            <a:stCxn id="47" idx="3"/>
+            <a:endCxn id="48" idx="0"/>
+          </p:cNvCxnSpPr>
+          <p:nvPr/>
+        </p:nvCxnSpPr>
+        <p:spPr>
+          <a:xfrm>
+            <a:off x="9202520" y="4569452"/>
+            <a:ext cx="0" cy="196563"/>
+          </a:xfrm>
+          <a:prstGeom prst="straightConnector1">
+            <a:avLst/>
+          </a:prstGeom>
+          <a:ln>
+            <a:tailEnd type="triangle"/>
+          </a:ln>
+        </p:spPr>
+        <p:style>
+          <a:lnRef idx="1">
+            <a:schemeClr val="accent1"/>
+          </a:lnRef>
+          <a:fillRef idx="0">
+            <a:schemeClr val="accent1"/>
+          </a:fillRef>
+          <a:effectRef idx="0">
+            <a:schemeClr val="accent1"/>
+          </a:effectRef>
+          <a:fontRef idx="minor">
+            <a:schemeClr val="tx1"/>
+          </a:fontRef>
+        </p:style>
+      </p:cxnSp>
     </p:spTree>
     <p:extLst>
       <p:ext uri="{BB962C8B-B14F-4D97-AF65-F5344CB8AC3E}">
@@ -4717,7 +5493,7 @@
         </p:spPr>
         <p:txBody>
           <a:bodyPr vert="horz" lIns="91440" tIns="45720" rIns="91440" bIns="45720" rtlCol="0" anchor="t">
-            <a:normAutofit fontScale="90000"/>
+            <a:normAutofit/>
           </a:bodyPr>
           <a:lstStyle/>
           <a:p>
@@ -4728,7 +5504,7 @@
             </a:pPr>
             <a:r>
               <a:rPr lang="en-US" sz="3400" dirty="0"/>
-              <a:t>Us map of counties by population and selected county</a:t>
+              <a:t>Study area</a:t>
             </a:r>
             <a:endParaRPr lang="en-US" sz="1800" dirty="0">
               <a:latin typeface="Abadi Extra Light" panose="020B0604020202020204" pitchFamily="34" charset="0"/>
@@ -4751,7 +5527,7 @@
         <p:spPr>
           <a:xfrm>
             <a:off x="669852" y="2663113"/>
-            <a:ext cx="5507428" cy="584775"/>
+            <a:ext cx="3608533" cy="1569660"/>
           </a:xfrm>
           <a:prstGeom prst="rect">
             <a:avLst/>
@@ -4768,7 +5544,26 @@
               <a:rPr lang="en-US" sz="1600" i="1" cap="none" dirty="0">
                 <a:latin typeface="Abadi Extra Light" panose="020B0604020202020204" pitchFamily="34" charset="0"/>
               </a:rPr>
-              <a:t>Description of your county, including FIPS code, associated state, region of the country, number of tracts and total population.</a:t>
+              <a:t>Description of your study area, including facility information (name, address, location coordinates, SO2 (tons/year), etc.</a:t>
+            </a:r>
+          </a:p>
+          <a:p>
+            <a:endParaRPr lang="en-US" sz="1600" i="1" dirty="0">
+              <a:latin typeface="Abadi Extra Light" panose="020B0604020202020204" pitchFamily="34" charset="0"/>
+            </a:endParaRPr>
+          </a:p>
+          <a:p>
+            <a:r>
+              <a:rPr lang="en-US" sz="1600" i="1" cap="none" dirty="0">
+                <a:latin typeface="Abadi Extra Light" panose="020B0604020202020204" pitchFamily="34" charset="0"/>
+              </a:rPr>
+              <a:t>Also, indicate study area boundaries with left exten</a:t>
+            </a:r>
+            <a:r>
+              <a:rPr lang="en-US" sz="1600" i="1" dirty="0">
+                <a:latin typeface="Abadi Extra Light" panose="020B0604020202020204" pitchFamily="34" charset="0"/>
+              </a:rPr>
+              <a:t>t (x) and bottom extent (y).</a:t>
             </a:r>
             <a:endParaRPr lang="en-US" sz="1600" cap="none" dirty="0">
               <a:latin typeface="Abadi Extra Light" panose="020B0604020202020204" pitchFamily="34" charset="0"/>
@@ -4778,10 +5573,10 @@
       </p:sp>
       <p:sp>
         <p:nvSpPr>
-          <p:cNvPr id="12" name="TextBox 11">
+          <p:cNvPr id="14" name="TextBox 13">
             <a:extLst>
               <a:ext uri="{FF2B5EF4-FFF2-40B4-BE49-F238E27FC236}">
-                <a16:creationId xmlns:a16="http://schemas.microsoft.com/office/drawing/2014/main" id="{87D582C6-CEC0-AFAA-58EF-768E3AC494E0}"/>
+                <a16:creationId xmlns:a16="http://schemas.microsoft.com/office/drawing/2014/main" id="{5FA5D987-B939-3DCD-11DB-DB188EA509C3}"/>
               </a:ext>
             </a:extLst>
           </p:cNvPr>
@@ -4790,8 +5585,8 @@
         </p:nvSpPr>
         <p:spPr>
           <a:xfrm>
-            <a:off x="700332" y="5580302"/>
-            <a:ext cx="5507428" cy="307777"/>
+            <a:off x="7533402" y="37090"/>
+            <a:ext cx="4457700" cy="646331"/>
           </a:xfrm>
           <a:prstGeom prst="rect">
             <a:avLst/>
@@ -4799,23 +5594,263 @@
           <a:noFill/>
         </p:spPr>
         <p:txBody>
-          <a:bodyPr wrap="square">
+          <a:bodyPr wrap="square" rtlCol="0">
             <a:spAutoFit/>
           </a:bodyPr>
           <a:lstStyle/>
           <a:p>
             <a:r>
-              <a:rPr lang="en-US" sz="1400" i="1" dirty="0">
-                <a:latin typeface="Abadi Extra Light" panose="020B0604020202020204" pitchFamily="34" charset="0"/>
-              </a:rPr>
-              <a:t>Data sources: US Census Bureau TIGER/Line; ACS 5-Year Estimates.</a:t>
-            </a:r>
-            <a:endParaRPr lang="en-US" sz="1400" i="1" cap="none" dirty="0">
-              <a:latin typeface="Abadi Extra Light" panose="020B0604020202020204" pitchFamily="34" charset="0"/>
-            </a:endParaRPr>
+              <a:rPr lang="en-US" dirty="0">
+                <a:solidFill>
+                  <a:schemeClr val="bg1"/>
+                </a:solidFill>
+                <a:latin typeface="+mj-lt"/>
+                <a:cs typeface="Courier New" panose="02070309020205020404" pitchFamily="49" charset="0"/>
+              </a:rPr>
+              <a:t>Study Area Map w/NEI Facilities by Annual SO2 Releases</a:t>
+            </a:r>
           </a:p>
         </p:txBody>
       </p:sp>
+      <p:sp>
+        <p:nvSpPr>
+          <p:cNvPr id="15" name="TextBox 14">
+            <a:extLst>
+              <a:ext uri="{FF2B5EF4-FFF2-40B4-BE49-F238E27FC236}">
+                <a16:creationId xmlns:a16="http://schemas.microsoft.com/office/drawing/2014/main" id="{7C33677F-7F18-E686-26AA-7FFEDD9BA220}"/>
+              </a:ext>
+            </a:extLst>
+          </p:cNvPr>
+          <p:cNvSpPr txBox="1"/>
+          <p:nvPr/>
+        </p:nvSpPr>
+        <p:spPr>
+          <a:xfrm>
+            <a:off x="4634519" y="1632061"/>
+            <a:ext cx="2483938" cy="3139321"/>
+          </a:xfrm>
+          <a:prstGeom prst="rect">
+            <a:avLst/>
+          </a:prstGeom>
+          <a:noFill/>
+        </p:spPr>
+        <p:txBody>
+          <a:bodyPr wrap="square" rtlCol="0">
+            <a:spAutoFit/>
+          </a:bodyPr>
+          <a:lstStyle/>
+          <a:p>
+            <a:r>
+              <a:rPr lang="en-US" b="1" dirty="0">
+                <a:latin typeface="Tahoma" panose="020B0604030504040204" pitchFamily="34" charset="0"/>
+                <a:ea typeface="Tahoma" panose="020B0604030504040204" pitchFamily="34" charset="0"/>
+                <a:cs typeface="Tahoma" panose="020B0604030504040204" pitchFamily="34" charset="0"/>
+              </a:rPr>
+              <a:t>Facility Information</a:t>
+            </a:r>
+          </a:p>
+          <a:p>
+            <a:endParaRPr lang="en-US" dirty="0">
+              <a:latin typeface="Tahoma" panose="020B0604030504040204" pitchFamily="34" charset="0"/>
+              <a:ea typeface="Tahoma" panose="020B0604030504040204" pitchFamily="34" charset="0"/>
+              <a:cs typeface="Tahoma" panose="020B0604030504040204" pitchFamily="34" charset="0"/>
+            </a:endParaRPr>
+          </a:p>
+          <a:p>
+            <a:r>
+              <a:rPr lang="en-US" altLang="en-US" sz="1400" dirty="0">
+                <a:latin typeface="Tahoma" panose="020B0604030504040204" pitchFamily="34" charset="0"/>
+                <a:ea typeface="Tahoma" panose="020B0604030504040204" pitchFamily="34" charset="0"/>
+                <a:cs typeface="Tahoma" panose="020B0604030504040204" pitchFamily="34" charset="0"/>
+              </a:rPr>
+              <a:t>Name:</a:t>
+            </a:r>
+          </a:p>
+          <a:p>
+            <a:r>
+              <a:rPr lang="en-US" altLang="en-US" sz="1400" dirty="0">
+                <a:latin typeface="Tahoma" panose="020B0604030504040204" pitchFamily="34" charset="0"/>
+                <a:ea typeface="Tahoma" panose="020B0604030504040204" pitchFamily="34" charset="0"/>
+                <a:cs typeface="Tahoma" panose="020B0604030504040204" pitchFamily="34" charset="0"/>
+              </a:rPr>
+              <a:t>Address:</a:t>
+            </a:r>
+          </a:p>
+          <a:p>
+            <a:r>
+              <a:rPr lang="en-US" altLang="en-US" sz="1400" dirty="0">
+                <a:latin typeface="Tahoma" panose="020B0604030504040204" pitchFamily="34" charset="0"/>
+                <a:ea typeface="Tahoma" panose="020B0604030504040204" pitchFamily="34" charset="0"/>
+                <a:cs typeface="Tahoma" panose="020B0604030504040204" pitchFamily="34" charset="0"/>
+              </a:rPr>
+              <a:t>Location: (X,Y)</a:t>
+            </a:r>
+          </a:p>
+          <a:p>
+            <a:r>
+              <a:rPr lang="en-US" altLang="en-US" sz="1400" dirty="0">
+                <a:latin typeface="Tahoma" panose="020B0604030504040204" pitchFamily="34" charset="0"/>
+                <a:ea typeface="Tahoma" panose="020B0604030504040204" pitchFamily="34" charset="0"/>
+                <a:cs typeface="Tahoma" panose="020B0604030504040204" pitchFamily="34" charset="0"/>
+              </a:rPr>
+              <a:t>SO2 (tons/year):</a:t>
+            </a:r>
+          </a:p>
+          <a:p>
+            <a:r>
+              <a:rPr lang="en-US" altLang="en-US" sz="1400" dirty="0">
+                <a:latin typeface="Tahoma" panose="020B0604030504040204" pitchFamily="34" charset="0"/>
+                <a:ea typeface="Tahoma" panose="020B0604030504040204" pitchFamily="34" charset="0"/>
+                <a:cs typeface="Tahoma" panose="020B0604030504040204" pitchFamily="34" charset="0"/>
+              </a:rPr>
+              <a:t>Data year: 2017</a:t>
+            </a:r>
+          </a:p>
+          <a:p>
+            <a:endParaRPr lang="en-US" altLang="en-US" sz="1400" b="1" dirty="0">
+              <a:latin typeface="Tahoma" panose="020B0604030504040204" pitchFamily="34" charset="0"/>
+              <a:ea typeface="Tahoma" panose="020B0604030504040204" pitchFamily="34" charset="0"/>
+              <a:cs typeface="Tahoma" panose="020B0604030504040204" pitchFamily="34" charset="0"/>
+            </a:endParaRPr>
+          </a:p>
+          <a:p>
+            <a:r>
+              <a:rPr lang="en-US" altLang="en-US" b="1" dirty="0">
+                <a:latin typeface="Tahoma" panose="020B0604030504040204" pitchFamily="34" charset="0"/>
+                <a:ea typeface="Tahoma" panose="020B0604030504040204" pitchFamily="34" charset="0"/>
+                <a:cs typeface="Tahoma" panose="020B0604030504040204" pitchFamily="34" charset="0"/>
+              </a:rPr>
+              <a:t>Study Area Boundaries</a:t>
+            </a:r>
+          </a:p>
+          <a:p>
+            <a:r>
+              <a:rPr lang="en-US" altLang="en-US" sz="1400" dirty="0">
+                <a:latin typeface="Tahoma" panose="020B0604030504040204" pitchFamily="34" charset="0"/>
+                <a:ea typeface="Tahoma" panose="020B0604030504040204" pitchFamily="34" charset="0"/>
+                <a:cs typeface="Tahoma" panose="020B0604030504040204" pitchFamily="34" charset="0"/>
+              </a:rPr>
+              <a:t>Left Extent (X)</a:t>
+            </a:r>
+          </a:p>
+          <a:p>
+            <a:r>
+              <a:rPr lang="en-US" altLang="en-US" sz="1400" dirty="0">
+                <a:latin typeface="Tahoma" panose="020B0604030504040204" pitchFamily="34" charset="0"/>
+                <a:ea typeface="Tahoma" panose="020B0604030504040204" pitchFamily="34" charset="0"/>
+                <a:cs typeface="Tahoma" panose="020B0604030504040204" pitchFamily="34" charset="0"/>
+              </a:rPr>
+              <a:t>Bottom Extent (Y)</a:t>
+            </a:r>
+          </a:p>
+          <a:p>
+            <a:endParaRPr lang="en-US" sz="1400" dirty="0">
+              <a:latin typeface="Tahoma" panose="020B0604030504040204" pitchFamily="34" charset="0"/>
+              <a:ea typeface="Tahoma" panose="020B0604030504040204" pitchFamily="34" charset="0"/>
+              <a:cs typeface="Tahoma" panose="020B0604030504040204" pitchFamily="34" charset="0"/>
+            </a:endParaRPr>
+          </a:p>
+        </p:txBody>
+      </p:sp>
+      <p:sp>
+        <p:nvSpPr>
+          <p:cNvPr id="16" name="TextBox 15">
+            <a:extLst>
+              <a:ext uri="{FF2B5EF4-FFF2-40B4-BE49-F238E27FC236}">
+                <a16:creationId xmlns:a16="http://schemas.microsoft.com/office/drawing/2014/main" id="{8702FD58-5DD5-5C59-D083-AEDED7A91487}"/>
+              </a:ext>
+            </a:extLst>
+          </p:cNvPr>
+          <p:cNvSpPr txBox="1"/>
+          <p:nvPr/>
+        </p:nvSpPr>
+        <p:spPr>
+          <a:xfrm>
+            <a:off x="7623735" y="5848671"/>
+            <a:ext cx="1047466" cy="830997"/>
+          </a:xfrm>
+          <a:prstGeom prst="rect">
+            <a:avLst/>
+          </a:prstGeom>
+          <a:noFill/>
+        </p:spPr>
+        <p:txBody>
+          <a:bodyPr wrap="none" rtlCol="0">
+            <a:spAutoFit/>
+          </a:bodyPr>
+          <a:lstStyle/>
+          <a:p>
+            <a:r>
+              <a:rPr lang="en-US" sz="1200" dirty="0">
+                <a:solidFill>
+                  <a:schemeClr val="bg1"/>
+                </a:solidFill>
+              </a:rPr>
+              <a:t>Legend</a:t>
+            </a:r>
+          </a:p>
+          <a:p>
+            <a:r>
+              <a:rPr lang="en-US" sz="1200" dirty="0">
+                <a:solidFill>
+                  <a:schemeClr val="bg1"/>
+                </a:solidFill>
+              </a:rPr>
+              <a:t>Scale</a:t>
+            </a:r>
+          </a:p>
+          <a:p>
+            <a:r>
+              <a:rPr lang="en-US" sz="1200" dirty="0">
+                <a:solidFill>
+                  <a:schemeClr val="bg1"/>
+                </a:solidFill>
+              </a:rPr>
+              <a:t>Data source</a:t>
+            </a:r>
+          </a:p>
+          <a:p>
+            <a:r>
+              <a:rPr lang="en-US" sz="1200" dirty="0">
+                <a:solidFill>
+                  <a:schemeClr val="bg1"/>
+                </a:solidFill>
+              </a:rPr>
+              <a:t>North Arrow</a:t>
+            </a:r>
+          </a:p>
+        </p:txBody>
+      </p:sp>
+      <p:pic>
+        <p:nvPicPr>
+          <p:cNvPr id="17" name="Picture 16">
+            <a:extLst>
+              <a:ext uri="{FF2B5EF4-FFF2-40B4-BE49-F238E27FC236}">
+                <a16:creationId xmlns:a16="http://schemas.microsoft.com/office/drawing/2014/main" id="{FDC5871F-3C36-38F0-DC43-F5968DCB1151}"/>
+              </a:ext>
+            </a:extLst>
+          </p:cNvPr>
+          <p:cNvPicPr>
+            <a:picLocks noChangeAspect="1"/>
+          </p:cNvPicPr>
+          <p:nvPr/>
+        </p:nvPicPr>
+        <p:blipFill>
+          <a:blip r:embed="rId2"/>
+          <a:stretch>
+            <a:fillRect/>
+          </a:stretch>
+        </p:blipFill>
+        <p:spPr>
+          <a:xfrm>
+            <a:off x="7474591" y="918833"/>
+            <a:ext cx="3885171" cy="5240463"/>
+          </a:xfrm>
+          <a:prstGeom prst="rect">
+            <a:avLst/>
+          </a:prstGeom>
+        </p:spPr>
+      </p:pic>
     </p:spTree>
     <p:extLst>
       <p:ext uri="{BB962C8B-B14F-4D97-AF65-F5344CB8AC3E}">
@@ -4881,19 +5916,22 @@
             </a:pPr>
             <a:r>
               <a:rPr lang="en-US" sz="3400" dirty="0"/>
-              <a:t>Bivariate correlation plot of </a:t>
-            </a:r>
-            <a:r>
-              <a:rPr lang="en-US" sz="3400" dirty="0" err="1"/>
-              <a:t>svi</a:t>
-            </a:r>
-            <a:r>
+              <a:t>Single </a:t>
+            </a:r>
+            <a:br>
               <a:rPr lang="en-US" sz="3400" dirty="0"/>
-              <a:t> and places variables</a:t>
-            </a:r>
-            <a:endParaRPr lang="en-US" sz="1800" dirty="0">
-              <a:latin typeface="Abadi Extra Light" panose="020B0604020202020204" pitchFamily="34" charset="0"/>
-            </a:endParaRPr>
+            </a:br>
+            <a:r>
+              <a:rPr lang="en-US" sz="3400" dirty="0"/>
+              <a:t>Facility-Based </a:t>
+            </a:r>
+            <a:br>
+              <a:rPr lang="en-US" sz="3400" dirty="0"/>
+            </a:br>
+            <a:r>
+              <a:rPr lang="en-US" sz="3400" dirty="0"/>
+              <a:t>Emissions Concentrations</a:t>
+            </a:r>
           </a:p>
         </p:txBody>
       </p:sp>
@@ -4911,8 +5949,8 @@
         </p:nvSpPr>
         <p:spPr>
           <a:xfrm>
-            <a:off x="669852" y="2663113"/>
-            <a:ext cx="5507428" cy="338554"/>
+            <a:off x="669852" y="3221664"/>
+            <a:ext cx="3465920" cy="584775"/>
           </a:xfrm>
           <a:prstGeom prst="rect">
             <a:avLst/>
@@ -4929,51 +5967,527 @@
               <a:rPr lang="en-US" sz="1600" i="1" cap="none" dirty="0">
                 <a:latin typeface="Abadi Extra Light" panose="020B0604020202020204" pitchFamily="34" charset="0"/>
               </a:rPr>
-              <a:t>Analysis of the correlation plot.</a:t>
-            </a:r>
-            <a:endParaRPr lang="en-US" sz="1600" cap="none" dirty="0">
-              <a:latin typeface="Abadi Extra Light" panose="020B0604020202020204" pitchFamily="34" charset="0"/>
-            </a:endParaRPr>
+              <a:t>Summary and comparison of distributions, concentrations </a:t>
+            </a:r>
           </a:p>
         </p:txBody>
       </p:sp>
-      <p:sp>
-        <p:nvSpPr>
-          <p:cNvPr id="12" name="TextBox 11">
+      <p:grpSp>
+        <p:nvGrpSpPr>
+          <p:cNvPr id="2" name="Group 1">
             <a:extLst>
               <a:ext uri="{FF2B5EF4-FFF2-40B4-BE49-F238E27FC236}">
-                <a16:creationId xmlns:a16="http://schemas.microsoft.com/office/drawing/2014/main" id="{87D582C6-CEC0-AFAA-58EF-768E3AC494E0}"/>
+                <a16:creationId xmlns:a16="http://schemas.microsoft.com/office/drawing/2014/main" id="{F6B5E743-060C-A228-64AA-F7562ADA3688}"/>
               </a:ext>
             </a:extLst>
           </p:cNvPr>
-          <p:cNvSpPr txBox="1"/>
+          <p:cNvGrpSpPr/>
+          <p:nvPr/>
+        </p:nvGrpSpPr>
+        <p:grpSpPr>
+          <a:xfrm>
+            <a:off x="4667933" y="1277698"/>
+            <a:ext cx="3219819" cy="4610381"/>
+            <a:chOff x="140676" y="1089946"/>
+            <a:chExt cx="3851031" cy="5514198"/>
+          </a:xfrm>
+        </p:grpSpPr>
+        <p:pic>
+          <p:nvPicPr>
+            <p:cNvPr id="3" name="Picture 2">
+              <a:extLst>
+                <a:ext uri="{FF2B5EF4-FFF2-40B4-BE49-F238E27FC236}">
+                  <a16:creationId xmlns:a16="http://schemas.microsoft.com/office/drawing/2014/main" id="{7FB9AC3E-4279-4A4D-A84C-3C2F8D18BC4E}"/>
+                </a:ext>
+              </a:extLst>
+            </p:cNvPr>
+            <p:cNvPicPr>
+              <a:picLocks noChangeAspect="1"/>
+            </p:cNvPicPr>
+            <p:nvPr/>
+          </p:nvPicPr>
+          <p:blipFill>
+            <a:blip r:embed="rId2"/>
+            <a:stretch>
+              <a:fillRect/>
+            </a:stretch>
+          </p:blipFill>
+          <p:spPr>
+            <a:xfrm>
+              <a:off x="140676" y="1089946"/>
+              <a:ext cx="3851031" cy="3875191"/>
+            </a:xfrm>
+            <a:prstGeom prst="rect">
+              <a:avLst/>
+            </a:prstGeom>
+          </p:spPr>
+        </p:pic>
+        <p:pic>
+          <p:nvPicPr>
+            <p:cNvPr id="4" name="Picture 3">
+              <a:extLst>
+                <a:ext uri="{FF2B5EF4-FFF2-40B4-BE49-F238E27FC236}">
+                  <a16:creationId xmlns:a16="http://schemas.microsoft.com/office/drawing/2014/main" id="{03F81EF8-7ABF-833C-83D9-7E31A6DEEEFC}"/>
+                </a:ext>
+              </a:extLst>
+            </p:cNvPr>
+            <p:cNvPicPr>
+              <a:picLocks noChangeAspect="1"/>
+            </p:cNvPicPr>
+            <p:nvPr/>
+          </p:nvPicPr>
+          <p:blipFill>
+            <a:blip r:embed="rId3"/>
+            <a:stretch>
+              <a:fillRect/>
+            </a:stretch>
+          </p:blipFill>
+          <p:spPr>
+            <a:xfrm>
+              <a:off x="232662" y="4268345"/>
+              <a:ext cx="929721" cy="624894"/>
+            </a:xfrm>
+            <a:prstGeom prst="rect">
+              <a:avLst/>
+            </a:prstGeom>
+          </p:spPr>
+        </p:pic>
+        <p:pic>
+          <p:nvPicPr>
+            <p:cNvPr id="5" name="Picture 4">
+              <a:extLst>
+                <a:ext uri="{FF2B5EF4-FFF2-40B4-BE49-F238E27FC236}">
+                  <a16:creationId xmlns:a16="http://schemas.microsoft.com/office/drawing/2014/main" id="{5FFE3818-AA83-99A3-1E18-14467E636D54}"/>
+                </a:ext>
+              </a:extLst>
+            </p:cNvPr>
+            <p:cNvPicPr>
+              <a:picLocks noChangeAspect="1"/>
+            </p:cNvPicPr>
+            <p:nvPr/>
+          </p:nvPicPr>
+          <p:blipFill rotWithShape="1">
+            <a:blip r:embed="rId4"/>
+            <a:srcRect l="1875" t="8440" r="21497" b="27251"/>
+            <a:stretch/>
+          </p:blipFill>
+          <p:spPr>
+            <a:xfrm>
+              <a:off x="140676" y="5081954"/>
+              <a:ext cx="3851031" cy="1522190"/>
+            </a:xfrm>
+            <a:prstGeom prst="rect">
+              <a:avLst/>
+            </a:prstGeom>
+          </p:spPr>
+        </p:pic>
+      </p:grpSp>
+      <p:grpSp>
+        <p:nvGrpSpPr>
+          <p:cNvPr id="7" name="Group 6">
+            <a:extLst>
+              <a:ext uri="{FF2B5EF4-FFF2-40B4-BE49-F238E27FC236}">
+                <a16:creationId xmlns:a16="http://schemas.microsoft.com/office/drawing/2014/main" id="{D9C03AC1-3084-5853-836B-6F80859F8DE6}"/>
+              </a:ext>
+            </a:extLst>
+          </p:cNvPr>
+          <p:cNvGrpSpPr/>
+          <p:nvPr/>
+        </p:nvGrpSpPr>
+        <p:grpSpPr>
+          <a:xfrm>
+            <a:off x="8006463" y="1277698"/>
+            <a:ext cx="3219819" cy="4610381"/>
+            <a:chOff x="140676" y="1089946"/>
+            <a:chExt cx="3851031" cy="5514198"/>
+          </a:xfrm>
+        </p:grpSpPr>
+        <p:pic>
+          <p:nvPicPr>
+            <p:cNvPr id="8" name="Picture 7">
+              <a:extLst>
+                <a:ext uri="{FF2B5EF4-FFF2-40B4-BE49-F238E27FC236}">
+                  <a16:creationId xmlns:a16="http://schemas.microsoft.com/office/drawing/2014/main" id="{3B51A9CE-7C9D-B915-AB3C-574FD23BEFDB}"/>
+                </a:ext>
+              </a:extLst>
+            </p:cNvPr>
+            <p:cNvPicPr>
+              <a:picLocks noChangeAspect="1"/>
+            </p:cNvPicPr>
+            <p:nvPr/>
+          </p:nvPicPr>
+          <p:blipFill>
+            <a:blip r:embed="rId2"/>
+            <a:stretch>
+              <a:fillRect/>
+            </a:stretch>
+          </p:blipFill>
+          <p:spPr>
+            <a:xfrm>
+              <a:off x="140676" y="1089946"/>
+              <a:ext cx="3851031" cy="3875191"/>
+            </a:xfrm>
+            <a:prstGeom prst="rect">
+              <a:avLst/>
+            </a:prstGeom>
+          </p:spPr>
+        </p:pic>
+        <p:pic>
+          <p:nvPicPr>
+            <p:cNvPr id="9" name="Picture 8">
+              <a:extLst>
+                <a:ext uri="{FF2B5EF4-FFF2-40B4-BE49-F238E27FC236}">
+                  <a16:creationId xmlns:a16="http://schemas.microsoft.com/office/drawing/2014/main" id="{AFD72A69-F6C5-DB9A-9413-2355D0B2F268}"/>
+                </a:ext>
+              </a:extLst>
+            </p:cNvPr>
+            <p:cNvPicPr>
+              <a:picLocks noChangeAspect="1"/>
+            </p:cNvPicPr>
+            <p:nvPr/>
+          </p:nvPicPr>
+          <p:blipFill>
+            <a:blip r:embed="rId3"/>
+            <a:stretch>
+              <a:fillRect/>
+            </a:stretch>
+          </p:blipFill>
+          <p:spPr>
+            <a:xfrm>
+              <a:off x="232662" y="4268345"/>
+              <a:ext cx="929721" cy="624894"/>
+            </a:xfrm>
+            <a:prstGeom prst="rect">
+              <a:avLst/>
+            </a:prstGeom>
+          </p:spPr>
+        </p:pic>
+        <p:pic>
+          <p:nvPicPr>
+            <p:cNvPr id="10" name="Picture 9">
+              <a:extLst>
+                <a:ext uri="{FF2B5EF4-FFF2-40B4-BE49-F238E27FC236}">
+                  <a16:creationId xmlns:a16="http://schemas.microsoft.com/office/drawing/2014/main" id="{FC7C7DD6-952D-CD3F-BD4B-20CDD09B4692}"/>
+                </a:ext>
+              </a:extLst>
+            </p:cNvPr>
+            <p:cNvPicPr>
+              <a:picLocks noChangeAspect="1"/>
+            </p:cNvPicPr>
+            <p:nvPr/>
+          </p:nvPicPr>
+          <p:blipFill rotWithShape="1">
+            <a:blip r:embed="rId4"/>
+            <a:srcRect l="1875" t="8440" r="21497" b="27251"/>
+            <a:stretch/>
+          </p:blipFill>
+          <p:spPr>
+            <a:xfrm>
+              <a:off x="140676" y="5081954"/>
+              <a:ext cx="3851031" cy="1522190"/>
+            </a:xfrm>
+            <a:prstGeom prst="rect">
+              <a:avLst/>
+            </a:prstGeom>
+          </p:spPr>
+        </p:pic>
+      </p:grpSp>
+      <p:sp>
+        <p:nvSpPr>
+          <p:cNvPr id="15" name="TextBox 9">
+            <a:extLst>
+              <a:ext uri="{FF2B5EF4-FFF2-40B4-BE49-F238E27FC236}">
+                <a16:creationId xmlns:a16="http://schemas.microsoft.com/office/drawing/2014/main" id="{910076E6-E3F6-9D03-F5BE-AA0AF001C999}"/>
+              </a:ext>
+            </a:extLst>
+          </p:cNvPr>
+          <p:cNvSpPr txBox="1">
+            <a:spLocks noChangeArrowheads="1"/>
+          </p:cNvSpPr>
           <p:nvPr/>
         </p:nvSpPr>
-        <p:spPr>
+        <p:spPr bwMode="auto">
           <a:xfrm>
-            <a:off x="700332" y="5580302"/>
-            <a:ext cx="5507428" cy="307777"/>
+            <a:off x="4937376" y="995362"/>
+            <a:ext cx="3323346" cy="369332"/>
           </a:xfrm>
           <a:prstGeom prst="rect">
             <a:avLst/>
           </a:prstGeom>
           <a:noFill/>
+          <a:ln>
+            <a:noFill/>
+          </a:ln>
+          <a:extLst>
+            <a:ext uri="{909E8E84-426E-40DD-AFC4-6F175D3DCCD1}">
+              <a14:hiddenFill xmlns:a14="http://schemas.microsoft.com/office/drawing/2010/main">
+                <a:solidFill>
+                  <a:srgbClr val="FFFFFF"/>
+                </a:solidFill>
+              </a14:hiddenFill>
+            </a:ext>
+            <a:ext uri="{91240B29-F687-4F45-9708-019B960494DF}">
+              <a14:hiddenLine xmlns:a14="http://schemas.microsoft.com/office/drawing/2010/main" w="9525">
+                <a:solidFill>
+                  <a:srgbClr val="000000"/>
+                </a:solidFill>
+                <a:miter lim="800000"/>
+                <a:headEnd/>
+                <a:tailEnd/>
+              </a14:hiddenLine>
+            </a:ext>
+          </a:extLst>
         </p:spPr>
         <p:txBody>
-          <a:bodyPr wrap="square">
+          <a:bodyPr wrap="none">
             <a:spAutoFit/>
           </a:bodyPr>
-          <a:lstStyle/>
-          <a:p>
-            <a:r>
-              <a:rPr lang="en-US" sz="1400" i="1" dirty="0">
-                <a:latin typeface="Abadi Extra Light" panose="020B0604020202020204" pitchFamily="34" charset="0"/>
-              </a:rPr>
-              <a:t>Data sources: CDC PLACES; CDC SVI.</a:t>
-            </a:r>
-            <a:endParaRPr lang="en-US" sz="1400" i="1" cap="none" dirty="0">
-              <a:latin typeface="Abadi Extra Light" panose="020B0604020202020204" pitchFamily="34" charset="0"/>
-            </a:endParaRPr>
+          <a:lstStyle>
+            <a:lvl1pPr eaLnBrk="0" hangingPunct="0">
+              <a:defRPr>
+                <a:solidFill>
+                  <a:schemeClr val="tx1"/>
+                </a:solidFill>
+                <a:latin typeface="Arial" panose="020B0604020202020204" pitchFamily="34" charset="0"/>
+              </a:defRPr>
+            </a:lvl1pPr>
+            <a:lvl2pPr marL="742950" indent="-285750" eaLnBrk="0" hangingPunct="0">
+              <a:defRPr>
+                <a:solidFill>
+                  <a:schemeClr val="tx1"/>
+                </a:solidFill>
+                <a:latin typeface="Arial" panose="020B0604020202020204" pitchFamily="34" charset="0"/>
+              </a:defRPr>
+            </a:lvl2pPr>
+            <a:lvl3pPr marL="1143000" indent="-228600" eaLnBrk="0" hangingPunct="0">
+              <a:defRPr>
+                <a:solidFill>
+                  <a:schemeClr val="tx1"/>
+                </a:solidFill>
+                <a:latin typeface="Arial" panose="020B0604020202020204" pitchFamily="34" charset="0"/>
+              </a:defRPr>
+            </a:lvl3pPr>
+            <a:lvl4pPr marL="1600200" indent="-228600" eaLnBrk="0" hangingPunct="0">
+              <a:defRPr>
+                <a:solidFill>
+                  <a:schemeClr val="tx1"/>
+                </a:solidFill>
+                <a:latin typeface="Arial" panose="020B0604020202020204" pitchFamily="34" charset="0"/>
+              </a:defRPr>
+            </a:lvl4pPr>
+            <a:lvl5pPr marL="2057400" indent="-228600" eaLnBrk="0" hangingPunct="0">
+              <a:defRPr>
+                <a:solidFill>
+                  <a:schemeClr val="tx1"/>
+                </a:solidFill>
+                <a:latin typeface="Arial" panose="020B0604020202020204" pitchFamily="34" charset="0"/>
+              </a:defRPr>
+            </a:lvl5pPr>
+            <a:lvl6pPr marL="2514600" indent="-228600" eaLnBrk="0" fontAlgn="base" hangingPunct="0">
+              <a:spcBef>
+                <a:spcPct val="0"/>
+              </a:spcBef>
+              <a:spcAft>
+                <a:spcPct val="0"/>
+              </a:spcAft>
+              <a:defRPr>
+                <a:solidFill>
+                  <a:schemeClr val="tx1"/>
+                </a:solidFill>
+                <a:latin typeface="Arial" panose="020B0604020202020204" pitchFamily="34" charset="0"/>
+              </a:defRPr>
+            </a:lvl6pPr>
+            <a:lvl7pPr marL="2971800" indent="-228600" eaLnBrk="0" fontAlgn="base" hangingPunct="0">
+              <a:spcBef>
+                <a:spcPct val="0"/>
+              </a:spcBef>
+              <a:spcAft>
+                <a:spcPct val="0"/>
+              </a:spcAft>
+              <a:defRPr>
+                <a:solidFill>
+                  <a:schemeClr val="tx1"/>
+                </a:solidFill>
+                <a:latin typeface="Arial" panose="020B0604020202020204" pitchFamily="34" charset="0"/>
+              </a:defRPr>
+            </a:lvl7pPr>
+            <a:lvl8pPr marL="3429000" indent="-228600" eaLnBrk="0" fontAlgn="base" hangingPunct="0">
+              <a:spcBef>
+                <a:spcPct val="0"/>
+              </a:spcBef>
+              <a:spcAft>
+                <a:spcPct val="0"/>
+              </a:spcAft>
+              <a:defRPr>
+                <a:solidFill>
+                  <a:schemeClr val="tx1"/>
+                </a:solidFill>
+                <a:latin typeface="Arial" panose="020B0604020202020204" pitchFamily="34" charset="0"/>
+              </a:defRPr>
+            </a:lvl8pPr>
+            <a:lvl9pPr marL="3886200" indent="-228600" eaLnBrk="0" fontAlgn="base" hangingPunct="0">
+              <a:spcBef>
+                <a:spcPct val="0"/>
+              </a:spcBef>
+              <a:spcAft>
+                <a:spcPct val="0"/>
+              </a:spcAft>
+              <a:defRPr>
+                <a:solidFill>
+                  <a:schemeClr val="tx1"/>
+                </a:solidFill>
+                <a:latin typeface="Arial" panose="020B0604020202020204" pitchFamily="34" charset="0"/>
+              </a:defRPr>
+            </a:lvl9pPr>
+          </a:lstStyle>
+          <a:p>
+            <a:pPr eaLnBrk="1" hangingPunct="1"/>
+            <a:r>
+              <a:rPr lang="en-US" altLang="en-US" b="1" dirty="0">
+                <a:latin typeface="+mj-lt"/>
+              </a:rPr>
+              <a:t>SO2—Max 3hr Concentrations</a:t>
+            </a:r>
+          </a:p>
+        </p:txBody>
+      </p:sp>
+      <p:sp>
+        <p:nvSpPr>
+          <p:cNvPr id="16" name="TextBox 10">
+            <a:extLst>
+              <a:ext uri="{FF2B5EF4-FFF2-40B4-BE49-F238E27FC236}">
+                <a16:creationId xmlns:a16="http://schemas.microsoft.com/office/drawing/2014/main" id="{974C831D-0178-0F6C-672E-47365F4532DD}"/>
+              </a:ext>
+            </a:extLst>
+          </p:cNvPr>
+          <p:cNvSpPr txBox="1">
+            <a:spLocks noChangeArrowheads="1"/>
+          </p:cNvSpPr>
+          <p:nvPr/>
+        </p:nvSpPr>
+        <p:spPr bwMode="auto">
+          <a:xfrm>
+            <a:off x="8206063" y="995362"/>
+            <a:ext cx="3382657" cy="369332"/>
+          </a:xfrm>
+          <a:prstGeom prst="rect">
+            <a:avLst/>
+          </a:prstGeom>
+          <a:noFill/>
+          <a:ln>
+            <a:noFill/>
+          </a:ln>
+          <a:extLst>
+            <a:ext uri="{909E8E84-426E-40DD-AFC4-6F175D3DCCD1}">
+              <a14:hiddenFill xmlns:a14="http://schemas.microsoft.com/office/drawing/2010/main">
+                <a:solidFill>
+                  <a:srgbClr val="FFFFFF"/>
+                </a:solidFill>
+              </a14:hiddenFill>
+            </a:ext>
+            <a:ext uri="{91240B29-F687-4F45-9708-019B960494DF}">
+              <a14:hiddenLine xmlns:a14="http://schemas.microsoft.com/office/drawing/2010/main" w="9525">
+                <a:solidFill>
+                  <a:srgbClr val="000000"/>
+                </a:solidFill>
+                <a:miter lim="800000"/>
+                <a:headEnd/>
+                <a:tailEnd/>
+              </a14:hiddenLine>
+            </a:ext>
+          </a:extLst>
+        </p:spPr>
+        <p:txBody>
+          <a:bodyPr wrap="none">
+            <a:spAutoFit/>
+          </a:bodyPr>
+          <a:lstStyle>
+            <a:defPPr>
+              <a:defRPr lang="en-US"/>
+            </a:defPPr>
+            <a:lvl1pPr>
+              <a:defRPr b="1">
+                <a:latin typeface="+mj-lt"/>
+              </a:defRPr>
+            </a:lvl1pPr>
+            <a:lvl2pPr marL="742950" indent="-285750" eaLnBrk="0" hangingPunct="0">
+              <a:defRPr>
+                <a:latin typeface="Arial" panose="020B0604020202020204" pitchFamily="34" charset="0"/>
+              </a:defRPr>
+            </a:lvl2pPr>
+            <a:lvl3pPr marL="1143000" indent="-228600" eaLnBrk="0" hangingPunct="0">
+              <a:defRPr>
+                <a:latin typeface="Arial" panose="020B0604020202020204" pitchFamily="34" charset="0"/>
+              </a:defRPr>
+            </a:lvl3pPr>
+            <a:lvl4pPr marL="1600200" indent="-228600" eaLnBrk="0" hangingPunct="0">
+              <a:defRPr>
+                <a:latin typeface="Arial" panose="020B0604020202020204" pitchFamily="34" charset="0"/>
+              </a:defRPr>
+            </a:lvl4pPr>
+            <a:lvl5pPr marL="2057400" indent="-228600" eaLnBrk="0" hangingPunct="0">
+              <a:defRPr>
+                <a:latin typeface="Arial" panose="020B0604020202020204" pitchFamily="34" charset="0"/>
+              </a:defRPr>
+            </a:lvl5pPr>
+            <a:lvl6pPr marL="2514600" indent="-228600" eaLnBrk="0" fontAlgn="base" hangingPunct="0">
+              <a:spcBef>
+                <a:spcPct val="0"/>
+              </a:spcBef>
+              <a:spcAft>
+                <a:spcPct val="0"/>
+              </a:spcAft>
+              <a:defRPr>
+                <a:latin typeface="Arial" panose="020B0604020202020204" pitchFamily="34" charset="0"/>
+              </a:defRPr>
+            </a:lvl6pPr>
+            <a:lvl7pPr marL="2971800" indent="-228600" eaLnBrk="0" fontAlgn="base" hangingPunct="0">
+              <a:spcBef>
+                <a:spcPct val="0"/>
+              </a:spcBef>
+              <a:spcAft>
+                <a:spcPct val="0"/>
+              </a:spcAft>
+              <a:defRPr>
+                <a:latin typeface="Arial" panose="020B0604020202020204" pitchFamily="34" charset="0"/>
+              </a:defRPr>
+            </a:lvl7pPr>
+            <a:lvl8pPr marL="3429000" indent="-228600" eaLnBrk="0" fontAlgn="base" hangingPunct="0">
+              <a:spcBef>
+                <a:spcPct val="0"/>
+              </a:spcBef>
+              <a:spcAft>
+                <a:spcPct val="0"/>
+              </a:spcAft>
+              <a:defRPr>
+                <a:latin typeface="Arial" panose="020B0604020202020204" pitchFamily="34" charset="0"/>
+              </a:defRPr>
+            </a:lvl8pPr>
+            <a:lvl9pPr marL="3886200" indent="-228600" eaLnBrk="0" fontAlgn="base" hangingPunct="0">
+              <a:spcBef>
+                <a:spcPct val="0"/>
+              </a:spcBef>
+              <a:spcAft>
+                <a:spcPct val="0"/>
+              </a:spcAft>
+              <a:defRPr>
+                <a:latin typeface="Arial" panose="020B0604020202020204" pitchFamily="34" charset="0"/>
+              </a:defRPr>
+            </a:lvl9pPr>
+          </a:lstStyle>
+          <a:p>
+            <a:r>
+              <a:rPr lang="en-US" altLang="en-US" dirty="0"/>
+              <a:t>SO2—Max 1 </a:t>
+            </a:r>
+            <a:r>
+              <a:rPr lang="en-US" altLang="en-US" dirty="0" err="1"/>
+              <a:t>hr</a:t>
+            </a:r>
+            <a:r>
+              <a:rPr lang="en-US" altLang="en-US" dirty="0"/>
+              <a:t> Concentrations</a:t>
+            </a:r>
           </a:p>
         </p:txBody>
       </p:sp>
@@ -5026,7 +6540,7 @@
         <p:spPr>
           <a:xfrm>
             <a:off x="669852" y="870596"/>
-            <a:ext cx="5029210" cy="577205"/>
+            <a:ext cx="3635643" cy="577205"/>
           </a:xfrm>
         </p:spPr>
         <p:txBody>
@@ -5041,68 +6555,12 @@
               </a:lnSpc>
             </a:pPr>
             <a:r>
-              <a:rPr lang="en-US" sz="3400" dirty="0" err="1"/>
-              <a:t>Cdc</a:t>
-            </a:r>
-            <a:r>
               <a:rPr lang="en-US" sz="3400" dirty="0"/>
-              <a:t> places measure title</a:t>
-            </a:r>
-            <a:br>
-              <a:rPr lang="en-US" sz="3400" dirty="0"/>
-            </a:br>
-            <a:r>
-              <a:rPr lang="en-US" sz="3400" dirty="0">
-                <a:solidFill>
-                  <a:schemeClr val="bg1">
-                    <a:lumMod val="50000"/>
-                  </a:schemeClr>
-                </a:solidFill>
-              </a:rPr>
-              <a:t>units</a:t>
-            </a:r>
-            <a:endParaRPr lang="en-US" sz="1800" dirty="0">
-              <a:latin typeface="Abadi Extra Light" panose="020B0604020202020204" pitchFamily="34" charset="0"/>
-            </a:endParaRPr>
+              <a:t>Cumulative Emissions Concentrations</a:t>
+            </a:r>
           </a:p>
         </p:txBody>
       </p:sp>
-      <p:pic>
-        <p:nvPicPr>
-          <p:cNvPr id="9" name="Picture 8" descr="Diagram&#10;&#10;Description automatically generated">
-            <a:extLst>
-              <a:ext uri="{FF2B5EF4-FFF2-40B4-BE49-F238E27FC236}">
-                <a16:creationId xmlns:a16="http://schemas.microsoft.com/office/drawing/2014/main" id="{1519A766-3B04-ADD5-768D-E7F1CE9DA020}"/>
-              </a:ext>
-            </a:extLst>
-          </p:cNvPr>
-          <p:cNvPicPr>
-            <a:picLocks noChangeAspect="1"/>
-          </p:cNvPicPr>
-          <p:nvPr/>
-        </p:nvPicPr>
-        <p:blipFill>
-          <a:blip r:embed="rId2">
-            <a:extLst>
-              <a:ext uri="{28A0092B-C50C-407E-A947-70E740481C1C}">
-                <a14:useLocalDpi xmlns:a14="http://schemas.microsoft.com/office/drawing/2010/main" val="0"/>
-              </a:ext>
-            </a:extLst>
-          </a:blip>
-          <a:stretch>
-            <a:fillRect/>
-          </a:stretch>
-        </p:blipFill>
-        <p:spPr>
-          <a:xfrm>
-            <a:off x="6634768" y="914395"/>
-            <a:ext cx="5029210" cy="5029210"/>
-          </a:xfrm>
-          <a:prstGeom prst="rect">
-            <a:avLst/>
-          </a:prstGeom>
-        </p:spPr>
-      </p:pic>
       <p:sp>
         <p:nvSpPr>
           <p:cNvPr id="11" name="TextBox 10">
@@ -5117,8 +6575,8 @@
         </p:nvSpPr>
         <p:spPr>
           <a:xfrm>
-            <a:off x="669852" y="2663113"/>
-            <a:ext cx="5507428" cy="584775"/>
+            <a:off x="669852" y="3221664"/>
+            <a:ext cx="3465920" cy="584775"/>
           </a:xfrm>
           <a:prstGeom prst="rect">
             <a:avLst/>
@@ -5135,58 +6593,534 @@
               <a:rPr lang="en-US" sz="1600" i="1" cap="none" dirty="0">
                 <a:latin typeface="Abadi Extra Light" panose="020B0604020202020204" pitchFamily="34" charset="0"/>
               </a:rPr>
-              <a:t>Description of the component PLACES measure and brief analysis of distributions shown on map.</a:t>
-            </a:r>
-            <a:endParaRPr lang="en-US" sz="1600" cap="none" dirty="0">
-              <a:latin typeface="Abadi Extra Light" panose="020B0604020202020204" pitchFamily="34" charset="0"/>
-            </a:endParaRPr>
+              <a:t>Summary and comparison of distributions, concentrations </a:t>
+            </a:r>
           </a:p>
         </p:txBody>
       </p:sp>
-      <p:sp>
-        <p:nvSpPr>
-          <p:cNvPr id="12" name="TextBox 11">
+      <p:grpSp>
+        <p:nvGrpSpPr>
+          <p:cNvPr id="2" name="Group 1">
             <a:extLst>
               <a:ext uri="{FF2B5EF4-FFF2-40B4-BE49-F238E27FC236}">
-                <a16:creationId xmlns:a16="http://schemas.microsoft.com/office/drawing/2014/main" id="{87D582C6-CEC0-AFAA-58EF-768E3AC494E0}"/>
+                <a16:creationId xmlns:a16="http://schemas.microsoft.com/office/drawing/2014/main" id="{F6B5E743-060C-A228-64AA-F7562ADA3688}"/>
               </a:ext>
             </a:extLst>
           </p:cNvPr>
-          <p:cNvSpPr txBox="1"/>
+          <p:cNvGrpSpPr/>
+          <p:nvPr/>
+        </p:nvGrpSpPr>
+        <p:grpSpPr>
+          <a:xfrm>
+            <a:off x="4667933" y="1277698"/>
+            <a:ext cx="3219819" cy="4610381"/>
+            <a:chOff x="140676" y="1089946"/>
+            <a:chExt cx="3851031" cy="5514198"/>
+          </a:xfrm>
+        </p:grpSpPr>
+        <p:pic>
+          <p:nvPicPr>
+            <p:cNvPr id="3" name="Picture 2">
+              <a:extLst>
+                <a:ext uri="{FF2B5EF4-FFF2-40B4-BE49-F238E27FC236}">
+                  <a16:creationId xmlns:a16="http://schemas.microsoft.com/office/drawing/2014/main" id="{7FB9AC3E-4279-4A4D-A84C-3C2F8D18BC4E}"/>
+                </a:ext>
+              </a:extLst>
+            </p:cNvPr>
+            <p:cNvPicPr>
+              <a:picLocks noChangeAspect="1"/>
+            </p:cNvPicPr>
+            <p:nvPr/>
+          </p:nvPicPr>
+          <p:blipFill>
+            <a:blip r:embed="rId2"/>
+            <a:stretch>
+              <a:fillRect/>
+            </a:stretch>
+          </p:blipFill>
+          <p:spPr>
+            <a:xfrm>
+              <a:off x="140676" y="1089946"/>
+              <a:ext cx="3851031" cy="3875191"/>
+            </a:xfrm>
+            <a:prstGeom prst="rect">
+              <a:avLst/>
+            </a:prstGeom>
+          </p:spPr>
+        </p:pic>
+        <p:pic>
+          <p:nvPicPr>
+            <p:cNvPr id="4" name="Picture 3">
+              <a:extLst>
+                <a:ext uri="{FF2B5EF4-FFF2-40B4-BE49-F238E27FC236}">
+                  <a16:creationId xmlns:a16="http://schemas.microsoft.com/office/drawing/2014/main" id="{03F81EF8-7ABF-833C-83D9-7E31A6DEEEFC}"/>
+                </a:ext>
+              </a:extLst>
+            </p:cNvPr>
+            <p:cNvPicPr>
+              <a:picLocks noChangeAspect="1"/>
+            </p:cNvPicPr>
+            <p:nvPr/>
+          </p:nvPicPr>
+          <p:blipFill>
+            <a:blip r:embed="rId3"/>
+            <a:stretch>
+              <a:fillRect/>
+            </a:stretch>
+          </p:blipFill>
+          <p:spPr>
+            <a:xfrm>
+              <a:off x="232662" y="4268345"/>
+              <a:ext cx="929721" cy="624894"/>
+            </a:xfrm>
+            <a:prstGeom prst="rect">
+              <a:avLst/>
+            </a:prstGeom>
+          </p:spPr>
+        </p:pic>
+        <p:pic>
+          <p:nvPicPr>
+            <p:cNvPr id="5" name="Picture 4">
+              <a:extLst>
+                <a:ext uri="{FF2B5EF4-FFF2-40B4-BE49-F238E27FC236}">
+                  <a16:creationId xmlns:a16="http://schemas.microsoft.com/office/drawing/2014/main" id="{5FFE3818-AA83-99A3-1E18-14467E636D54}"/>
+                </a:ext>
+              </a:extLst>
+            </p:cNvPr>
+            <p:cNvPicPr>
+              <a:picLocks noChangeAspect="1"/>
+            </p:cNvPicPr>
+            <p:nvPr/>
+          </p:nvPicPr>
+          <p:blipFill rotWithShape="1">
+            <a:blip r:embed="rId4"/>
+            <a:srcRect l="1875" t="8440" r="21497" b="27251"/>
+            <a:stretch/>
+          </p:blipFill>
+          <p:spPr>
+            <a:xfrm>
+              <a:off x="140676" y="5081954"/>
+              <a:ext cx="3851031" cy="1522190"/>
+            </a:xfrm>
+            <a:prstGeom prst="rect">
+              <a:avLst/>
+            </a:prstGeom>
+          </p:spPr>
+        </p:pic>
+      </p:grpSp>
+      <p:grpSp>
+        <p:nvGrpSpPr>
+          <p:cNvPr id="7" name="Group 6">
+            <a:extLst>
+              <a:ext uri="{FF2B5EF4-FFF2-40B4-BE49-F238E27FC236}">
+                <a16:creationId xmlns:a16="http://schemas.microsoft.com/office/drawing/2014/main" id="{D9C03AC1-3084-5853-836B-6F80859F8DE6}"/>
+              </a:ext>
+            </a:extLst>
+          </p:cNvPr>
+          <p:cNvGrpSpPr/>
+          <p:nvPr/>
+        </p:nvGrpSpPr>
+        <p:grpSpPr>
+          <a:xfrm>
+            <a:off x="8006463" y="1277698"/>
+            <a:ext cx="3219819" cy="4610381"/>
+            <a:chOff x="140676" y="1089946"/>
+            <a:chExt cx="3851031" cy="5514198"/>
+          </a:xfrm>
+        </p:grpSpPr>
+        <p:pic>
+          <p:nvPicPr>
+            <p:cNvPr id="8" name="Picture 7">
+              <a:extLst>
+                <a:ext uri="{FF2B5EF4-FFF2-40B4-BE49-F238E27FC236}">
+                  <a16:creationId xmlns:a16="http://schemas.microsoft.com/office/drawing/2014/main" id="{3B51A9CE-7C9D-B915-AB3C-574FD23BEFDB}"/>
+                </a:ext>
+              </a:extLst>
+            </p:cNvPr>
+            <p:cNvPicPr>
+              <a:picLocks noChangeAspect="1"/>
+            </p:cNvPicPr>
+            <p:nvPr/>
+          </p:nvPicPr>
+          <p:blipFill>
+            <a:blip r:embed="rId2"/>
+            <a:stretch>
+              <a:fillRect/>
+            </a:stretch>
+          </p:blipFill>
+          <p:spPr>
+            <a:xfrm>
+              <a:off x="140676" y="1089946"/>
+              <a:ext cx="3851031" cy="3875191"/>
+            </a:xfrm>
+            <a:prstGeom prst="rect">
+              <a:avLst/>
+            </a:prstGeom>
+          </p:spPr>
+        </p:pic>
+        <p:pic>
+          <p:nvPicPr>
+            <p:cNvPr id="9" name="Picture 8">
+              <a:extLst>
+                <a:ext uri="{FF2B5EF4-FFF2-40B4-BE49-F238E27FC236}">
+                  <a16:creationId xmlns:a16="http://schemas.microsoft.com/office/drawing/2014/main" id="{AFD72A69-F6C5-DB9A-9413-2355D0B2F268}"/>
+                </a:ext>
+              </a:extLst>
+            </p:cNvPr>
+            <p:cNvPicPr>
+              <a:picLocks noChangeAspect="1"/>
+            </p:cNvPicPr>
+            <p:nvPr/>
+          </p:nvPicPr>
+          <p:blipFill>
+            <a:blip r:embed="rId3"/>
+            <a:stretch>
+              <a:fillRect/>
+            </a:stretch>
+          </p:blipFill>
+          <p:spPr>
+            <a:xfrm>
+              <a:off x="232662" y="4268345"/>
+              <a:ext cx="929721" cy="624894"/>
+            </a:xfrm>
+            <a:prstGeom prst="rect">
+              <a:avLst/>
+            </a:prstGeom>
+          </p:spPr>
+        </p:pic>
+        <p:pic>
+          <p:nvPicPr>
+            <p:cNvPr id="10" name="Picture 9">
+              <a:extLst>
+                <a:ext uri="{FF2B5EF4-FFF2-40B4-BE49-F238E27FC236}">
+                  <a16:creationId xmlns:a16="http://schemas.microsoft.com/office/drawing/2014/main" id="{FC7C7DD6-952D-CD3F-BD4B-20CDD09B4692}"/>
+                </a:ext>
+              </a:extLst>
+            </p:cNvPr>
+            <p:cNvPicPr>
+              <a:picLocks noChangeAspect="1"/>
+            </p:cNvPicPr>
+            <p:nvPr/>
+          </p:nvPicPr>
+          <p:blipFill rotWithShape="1">
+            <a:blip r:embed="rId4"/>
+            <a:srcRect l="1875" t="8440" r="21497" b="27251"/>
+            <a:stretch/>
+          </p:blipFill>
+          <p:spPr>
+            <a:xfrm>
+              <a:off x="140676" y="5081954"/>
+              <a:ext cx="3851031" cy="1522190"/>
+            </a:xfrm>
+            <a:prstGeom prst="rect">
+              <a:avLst/>
+            </a:prstGeom>
+          </p:spPr>
+        </p:pic>
+      </p:grpSp>
+      <p:sp>
+        <p:nvSpPr>
+          <p:cNvPr id="15" name="TextBox 9">
+            <a:extLst>
+              <a:ext uri="{FF2B5EF4-FFF2-40B4-BE49-F238E27FC236}">
+                <a16:creationId xmlns:a16="http://schemas.microsoft.com/office/drawing/2014/main" id="{910076E6-E3F6-9D03-F5BE-AA0AF001C999}"/>
+              </a:ext>
+            </a:extLst>
+          </p:cNvPr>
+          <p:cNvSpPr txBox="1">
+            <a:spLocks noChangeArrowheads="1"/>
+          </p:cNvSpPr>
           <p:nvPr/>
         </p:nvSpPr>
-        <p:spPr>
+        <p:spPr bwMode="auto">
           <a:xfrm>
-            <a:off x="700332" y="5580302"/>
-            <a:ext cx="5507428" cy="307777"/>
+            <a:off x="4937376" y="995362"/>
+            <a:ext cx="3323346" cy="369332"/>
           </a:xfrm>
           <a:prstGeom prst="rect">
             <a:avLst/>
           </a:prstGeom>
           <a:noFill/>
+          <a:ln>
+            <a:noFill/>
+          </a:ln>
+          <a:extLst>
+            <a:ext uri="{909E8E84-426E-40DD-AFC4-6F175D3DCCD1}">
+              <a14:hiddenFill xmlns:a14="http://schemas.microsoft.com/office/drawing/2010/main">
+                <a:solidFill>
+                  <a:srgbClr val="FFFFFF"/>
+                </a:solidFill>
+              </a14:hiddenFill>
+            </a:ext>
+            <a:ext uri="{91240B29-F687-4F45-9708-019B960494DF}">
+              <a14:hiddenLine xmlns:a14="http://schemas.microsoft.com/office/drawing/2010/main" w="9525">
+                <a:solidFill>
+                  <a:srgbClr val="000000"/>
+                </a:solidFill>
+                <a:miter lim="800000"/>
+                <a:headEnd/>
+                <a:tailEnd/>
+              </a14:hiddenLine>
+            </a:ext>
+          </a:extLst>
         </p:spPr>
         <p:txBody>
-          <a:bodyPr wrap="square">
+          <a:bodyPr wrap="none">
             <a:spAutoFit/>
           </a:bodyPr>
-          <a:lstStyle/>
-          <a:p>
-            <a:r>
-              <a:rPr lang="en-US" sz="1400" i="1" dirty="0">
-                <a:latin typeface="Abadi Extra Light" panose="020B0604020202020204" pitchFamily="34" charset="0"/>
-              </a:rPr>
-              <a:t>Data sources: CDC PLACES.</a:t>
-            </a:r>
-            <a:endParaRPr lang="en-US" sz="1400" i="1" cap="none" dirty="0">
-              <a:latin typeface="Abadi Extra Light" panose="020B0604020202020204" pitchFamily="34" charset="0"/>
-            </a:endParaRPr>
+          <a:lstStyle>
+            <a:lvl1pPr eaLnBrk="0" hangingPunct="0">
+              <a:defRPr>
+                <a:solidFill>
+                  <a:schemeClr val="tx1"/>
+                </a:solidFill>
+                <a:latin typeface="Arial" panose="020B0604020202020204" pitchFamily="34" charset="0"/>
+              </a:defRPr>
+            </a:lvl1pPr>
+            <a:lvl2pPr marL="742950" indent="-285750" eaLnBrk="0" hangingPunct="0">
+              <a:defRPr>
+                <a:solidFill>
+                  <a:schemeClr val="tx1"/>
+                </a:solidFill>
+                <a:latin typeface="Arial" panose="020B0604020202020204" pitchFamily="34" charset="0"/>
+              </a:defRPr>
+            </a:lvl2pPr>
+            <a:lvl3pPr marL="1143000" indent="-228600" eaLnBrk="0" hangingPunct="0">
+              <a:defRPr>
+                <a:solidFill>
+                  <a:schemeClr val="tx1"/>
+                </a:solidFill>
+                <a:latin typeface="Arial" panose="020B0604020202020204" pitchFamily="34" charset="0"/>
+              </a:defRPr>
+            </a:lvl3pPr>
+            <a:lvl4pPr marL="1600200" indent="-228600" eaLnBrk="0" hangingPunct="0">
+              <a:defRPr>
+                <a:solidFill>
+                  <a:schemeClr val="tx1"/>
+                </a:solidFill>
+                <a:latin typeface="Arial" panose="020B0604020202020204" pitchFamily="34" charset="0"/>
+              </a:defRPr>
+            </a:lvl4pPr>
+            <a:lvl5pPr marL="2057400" indent="-228600" eaLnBrk="0" hangingPunct="0">
+              <a:defRPr>
+                <a:solidFill>
+                  <a:schemeClr val="tx1"/>
+                </a:solidFill>
+                <a:latin typeface="Arial" panose="020B0604020202020204" pitchFamily="34" charset="0"/>
+              </a:defRPr>
+            </a:lvl5pPr>
+            <a:lvl6pPr marL="2514600" indent="-228600" eaLnBrk="0" fontAlgn="base" hangingPunct="0">
+              <a:spcBef>
+                <a:spcPct val="0"/>
+              </a:spcBef>
+              <a:spcAft>
+                <a:spcPct val="0"/>
+              </a:spcAft>
+              <a:defRPr>
+                <a:solidFill>
+                  <a:schemeClr val="tx1"/>
+                </a:solidFill>
+                <a:latin typeface="Arial" panose="020B0604020202020204" pitchFamily="34" charset="0"/>
+              </a:defRPr>
+            </a:lvl6pPr>
+            <a:lvl7pPr marL="2971800" indent="-228600" eaLnBrk="0" fontAlgn="base" hangingPunct="0">
+              <a:spcBef>
+                <a:spcPct val="0"/>
+              </a:spcBef>
+              <a:spcAft>
+                <a:spcPct val="0"/>
+              </a:spcAft>
+              <a:defRPr>
+                <a:solidFill>
+                  <a:schemeClr val="tx1"/>
+                </a:solidFill>
+                <a:latin typeface="Arial" panose="020B0604020202020204" pitchFamily="34" charset="0"/>
+              </a:defRPr>
+            </a:lvl7pPr>
+            <a:lvl8pPr marL="3429000" indent="-228600" eaLnBrk="0" fontAlgn="base" hangingPunct="0">
+              <a:spcBef>
+                <a:spcPct val="0"/>
+              </a:spcBef>
+              <a:spcAft>
+                <a:spcPct val="0"/>
+              </a:spcAft>
+              <a:defRPr>
+                <a:solidFill>
+                  <a:schemeClr val="tx1"/>
+                </a:solidFill>
+                <a:latin typeface="Arial" panose="020B0604020202020204" pitchFamily="34" charset="0"/>
+              </a:defRPr>
+            </a:lvl8pPr>
+            <a:lvl9pPr marL="3886200" indent="-228600" eaLnBrk="0" fontAlgn="base" hangingPunct="0">
+              <a:spcBef>
+                <a:spcPct val="0"/>
+              </a:spcBef>
+              <a:spcAft>
+                <a:spcPct val="0"/>
+              </a:spcAft>
+              <a:defRPr>
+                <a:solidFill>
+                  <a:schemeClr val="tx1"/>
+                </a:solidFill>
+                <a:latin typeface="Arial" panose="020B0604020202020204" pitchFamily="34" charset="0"/>
+              </a:defRPr>
+            </a:lvl9pPr>
+          </a:lstStyle>
+          <a:p>
+            <a:pPr eaLnBrk="1" hangingPunct="1"/>
+            <a:r>
+              <a:rPr lang="en-US" altLang="en-US" b="1" dirty="0">
+                <a:latin typeface="+mj-lt"/>
+              </a:rPr>
+              <a:t>SO2—Max 3hr Concentrations</a:t>
+            </a:r>
+          </a:p>
+        </p:txBody>
+      </p:sp>
+      <p:sp>
+        <p:nvSpPr>
+          <p:cNvPr id="16" name="TextBox 10">
+            <a:extLst>
+              <a:ext uri="{FF2B5EF4-FFF2-40B4-BE49-F238E27FC236}">
+                <a16:creationId xmlns:a16="http://schemas.microsoft.com/office/drawing/2014/main" id="{974C831D-0178-0F6C-672E-47365F4532DD}"/>
+              </a:ext>
+            </a:extLst>
+          </p:cNvPr>
+          <p:cNvSpPr txBox="1">
+            <a:spLocks noChangeArrowheads="1"/>
+          </p:cNvSpPr>
+          <p:nvPr/>
+        </p:nvSpPr>
+        <p:spPr bwMode="auto">
+          <a:xfrm>
+            <a:off x="8206063" y="995362"/>
+            <a:ext cx="3382657" cy="369332"/>
+          </a:xfrm>
+          <a:prstGeom prst="rect">
+            <a:avLst/>
+          </a:prstGeom>
+          <a:noFill/>
+          <a:ln>
+            <a:noFill/>
+          </a:ln>
+          <a:extLst>
+            <a:ext uri="{909E8E84-426E-40DD-AFC4-6F175D3DCCD1}">
+              <a14:hiddenFill xmlns:a14="http://schemas.microsoft.com/office/drawing/2010/main">
+                <a:solidFill>
+                  <a:srgbClr val="FFFFFF"/>
+                </a:solidFill>
+              </a14:hiddenFill>
+            </a:ext>
+            <a:ext uri="{91240B29-F687-4F45-9708-019B960494DF}">
+              <a14:hiddenLine xmlns:a14="http://schemas.microsoft.com/office/drawing/2010/main" w="9525">
+                <a:solidFill>
+                  <a:srgbClr val="000000"/>
+                </a:solidFill>
+                <a:miter lim="800000"/>
+                <a:headEnd/>
+                <a:tailEnd/>
+              </a14:hiddenLine>
+            </a:ext>
+          </a:extLst>
+        </p:spPr>
+        <p:txBody>
+          <a:bodyPr wrap="none">
+            <a:spAutoFit/>
+          </a:bodyPr>
+          <a:lstStyle>
+            <a:defPPr>
+              <a:defRPr lang="en-US"/>
+            </a:defPPr>
+            <a:lvl1pPr>
+              <a:defRPr b="1">
+                <a:latin typeface="+mj-lt"/>
+              </a:defRPr>
+            </a:lvl1pPr>
+            <a:lvl2pPr marL="742950" indent="-285750" eaLnBrk="0" hangingPunct="0">
+              <a:defRPr>
+                <a:latin typeface="Arial" panose="020B0604020202020204" pitchFamily="34" charset="0"/>
+              </a:defRPr>
+            </a:lvl2pPr>
+            <a:lvl3pPr marL="1143000" indent="-228600" eaLnBrk="0" hangingPunct="0">
+              <a:defRPr>
+                <a:latin typeface="Arial" panose="020B0604020202020204" pitchFamily="34" charset="0"/>
+              </a:defRPr>
+            </a:lvl3pPr>
+            <a:lvl4pPr marL="1600200" indent="-228600" eaLnBrk="0" hangingPunct="0">
+              <a:defRPr>
+                <a:latin typeface="Arial" panose="020B0604020202020204" pitchFamily="34" charset="0"/>
+              </a:defRPr>
+            </a:lvl4pPr>
+            <a:lvl5pPr marL="2057400" indent="-228600" eaLnBrk="0" hangingPunct="0">
+              <a:defRPr>
+                <a:latin typeface="Arial" panose="020B0604020202020204" pitchFamily="34" charset="0"/>
+              </a:defRPr>
+            </a:lvl5pPr>
+            <a:lvl6pPr marL="2514600" indent="-228600" eaLnBrk="0" fontAlgn="base" hangingPunct="0">
+              <a:spcBef>
+                <a:spcPct val="0"/>
+              </a:spcBef>
+              <a:spcAft>
+                <a:spcPct val="0"/>
+              </a:spcAft>
+              <a:defRPr>
+                <a:latin typeface="Arial" panose="020B0604020202020204" pitchFamily="34" charset="0"/>
+              </a:defRPr>
+            </a:lvl6pPr>
+            <a:lvl7pPr marL="2971800" indent="-228600" eaLnBrk="0" fontAlgn="base" hangingPunct="0">
+              <a:spcBef>
+                <a:spcPct val="0"/>
+              </a:spcBef>
+              <a:spcAft>
+                <a:spcPct val="0"/>
+              </a:spcAft>
+              <a:defRPr>
+                <a:latin typeface="Arial" panose="020B0604020202020204" pitchFamily="34" charset="0"/>
+              </a:defRPr>
+            </a:lvl7pPr>
+            <a:lvl8pPr marL="3429000" indent="-228600" eaLnBrk="0" fontAlgn="base" hangingPunct="0">
+              <a:spcBef>
+                <a:spcPct val="0"/>
+              </a:spcBef>
+              <a:spcAft>
+                <a:spcPct val="0"/>
+              </a:spcAft>
+              <a:defRPr>
+                <a:latin typeface="Arial" panose="020B0604020202020204" pitchFamily="34" charset="0"/>
+              </a:defRPr>
+            </a:lvl8pPr>
+            <a:lvl9pPr marL="3886200" indent="-228600" eaLnBrk="0" fontAlgn="base" hangingPunct="0">
+              <a:spcBef>
+                <a:spcPct val="0"/>
+              </a:spcBef>
+              <a:spcAft>
+                <a:spcPct val="0"/>
+              </a:spcAft>
+              <a:defRPr>
+                <a:latin typeface="Arial" panose="020B0604020202020204" pitchFamily="34" charset="0"/>
+              </a:defRPr>
+            </a:lvl9pPr>
+          </a:lstStyle>
+          <a:p>
+            <a:r>
+              <a:rPr lang="en-US" altLang="en-US" dirty="0"/>
+              <a:t>SO2—Max 1 </a:t>
+            </a:r>
+            <a:r>
+              <a:rPr lang="en-US" altLang="en-US" dirty="0" err="1"/>
+              <a:t>hr</a:t>
+            </a:r>
+            <a:r>
+              <a:rPr lang="en-US" altLang="en-US" dirty="0"/>
+              <a:t> Concentrations</a:t>
+            </a:r>
           </a:p>
         </p:txBody>
       </p:sp>
     </p:spTree>
     <p:extLst>
       <p:ext uri="{BB962C8B-B14F-4D97-AF65-F5344CB8AC3E}">
-        <p14:creationId xmlns:p14="http://schemas.microsoft.com/office/powerpoint/2010/main" val="3428245238"/>
+        <p14:creationId xmlns:p14="http://schemas.microsoft.com/office/powerpoint/2010/main" val="1376932972"/>
       </p:ext>
     </p:extLst>
   </p:cSld>
@@ -5213,42 +7147,6 @@
           <a:chExt cx="0" cy="0"/>
         </a:xfrm>
       </p:grpSpPr>
-      <p:pic>
-        <p:nvPicPr>
-          <p:cNvPr id="10" name="Picture 9" descr="Diagram&#10;&#10;Description automatically generated">
-            <a:extLst>
-              <a:ext uri="{FF2B5EF4-FFF2-40B4-BE49-F238E27FC236}">
-                <a16:creationId xmlns:a16="http://schemas.microsoft.com/office/drawing/2014/main" id="{D93E8B9A-E376-44A5-BB8A-32E8B5D3F3ED}"/>
-              </a:ext>
-            </a:extLst>
-          </p:cNvPr>
-          <p:cNvPicPr>
-            <a:picLocks noChangeAspect="1"/>
-          </p:cNvPicPr>
-          <p:nvPr/>
-        </p:nvPicPr>
-        <p:blipFill>
-          <a:blip r:embed="rId2">
-            <a:extLst>
-              <a:ext uri="{28A0092B-C50C-407E-A947-70E740481C1C}">
-                <a14:useLocalDpi xmlns:a14="http://schemas.microsoft.com/office/drawing/2010/main" val="0"/>
-              </a:ext>
-            </a:extLst>
-          </a:blip>
-          <a:stretch>
-            <a:fillRect/>
-          </a:stretch>
-        </p:blipFill>
-        <p:spPr>
-          <a:xfrm>
-            <a:off x="6695440" y="1066795"/>
-            <a:ext cx="5029210" cy="5029210"/>
-          </a:xfrm>
-          <a:prstGeom prst="rect">
-            <a:avLst/>
-          </a:prstGeom>
-        </p:spPr>
-      </p:pic>
       <p:sp>
         <p:nvSpPr>
           <p:cNvPr id="6" name="Title 5">
@@ -5268,7 +7166,7 @@
         <p:spPr>
           <a:xfrm>
             <a:off x="669852" y="870596"/>
-            <a:ext cx="5537908" cy="577205"/>
+            <a:ext cx="3635643" cy="577205"/>
           </a:xfrm>
         </p:spPr>
         <p:txBody>
@@ -5283,80 +7181,17 @@
               </a:lnSpc>
             </a:pPr>
             <a:r>
-              <a:rPr lang="en-US" sz="3400" dirty="0" err="1"/>
-              <a:t>Cdc</a:t>
-            </a:r>
-            <a:r>
-              <a:rPr lang="en-US" sz="3400" dirty="0"/>
-              <a:t> SVI factor title</a:t>
-            </a:r>
-            <a:br>
-              <a:rPr lang="en-US" sz="3400" dirty="0"/>
-            </a:br>
-            <a:r>
-              <a:rPr lang="en-US" sz="3400" dirty="0">
-                <a:solidFill>
-                  <a:schemeClr val="bg1">
-                    <a:lumMod val="50000"/>
-                  </a:schemeClr>
-                </a:solidFill>
-              </a:rPr>
-              <a:t>units</a:t>
-            </a:r>
-            <a:br>
-              <a:rPr lang="en-US" sz="3400" dirty="0"/>
-            </a:br>
-            <a:br>
-              <a:rPr lang="en-US" sz="3400" dirty="0"/>
-            </a:br>
-            <a:endParaRPr lang="en-US" sz="1800" dirty="0">
-              <a:latin typeface="Abadi Extra Light" panose="020B0604020202020204" pitchFamily="34" charset="0"/>
-            </a:endParaRPr>
-          </a:p>
-        </p:txBody>
-      </p:sp>
-      <p:sp>
-        <p:nvSpPr>
-          <p:cNvPr id="2" name="AutoShape 2">
-            <a:extLst>
-              <a:ext uri="{FF2B5EF4-FFF2-40B4-BE49-F238E27FC236}">
-                <a16:creationId xmlns:a16="http://schemas.microsoft.com/office/drawing/2014/main" id="{07A25E57-B9E3-F05D-2DB4-D7A836A40E50}"/>
-              </a:ext>
-            </a:extLst>
-          </p:cNvPr>
-          <p:cNvSpPr>
-            <a:spLocks noChangeAspect="1" noChangeArrowheads="1"/>
-          </p:cNvSpPr>
-          <p:nvPr/>
-        </p:nvSpPr>
-        <p:spPr bwMode="auto">
-          <a:xfrm>
-            <a:off x="10668010" y="3276600"/>
-            <a:ext cx="304800" cy="304800"/>
-          </a:xfrm>
-          <a:prstGeom prst="rect">
-            <a:avLst/>
-          </a:prstGeom>
-          <a:noFill/>
-          <a:extLst>
-            <a:ext uri="{909E8E84-426E-40DD-AFC4-6F175D3DCCD1}">
-              <a14:hiddenFill xmlns:a14="http://schemas.microsoft.com/office/drawing/2010/main">
-                <a:solidFill>
-                  <a:srgbClr val="FFFFFF"/>
-                </a:solidFill>
-              </a14:hiddenFill>
-            </a:ext>
-          </a:extLst>
-        </p:spPr>
-        <p:txBody>
-          <a:bodyPr vert="horz" wrap="square" lIns="91440" tIns="45720" rIns="91440" bIns="45720" numCol="1" anchor="t" anchorCtr="0" compatLnSpc="1">
-            <a:prstTxWarp prst="textNoShape">
-              <a:avLst/>
-            </a:prstTxWarp>
-          </a:bodyPr>
-          <a:lstStyle/>
-          <a:p>
-            <a:endParaRPr lang="en-US"/>
+              <a:rPr lang="fr-FR" sz="3400" dirty="0"/>
+              <a:t>Cumulative Emissions Concentrations + </a:t>
+            </a:r>
+            <a:r>
+              <a:rPr lang="fr-FR" sz="3400" dirty="0" err="1"/>
+              <a:t>Proposed</a:t>
+            </a:r>
+            <a:r>
+              <a:rPr lang="fr-FR" sz="3400" dirty="0"/>
+              <a:t> Expansion</a:t>
+            </a:r>
           </a:p>
         </p:txBody>
       </p:sp>
@@ -5365,7 +7200,7 @@
           <p:cNvPr id="11" name="TextBox 10">
             <a:extLst>
               <a:ext uri="{FF2B5EF4-FFF2-40B4-BE49-F238E27FC236}">
-                <a16:creationId xmlns:a16="http://schemas.microsoft.com/office/drawing/2014/main" id="{EC1F356B-12BC-BB75-19B6-A6C0209E47D5}"/>
+                <a16:creationId xmlns:a16="http://schemas.microsoft.com/office/drawing/2014/main" id="{3E48FC44-1FA2-4F7A-0A80-59B4E81301D5}"/>
               </a:ext>
             </a:extLst>
           </p:cNvPr>
@@ -5374,8 +7209,8 @@
         </p:nvSpPr>
         <p:spPr>
           <a:xfrm>
-            <a:off x="700332" y="5580302"/>
-            <a:ext cx="5507428" cy="307777"/>
+            <a:off x="669852" y="3221664"/>
+            <a:ext cx="3465920" cy="584775"/>
           </a:xfrm>
           <a:prstGeom prst="rect">
             <a:avLst/>
@@ -5389,61 +7224,537 @@
           <a:lstStyle/>
           <a:p>
             <a:r>
-              <a:rPr lang="en-US" sz="1400" i="1" dirty="0">
+              <a:rPr lang="en-US" sz="1600" i="1" cap="none" dirty="0">
                 <a:latin typeface="Abadi Extra Light" panose="020B0604020202020204" pitchFamily="34" charset="0"/>
               </a:rPr>
-              <a:t>Data sources: CDC SVI.</a:t>
-            </a:r>
-            <a:endParaRPr lang="en-US" sz="1400" i="1" cap="none" dirty="0">
-              <a:latin typeface="Abadi Extra Light" panose="020B0604020202020204" pitchFamily="34" charset="0"/>
-            </a:endParaRPr>
+              <a:t>Summary and comparison of distributions, concentrations </a:t>
+            </a:r>
           </a:p>
         </p:txBody>
       </p:sp>
-      <p:sp>
-        <p:nvSpPr>
-          <p:cNvPr id="12" name="TextBox 11">
+      <p:grpSp>
+        <p:nvGrpSpPr>
+          <p:cNvPr id="2" name="Group 1">
             <a:extLst>
               <a:ext uri="{FF2B5EF4-FFF2-40B4-BE49-F238E27FC236}">
-                <a16:creationId xmlns:a16="http://schemas.microsoft.com/office/drawing/2014/main" id="{D26A7A0C-C130-B3C2-D6B6-E4A036D9ACFB}"/>
+                <a16:creationId xmlns:a16="http://schemas.microsoft.com/office/drawing/2014/main" id="{F6B5E743-060C-A228-64AA-F7562ADA3688}"/>
               </a:ext>
             </a:extLst>
           </p:cNvPr>
-          <p:cNvSpPr txBox="1"/>
+          <p:cNvGrpSpPr/>
+          <p:nvPr/>
+        </p:nvGrpSpPr>
+        <p:grpSpPr>
+          <a:xfrm>
+            <a:off x="4667933" y="1277698"/>
+            <a:ext cx="3219819" cy="4610381"/>
+            <a:chOff x="140676" y="1089946"/>
+            <a:chExt cx="3851031" cy="5514198"/>
+          </a:xfrm>
+        </p:grpSpPr>
+        <p:pic>
+          <p:nvPicPr>
+            <p:cNvPr id="3" name="Picture 2">
+              <a:extLst>
+                <a:ext uri="{FF2B5EF4-FFF2-40B4-BE49-F238E27FC236}">
+                  <a16:creationId xmlns:a16="http://schemas.microsoft.com/office/drawing/2014/main" id="{7FB9AC3E-4279-4A4D-A84C-3C2F8D18BC4E}"/>
+                </a:ext>
+              </a:extLst>
+            </p:cNvPr>
+            <p:cNvPicPr>
+              <a:picLocks noChangeAspect="1"/>
+            </p:cNvPicPr>
+            <p:nvPr/>
+          </p:nvPicPr>
+          <p:blipFill>
+            <a:blip r:embed="rId2"/>
+            <a:stretch>
+              <a:fillRect/>
+            </a:stretch>
+          </p:blipFill>
+          <p:spPr>
+            <a:xfrm>
+              <a:off x="140676" y="1089946"/>
+              <a:ext cx="3851031" cy="3875191"/>
+            </a:xfrm>
+            <a:prstGeom prst="rect">
+              <a:avLst/>
+            </a:prstGeom>
+          </p:spPr>
+        </p:pic>
+        <p:pic>
+          <p:nvPicPr>
+            <p:cNvPr id="4" name="Picture 3">
+              <a:extLst>
+                <a:ext uri="{FF2B5EF4-FFF2-40B4-BE49-F238E27FC236}">
+                  <a16:creationId xmlns:a16="http://schemas.microsoft.com/office/drawing/2014/main" id="{03F81EF8-7ABF-833C-83D9-7E31A6DEEEFC}"/>
+                </a:ext>
+              </a:extLst>
+            </p:cNvPr>
+            <p:cNvPicPr>
+              <a:picLocks noChangeAspect="1"/>
+            </p:cNvPicPr>
+            <p:nvPr/>
+          </p:nvPicPr>
+          <p:blipFill>
+            <a:blip r:embed="rId3"/>
+            <a:stretch>
+              <a:fillRect/>
+            </a:stretch>
+          </p:blipFill>
+          <p:spPr>
+            <a:xfrm>
+              <a:off x="232662" y="4268345"/>
+              <a:ext cx="929721" cy="624894"/>
+            </a:xfrm>
+            <a:prstGeom prst="rect">
+              <a:avLst/>
+            </a:prstGeom>
+          </p:spPr>
+        </p:pic>
+        <p:pic>
+          <p:nvPicPr>
+            <p:cNvPr id="5" name="Picture 4">
+              <a:extLst>
+                <a:ext uri="{FF2B5EF4-FFF2-40B4-BE49-F238E27FC236}">
+                  <a16:creationId xmlns:a16="http://schemas.microsoft.com/office/drawing/2014/main" id="{5FFE3818-AA83-99A3-1E18-14467E636D54}"/>
+                </a:ext>
+              </a:extLst>
+            </p:cNvPr>
+            <p:cNvPicPr>
+              <a:picLocks noChangeAspect="1"/>
+            </p:cNvPicPr>
+            <p:nvPr/>
+          </p:nvPicPr>
+          <p:blipFill rotWithShape="1">
+            <a:blip r:embed="rId4"/>
+            <a:srcRect l="1875" t="8440" r="21497" b="27251"/>
+            <a:stretch/>
+          </p:blipFill>
+          <p:spPr>
+            <a:xfrm>
+              <a:off x="140676" y="5081954"/>
+              <a:ext cx="3851031" cy="1522190"/>
+            </a:xfrm>
+            <a:prstGeom prst="rect">
+              <a:avLst/>
+            </a:prstGeom>
+          </p:spPr>
+        </p:pic>
+      </p:grpSp>
+      <p:grpSp>
+        <p:nvGrpSpPr>
+          <p:cNvPr id="7" name="Group 6">
+            <a:extLst>
+              <a:ext uri="{FF2B5EF4-FFF2-40B4-BE49-F238E27FC236}">
+                <a16:creationId xmlns:a16="http://schemas.microsoft.com/office/drawing/2014/main" id="{D9C03AC1-3084-5853-836B-6F80859F8DE6}"/>
+              </a:ext>
+            </a:extLst>
+          </p:cNvPr>
+          <p:cNvGrpSpPr/>
+          <p:nvPr/>
+        </p:nvGrpSpPr>
+        <p:grpSpPr>
+          <a:xfrm>
+            <a:off x="8006463" y="1277698"/>
+            <a:ext cx="3219819" cy="4610381"/>
+            <a:chOff x="140676" y="1089946"/>
+            <a:chExt cx="3851031" cy="5514198"/>
+          </a:xfrm>
+        </p:grpSpPr>
+        <p:pic>
+          <p:nvPicPr>
+            <p:cNvPr id="8" name="Picture 7">
+              <a:extLst>
+                <a:ext uri="{FF2B5EF4-FFF2-40B4-BE49-F238E27FC236}">
+                  <a16:creationId xmlns:a16="http://schemas.microsoft.com/office/drawing/2014/main" id="{3B51A9CE-7C9D-B915-AB3C-574FD23BEFDB}"/>
+                </a:ext>
+              </a:extLst>
+            </p:cNvPr>
+            <p:cNvPicPr>
+              <a:picLocks noChangeAspect="1"/>
+            </p:cNvPicPr>
+            <p:nvPr/>
+          </p:nvPicPr>
+          <p:blipFill>
+            <a:blip r:embed="rId2"/>
+            <a:stretch>
+              <a:fillRect/>
+            </a:stretch>
+          </p:blipFill>
+          <p:spPr>
+            <a:xfrm>
+              <a:off x="140676" y="1089946"/>
+              <a:ext cx="3851031" cy="3875191"/>
+            </a:xfrm>
+            <a:prstGeom prst="rect">
+              <a:avLst/>
+            </a:prstGeom>
+          </p:spPr>
+        </p:pic>
+        <p:pic>
+          <p:nvPicPr>
+            <p:cNvPr id="9" name="Picture 8">
+              <a:extLst>
+                <a:ext uri="{FF2B5EF4-FFF2-40B4-BE49-F238E27FC236}">
+                  <a16:creationId xmlns:a16="http://schemas.microsoft.com/office/drawing/2014/main" id="{AFD72A69-F6C5-DB9A-9413-2355D0B2F268}"/>
+                </a:ext>
+              </a:extLst>
+            </p:cNvPr>
+            <p:cNvPicPr>
+              <a:picLocks noChangeAspect="1"/>
+            </p:cNvPicPr>
+            <p:nvPr/>
+          </p:nvPicPr>
+          <p:blipFill>
+            <a:blip r:embed="rId3"/>
+            <a:stretch>
+              <a:fillRect/>
+            </a:stretch>
+          </p:blipFill>
+          <p:spPr>
+            <a:xfrm>
+              <a:off x="232662" y="4268345"/>
+              <a:ext cx="929721" cy="624894"/>
+            </a:xfrm>
+            <a:prstGeom prst="rect">
+              <a:avLst/>
+            </a:prstGeom>
+          </p:spPr>
+        </p:pic>
+        <p:pic>
+          <p:nvPicPr>
+            <p:cNvPr id="10" name="Picture 9">
+              <a:extLst>
+                <a:ext uri="{FF2B5EF4-FFF2-40B4-BE49-F238E27FC236}">
+                  <a16:creationId xmlns:a16="http://schemas.microsoft.com/office/drawing/2014/main" id="{FC7C7DD6-952D-CD3F-BD4B-20CDD09B4692}"/>
+                </a:ext>
+              </a:extLst>
+            </p:cNvPr>
+            <p:cNvPicPr>
+              <a:picLocks noChangeAspect="1"/>
+            </p:cNvPicPr>
+            <p:nvPr/>
+          </p:nvPicPr>
+          <p:blipFill rotWithShape="1">
+            <a:blip r:embed="rId4"/>
+            <a:srcRect l="1875" t="8440" r="21497" b="27251"/>
+            <a:stretch/>
+          </p:blipFill>
+          <p:spPr>
+            <a:xfrm>
+              <a:off x="140676" y="5081954"/>
+              <a:ext cx="3851031" cy="1522190"/>
+            </a:xfrm>
+            <a:prstGeom prst="rect">
+              <a:avLst/>
+            </a:prstGeom>
+          </p:spPr>
+        </p:pic>
+      </p:grpSp>
+      <p:sp>
+        <p:nvSpPr>
+          <p:cNvPr id="15" name="TextBox 9">
+            <a:extLst>
+              <a:ext uri="{FF2B5EF4-FFF2-40B4-BE49-F238E27FC236}">
+                <a16:creationId xmlns:a16="http://schemas.microsoft.com/office/drawing/2014/main" id="{910076E6-E3F6-9D03-F5BE-AA0AF001C999}"/>
+              </a:ext>
+            </a:extLst>
+          </p:cNvPr>
+          <p:cNvSpPr txBox="1">
+            <a:spLocks noChangeArrowheads="1"/>
+          </p:cNvSpPr>
           <p:nvPr/>
         </p:nvSpPr>
-        <p:spPr>
+        <p:spPr bwMode="auto">
           <a:xfrm>
-            <a:off x="669852" y="2663113"/>
-            <a:ext cx="5507428" cy="584775"/>
+            <a:off x="4937376" y="995362"/>
+            <a:ext cx="3323346" cy="369332"/>
           </a:xfrm>
           <a:prstGeom prst="rect">
             <a:avLst/>
           </a:prstGeom>
           <a:noFill/>
+          <a:ln>
+            <a:noFill/>
+          </a:ln>
+          <a:extLst>
+            <a:ext uri="{909E8E84-426E-40DD-AFC4-6F175D3DCCD1}">
+              <a14:hiddenFill xmlns:a14="http://schemas.microsoft.com/office/drawing/2010/main">
+                <a:solidFill>
+                  <a:srgbClr val="FFFFFF"/>
+                </a:solidFill>
+              </a14:hiddenFill>
+            </a:ext>
+            <a:ext uri="{91240B29-F687-4F45-9708-019B960494DF}">
+              <a14:hiddenLine xmlns:a14="http://schemas.microsoft.com/office/drawing/2010/main" w="9525">
+                <a:solidFill>
+                  <a:srgbClr val="000000"/>
+                </a:solidFill>
+                <a:miter lim="800000"/>
+                <a:headEnd/>
+                <a:tailEnd/>
+              </a14:hiddenLine>
+            </a:ext>
+          </a:extLst>
         </p:spPr>
         <p:txBody>
-          <a:bodyPr wrap="square">
+          <a:bodyPr wrap="none">
             <a:spAutoFit/>
           </a:bodyPr>
-          <a:lstStyle/>
-          <a:p>
-            <a:r>
-              <a:rPr lang="en-US" sz="1600" i="1" cap="none" dirty="0">
-                <a:latin typeface="Abadi Extra Light" panose="020B0604020202020204" pitchFamily="34" charset="0"/>
-              </a:rPr>
-              <a:t>Description of the component SVI factor and brief analysis of distributions shown on map.</a:t>
-            </a:r>
-            <a:endParaRPr lang="en-US" sz="1600" cap="none" dirty="0">
-              <a:latin typeface="Abadi Extra Light" panose="020B0604020202020204" pitchFamily="34" charset="0"/>
-            </a:endParaRPr>
+          <a:lstStyle>
+            <a:lvl1pPr eaLnBrk="0" hangingPunct="0">
+              <a:defRPr>
+                <a:solidFill>
+                  <a:schemeClr val="tx1"/>
+                </a:solidFill>
+                <a:latin typeface="Arial" panose="020B0604020202020204" pitchFamily="34" charset="0"/>
+              </a:defRPr>
+            </a:lvl1pPr>
+            <a:lvl2pPr marL="742950" indent="-285750" eaLnBrk="0" hangingPunct="0">
+              <a:defRPr>
+                <a:solidFill>
+                  <a:schemeClr val="tx1"/>
+                </a:solidFill>
+                <a:latin typeface="Arial" panose="020B0604020202020204" pitchFamily="34" charset="0"/>
+              </a:defRPr>
+            </a:lvl2pPr>
+            <a:lvl3pPr marL="1143000" indent="-228600" eaLnBrk="0" hangingPunct="0">
+              <a:defRPr>
+                <a:solidFill>
+                  <a:schemeClr val="tx1"/>
+                </a:solidFill>
+                <a:latin typeface="Arial" panose="020B0604020202020204" pitchFamily="34" charset="0"/>
+              </a:defRPr>
+            </a:lvl3pPr>
+            <a:lvl4pPr marL="1600200" indent="-228600" eaLnBrk="0" hangingPunct="0">
+              <a:defRPr>
+                <a:solidFill>
+                  <a:schemeClr val="tx1"/>
+                </a:solidFill>
+                <a:latin typeface="Arial" panose="020B0604020202020204" pitchFamily="34" charset="0"/>
+              </a:defRPr>
+            </a:lvl4pPr>
+            <a:lvl5pPr marL="2057400" indent="-228600" eaLnBrk="0" hangingPunct="0">
+              <a:defRPr>
+                <a:solidFill>
+                  <a:schemeClr val="tx1"/>
+                </a:solidFill>
+                <a:latin typeface="Arial" panose="020B0604020202020204" pitchFamily="34" charset="0"/>
+              </a:defRPr>
+            </a:lvl5pPr>
+            <a:lvl6pPr marL="2514600" indent="-228600" eaLnBrk="0" fontAlgn="base" hangingPunct="0">
+              <a:spcBef>
+                <a:spcPct val="0"/>
+              </a:spcBef>
+              <a:spcAft>
+                <a:spcPct val="0"/>
+              </a:spcAft>
+              <a:defRPr>
+                <a:solidFill>
+                  <a:schemeClr val="tx1"/>
+                </a:solidFill>
+                <a:latin typeface="Arial" panose="020B0604020202020204" pitchFamily="34" charset="0"/>
+              </a:defRPr>
+            </a:lvl6pPr>
+            <a:lvl7pPr marL="2971800" indent="-228600" eaLnBrk="0" fontAlgn="base" hangingPunct="0">
+              <a:spcBef>
+                <a:spcPct val="0"/>
+              </a:spcBef>
+              <a:spcAft>
+                <a:spcPct val="0"/>
+              </a:spcAft>
+              <a:defRPr>
+                <a:solidFill>
+                  <a:schemeClr val="tx1"/>
+                </a:solidFill>
+                <a:latin typeface="Arial" panose="020B0604020202020204" pitchFamily="34" charset="0"/>
+              </a:defRPr>
+            </a:lvl7pPr>
+            <a:lvl8pPr marL="3429000" indent="-228600" eaLnBrk="0" fontAlgn="base" hangingPunct="0">
+              <a:spcBef>
+                <a:spcPct val="0"/>
+              </a:spcBef>
+              <a:spcAft>
+                <a:spcPct val="0"/>
+              </a:spcAft>
+              <a:defRPr>
+                <a:solidFill>
+                  <a:schemeClr val="tx1"/>
+                </a:solidFill>
+                <a:latin typeface="Arial" panose="020B0604020202020204" pitchFamily="34" charset="0"/>
+              </a:defRPr>
+            </a:lvl8pPr>
+            <a:lvl9pPr marL="3886200" indent="-228600" eaLnBrk="0" fontAlgn="base" hangingPunct="0">
+              <a:spcBef>
+                <a:spcPct val="0"/>
+              </a:spcBef>
+              <a:spcAft>
+                <a:spcPct val="0"/>
+              </a:spcAft>
+              <a:defRPr>
+                <a:solidFill>
+                  <a:schemeClr val="tx1"/>
+                </a:solidFill>
+                <a:latin typeface="Arial" panose="020B0604020202020204" pitchFamily="34" charset="0"/>
+              </a:defRPr>
+            </a:lvl9pPr>
+          </a:lstStyle>
+          <a:p>
+            <a:pPr eaLnBrk="1" hangingPunct="1"/>
+            <a:r>
+              <a:rPr lang="en-US" altLang="en-US" b="1" dirty="0">
+                <a:latin typeface="+mj-lt"/>
+              </a:rPr>
+              <a:t>SO2—Max 3hr Concentrations</a:t>
+            </a:r>
+          </a:p>
+        </p:txBody>
+      </p:sp>
+      <p:sp>
+        <p:nvSpPr>
+          <p:cNvPr id="16" name="TextBox 10">
+            <a:extLst>
+              <a:ext uri="{FF2B5EF4-FFF2-40B4-BE49-F238E27FC236}">
+                <a16:creationId xmlns:a16="http://schemas.microsoft.com/office/drawing/2014/main" id="{974C831D-0178-0F6C-672E-47365F4532DD}"/>
+              </a:ext>
+            </a:extLst>
+          </p:cNvPr>
+          <p:cNvSpPr txBox="1">
+            <a:spLocks noChangeArrowheads="1"/>
+          </p:cNvSpPr>
+          <p:nvPr/>
+        </p:nvSpPr>
+        <p:spPr bwMode="auto">
+          <a:xfrm>
+            <a:off x="8206063" y="995362"/>
+            <a:ext cx="3382657" cy="369332"/>
+          </a:xfrm>
+          <a:prstGeom prst="rect">
+            <a:avLst/>
+          </a:prstGeom>
+          <a:noFill/>
+          <a:ln>
+            <a:noFill/>
+          </a:ln>
+          <a:extLst>
+            <a:ext uri="{909E8E84-426E-40DD-AFC4-6F175D3DCCD1}">
+              <a14:hiddenFill xmlns:a14="http://schemas.microsoft.com/office/drawing/2010/main">
+                <a:solidFill>
+                  <a:srgbClr val="FFFFFF"/>
+                </a:solidFill>
+              </a14:hiddenFill>
+            </a:ext>
+            <a:ext uri="{91240B29-F687-4F45-9708-019B960494DF}">
+              <a14:hiddenLine xmlns:a14="http://schemas.microsoft.com/office/drawing/2010/main" w="9525">
+                <a:solidFill>
+                  <a:srgbClr val="000000"/>
+                </a:solidFill>
+                <a:miter lim="800000"/>
+                <a:headEnd/>
+                <a:tailEnd/>
+              </a14:hiddenLine>
+            </a:ext>
+          </a:extLst>
+        </p:spPr>
+        <p:txBody>
+          <a:bodyPr wrap="none">
+            <a:spAutoFit/>
+          </a:bodyPr>
+          <a:lstStyle>
+            <a:defPPr>
+              <a:defRPr lang="en-US"/>
+            </a:defPPr>
+            <a:lvl1pPr>
+              <a:defRPr b="1">
+                <a:latin typeface="+mj-lt"/>
+              </a:defRPr>
+            </a:lvl1pPr>
+            <a:lvl2pPr marL="742950" indent="-285750" eaLnBrk="0" hangingPunct="0">
+              <a:defRPr>
+                <a:latin typeface="Arial" panose="020B0604020202020204" pitchFamily="34" charset="0"/>
+              </a:defRPr>
+            </a:lvl2pPr>
+            <a:lvl3pPr marL="1143000" indent="-228600" eaLnBrk="0" hangingPunct="0">
+              <a:defRPr>
+                <a:latin typeface="Arial" panose="020B0604020202020204" pitchFamily="34" charset="0"/>
+              </a:defRPr>
+            </a:lvl3pPr>
+            <a:lvl4pPr marL="1600200" indent="-228600" eaLnBrk="0" hangingPunct="0">
+              <a:defRPr>
+                <a:latin typeface="Arial" panose="020B0604020202020204" pitchFamily="34" charset="0"/>
+              </a:defRPr>
+            </a:lvl4pPr>
+            <a:lvl5pPr marL="2057400" indent="-228600" eaLnBrk="0" hangingPunct="0">
+              <a:defRPr>
+                <a:latin typeface="Arial" panose="020B0604020202020204" pitchFamily="34" charset="0"/>
+              </a:defRPr>
+            </a:lvl5pPr>
+            <a:lvl6pPr marL="2514600" indent="-228600" eaLnBrk="0" fontAlgn="base" hangingPunct="0">
+              <a:spcBef>
+                <a:spcPct val="0"/>
+              </a:spcBef>
+              <a:spcAft>
+                <a:spcPct val="0"/>
+              </a:spcAft>
+              <a:defRPr>
+                <a:latin typeface="Arial" panose="020B0604020202020204" pitchFamily="34" charset="0"/>
+              </a:defRPr>
+            </a:lvl6pPr>
+            <a:lvl7pPr marL="2971800" indent="-228600" eaLnBrk="0" fontAlgn="base" hangingPunct="0">
+              <a:spcBef>
+                <a:spcPct val="0"/>
+              </a:spcBef>
+              <a:spcAft>
+                <a:spcPct val="0"/>
+              </a:spcAft>
+              <a:defRPr>
+                <a:latin typeface="Arial" panose="020B0604020202020204" pitchFamily="34" charset="0"/>
+              </a:defRPr>
+            </a:lvl7pPr>
+            <a:lvl8pPr marL="3429000" indent="-228600" eaLnBrk="0" fontAlgn="base" hangingPunct="0">
+              <a:spcBef>
+                <a:spcPct val="0"/>
+              </a:spcBef>
+              <a:spcAft>
+                <a:spcPct val="0"/>
+              </a:spcAft>
+              <a:defRPr>
+                <a:latin typeface="Arial" panose="020B0604020202020204" pitchFamily="34" charset="0"/>
+              </a:defRPr>
+            </a:lvl8pPr>
+            <a:lvl9pPr marL="3886200" indent="-228600" eaLnBrk="0" fontAlgn="base" hangingPunct="0">
+              <a:spcBef>
+                <a:spcPct val="0"/>
+              </a:spcBef>
+              <a:spcAft>
+                <a:spcPct val="0"/>
+              </a:spcAft>
+              <a:defRPr>
+                <a:latin typeface="Arial" panose="020B0604020202020204" pitchFamily="34" charset="0"/>
+              </a:defRPr>
+            </a:lvl9pPr>
+          </a:lstStyle>
+          <a:p>
+            <a:r>
+              <a:rPr lang="en-US" altLang="en-US" dirty="0"/>
+              <a:t>SO2—Max 1 </a:t>
+            </a:r>
+            <a:r>
+              <a:rPr lang="en-US" altLang="en-US" dirty="0" err="1"/>
+              <a:t>hr</a:t>
+            </a:r>
+            <a:r>
+              <a:rPr lang="en-US" altLang="en-US" dirty="0"/>
+              <a:t> Concentrations</a:t>
+            </a:r>
           </a:p>
         </p:txBody>
       </p:sp>
     </p:spTree>
     <p:extLst>
       <p:ext uri="{BB962C8B-B14F-4D97-AF65-F5344CB8AC3E}">
-        <p14:creationId xmlns:p14="http://schemas.microsoft.com/office/powerpoint/2010/main" val="3012321828"/>
+        <p14:creationId xmlns:p14="http://schemas.microsoft.com/office/powerpoint/2010/main" val="3646440327"/>
       </p:ext>
     </p:extLst>
   </p:cSld>
@@ -5489,7 +7800,7 @@
         <p:spPr>
           <a:xfrm>
             <a:off x="669852" y="870596"/>
-            <a:ext cx="5537908" cy="577205"/>
+            <a:ext cx="2658915" cy="577205"/>
           </a:xfrm>
         </p:spPr>
         <p:txBody>
@@ -5505,198 +7816,2124 @@
             </a:pPr>
             <a:r>
               <a:rPr lang="en-US" sz="3400" dirty="0"/>
-              <a:t>BIVARIATE MAP TITLE</a:t>
-            </a:r>
-            <a:br>
-              <a:rPr lang="en-US" sz="3400" dirty="0"/>
-            </a:br>
-            <a:r>
-              <a:rPr lang="en-US" sz="3400" dirty="0">
-                <a:solidFill>
-                  <a:schemeClr val="bg1">
-                    <a:lumMod val="50000"/>
-                  </a:schemeClr>
-                </a:solidFill>
-              </a:rPr>
-              <a:t>UNITS OF COMPONENT VARIABLES</a:t>
-            </a:r>
-            <a:br>
-              <a:rPr lang="en-US" sz="3400" dirty="0"/>
-            </a:br>
-            <a:br>
-              <a:rPr lang="en-US" sz="3400" dirty="0"/>
-            </a:br>
-            <a:endParaRPr lang="en-US" sz="1800" dirty="0">
-              <a:latin typeface="Abadi Extra Light" panose="020B0604020202020204" pitchFamily="34" charset="0"/>
-            </a:endParaRPr>
+              <a:t>Summary Statistics by Model Category</a:t>
+            </a:r>
           </a:p>
         </p:txBody>
       </p:sp>
-      <p:sp>
-        <p:nvSpPr>
-          <p:cNvPr id="40" name="TextBox 39">
+      <p:graphicFrame>
+        <p:nvGraphicFramePr>
+          <p:cNvPr id="12" name="Table 11">
             <a:extLst>
               <a:ext uri="{FF2B5EF4-FFF2-40B4-BE49-F238E27FC236}">
-                <a16:creationId xmlns:a16="http://schemas.microsoft.com/office/drawing/2014/main" id="{3CB48F71-F2CE-4BBA-9675-40D850CCA5E6}"/>
+                <a16:creationId xmlns:a16="http://schemas.microsoft.com/office/drawing/2014/main" id="{51E0D61D-C5BA-2172-F514-5F02DF103835}"/>
               </a:ext>
             </a:extLst>
           </p:cNvPr>
-          <p:cNvSpPr txBox="1"/>
-          <p:nvPr/>
-        </p:nvSpPr>
-        <p:spPr>
-          <a:xfrm>
-            <a:off x="669852" y="2663113"/>
-            <a:ext cx="5507428" cy="338554"/>
-          </a:xfrm>
-          <a:prstGeom prst="rect">
-            <a:avLst/>
-          </a:prstGeom>
-          <a:noFill/>
-        </p:spPr>
-        <p:txBody>
-          <a:bodyPr wrap="square">
-            <a:spAutoFit/>
-          </a:bodyPr>
-          <a:lstStyle/>
-          <a:p>
-            <a:r>
-              <a:rPr lang="en-US" sz="1600" i="1" cap="none" dirty="0">
-                <a:latin typeface="Abadi Extra Light" panose="020B0604020202020204" pitchFamily="34" charset="0"/>
-              </a:rPr>
-              <a:t>Map description and analysis</a:t>
-            </a:r>
-            <a:endParaRPr lang="en-US" sz="1600" cap="none" dirty="0">
-              <a:latin typeface="Abadi Extra Light" panose="020B0604020202020204" pitchFamily="34" charset="0"/>
-            </a:endParaRPr>
-          </a:p>
-        </p:txBody>
-      </p:sp>
-      <p:sp>
-        <p:nvSpPr>
-          <p:cNvPr id="41" name="TextBox 40">
-            <a:extLst>
-              <a:ext uri="{FF2B5EF4-FFF2-40B4-BE49-F238E27FC236}">
-                <a16:creationId xmlns:a16="http://schemas.microsoft.com/office/drawing/2014/main" id="{F069AEA9-916E-4C98-BFED-A884409BD104}"/>
-              </a:ext>
-            </a:extLst>
-          </p:cNvPr>
-          <p:cNvSpPr txBox="1"/>
-          <p:nvPr/>
-        </p:nvSpPr>
-        <p:spPr>
-          <a:xfrm>
-            <a:off x="700332" y="5580302"/>
-            <a:ext cx="5507428" cy="307777"/>
-          </a:xfrm>
-          <a:prstGeom prst="rect">
-            <a:avLst/>
-          </a:prstGeom>
-          <a:noFill/>
-        </p:spPr>
-        <p:txBody>
-          <a:bodyPr wrap="square">
-            <a:spAutoFit/>
-          </a:bodyPr>
-          <a:lstStyle/>
-          <a:p>
-            <a:r>
-              <a:rPr lang="en-US" sz="1400" i="1" dirty="0">
-                <a:latin typeface="Abadi Extra Light" panose="020B0604020202020204" pitchFamily="34" charset="0"/>
-              </a:rPr>
-              <a:t>Data sources: CDC PLACES; CDC SVI.</a:t>
-            </a:r>
-            <a:endParaRPr lang="en-US" sz="1400" i="1" cap="none" dirty="0">
-              <a:latin typeface="Abadi Extra Light" panose="020B0604020202020204" pitchFamily="34" charset="0"/>
-            </a:endParaRPr>
-          </a:p>
-        </p:txBody>
-      </p:sp>
-      <p:sp>
-        <p:nvSpPr>
-          <p:cNvPr id="2" name="AutoShape 2">
-            <a:extLst>
-              <a:ext uri="{FF2B5EF4-FFF2-40B4-BE49-F238E27FC236}">
-                <a16:creationId xmlns:a16="http://schemas.microsoft.com/office/drawing/2014/main" id="{07A25E57-B9E3-F05D-2DB4-D7A836A40E50}"/>
-              </a:ext>
-            </a:extLst>
-          </p:cNvPr>
-          <p:cNvSpPr>
-            <a:spLocks noChangeAspect="1" noChangeArrowheads="1"/>
-          </p:cNvSpPr>
-          <p:nvPr/>
-        </p:nvSpPr>
-        <p:spPr bwMode="auto">
-          <a:xfrm>
-            <a:off x="10668010" y="3276600"/>
-            <a:ext cx="304800" cy="304800"/>
-          </a:xfrm>
-          <a:prstGeom prst="rect">
-            <a:avLst/>
-          </a:prstGeom>
-          <a:noFill/>
-          <a:extLst>
-            <a:ext uri="{909E8E84-426E-40DD-AFC4-6F175D3DCCD1}">
-              <a14:hiddenFill xmlns:a14="http://schemas.microsoft.com/office/drawing/2010/main">
-                <a:solidFill>
-                  <a:srgbClr val="FFFFFF"/>
-                </a:solidFill>
-              </a14:hiddenFill>
-            </a:ext>
-          </a:extLst>
-        </p:spPr>
-        <p:txBody>
-          <a:bodyPr vert="horz" wrap="square" lIns="91440" tIns="45720" rIns="91440" bIns="45720" numCol="1" anchor="t" anchorCtr="0" compatLnSpc="1">
-            <a:prstTxWarp prst="textNoShape">
-              <a:avLst/>
-            </a:prstTxWarp>
-          </a:bodyPr>
-          <a:lstStyle/>
-          <a:p>
-            <a:endParaRPr lang="en-US"/>
-          </a:p>
-        </p:txBody>
-      </p:sp>
-      <p:pic>
-        <p:nvPicPr>
-          <p:cNvPr id="7" name="Picture 6" descr="A picture containing diagram&#10;&#10;Description automatically generated">
-            <a:extLst>
-              <a:ext uri="{FF2B5EF4-FFF2-40B4-BE49-F238E27FC236}">
-                <a16:creationId xmlns:a16="http://schemas.microsoft.com/office/drawing/2014/main" id="{E28382BA-0EFD-81AE-E5A3-9679A06ACF6C}"/>
-              </a:ext>
-            </a:extLst>
-          </p:cNvPr>
-          <p:cNvPicPr>
-            <a:picLocks noChangeAspect="1"/>
-          </p:cNvPicPr>
-          <p:nvPr/>
-        </p:nvPicPr>
-        <p:blipFill>
-          <a:blip r:embed="rId2">
-            <a:extLst>
-              <a:ext uri="{28A0092B-C50C-407E-A947-70E740481C1C}">
-                <a14:useLocalDpi xmlns:a14="http://schemas.microsoft.com/office/drawing/2010/main" val="0"/>
-              </a:ext>
-            </a:extLst>
-          </a:blip>
-          <a:stretch>
-            <a:fillRect/>
-          </a:stretch>
-        </p:blipFill>
-        <p:spPr>
-          <a:xfrm>
-            <a:off x="5090855" y="1066795"/>
-            <a:ext cx="6400813" cy="5029210"/>
-          </a:xfrm>
-          <a:prstGeom prst="rect">
-            <a:avLst/>
-          </a:prstGeom>
-        </p:spPr>
-      </p:pic>
+          <p:cNvGraphicFramePr>
+            <a:graphicFrameLocks noGrp="1"/>
+          </p:cNvGraphicFramePr>
+          <p:nvPr>
+            <p:extLst>
+              <p:ext uri="{D42A27DB-BD31-4B8C-83A1-F6EECF244321}">
+                <p14:modId xmlns:p14="http://schemas.microsoft.com/office/powerpoint/2010/main" val="1289557934"/>
+              </p:ext>
+            </p:extLst>
+          </p:nvPr>
+        </p:nvGraphicFramePr>
+        <p:xfrm>
+          <a:off x="3186155" y="1820436"/>
+          <a:ext cx="8144990" cy="3974460"/>
+        </p:xfrm>
+        <a:graphic>
+          <a:graphicData uri="http://schemas.openxmlformats.org/drawingml/2006/table">
+            <a:tbl>
+              <a:tblPr firstRow="1" bandRow="1">
+                <a:tableStyleId>{68D230F3-CF80-4859-8CE7-A43EE81993B5}</a:tableStyleId>
+              </a:tblPr>
+              <a:tblGrid>
+                <a:gridCol w="1163570">
+                  <a:extLst>
+                    <a:ext uri="{9D8B030D-6E8A-4147-A177-3AD203B41FA5}">
+                      <a16:colId xmlns:a16="http://schemas.microsoft.com/office/drawing/2014/main" val="20000"/>
+                    </a:ext>
+                  </a:extLst>
+                </a:gridCol>
+                <a:gridCol w="1163570">
+                  <a:extLst>
+                    <a:ext uri="{9D8B030D-6E8A-4147-A177-3AD203B41FA5}">
+                      <a16:colId xmlns:a16="http://schemas.microsoft.com/office/drawing/2014/main" val="20001"/>
+                    </a:ext>
+                  </a:extLst>
+                </a:gridCol>
+                <a:gridCol w="1163570">
+                  <a:extLst>
+                    <a:ext uri="{9D8B030D-6E8A-4147-A177-3AD203B41FA5}">
+                      <a16:colId xmlns:a16="http://schemas.microsoft.com/office/drawing/2014/main" val="20002"/>
+                    </a:ext>
+                  </a:extLst>
+                </a:gridCol>
+                <a:gridCol w="1163570">
+                  <a:extLst>
+                    <a:ext uri="{9D8B030D-6E8A-4147-A177-3AD203B41FA5}">
+                      <a16:colId xmlns:a16="http://schemas.microsoft.com/office/drawing/2014/main" val="20003"/>
+                    </a:ext>
+                  </a:extLst>
+                </a:gridCol>
+                <a:gridCol w="1163570">
+                  <a:extLst>
+                    <a:ext uri="{9D8B030D-6E8A-4147-A177-3AD203B41FA5}">
+                      <a16:colId xmlns:a16="http://schemas.microsoft.com/office/drawing/2014/main" val="20004"/>
+                    </a:ext>
+                  </a:extLst>
+                </a:gridCol>
+                <a:gridCol w="1163570">
+                  <a:extLst>
+                    <a:ext uri="{9D8B030D-6E8A-4147-A177-3AD203B41FA5}">
+                      <a16:colId xmlns:a16="http://schemas.microsoft.com/office/drawing/2014/main" val="20005"/>
+                    </a:ext>
+                  </a:extLst>
+                </a:gridCol>
+                <a:gridCol w="1163570">
+                  <a:extLst>
+                    <a:ext uri="{9D8B030D-6E8A-4147-A177-3AD203B41FA5}">
+                      <a16:colId xmlns:a16="http://schemas.microsoft.com/office/drawing/2014/main" val="20006"/>
+                    </a:ext>
+                  </a:extLst>
+                </a:gridCol>
+              </a:tblGrid>
+              <a:tr h="1210440">
+                <a:tc>
+                  <a:txBody>
+                    <a:bodyPr/>
+                    <a:lstStyle/>
+                    <a:p>
+                      <a:endParaRPr lang="en-US" sz="1500" dirty="0"/>
+                    </a:p>
+                  </a:txBody>
+                  <a:tcPr marL="75520" marR="75520" marT="37755" marB="37755">
+                    <a:lnL w="12700" cap="flat" cmpd="sng" algn="ctr">
+                      <a:solidFill>
+                        <a:schemeClr val="tx1"/>
+                      </a:solidFill>
+                      <a:prstDash val="solid"/>
+                      <a:round/>
+                      <a:headEnd type="none" w="med" len="med"/>
+                      <a:tailEnd type="none" w="med" len="med"/>
+                    </a:lnL>
+                    <a:lnR w="12700" cap="flat" cmpd="sng" algn="ctr">
+                      <a:solidFill>
+                        <a:schemeClr val="tx1"/>
+                      </a:solidFill>
+                      <a:prstDash val="solid"/>
+                      <a:round/>
+                      <a:headEnd type="none" w="med" len="med"/>
+                      <a:tailEnd type="none" w="med" len="med"/>
+                    </a:lnR>
+                    <a:lnT w="12700" cap="flat" cmpd="sng" algn="ctr">
+                      <a:solidFill>
+                        <a:schemeClr val="tx1"/>
+                      </a:solidFill>
+                      <a:prstDash val="solid"/>
+                      <a:round/>
+                      <a:headEnd type="none" w="med" len="med"/>
+                      <a:tailEnd type="none" w="med" len="med"/>
+                    </a:lnT>
+                    <a:lnB w="12700" cap="flat" cmpd="sng" algn="ctr">
+                      <a:solidFill>
+                        <a:schemeClr val="tx1"/>
+                      </a:solidFill>
+                      <a:prstDash val="solid"/>
+                      <a:round/>
+                      <a:headEnd type="none" w="med" len="med"/>
+                      <a:tailEnd type="none" w="med" len="med"/>
+                    </a:lnB>
+                  </a:tcPr>
+                </a:tc>
+                <a:tc>
+                  <a:txBody>
+                    <a:bodyPr/>
+                    <a:lstStyle/>
+                    <a:p>
+                      <a:pPr marL="0" marR="0" indent="0" algn="l" defTabSz="914400" rtl="0" eaLnBrk="1" fontAlgn="auto" latinLnBrk="0" hangingPunct="1">
+                        <a:lnSpc>
+                          <a:spcPct val="100000"/>
+                        </a:lnSpc>
+                        <a:spcBef>
+                          <a:spcPts val="0"/>
+                        </a:spcBef>
+                        <a:spcAft>
+                          <a:spcPts val="0"/>
+                        </a:spcAft>
+                        <a:buClrTx/>
+                        <a:buSzTx/>
+                        <a:buFontTx/>
+                        <a:buNone/>
+                        <a:tabLst/>
+                        <a:defRPr/>
+                      </a:pPr>
+                      <a:r>
+                        <a:rPr lang="en-US" sz="1500" b="1" dirty="0"/>
+                        <a:t>Single Facility</a:t>
+                      </a:r>
+                    </a:p>
+                    <a:p>
+                      <a:pPr marL="0" marR="0" indent="0" algn="l" defTabSz="914400" rtl="0" eaLnBrk="1" fontAlgn="auto" latinLnBrk="0" hangingPunct="1">
+                        <a:lnSpc>
+                          <a:spcPct val="100000"/>
+                        </a:lnSpc>
+                        <a:spcBef>
+                          <a:spcPts val="0"/>
+                        </a:spcBef>
+                        <a:spcAft>
+                          <a:spcPts val="0"/>
+                        </a:spcAft>
+                        <a:buClrTx/>
+                        <a:buSzTx/>
+                        <a:buFontTx/>
+                        <a:buNone/>
+                        <a:tabLst/>
+                        <a:defRPr/>
+                      </a:pPr>
+                      <a:r>
+                        <a:rPr lang="en-US" sz="1500" b="1" dirty="0"/>
+                        <a:t>SO2, 1hr</a:t>
+                      </a:r>
+                    </a:p>
+                  </a:txBody>
+                  <a:tcPr marL="75520" marR="75520" marT="37755" marB="37755">
+                    <a:lnL w="12700" cap="flat" cmpd="sng" algn="ctr">
+                      <a:solidFill>
+                        <a:schemeClr val="tx1"/>
+                      </a:solidFill>
+                      <a:prstDash val="solid"/>
+                      <a:round/>
+                      <a:headEnd type="none" w="med" len="med"/>
+                      <a:tailEnd type="none" w="med" len="med"/>
+                    </a:lnL>
+                    <a:lnR w="12700" cap="flat" cmpd="sng" algn="ctr">
+                      <a:solidFill>
+                        <a:schemeClr val="tx1"/>
+                      </a:solidFill>
+                      <a:prstDash val="solid"/>
+                      <a:round/>
+                      <a:headEnd type="none" w="med" len="med"/>
+                      <a:tailEnd type="none" w="med" len="med"/>
+                    </a:lnR>
+                    <a:lnT w="12700" cap="flat" cmpd="sng" algn="ctr">
+                      <a:solidFill>
+                        <a:schemeClr val="tx1"/>
+                      </a:solidFill>
+                      <a:prstDash val="solid"/>
+                      <a:round/>
+                      <a:headEnd type="none" w="med" len="med"/>
+                      <a:tailEnd type="none" w="med" len="med"/>
+                    </a:lnT>
+                    <a:lnB w="12700" cap="flat" cmpd="sng" algn="ctr">
+                      <a:solidFill>
+                        <a:schemeClr val="tx1"/>
+                      </a:solidFill>
+                      <a:prstDash val="solid"/>
+                      <a:round/>
+                      <a:headEnd type="none" w="med" len="med"/>
+                      <a:tailEnd type="none" w="med" len="med"/>
+                    </a:lnB>
+                  </a:tcPr>
+                </a:tc>
+                <a:tc>
+                  <a:txBody>
+                    <a:bodyPr/>
+                    <a:lstStyle/>
+                    <a:p>
+                      <a:pPr marL="0" marR="0" indent="0" algn="l" defTabSz="914400" rtl="0" eaLnBrk="1" fontAlgn="auto" latinLnBrk="0" hangingPunct="1">
+                        <a:lnSpc>
+                          <a:spcPct val="100000"/>
+                        </a:lnSpc>
+                        <a:spcBef>
+                          <a:spcPts val="0"/>
+                        </a:spcBef>
+                        <a:spcAft>
+                          <a:spcPts val="0"/>
+                        </a:spcAft>
+                        <a:buClrTx/>
+                        <a:buSzTx/>
+                        <a:buFontTx/>
+                        <a:buNone/>
+                        <a:tabLst/>
+                        <a:defRPr/>
+                      </a:pPr>
+                      <a:r>
+                        <a:rPr lang="en-US" sz="1500" b="1" dirty="0"/>
+                        <a:t>Single Facility</a:t>
+                      </a:r>
+                    </a:p>
+                    <a:p>
+                      <a:pPr marL="0" marR="0" indent="0" algn="l" defTabSz="914400" rtl="0" eaLnBrk="1" fontAlgn="auto" latinLnBrk="0" hangingPunct="1">
+                        <a:lnSpc>
+                          <a:spcPct val="100000"/>
+                        </a:lnSpc>
+                        <a:spcBef>
+                          <a:spcPts val="0"/>
+                        </a:spcBef>
+                        <a:spcAft>
+                          <a:spcPts val="0"/>
+                        </a:spcAft>
+                        <a:buClrTx/>
+                        <a:buSzTx/>
+                        <a:buFontTx/>
+                        <a:buNone/>
+                        <a:tabLst/>
+                        <a:defRPr/>
+                      </a:pPr>
+                      <a:r>
+                        <a:rPr lang="en-US" sz="1500" b="1" dirty="0"/>
+                        <a:t>SO2,</a:t>
+                      </a:r>
+                      <a:r>
+                        <a:rPr lang="en-US" sz="1500" b="1" baseline="0" dirty="0"/>
+                        <a:t> 3hr</a:t>
+                      </a:r>
+                      <a:endParaRPr lang="en-US" sz="1500" b="1" dirty="0"/>
+                    </a:p>
+                  </a:txBody>
+                  <a:tcPr marL="75520" marR="75520" marT="37755" marB="37755">
+                    <a:lnL w="12700" cap="flat" cmpd="sng" algn="ctr">
+                      <a:solidFill>
+                        <a:schemeClr val="tx1"/>
+                      </a:solidFill>
+                      <a:prstDash val="solid"/>
+                      <a:round/>
+                      <a:headEnd type="none" w="med" len="med"/>
+                      <a:tailEnd type="none" w="med" len="med"/>
+                    </a:lnL>
+                    <a:lnR w="12700" cap="flat" cmpd="sng" algn="ctr">
+                      <a:solidFill>
+                        <a:schemeClr val="tx1"/>
+                      </a:solidFill>
+                      <a:prstDash val="solid"/>
+                      <a:round/>
+                      <a:headEnd type="none" w="med" len="med"/>
+                      <a:tailEnd type="none" w="med" len="med"/>
+                    </a:lnR>
+                    <a:lnT w="12700" cap="flat" cmpd="sng" algn="ctr">
+                      <a:solidFill>
+                        <a:schemeClr val="tx1"/>
+                      </a:solidFill>
+                      <a:prstDash val="solid"/>
+                      <a:round/>
+                      <a:headEnd type="none" w="med" len="med"/>
+                      <a:tailEnd type="none" w="med" len="med"/>
+                    </a:lnT>
+                    <a:lnB w="12700" cap="flat" cmpd="sng" algn="ctr">
+                      <a:solidFill>
+                        <a:schemeClr val="tx1"/>
+                      </a:solidFill>
+                      <a:prstDash val="solid"/>
+                      <a:round/>
+                      <a:headEnd type="none" w="med" len="med"/>
+                      <a:tailEnd type="none" w="med" len="med"/>
+                    </a:lnB>
+                  </a:tcPr>
+                </a:tc>
+                <a:tc>
+                  <a:txBody>
+                    <a:bodyPr/>
+                    <a:lstStyle/>
+                    <a:p>
+                      <a:pPr marL="0" marR="0" indent="0" algn="l" defTabSz="914400" rtl="0" eaLnBrk="1" fontAlgn="auto" latinLnBrk="0" hangingPunct="1">
+                        <a:lnSpc>
+                          <a:spcPct val="100000"/>
+                        </a:lnSpc>
+                        <a:spcBef>
+                          <a:spcPts val="0"/>
+                        </a:spcBef>
+                        <a:spcAft>
+                          <a:spcPts val="0"/>
+                        </a:spcAft>
+                        <a:buClrTx/>
+                        <a:buSzTx/>
+                        <a:buFontTx/>
+                        <a:buNone/>
+                        <a:tabLst/>
+                        <a:defRPr/>
+                      </a:pPr>
+                      <a:r>
+                        <a:rPr lang="en-US" sz="1500" b="1" dirty="0"/>
+                        <a:t>Cumulative</a:t>
+                      </a:r>
+                    </a:p>
+                    <a:p>
+                      <a:pPr marL="0" marR="0" indent="0" algn="l" defTabSz="914400" rtl="0" eaLnBrk="1" fontAlgn="auto" latinLnBrk="0" hangingPunct="1">
+                        <a:lnSpc>
+                          <a:spcPct val="100000"/>
+                        </a:lnSpc>
+                        <a:spcBef>
+                          <a:spcPts val="0"/>
+                        </a:spcBef>
+                        <a:spcAft>
+                          <a:spcPts val="0"/>
+                        </a:spcAft>
+                        <a:buClrTx/>
+                        <a:buSzTx/>
+                        <a:buFontTx/>
+                        <a:buNone/>
+                        <a:tabLst/>
+                        <a:defRPr/>
+                      </a:pPr>
+                      <a:r>
+                        <a:rPr lang="en-US" sz="1500" b="1" dirty="0"/>
+                        <a:t>SO2, 1hr</a:t>
+                      </a:r>
+                    </a:p>
+                  </a:txBody>
+                  <a:tcPr marL="75520" marR="75520" marT="37755" marB="37755">
+                    <a:lnL w="12700" cap="flat" cmpd="sng" algn="ctr">
+                      <a:solidFill>
+                        <a:schemeClr val="tx1"/>
+                      </a:solidFill>
+                      <a:prstDash val="solid"/>
+                      <a:round/>
+                      <a:headEnd type="none" w="med" len="med"/>
+                      <a:tailEnd type="none" w="med" len="med"/>
+                    </a:lnL>
+                    <a:lnR w="12700" cap="flat" cmpd="sng" algn="ctr">
+                      <a:solidFill>
+                        <a:schemeClr val="tx1"/>
+                      </a:solidFill>
+                      <a:prstDash val="solid"/>
+                      <a:round/>
+                      <a:headEnd type="none" w="med" len="med"/>
+                      <a:tailEnd type="none" w="med" len="med"/>
+                    </a:lnR>
+                    <a:lnT w="12700" cap="flat" cmpd="sng" algn="ctr">
+                      <a:solidFill>
+                        <a:schemeClr val="tx1"/>
+                      </a:solidFill>
+                      <a:prstDash val="solid"/>
+                      <a:round/>
+                      <a:headEnd type="none" w="med" len="med"/>
+                      <a:tailEnd type="none" w="med" len="med"/>
+                    </a:lnT>
+                    <a:lnB w="12700" cap="flat" cmpd="sng" algn="ctr">
+                      <a:solidFill>
+                        <a:schemeClr val="tx1"/>
+                      </a:solidFill>
+                      <a:prstDash val="solid"/>
+                      <a:round/>
+                      <a:headEnd type="none" w="med" len="med"/>
+                      <a:tailEnd type="none" w="med" len="med"/>
+                    </a:lnB>
+                  </a:tcPr>
+                </a:tc>
+                <a:tc>
+                  <a:txBody>
+                    <a:bodyPr/>
+                    <a:lstStyle/>
+                    <a:p>
+                      <a:pPr marL="0" marR="0" indent="0" algn="l" defTabSz="914400" rtl="0" eaLnBrk="1" fontAlgn="auto" latinLnBrk="0" hangingPunct="1">
+                        <a:lnSpc>
+                          <a:spcPct val="100000"/>
+                        </a:lnSpc>
+                        <a:spcBef>
+                          <a:spcPts val="0"/>
+                        </a:spcBef>
+                        <a:spcAft>
+                          <a:spcPts val="0"/>
+                        </a:spcAft>
+                        <a:buClrTx/>
+                        <a:buSzTx/>
+                        <a:buFontTx/>
+                        <a:buNone/>
+                        <a:tabLst/>
+                        <a:defRPr/>
+                      </a:pPr>
+                      <a:r>
+                        <a:rPr lang="en-US" sz="1500" b="1" dirty="0"/>
+                        <a:t>Cumulative</a:t>
+                      </a:r>
+                    </a:p>
+                    <a:p>
+                      <a:pPr marL="0" marR="0" indent="0" algn="l" defTabSz="914400" rtl="0" eaLnBrk="1" fontAlgn="auto" latinLnBrk="0" hangingPunct="1">
+                        <a:lnSpc>
+                          <a:spcPct val="100000"/>
+                        </a:lnSpc>
+                        <a:spcBef>
+                          <a:spcPts val="0"/>
+                        </a:spcBef>
+                        <a:spcAft>
+                          <a:spcPts val="0"/>
+                        </a:spcAft>
+                        <a:buClrTx/>
+                        <a:buSzTx/>
+                        <a:buFontTx/>
+                        <a:buNone/>
+                        <a:tabLst/>
+                        <a:defRPr/>
+                      </a:pPr>
+                      <a:r>
+                        <a:rPr lang="en-US" sz="1500" b="1" dirty="0"/>
+                        <a:t>SO2,</a:t>
+                      </a:r>
+                      <a:r>
+                        <a:rPr lang="en-US" sz="1500" b="1" baseline="0" dirty="0"/>
+                        <a:t> 3hr</a:t>
+                      </a:r>
+                      <a:endParaRPr lang="en-US" sz="1500" b="1" dirty="0"/>
+                    </a:p>
+                  </a:txBody>
+                  <a:tcPr marL="75520" marR="75520" marT="37755" marB="37755">
+                    <a:lnL w="12700" cap="flat" cmpd="sng" algn="ctr">
+                      <a:solidFill>
+                        <a:schemeClr val="tx1"/>
+                      </a:solidFill>
+                      <a:prstDash val="solid"/>
+                      <a:round/>
+                      <a:headEnd type="none" w="med" len="med"/>
+                      <a:tailEnd type="none" w="med" len="med"/>
+                    </a:lnL>
+                    <a:lnR w="12700" cap="flat" cmpd="sng" algn="ctr">
+                      <a:solidFill>
+                        <a:schemeClr val="tx1"/>
+                      </a:solidFill>
+                      <a:prstDash val="solid"/>
+                      <a:round/>
+                      <a:headEnd type="none" w="med" len="med"/>
+                      <a:tailEnd type="none" w="med" len="med"/>
+                    </a:lnR>
+                    <a:lnT w="12700" cap="flat" cmpd="sng" algn="ctr">
+                      <a:solidFill>
+                        <a:schemeClr val="tx1"/>
+                      </a:solidFill>
+                      <a:prstDash val="solid"/>
+                      <a:round/>
+                      <a:headEnd type="none" w="med" len="med"/>
+                      <a:tailEnd type="none" w="med" len="med"/>
+                    </a:lnT>
+                    <a:lnB w="12700" cap="flat" cmpd="sng" algn="ctr">
+                      <a:solidFill>
+                        <a:schemeClr val="tx1"/>
+                      </a:solidFill>
+                      <a:prstDash val="solid"/>
+                      <a:round/>
+                      <a:headEnd type="none" w="med" len="med"/>
+                      <a:tailEnd type="none" w="med" len="med"/>
+                    </a:lnB>
+                  </a:tcPr>
+                </a:tc>
+                <a:tc>
+                  <a:txBody>
+                    <a:bodyPr/>
+                    <a:lstStyle/>
+                    <a:p>
+                      <a:pPr marL="0" marR="0" indent="0" algn="l" defTabSz="914400" rtl="0" eaLnBrk="1" fontAlgn="auto" latinLnBrk="0" hangingPunct="1">
+                        <a:lnSpc>
+                          <a:spcPct val="100000"/>
+                        </a:lnSpc>
+                        <a:spcBef>
+                          <a:spcPts val="0"/>
+                        </a:spcBef>
+                        <a:spcAft>
+                          <a:spcPts val="0"/>
+                        </a:spcAft>
+                        <a:buClrTx/>
+                        <a:buSzTx/>
+                        <a:buFontTx/>
+                        <a:buNone/>
+                        <a:tabLst/>
+                        <a:defRPr/>
+                      </a:pPr>
+                      <a:r>
+                        <a:rPr lang="en-US" sz="1500" b="1" dirty="0"/>
+                        <a:t>Projected</a:t>
+                      </a:r>
+                    </a:p>
+                    <a:p>
+                      <a:pPr marL="0" marR="0" indent="0" algn="l" defTabSz="914400" rtl="0" eaLnBrk="1" fontAlgn="auto" latinLnBrk="0" hangingPunct="1">
+                        <a:lnSpc>
+                          <a:spcPct val="100000"/>
+                        </a:lnSpc>
+                        <a:spcBef>
+                          <a:spcPts val="0"/>
+                        </a:spcBef>
+                        <a:spcAft>
+                          <a:spcPts val="0"/>
+                        </a:spcAft>
+                        <a:buClrTx/>
+                        <a:buSzTx/>
+                        <a:buFontTx/>
+                        <a:buNone/>
+                        <a:tabLst/>
+                        <a:defRPr/>
+                      </a:pPr>
+                      <a:r>
+                        <a:rPr lang="en-US" sz="1500" b="1" dirty="0"/>
+                        <a:t>SO2,</a:t>
+                      </a:r>
+                      <a:r>
+                        <a:rPr lang="en-US" sz="1500" b="1" baseline="0" dirty="0"/>
+                        <a:t> </a:t>
+                      </a:r>
+                      <a:r>
+                        <a:rPr lang="en-US" sz="1500" b="1" dirty="0"/>
+                        <a:t>1hr</a:t>
+                      </a:r>
+                    </a:p>
+                  </a:txBody>
+                  <a:tcPr marL="75520" marR="75520" marT="37755" marB="37755">
+                    <a:lnL w="12700" cap="flat" cmpd="sng" algn="ctr">
+                      <a:solidFill>
+                        <a:schemeClr val="tx1"/>
+                      </a:solidFill>
+                      <a:prstDash val="solid"/>
+                      <a:round/>
+                      <a:headEnd type="none" w="med" len="med"/>
+                      <a:tailEnd type="none" w="med" len="med"/>
+                    </a:lnL>
+                    <a:lnR w="12700" cap="flat" cmpd="sng" algn="ctr">
+                      <a:solidFill>
+                        <a:schemeClr val="tx1"/>
+                      </a:solidFill>
+                      <a:prstDash val="solid"/>
+                      <a:round/>
+                      <a:headEnd type="none" w="med" len="med"/>
+                      <a:tailEnd type="none" w="med" len="med"/>
+                    </a:lnR>
+                    <a:lnT w="12700" cap="flat" cmpd="sng" algn="ctr">
+                      <a:solidFill>
+                        <a:schemeClr val="tx1"/>
+                      </a:solidFill>
+                      <a:prstDash val="solid"/>
+                      <a:round/>
+                      <a:headEnd type="none" w="med" len="med"/>
+                      <a:tailEnd type="none" w="med" len="med"/>
+                    </a:lnT>
+                    <a:lnB w="12700" cap="flat" cmpd="sng" algn="ctr">
+                      <a:solidFill>
+                        <a:schemeClr val="tx1"/>
+                      </a:solidFill>
+                      <a:prstDash val="solid"/>
+                      <a:round/>
+                      <a:headEnd type="none" w="med" len="med"/>
+                      <a:tailEnd type="none" w="med" len="med"/>
+                    </a:lnB>
+                  </a:tcPr>
+                </a:tc>
+                <a:tc>
+                  <a:txBody>
+                    <a:bodyPr/>
+                    <a:lstStyle/>
+                    <a:p>
+                      <a:pPr marL="0" marR="0" indent="0" algn="l" defTabSz="914400" rtl="0" eaLnBrk="1" fontAlgn="auto" latinLnBrk="0" hangingPunct="1">
+                        <a:lnSpc>
+                          <a:spcPct val="100000"/>
+                        </a:lnSpc>
+                        <a:spcBef>
+                          <a:spcPts val="0"/>
+                        </a:spcBef>
+                        <a:spcAft>
+                          <a:spcPts val="0"/>
+                        </a:spcAft>
+                        <a:buClrTx/>
+                        <a:buSzTx/>
+                        <a:buFontTx/>
+                        <a:buNone/>
+                        <a:tabLst/>
+                        <a:defRPr/>
+                      </a:pPr>
+                      <a:r>
+                        <a:rPr lang="en-US" sz="1500" b="1" dirty="0"/>
+                        <a:t>Projected</a:t>
+                      </a:r>
+                    </a:p>
+                    <a:p>
+                      <a:pPr marL="0" marR="0" indent="0" algn="l" defTabSz="914400" rtl="0" eaLnBrk="1" fontAlgn="auto" latinLnBrk="0" hangingPunct="1">
+                        <a:lnSpc>
+                          <a:spcPct val="100000"/>
+                        </a:lnSpc>
+                        <a:spcBef>
+                          <a:spcPts val="0"/>
+                        </a:spcBef>
+                        <a:spcAft>
+                          <a:spcPts val="0"/>
+                        </a:spcAft>
+                        <a:buClrTx/>
+                        <a:buSzTx/>
+                        <a:buFontTx/>
+                        <a:buNone/>
+                        <a:tabLst/>
+                        <a:defRPr/>
+                      </a:pPr>
+                      <a:r>
+                        <a:rPr lang="en-US" sz="1500" b="1" dirty="0"/>
+                        <a:t>SO2, 3hr</a:t>
+                      </a:r>
+                    </a:p>
+                  </a:txBody>
+                  <a:tcPr marL="75520" marR="75520" marT="37755" marB="37755">
+                    <a:lnL w="12700" cap="flat" cmpd="sng" algn="ctr">
+                      <a:solidFill>
+                        <a:schemeClr val="tx1"/>
+                      </a:solidFill>
+                      <a:prstDash val="solid"/>
+                      <a:round/>
+                      <a:headEnd type="none" w="med" len="med"/>
+                      <a:tailEnd type="none" w="med" len="med"/>
+                    </a:lnL>
+                    <a:lnR w="12700" cap="flat" cmpd="sng" algn="ctr">
+                      <a:solidFill>
+                        <a:schemeClr val="tx1"/>
+                      </a:solidFill>
+                      <a:prstDash val="solid"/>
+                      <a:round/>
+                      <a:headEnd type="none" w="med" len="med"/>
+                      <a:tailEnd type="none" w="med" len="med"/>
+                    </a:lnR>
+                    <a:lnT w="12700" cap="flat" cmpd="sng" algn="ctr">
+                      <a:solidFill>
+                        <a:schemeClr val="tx1"/>
+                      </a:solidFill>
+                      <a:prstDash val="solid"/>
+                      <a:round/>
+                      <a:headEnd type="none" w="med" len="med"/>
+                      <a:tailEnd type="none" w="med" len="med"/>
+                    </a:lnT>
+                    <a:lnB w="12700" cap="flat" cmpd="sng" algn="ctr">
+                      <a:solidFill>
+                        <a:schemeClr val="tx1"/>
+                      </a:solidFill>
+                      <a:prstDash val="solid"/>
+                      <a:round/>
+                      <a:headEnd type="none" w="med" len="med"/>
+                      <a:tailEnd type="none" w="med" len="med"/>
+                    </a:lnB>
+                  </a:tcPr>
+                </a:tc>
+                <a:extLst>
+                  <a:ext uri="{0D108BD9-81ED-4DB2-BD59-A6C34878D82A}">
+                    <a16:rowId xmlns:a16="http://schemas.microsoft.com/office/drawing/2014/main" val="10000"/>
+                  </a:ext>
+                </a:extLst>
+              </a:tr>
+              <a:tr h="691005">
+                <a:tc>
+                  <a:txBody>
+                    <a:bodyPr/>
+                    <a:lstStyle/>
+                    <a:p>
+                      <a:r>
+                        <a:rPr lang="en-US" sz="1500" b="1" dirty="0"/>
+                        <a:t>Max</a:t>
+                      </a:r>
+                    </a:p>
+                  </a:txBody>
+                  <a:tcPr marL="75520" marR="75520" marT="37755" marB="37755">
+                    <a:lnL w="12700" cap="flat" cmpd="sng" algn="ctr">
+                      <a:solidFill>
+                        <a:schemeClr val="tx1"/>
+                      </a:solidFill>
+                      <a:prstDash val="solid"/>
+                      <a:round/>
+                      <a:headEnd type="none" w="med" len="med"/>
+                      <a:tailEnd type="none" w="med" len="med"/>
+                    </a:lnL>
+                    <a:lnR w="12700" cap="flat" cmpd="sng" algn="ctr">
+                      <a:solidFill>
+                        <a:schemeClr val="tx1"/>
+                      </a:solidFill>
+                      <a:prstDash val="solid"/>
+                      <a:round/>
+                      <a:headEnd type="none" w="med" len="med"/>
+                      <a:tailEnd type="none" w="med" len="med"/>
+                    </a:lnR>
+                    <a:lnT w="12700" cap="flat" cmpd="sng" algn="ctr">
+                      <a:solidFill>
+                        <a:schemeClr val="tx1"/>
+                      </a:solidFill>
+                      <a:prstDash val="solid"/>
+                      <a:round/>
+                      <a:headEnd type="none" w="med" len="med"/>
+                      <a:tailEnd type="none" w="med" len="med"/>
+                    </a:lnT>
+                    <a:lnB w="12700" cap="flat" cmpd="sng" algn="ctr">
+                      <a:solidFill>
+                        <a:schemeClr val="tx1"/>
+                      </a:solidFill>
+                      <a:prstDash val="solid"/>
+                      <a:round/>
+                      <a:headEnd type="none" w="med" len="med"/>
+                      <a:tailEnd type="none" w="med" len="med"/>
+                    </a:lnB>
+                  </a:tcPr>
+                </a:tc>
+                <a:tc>
+                  <a:txBody>
+                    <a:bodyPr/>
+                    <a:lstStyle/>
+                    <a:p>
+                      <a:endParaRPr lang="en-US" sz="1500"/>
+                    </a:p>
+                  </a:txBody>
+                  <a:tcPr marL="75520" marR="75520" marT="37755" marB="37755">
+                    <a:lnL w="12700" cap="flat" cmpd="sng" algn="ctr">
+                      <a:solidFill>
+                        <a:schemeClr val="tx1"/>
+                      </a:solidFill>
+                      <a:prstDash val="solid"/>
+                      <a:round/>
+                      <a:headEnd type="none" w="med" len="med"/>
+                      <a:tailEnd type="none" w="med" len="med"/>
+                    </a:lnL>
+                    <a:lnR w="12700" cap="flat" cmpd="sng" algn="ctr">
+                      <a:solidFill>
+                        <a:schemeClr val="tx1"/>
+                      </a:solidFill>
+                      <a:prstDash val="solid"/>
+                      <a:round/>
+                      <a:headEnd type="none" w="med" len="med"/>
+                      <a:tailEnd type="none" w="med" len="med"/>
+                    </a:lnR>
+                    <a:lnT w="12700" cap="flat" cmpd="sng" algn="ctr">
+                      <a:solidFill>
+                        <a:schemeClr val="tx1"/>
+                      </a:solidFill>
+                      <a:prstDash val="solid"/>
+                      <a:round/>
+                      <a:headEnd type="none" w="med" len="med"/>
+                      <a:tailEnd type="none" w="med" len="med"/>
+                    </a:lnT>
+                    <a:lnB w="12700" cap="flat" cmpd="sng" algn="ctr">
+                      <a:solidFill>
+                        <a:schemeClr val="tx1"/>
+                      </a:solidFill>
+                      <a:prstDash val="solid"/>
+                      <a:round/>
+                      <a:headEnd type="none" w="med" len="med"/>
+                      <a:tailEnd type="none" w="med" len="med"/>
+                    </a:lnB>
+                  </a:tcPr>
+                </a:tc>
+                <a:tc>
+                  <a:txBody>
+                    <a:bodyPr/>
+                    <a:lstStyle/>
+                    <a:p>
+                      <a:endParaRPr lang="en-US" sz="1500" dirty="0"/>
+                    </a:p>
+                  </a:txBody>
+                  <a:tcPr marL="75520" marR="75520" marT="37755" marB="37755">
+                    <a:lnL w="12700" cap="flat" cmpd="sng" algn="ctr">
+                      <a:solidFill>
+                        <a:schemeClr val="tx1"/>
+                      </a:solidFill>
+                      <a:prstDash val="solid"/>
+                      <a:round/>
+                      <a:headEnd type="none" w="med" len="med"/>
+                      <a:tailEnd type="none" w="med" len="med"/>
+                    </a:lnL>
+                    <a:lnR w="12700" cap="flat" cmpd="sng" algn="ctr">
+                      <a:solidFill>
+                        <a:schemeClr val="tx1"/>
+                      </a:solidFill>
+                      <a:prstDash val="solid"/>
+                      <a:round/>
+                      <a:headEnd type="none" w="med" len="med"/>
+                      <a:tailEnd type="none" w="med" len="med"/>
+                    </a:lnR>
+                    <a:lnT w="12700" cap="flat" cmpd="sng" algn="ctr">
+                      <a:solidFill>
+                        <a:schemeClr val="tx1"/>
+                      </a:solidFill>
+                      <a:prstDash val="solid"/>
+                      <a:round/>
+                      <a:headEnd type="none" w="med" len="med"/>
+                      <a:tailEnd type="none" w="med" len="med"/>
+                    </a:lnT>
+                    <a:lnB w="12700" cap="flat" cmpd="sng" algn="ctr">
+                      <a:solidFill>
+                        <a:schemeClr val="tx1"/>
+                      </a:solidFill>
+                      <a:prstDash val="solid"/>
+                      <a:round/>
+                      <a:headEnd type="none" w="med" len="med"/>
+                      <a:tailEnd type="none" w="med" len="med"/>
+                    </a:lnB>
+                  </a:tcPr>
+                </a:tc>
+                <a:tc>
+                  <a:txBody>
+                    <a:bodyPr/>
+                    <a:lstStyle/>
+                    <a:p>
+                      <a:endParaRPr lang="en-US" sz="1500"/>
+                    </a:p>
+                  </a:txBody>
+                  <a:tcPr marL="75520" marR="75520" marT="37755" marB="37755">
+                    <a:lnL w="12700" cap="flat" cmpd="sng" algn="ctr">
+                      <a:solidFill>
+                        <a:schemeClr val="tx1"/>
+                      </a:solidFill>
+                      <a:prstDash val="solid"/>
+                      <a:round/>
+                      <a:headEnd type="none" w="med" len="med"/>
+                      <a:tailEnd type="none" w="med" len="med"/>
+                    </a:lnL>
+                    <a:lnR w="12700" cap="flat" cmpd="sng" algn="ctr">
+                      <a:solidFill>
+                        <a:schemeClr val="tx1"/>
+                      </a:solidFill>
+                      <a:prstDash val="solid"/>
+                      <a:round/>
+                      <a:headEnd type="none" w="med" len="med"/>
+                      <a:tailEnd type="none" w="med" len="med"/>
+                    </a:lnR>
+                    <a:lnT w="12700" cap="flat" cmpd="sng" algn="ctr">
+                      <a:solidFill>
+                        <a:schemeClr val="tx1"/>
+                      </a:solidFill>
+                      <a:prstDash val="solid"/>
+                      <a:round/>
+                      <a:headEnd type="none" w="med" len="med"/>
+                      <a:tailEnd type="none" w="med" len="med"/>
+                    </a:lnT>
+                    <a:lnB w="12700" cap="flat" cmpd="sng" algn="ctr">
+                      <a:solidFill>
+                        <a:schemeClr val="tx1"/>
+                      </a:solidFill>
+                      <a:prstDash val="solid"/>
+                      <a:round/>
+                      <a:headEnd type="none" w="med" len="med"/>
+                      <a:tailEnd type="none" w="med" len="med"/>
+                    </a:lnB>
+                  </a:tcPr>
+                </a:tc>
+                <a:tc>
+                  <a:txBody>
+                    <a:bodyPr/>
+                    <a:lstStyle/>
+                    <a:p>
+                      <a:endParaRPr lang="en-US" sz="1500" dirty="0"/>
+                    </a:p>
+                  </a:txBody>
+                  <a:tcPr marL="75520" marR="75520" marT="37755" marB="37755">
+                    <a:lnL w="12700" cap="flat" cmpd="sng" algn="ctr">
+                      <a:solidFill>
+                        <a:schemeClr val="tx1"/>
+                      </a:solidFill>
+                      <a:prstDash val="solid"/>
+                      <a:round/>
+                      <a:headEnd type="none" w="med" len="med"/>
+                      <a:tailEnd type="none" w="med" len="med"/>
+                    </a:lnL>
+                    <a:lnR w="12700" cap="flat" cmpd="sng" algn="ctr">
+                      <a:solidFill>
+                        <a:schemeClr val="tx1"/>
+                      </a:solidFill>
+                      <a:prstDash val="solid"/>
+                      <a:round/>
+                      <a:headEnd type="none" w="med" len="med"/>
+                      <a:tailEnd type="none" w="med" len="med"/>
+                    </a:lnR>
+                    <a:lnT w="12700" cap="flat" cmpd="sng" algn="ctr">
+                      <a:solidFill>
+                        <a:schemeClr val="tx1"/>
+                      </a:solidFill>
+                      <a:prstDash val="solid"/>
+                      <a:round/>
+                      <a:headEnd type="none" w="med" len="med"/>
+                      <a:tailEnd type="none" w="med" len="med"/>
+                    </a:lnT>
+                    <a:lnB w="12700" cap="flat" cmpd="sng" algn="ctr">
+                      <a:solidFill>
+                        <a:schemeClr val="tx1"/>
+                      </a:solidFill>
+                      <a:prstDash val="solid"/>
+                      <a:round/>
+                      <a:headEnd type="none" w="med" len="med"/>
+                      <a:tailEnd type="none" w="med" len="med"/>
+                    </a:lnB>
+                  </a:tcPr>
+                </a:tc>
+                <a:tc>
+                  <a:txBody>
+                    <a:bodyPr/>
+                    <a:lstStyle/>
+                    <a:p>
+                      <a:endParaRPr lang="en-US" sz="1500" dirty="0"/>
+                    </a:p>
+                  </a:txBody>
+                  <a:tcPr marL="75520" marR="75520" marT="37755" marB="37755">
+                    <a:lnL w="12700" cap="flat" cmpd="sng" algn="ctr">
+                      <a:solidFill>
+                        <a:schemeClr val="tx1"/>
+                      </a:solidFill>
+                      <a:prstDash val="solid"/>
+                      <a:round/>
+                      <a:headEnd type="none" w="med" len="med"/>
+                      <a:tailEnd type="none" w="med" len="med"/>
+                    </a:lnL>
+                    <a:lnR w="12700" cap="flat" cmpd="sng" algn="ctr">
+                      <a:solidFill>
+                        <a:schemeClr val="tx1"/>
+                      </a:solidFill>
+                      <a:prstDash val="solid"/>
+                      <a:round/>
+                      <a:headEnd type="none" w="med" len="med"/>
+                      <a:tailEnd type="none" w="med" len="med"/>
+                    </a:lnR>
+                    <a:lnT w="12700" cap="flat" cmpd="sng" algn="ctr">
+                      <a:solidFill>
+                        <a:schemeClr val="tx1"/>
+                      </a:solidFill>
+                      <a:prstDash val="solid"/>
+                      <a:round/>
+                      <a:headEnd type="none" w="med" len="med"/>
+                      <a:tailEnd type="none" w="med" len="med"/>
+                    </a:lnT>
+                    <a:lnB w="12700" cap="flat" cmpd="sng" algn="ctr">
+                      <a:solidFill>
+                        <a:schemeClr val="tx1"/>
+                      </a:solidFill>
+                      <a:prstDash val="solid"/>
+                      <a:round/>
+                      <a:headEnd type="none" w="med" len="med"/>
+                      <a:tailEnd type="none" w="med" len="med"/>
+                    </a:lnB>
+                  </a:tcPr>
+                </a:tc>
+                <a:tc>
+                  <a:txBody>
+                    <a:bodyPr/>
+                    <a:lstStyle/>
+                    <a:p>
+                      <a:endParaRPr lang="en-US" sz="1500" dirty="0"/>
+                    </a:p>
+                  </a:txBody>
+                  <a:tcPr marL="75520" marR="75520" marT="37755" marB="37755">
+                    <a:lnL w="12700" cap="flat" cmpd="sng" algn="ctr">
+                      <a:solidFill>
+                        <a:schemeClr val="tx1"/>
+                      </a:solidFill>
+                      <a:prstDash val="solid"/>
+                      <a:round/>
+                      <a:headEnd type="none" w="med" len="med"/>
+                      <a:tailEnd type="none" w="med" len="med"/>
+                    </a:lnL>
+                    <a:lnR w="12700" cap="flat" cmpd="sng" algn="ctr">
+                      <a:solidFill>
+                        <a:schemeClr val="tx1"/>
+                      </a:solidFill>
+                      <a:prstDash val="solid"/>
+                      <a:round/>
+                      <a:headEnd type="none" w="med" len="med"/>
+                      <a:tailEnd type="none" w="med" len="med"/>
+                    </a:lnR>
+                    <a:lnT w="12700" cap="flat" cmpd="sng" algn="ctr">
+                      <a:solidFill>
+                        <a:schemeClr val="tx1"/>
+                      </a:solidFill>
+                      <a:prstDash val="solid"/>
+                      <a:round/>
+                      <a:headEnd type="none" w="med" len="med"/>
+                      <a:tailEnd type="none" w="med" len="med"/>
+                    </a:lnT>
+                    <a:lnB w="12700" cap="flat" cmpd="sng" algn="ctr">
+                      <a:solidFill>
+                        <a:schemeClr val="tx1"/>
+                      </a:solidFill>
+                      <a:prstDash val="solid"/>
+                      <a:round/>
+                      <a:headEnd type="none" w="med" len="med"/>
+                      <a:tailEnd type="none" w="med" len="med"/>
+                    </a:lnB>
+                  </a:tcPr>
+                </a:tc>
+                <a:extLst>
+                  <a:ext uri="{0D108BD9-81ED-4DB2-BD59-A6C34878D82A}">
+                    <a16:rowId xmlns:a16="http://schemas.microsoft.com/office/drawing/2014/main" val="10001"/>
+                  </a:ext>
+                </a:extLst>
+              </a:tr>
+              <a:tr h="691005">
+                <a:tc>
+                  <a:txBody>
+                    <a:bodyPr/>
+                    <a:lstStyle/>
+                    <a:p>
+                      <a:pPr marL="0" marR="0" indent="0" algn="l" defTabSz="914400" rtl="0" eaLnBrk="1" fontAlgn="auto" latinLnBrk="0" hangingPunct="1">
+                        <a:lnSpc>
+                          <a:spcPct val="100000"/>
+                        </a:lnSpc>
+                        <a:spcBef>
+                          <a:spcPts val="0"/>
+                        </a:spcBef>
+                        <a:spcAft>
+                          <a:spcPts val="0"/>
+                        </a:spcAft>
+                        <a:buClrTx/>
+                        <a:buSzTx/>
+                        <a:buFontTx/>
+                        <a:buNone/>
+                        <a:tabLst/>
+                        <a:defRPr/>
+                      </a:pPr>
+                      <a:r>
+                        <a:rPr lang="en-US" sz="1500" b="1" dirty="0"/>
+                        <a:t>Min</a:t>
+                      </a:r>
+                    </a:p>
+                  </a:txBody>
+                  <a:tcPr marL="75520" marR="75520" marT="37755" marB="37755">
+                    <a:lnL w="12700" cap="flat" cmpd="sng" algn="ctr">
+                      <a:solidFill>
+                        <a:schemeClr val="tx1"/>
+                      </a:solidFill>
+                      <a:prstDash val="solid"/>
+                      <a:round/>
+                      <a:headEnd type="none" w="med" len="med"/>
+                      <a:tailEnd type="none" w="med" len="med"/>
+                    </a:lnL>
+                    <a:lnR w="12700" cap="flat" cmpd="sng" algn="ctr">
+                      <a:solidFill>
+                        <a:schemeClr val="tx1"/>
+                      </a:solidFill>
+                      <a:prstDash val="solid"/>
+                      <a:round/>
+                      <a:headEnd type="none" w="med" len="med"/>
+                      <a:tailEnd type="none" w="med" len="med"/>
+                    </a:lnR>
+                    <a:lnT w="12700" cap="flat" cmpd="sng" algn="ctr">
+                      <a:solidFill>
+                        <a:schemeClr val="tx1"/>
+                      </a:solidFill>
+                      <a:prstDash val="solid"/>
+                      <a:round/>
+                      <a:headEnd type="none" w="med" len="med"/>
+                      <a:tailEnd type="none" w="med" len="med"/>
+                    </a:lnT>
+                    <a:lnB w="12700" cap="flat" cmpd="sng" algn="ctr">
+                      <a:solidFill>
+                        <a:schemeClr val="tx1"/>
+                      </a:solidFill>
+                      <a:prstDash val="solid"/>
+                      <a:round/>
+                      <a:headEnd type="none" w="med" len="med"/>
+                      <a:tailEnd type="none" w="med" len="med"/>
+                    </a:lnB>
+                  </a:tcPr>
+                </a:tc>
+                <a:tc>
+                  <a:txBody>
+                    <a:bodyPr/>
+                    <a:lstStyle/>
+                    <a:p>
+                      <a:endParaRPr lang="en-US" sz="1500" dirty="0"/>
+                    </a:p>
+                  </a:txBody>
+                  <a:tcPr marL="75520" marR="75520" marT="37755" marB="37755">
+                    <a:lnL w="12700" cap="flat" cmpd="sng" algn="ctr">
+                      <a:solidFill>
+                        <a:schemeClr val="tx1"/>
+                      </a:solidFill>
+                      <a:prstDash val="solid"/>
+                      <a:round/>
+                      <a:headEnd type="none" w="med" len="med"/>
+                      <a:tailEnd type="none" w="med" len="med"/>
+                    </a:lnL>
+                    <a:lnR w="12700" cap="flat" cmpd="sng" algn="ctr">
+                      <a:solidFill>
+                        <a:schemeClr val="tx1"/>
+                      </a:solidFill>
+                      <a:prstDash val="solid"/>
+                      <a:round/>
+                      <a:headEnd type="none" w="med" len="med"/>
+                      <a:tailEnd type="none" w="med" len="med"/>
+                    </a:lnR>
+                    <a:lnT w="12700" cap="flat" cmpd="sng" algn="ctr">
+                      <a:solidFill>
+                        <a:schemeClr val="tx1"/>
+                      </a:solidFill>
+                      <a:prstDash val="solid"/>
+                      <a:round/>
+                      <a:headEnd type="none" w="med" len="med"/>
+                      <a:tailEnd type="none" w="med" len="med"/>
+                    </a:lnT>
+                    <a:lnB w="12700" cap="flat" cmpd="sng" algn="ctr">
+                      <a:solidFill>
+                        <a:schemeClr val="tx1"/>
+                      </a:solidFill>
+                      <a:prstDash val="solid"/>
+                      <a:round/>
+                      <a:headEnd type="none" w="med" len="med"/>
+                      <a:tailEnd type="none" w="med" len="med"/>
+                    </a:lnB>
+                  </a:tcPr>
+                </a:tc>
+                <a:tc>
+                  <a:txBody>
+                    <a:bodyPr/>
+                    <a:lstStyle/>
+                    <a:p>
+                      <a:endParaRPr lang="en-US" sz="1500"/>
+                    </a:p>
+                  </a:txBody>
+                  <a:tcPr marL="75520" marR="75520" marT="37755" marB="37755">
+                    <a:lnL w="12700" cap="flat" cmpd="sng" algn="ctr">
+                      <a:solidFill>
+                        <a:schemeClr val="tx1"/>
+                      </a:solidFill>
+                      <a:prstDash val="solid"/>
+                      <a:round/>
+                      <a:headEnd type="none" w="med" len="med"/>
+                      <a:tailEnd type="none" w="med" len="med"/>
+                    </a:lnL>
+                    <a:lnR w="12700" cap="flat" cmpd="sng" algn="ctr">
+                      <a:solidFill>
+                        <a:schemeClr val="tx1"/>
+                      </a:solidFill>
+                      <a:prstDash val="solid"/>
+                      <a:round/>
+                      <a:headEnd type="none" w="med" len="med"/>
+                      <a:tailEnd type="none" w="med" len="med"/>
+                    </a:lnR>
+                    <a:lnT w="12700" cap="flat" cmpd="sng" algn="ctr">
+                      <a:solidFill>
+                        <a:schemeClr val="tx1"/>
+                      </a:solidFill>
+                      <a:prstDash val="solid"/>
+                      <a:round/>
+                      <a:headEnd type="none" w="med" len="med"/>
+                      <a:tailEnd type="none" w="med" len="med"/>
+                    </a:lnT>
+                    <a:lnB w="12700" cap="flat" cmpd="sng" algn="ctr">
+                      <a:solidFill>
+                        <a:schemeClr val="tx1"/>
+                      </a:solidFill>
+                      <a:prstDash val="solid"/>
+                      <a:round/>
+                      <a:headEnd type="none" w="med" len="med"/>
+                      <a:tailEnd type="none" w="med" len="med"/>
+                    </a:lnB>
+                  </a:tcPr>
+                </a:tc>
+                <a:tc>
+                  <a:txBody>
+                    <a:bodyPr/>
+                    <a:lstStyle/>
+                    <a:p>
+                      <a:endParaRPr lang="en-US" sz="1500"/>
+                    </a:p>
+                  </a:txBody>
+                  <a:tcPr marL="75520" marR="75520" marT="37755" marB="37755">
+                    <a:lnL w="12700" cap="flat" cmpd="sng" algn="ctr">
+                      <a:solidFill>
+                        <a:schemeClr val="tx1"/>
+                      </a:solidFill>
+                      <a:prstDash val="solid"/>
+                      <a:round/>
+                      <a:headEnd type="none" w="med" len="med"/>
+                      <a:tailEnd type="none" w="med" len="med"/>
+                    </a:lnL>
+                    <a:lnR w="12700" cap="flat" cmpd="sng" algn="ctr">
+                      <a:solidFill>
+                        <a:schemeClr val="tx1"/>
+                      </a:solidFill>
+                      <a:prstDash val="solid"/>
+                      <a:round/>
+                      <a:headEnd type="none" w="med" len="med"/>
+                      <a:tailEnd type="none" w="med" len="med"/>
+                    </a:lnR>
+                    <a:lnT w="12700" cap="flat" cmpd="sng" algn="ctr">
+                      <a:solidFill>
+                        <a:schemeClr val="tx1"/>
+                      </a:solidFill>
+                      <a:prstDash val="solid"/>
+                      <a:round/>
+                      <a:headEnd type="none" w="med" len="med"/>
+                      <a:tailEnd type="none" w="med" len="med"/>
+                    </a:lnT>
+                    <a:lnB w="12700" cap="flat" cmpd="sng" algn="ctr">
+                      <a:solidFill>
+                        <a:schemeClr val="tx1"/>
+                      </a:solidFill>
+                      <a:prstDash val="solid"/>
+                      <a:round/>
+                      <a:headEnd type="none" w="med" len="med"/>
+                      <a:tailEnd type="none" w="med" len="med"/>
+                    </a:lnB>
+                  </a:tcPr>
+                </a:tc>
+                <a:tc>
+                  <a:txBody>
+                    <a:bodyPr/>
+                    <a:lstStyle/>
+                    <a:p>
+                      <a:endParaRPr lang="en-US" sz="1500" dirty="0"/>
+                    </a:p>
+                  </a:txBody>
+                  <a:tcPr marL="75520" marR="75520" marT="37755" marB="37755">
+                    <a:lnL w="12700" cap="flat" cmpd="sng" algn="ctr">
+                      <a:solidFill>
+                        <a:schemeClr val="tx1"/>
+                      </a:solidFill>
+                      <a:prstDash val="solid"/>
+                      <a:round/>
+                      <a:headEnd type="none" w="med" len="med"/>
+                      <a:tailEnd type="none" w="med" len="med"/>
+                    </a:lnL>
+                    <a:lnR w="12700" cap="flat" cmpd="sng" algn="ctr">
+                      <a:solidFill>
+                        <a:schemeClr val="tx1"/>
+                      </a:solidFill>
+                      <a:prstDash val="solid"/>
+                      <a:round/>
+                      <a:headEnd type="none" w="med" len="med"/>
+                      <a:tailEnd type="none" w="med" len="med"/>
+                    </a:lnR>
+                    <a:lnT w="12700" cap="flat" cmpd="sng" algn="ctr">
+                      <a:solidFill>
+                        <a:schemeClr val="tx1"/>
+                      </a:solidFill>
+                      <a:prstDash val="solid"/>
+                      <a:round/>
+                      <a:headEnd type="none" w="med" len="med"/>
+                      <a:tailEnd type="none" w="med" len="med"/>
+                    </a:lnT>
+                    <a:lnB w="12700" cap="flat" cmpd="sng" algn="ctr">
+                      <a:solidFill>
+                        <a:schemeClr val="tx1"/>
+                      </a:solidFill>
+                      <a:prstDash val="solid"/>
+                      <a:round/>
+                      <a:headEnd type="none" w="med" len="med"/>
+                      <a:tailEnd type="none" w="med" len="med"/>
+                    </a:lnB>
+                  </a:tcPr>
+                </a:tc>
+                <a:tc>
+                  <a:txBody>
+                    <a:bodyPr/>
+                    <a:lstStyle/>
+                    <a:p>
+                      <a:endParaRPr lang="en-US" sz="1500" dirty="0"/>
+                    </a:p>
+                  </a:txBody>
+                  <a:tcPr marL="75520" marR="75520" marT="37755" marB="37755">
+                    <a:lnL w="12700" cap="flat" cmpd="sng" algn="ctr">
+                      <a:solidFill>
+                        <a:schemeClr val="tx1"/>
+                      </a:solidFill>
+                      <a:prstDash val="solid"/>
+                      <a:round/>
+                      <a:headEnd type="none" w="med" len="med"/>
+                      <a:tailEnd type="none" w="med" len="med"/>
+                    </a:lnL>
+                    <a:lnR w="12700" cap="flat" cmpd="sng" algn="ctr">
+                      <a:solidFill>
+                        <a:schemeClr val="tx1"/>
+                      </a:solidFill>
+                      <a:prstDash val="solid"/>
+                      <a:round/>
+                      <a:headEnd type="none" w="med" len="med"/>
+                      <a:tailEnd type="none" w="med" len="med"/>
+                    </a:lnR>
+                    <a:lnT w="12700" cap="flat" cmpd="sng" algn="ctr">
+                      <a:solidFill>
+                        <a:schemeClr val="tx1"/>
+                      </a:solidFill>
+                      <a:prstDash val="solid"/>
+                      <a:round/>
+                      <a:headEnd type="none" w="med" len="med"/>
+                      <a:tailEnd type="none" w="med" len="med"/>
+                    </a:lnT>
+                    <a:lnB w="12700" cap="flat" cmpd="sng" algn="ctr">
+                      <a:solidFill>
+                        <a:schemeClr val="tx1"/>
+                      </a:solidFill>
+                      <a:prstDash val="solid"/>
+                      <a:round/>
+                      <a:headEnd type="none" w="med" len="med"/>
+                      <a:tailEnd type="none" w="med" len="med"/>
+                    </a:lnB>
+                  </a:tcPr>
+                </a:tc>
+                <a:tc>
+                  <a:txBody>
+                    <a:bodyPr/>
+                    <a:lstStyle/>
+                    <a:p>
+                      <a:endParaRPr lang="en-US" sz="1500" dirty="0"/>
+                    </a:p>
+                  </a:txBody>
+                  <a:tcPr marL="75520" marR="75520" marT="37755" marB="37755">
+                    <a:lnL w="12700" cap="flat" cmpd="sng" algn="ctr">
+                      <a:solidFill>
+                        <a:schemeClr val="tx1"/>
+                      </a:solidFill>
+                      <a:prstDash val="solid"/>
+                      <a:round/>
+                      <a:headEnd type="none" w="med" len="med"/>
+                      <a:tailEnd type="none" w="med" len="med"/>
+                    </a:lnL>
+                    <a:lnR w="12700" cap="flat" cmpd="sng" algn="ctr">
+                      <a:solidFill>
+                        <a:schemeClr val="tx1"/>
+                      </a:solidFill>
+                      <a:prstDash val="solid"/>
+                      <a:round/>
+                      <a:headEnd type="none" w="med" len="med"/>
+                      <a:tailEnd type="none" w="med" len="med"/>
+                    </a:lnR>
+                    <a:lnT w="12700" cap="flat" cmpd="sng" algn="ctr">
+                      <a:solidFill>
+                        <a:schemeClr val="tx1"/>
+                      </a:solidFill>
+                      <a:prstDash val="solid"/>
+                      <a:round/>
+                      <a:headEnd type="none" w="med" len="med"/>
+                      <a:tailEnd type="none" w="med" len="med"/>
+                    </a:lnT>
+                    <a:lnB w="12700" cap="flat" cmpd="sng" algn="ctr">
+                      <a:solidFill>
+                        <a:schemeClr val="tx1"/>
+                      </a:solidFill>
+                      <a:prstDash val="solid"/>
+                      <a:round/>
+                      <a:headEnd type="none" w="med" len="med"/>
+                      <a:tailEnd type="none" w="med" len="med"/>
+                    </a:lnB>
+                  </a:tcPr>
+                </a:tc>
+                <a:extLst>
+                  <a:ext uri="{0D108BD9-81ED-4DB2-BD59-A6C34878D82A}">
+                    <a16:rowId xmlns:a16="http://schemas.microsoft.com/office/drawing/2014/main" val="10002"/>
+                  </a:ext>
+                </a:extLst>
+              </a:tr>
+              <a:tr h="691005">
+                <a:tc>
+                  <a:txBody>
+                    <a:bodyPr/>
+                    <a:lstStyle/>
+                    <a:p>
+                      <a:pPr marL="0" marR="0" indent="0" algn="l" defTabSz="914400" rtl="0" eaLnBrk="1" fontAlgn="auto" latinLnBrk="0" hangingPunct="1">
+                        <a:lnSpc>
+                          <a:spcPct val="100000"/>
+                        </a:lnSpc>
+                        <a:spcBef>
+                          <a:spcPts val="0"/>
+                        </a:spcBef>
+                        <a:spcAft>
+                          <a:spcPts val="0"/>
+                        </a:spcAft>
+                        <a:buClrTx/>
+                        <a:buSzTx/>
+                        <a:buFontTx/>
+                        <a:buNone/>
+                        <a:tabLst/>
+                        <a:defRPr/>
+                      </a:pPr>
+                      <a:r>
+                        <a:rPr lang="en-US" sz="1500" b="1" dirty="0"/>
+                        <a:t>St</a:t>
+                      </a:r>
+                      <a:r>
+                        <a:rPr lang="en-US" sz="1500" b="1" baseline="0" dirty="0"/>
+                        <a:t> Dev</a:t>
+                      </a:r>
+                      <a:endParaRPr lang="en-US" sz="1500" b="1" dirty="0"/>
+                    </a:p>
+                  </a:txBody>
+                  <a:tcPr marL="75520" marR="75520" marT="37755" marB="37755">
+                    <a:lnL w="12700" cap="flat" cmpd="sng" algn="ctr">
+                      <a:solidFill>
+                        <a:schemeClr val="tx1"/>
+                      </a:solidFill>
+                      <a:prstDash val="solid"/>
+                      <a:round/>
+                      <a:headEnd type="none" w="med" len="med"/>
+                      <a:tailEnd type="none" w="med" len="med"/>
+                    </a:lnL>
+                    <a:lnR w="12700" cap="flat" cmpd="sng" algn="ctr">
+                      <a:solidFill>
+                        <a:schemeClr val="tx1"/>
+                      </a:solidFill>
+                      <a:prstDash val="solid"/>
+                      <a:round/>
+                      <a:headEnd type="none" w="med" len="med"/>
+                      <a:tailEnd type="none" w="med" len="med"/>
+                    </a:lnR>
+                    <a:lnT w="12700" cap="flat" cmpd="sng" algn="ctr">
+                      <a:solidFill>
+                        <a:schemeClr val="tx1"/>
+                      </a:solidFill>
+                      <a:prstDash val="solid"/>
+                      <a:round/>
+                      <a:headEnd type="none" w="med" len="med"/>
+                      <a:tailEnd type="none" w="med" len="med"/>
+                    </a:lnT>
+                    <a:lnB w="12700" cap="flat" cmpd="sng" algn="ctr">
+                      <a:solidFill>
+                        <a:schemeClr val="tx1"/>
+                      </a:solidFill>
+                      <a:prstDash val="solid"/>
+                      <a:round/>
+                      <a:headEnd type="none" w="med" len="med"/>
+                      <a:tailEnd type="none" w="med" len="med"/>
+                    </a:lnB>
+                  </a:tcPr>
+                </a:tc>
+                <a:tc>
+                  <a:txBody>
+                    <a:bodyPr/>
+                    <a:lstStyle/>
+                    <a:p>
+                      <a:endParaRPr lang="en-US" sz="1500" dirty="0"/>
+                    </a:p>
+                  </a:txBody>
+                  <a:tcPr marL="75520" marR="75520" marT="37755" marB="37755">
+                    <a:lnL w="12700" cap="flat" cmpd="sng" algn="ctr">
+                      <a:solidFill>
+                        <a:schemeClr val="tx1"/>
+                      </a:solidFill>
+                      <a:prstDash val="solid"/>
+                      <a:round/>
+                      <a:headEnd type="none" w="med" len="med"/>
+                      <a:tailEnd type="none" w="med" len="med"/>
+                    </a:lnL>
+                    <a:lnR w="12700" cap="flat" cmpd="sng" algn="ctr">
+                      <a:solidFill>
+                        <a:schemeClr val="tx1"/>
+                      </a:solidFill>
+                      <a:prstDash val="solid"/>
+                      <a:round/>
+                      <a:headEnd type="none" w="med" len="med"/>
+                      <a:tailEnd type="none" w="med" len="med"/>
+                    </a:lnR>
+                    <a:lnT w="12700" cap="flat" cmpd="sng" algn="ctr">
+                      <a:solidFill>
+                        <a:schemeClr val="tx1"/>
+                      </a:solidFill>
+                      <a:prstDash val="solid"/>
+                      <a:round/>
+                      <a:headEnd type="none" w="med" len="med"/>
+                      <a:tailEnd type="none" w="med" len="med"/>
+                    </a:lnT>
+                    <a:lnB w="12700" cap="flat" cmpd="sng" algn="ctr">
+                      <a:solidFill>
+                        <a:schemeClr val="tx1"/>
+                      </a:solidFill>
+                      <a:prstDash val="solid"/>
+                      <a:round/>
+                      <a:headEnd type="none" w="med" len="med"/>
+                      <a:tailEnd type="none" w="med" len="med"/>
+                    </a:lnB>
+                  </a:tcPr>
+                </a:tc>
+                <a:tc>
+                  <a:txBody>
+                    <a:bodyPr/>
+                    <a:lstStyle/>
+                    <a:p>
+                      <a:endParaRPr lang="en-US" sz="1500"/>
+                    </a:p>
+                  </a:txBody>
+                  <a:tcPr marL="75520" marR="75520" marT="37755" marB="37755">
+                    <a:lnL w="12700" cap="flat" cmpd="sng" algn="ctr">
+                      <a:solidFill>
+                        <a:schemeClr val="tx1"/>
+                      </a:solidFill>
+                      <a:prstDash val="solid"/>
+                      <a:round/>
+                      <a:headEnd type="none" w="med" len="med"/>
+                      <a:tailEnd type="none" w="med" len="med"/>
+                    </a:lnL>
+                    <a:lnR w="12700" cap="flat" cmpd="sng" algn="ctr">
+                      <a:solidFill>
+                        <a:schemeClr val="tx1"/>
+                      </a:solidFill>
+                      <a:prstDash val="solid"/>
+                      <a:round/>
+                      <a:headEnd type="none" w="med" len="med"/>
+                      <a:tailEnd type="none" w="med" len="med"/>
+                    </a:lnR>
+                    <a:lnT w="12700" cap="flat" cmpd="sng" algn="ctr">
+                      <a:solidFill>
+                        <a:schemeClr val="tx1"/>
+                      </a:solidFill>
+                      <a:prstDash val="solid"/>
+                      <a:round/>
+                      <a:headEnd type="none" w="med" len="med"/>
+                      <a:tailEnd type="none" w="med" len="med"/>
+                    </a:lnT>
+                    <a:lnB w="12700" cap="flat" cmpd="sng" algn="ctr">
+                      <a:solidFill>
+                        <a:schemeClr val="tx1"/>
+                      </a:solidFill>
+                      <a:prstDash val="solid"/>
+                      <a:round/>
+                      <a:headEnd type="none" w="med" len="med"/>
+                      <a:tailEnd type="none" w="med" len="med"/>
+                    </a:lnB>
+                  </a:tcPr>
+                </a:tc>
+                <a:tc>
+                  <a:txBody>
+                    <a:bodyPr/>
+                    <a:lstStyle/>
+                    <a:p>
+                      <a:endParaRPr lang="en-US" sz="1500"/>
+                    </a:p>
+                  </a:txBody>
+                  <a:tcPr marL="75520" marR="75520" marT="37755" marB="37755">
+                    <a:lnL w="12700" cap="flat" cmpd="sng" algn="ctr">
+                      <a:solidFill>
+                        <a:schemeClr val="tx1"/>
+                      </a:solidFill>
+                      <a:prstDash val="solid"/>
+                      <a:round/>
+                      <a:headEnd type="none" w="med" len="med"/>
+                      <a:tailEnd type="none" w="med" len="med"/>
+                    </a:lnL>
+                    <a:lnR w="12700" cap="flat" cmpd="sng" algn="ctr">
+                      <a:solidFill>
+                        <a:schemeClr val="tx1"/>
+                      </a:solidFill>
+                      <a:prstDash val="solid"/>
+                      <a:round/>
+                      <a:headEnd type="none" w="med" len="med"/>
+                      <a:tailEnd type="none" w="med" len="med"/>
+                    </a:lnR>
+                    <a:lnT w="12700" cap="flat" cmpd="sng" algn="ctr">
+                      <a:solidFill>
+                        <a:schemeClr val="tx1"/>
+                      </a:solidFill>
+                      <a:prstDash val="solid"/>
+                      <a:round/>
+                      <a:headEnd type="none" w="med" len="med"/>
+                      <a:tailEnd type="none" w="med" len="med"/>
+                    </a:lnT>
+                    <a:lnB w="12700" cap="flat" cmpd="sng" algn="ctr">
+                      <a:solidFill>
+                        <a:schemeClr val="tx1"/>
+                      </a:solidFill>
+                      <a:prstDash val="solid"/>
+                      <a:round/>
+                      <a:headEnd type="none" w="med" len="med"/>
+                      <a:tailEnd type="none" w="med" len="med"/>
+                    </a:lnB>
+                  </a:tcPr>
+                </a:tc>
+                <a:tc>
+                  <a:txBody>
+                    <a:bodyPr/>
+                    <a:lstStyle/>
+                    <a:p>
+                      <a:endParaRPr lang="en-US" sz="1500" dirty="0"/>
+                    </a:p>
+                  </a:txBody>
+                  <a:tcPr marL="75520" marR="75520" marT="37755" marB="37755">
+                    <a:lnL w="12700" cap="flat" cmpd="sng" algn="ctr">
+                      <a:solidFill>
+                        <a:schemeClr val="tx1"/>
+                      </a:solidFill>
+                      <a:prstDash val="solid"/>
+                      <a:round/>
+                      <a:headEnd type="none" w="med" len="med"/>
+                      <a:tailEnd type="none" w="med" len="med"/>
+                    </a:lnL>
+                    <a:lnR w="12700" cap="flat" cmpd="sng" algn="ctr">
+                      <a:solidFill>
+                        <a:schemeClr val="tx1"/>
+                      </a:solidFill>
+                      <a:prstDash val="solid"/>
+                      <a:round/>
+                      <a:headEnd type="none" w="med" len="med"/>
+                      <a:tailEnd type="none" w="med" len="med"/>
+                    </a:lnR>
+                    <a:lnT w="12700" cap="flat" cmpd="sng" algn="ctr">
+                      <a:solidFill>
+                        <a:schemeClr val="tx1"/>
+                      </a:solidFill>
+                      <a:prstDash val="solid"/>
+                      <a:round/>
+                      <a:headEnd type="none" w="med" len="med"/>
+                      <a:tailEnd type="none" w="med" len="med"/>
+                    </a:lnT>
+                    <a:lnB w="12700" cap="flat" cmpd="sng" algn="ctr">
+                      <a:solidFill>
+                        <a:schemeClr val="tx1"/>
+                      </a:solidFill>
+                      <a:prstDash val="solid"/>
+                      <a:round/>
+                      <a:headEnd type="none" w="med" len="med"/>
+                      <a:tailEnd type="none" w="med" len="med"/>
+                    </a:lnB>
+                  </a:tcPr>
+                </a:tc>
+                <a:tc>
+                  <a:txBody>
+                    <a:bodyPr/>
+                    <a:lstStyle/>
+                    <a:p>
+                      <a:endParaRPr lang="en-US" sz="1500" dirty="0"/>
+                    </a:p>
+                  </a:txBody>
+                  <a:tcPr marL="75520" marR="75520" marT="37755" marB="37755">
+                    <a:lnL w="12700" cap="flat" cmpd="sng" algn="ctr">
+                      <a:solidFill>
+                        <a:schemeClr val="tx1"/>
+                      </a:solidFill>
+                      <a:prstDash val="solid"/>
+                      <a:round/>
+                      <a:headEnd type="none" w="med" len="med"/>
+                      <a:tailEnd type="none" w="med" len="med"/>
+                    </a:lnL>
+                    <a:lnR w="12700" cap="flat" cmpd="sng" algn="ctr">
+                      <a:solidFill>
+                        <a:schemeClr val="tx1"/>
+                      </a:solidFill>
+                      <a:prstDash val="solid"/>
+                      <a:round/>
+                      <a:headEnd type="none" w="med" len="med"/>
+                      <a:tailEnd type="none" w="med" len="med"/>
+                    </a:lnR>
+                    <a:lnT w="12700" cap="flat" cmpd="sng" algn="ctr">
+                      <a:solidFill>
+                        <a:schemeClr val="tx1"/>
+                      </a:solidFill>
+                      <a:prstDash val="solid"/>
+                      <a:round/>
+                      <a:headEnd type="none" w="med" len="med"/>
+                      <a:tailEnd type="none" w="med" len="med"/>
+                    </a:lnT>
+                    <a:lnB w="12700" cap="flat" cmpd="sng" algn="ctr">
+                      <a:solidFill>
+                        <a:schemeClr val="tx1"/>
+                      </a:solidFill>
+                      <a:prstDash val="solid"/>
+                      <a:round/>
+                      <a:headEnd type="none" w="med" len="med"/>
+                      <a:tailEnd type="none" w="med" len="med"/>
+                    </a:lnB>
+                  </a:tcPr>
+                </a:tc>
+                <a:tc>
+                  <a:txBody>
+                    <a:bodyPr/>
+                    <a:lstStyle/>
+                    <a:p>
+                      <a:endParaRPr lang="en-US" sz="1500" dirty="0"/>
+                    </a:p>
+                  </a:txBody>
+                  <a:tcPr marL="75520" marR="75520" marT="37755" marB="37755">
+                    <a:lnL w="12700" cap="flat" cmpd="sng" algn="ctr">
+                      <a:solidFill>
+                        <a:schemeClr val="tx1"/>
+                      </a:solidFill>
+                      <a:prstDash val="solid"/>
+                      <a:round/>
+                      <a:headEnd type="none" w="med" len="med"/>
+                      <a:tailEnd type="none" w="med" len="med"/>
+                    </a:lnL>
+                    <a:lnR w="12700" cap="flat" cmpd="sng" algn="ctr">
+                      <a:solidFill>
+                        <a:schemeClr val="tx1"/>
+                      </a:solidFill>
+                      <a:prstDash val="solid"/>
+                      <a:round/>
+                      <a:headEnd type="none" w="med" len="med"/>
+                      <a:tailEnd type="none" w="med" len="med"/>
+                    </a:lnR>
+                    <a:lnT w="12700" cap="flat" cmpd="sng" algn="ctr">
+                      <a:solidFill>
+                        <a:schemeClr val="tx1"/>
+                      </a:solidFill>
+                      <a:prstDash val="solid"/>
+                      <a:round/>
+                      <a:headEnd type="none" w="med" len="med"/>
+                      <a:tailEnd type="none" w="med" len="med"/>
+                    </a:lnT>
+                    <a:lnB w="12700" cap="flat" cmpd="sng" algn="ctr">
+                      <a:solidFill>
+                        <a:schemeClr val="tx1"/>
+                      </a:solidFill>
+                      <a:prstDash val="solid"/>
+                      <a:round/>
+                      <a:headEnd type="none" w="med" len="med"/>
+                      <a:tailEnd type="none" w="med" len="med"/>
+                    </a:lnB>
+                  </a:tcPr>
+                </a:tc>
+                <a:extLst>
+                  <a:ext uri="{0D108BD9-81ED-4DB2-BD59-A6C34878D82A}">
+                    <a16:rowId xmlns:a16="http://schemas.microsoft.com/office/drawing/2014/main" val="10003"/>
+                  </a:ext>
+                </a:extLst>
+              </a:tr>
+              <a:tr h="691005">
+                <a:tc>
+                  <a:txBody>
+                    <a:bodyPr/>
+                    <a:lstStyle/>
+                    <a:p>
+                      <a:pPr marL="0" marR="0" indent="0" algn="l" defTabSz="914400" rtl="0" eaLnBrk="1" fontAlgn="auto" latinLnBrk="0" hangingPunct="1">
+                        <a:lnSpc>
+                          <a:spcPct val="100000"/>
+                        </a:lnSpc>
+                        <a:spcBef>
+                          <a:spcPts val="0"/>
+                        </a:spcBef>
+                        <a:spcAft>
+                          <a:spcPts val="0"/>
+                        </a:spcAft>
+                        <a:buClrTx/>
+                        <a:buSzTx/>
+                        <a:buFontTx/>
+                        <a:buNone/>
+                        <a:tabLst/>
+                        <a:defRPr/>
+                      </a:pPr>
+                      <a:r>
+                        <a:rPr lang="en-US" sz="1500" b="1" dirty="0"/>
+                        <a:t>Mean</a:t>
+                      </a:r>
+                    </a:p>
+                  </a:txBody>
+                  <a:tcPr marL="75520" marR="75520" marT="37755" marB="37755">
+                    <a:lnL w="12700" cap="flat" cmpd="sng" algn="ctr">
+                      <a:solidFill>
+                        <a:schemeClr val="tx1"/>
+                      </a:solidFill>
+                      <a:prstDash val="solid"/>
+                      <a:round/>
+                      <a:headEnd type="none" w="med" len="med"/>
+                      <a:tailEnd type="none" w="med" len="med"/>
+                    </a:lnL>
+                    <a:lnR w="12700" cap="flat" cmpd="sng" algn="ctr">
+                      <a:solidFill>
+                        <a:schemeClr val="tx1"/>
+                      </a:solidFill>
+                      <a:prstDash val="solid"/>
+                      <a:round/>
+                      <a:headEnd type="none" w="med" len="med"/>
+                      <a:tailEnd type="none" w="med" len="med"/>
+                    </a:lnR>
+                    <a:lnT w="12700" cap="flat" cmpd="sng" algn="ctr">
+                      <a:solidFill>
+                        <a:schemeClr val="tx1"/>
+                      </a:solidFill>
+                      <a:prstDash val="solid"/>
+                      <a:round/>
+                      <a:headEnd type="none" w="med" len="med"/>
+                      <a:tailEnd type="none" w="med" len="med"/>
+                    </a:lnT>
+                    <a:lnB w="12700" cap="flat" cmpd="sng" algn="ctr">
+                      <a:solidFill>
+                        <a:schemeClr val="tx1"/>
+                      </a:solidFill>
+                      <a:prstDash val="solid"/>
+                      <a:round/>
+                      <a:headEnd type="none" w="med" len="med"/>
+                      <a:tailEnd type="none" w="med" len="med"/>
+                    </a:lnB>
+                  </a:tcPr>
+                </a:tc>
+                <a:tc>
+                  <a:txBody>
+                    <a:bodyPr/>
+                    <a:lstStyle/>
+                    <a:p>
+                      <a:endParaRPr lang="en-US" sz="1500" dirty="0"/>
+                    </a:p>
+                  </a:txBody>
+                  <a:tcPr marL="75520" marR="75520" marT="37755" marB="37755">
+                    <a:lnL w="12700" cap="flat" cmpd="sng" algn="ctr">
+                      <a:solidFill>
+                        <a:schemeClr val="tx1"/>
+                      </a:solidFill>
+                      <a:prstDash val="solid"/>
+                      <a:round/>
+                      <a:headEnd type="none" w="med" len="med"/>
+                      <a:tailEnd type="none" w="med" len="med"/>
+                    </a:lnL>
+                    <a:lnR w="12700" cap="flat" cmpd="sng" algn="ctr">
+                      <a:solidFill>
+                        <a:schemeClr val="tx1"/>
+                      </a:solidFill>
+                      <a:prstDash val="solid"/>
+                      <a:round/>
+                      <a:headEnd type="none" w="med" len="med"/>
+                      <a:tailEnd type="none" w="med" len="med"/>
+                    </a:lnR>
+                    <a:lnT w="12700" cap="flat" cmpd="sng" algn="ctr">
+                      <a:solidFill>
+                        <a:schemeClr val="tx1"/>
+                      </a:solidFill>
+                      <a:prstDash val="solid"/>
+                      <a:round/>
+                      <a:headEnd type="none" w="med" len="med"/>
+                      <a:tailEnd type="none" w="med" len="med"/>
+                    </a:lnT>
+                    <a:lnB w="12700" cap="flat" cmpd="sng" algn="ctr">
+                      <a:solidFill>
+                        <a:schemeClr val="tx1"/>
+                      </a:solidFill>
+                      <a:prstDash val="solid"/>
+                      <a:round/>
+                      <a:headEnd type="none" w="med" len="med"/>
+                      <a:tailEnd type="none" w="med" len="med"/>
+                    </a:lnB>
+                  </a:tcPr>
+                </a:tc>
+                <a:tc>
+                  <a:txBody>
+                    <a:bodyPr/>
+                    <a:lstStyle/>
+                    <a:p>
+                      <a:endParaRPr lang="en-US" sz="1500" dirty="0"/>
+                    </a:p>
+                  </a:txBody>
+                  <a:tcPr marL="75520" marR="75520" marT="37755" marB="37755">
+                    <a:lnL w="12700" cap="flat" cmpd="sng" algn="ctr">
+                      <a:solidFill>
+                        <a:schemeClr val="tx1"/>
+                      </a:solidFill>
+                      <a:prstDash val="solid"/>
+                      <a:round/>
+                      <a:headEnd type="none" w="med" len="med"/>
+                      <a:tailEnd type="none" w="med" len="med"/>
+                    </a:lnL>
+                    <a:lnR w="12700" cap="flat" cmpd="sng" algn="ctr">
+                      <a:solidFill>
+                        <a:schemeClr val="tx1"/>
+                      </a:solidFill>
+                      <a:prstDash val="solid"/>
+                      <a:round/>
+                      <a:headEnd type="none" w="med" len="med"/>
+                      <a:tailEnd type="none" w="med" len="med"/>
+                    </a:lnR>
+                    <a:lnT w="12700" cap="flat" cmpd="sng" algn="ctr">
+                      <a:solidFill>
+                        <a:schemeClr val="tx1"/>
+                      </a:solidFill>
+                      <a:prstDash val="solid"/>
+                      <a:round/>
+                      <a:headEnd type="none" w="med" len="med"/>
+                      <a:tailEnd type="none" w="med" len="med"/>
+                    </a:lnT>
+                    <a:lnB w="12700" cap="flat" cmpd="sng" algn="ctr">
+                      <a:solidFill>
+                        <a:schemeClr val="tx1"/>
+                      </a:solidFill>
+                      <a:prstDash val="solid"/>
+                      <a:round/>
+                      <a:headEnd type="none" w="med" len="med"/>
+                      <a:tailEnd type="none" w="med" len="med"/>
+                    </a:lnB>
+                  </a:tcPr>
+                </a:tc>
+                <a:tc>
+                  <a:txBody>
+                    <a:bodyPr/>
+                    <a:lstStyle/>
+                    <a:p>
+                      <a:endParaRPr lang="en-US" sz="1500" dirty="0"/>
+                    </a:p>
+                  </a:txBody>
+                  <a:tcPr marL="75520" marR="75520" marT="37755" marB="37755">
+                    <a:lnL w="12700" cap="flat" cmpd="sng" algn="ctr">
+                      <a:solidFill>
+                        <a:schemeClr val="tx1"/>
+                      </a:solidFill>
+                      <a:prstDash val="solid"/>
+                      <a:round/>
+                      <a:headEnd type="none" w="med" len="med"/>
+                      <a:tailEnd type="none" w="med" len="med"/>
+                    </a:lnL>
+                    <a:lnR w="12700" cap="flat" cmpd="sng" algn="ctr">
+                      <a:solidFill>
+                        <a:schemeClr val="tx1"/>
+                      </a:solidFill>
+                      <a:prstDash val="solid"/>
+                      <a:round/>
+                      <a:headEnd type="none" w="med" len="med"/>
+                      <a:tailEnd type="none" w="med" len="med"/>
+                    </a:lnR>
+                    <a:lnT w="12700" cap="flat" cmpd="sng" algn="ctr">
+                      <a:solidFill>
+                        <a:schemeClr val="tx1"/>
+                      </a:solidFill>
+                      <a:prstDash val="solid"/>
+                      <a:round/>
+                      <a:headEnd type="none" w="med" len="med"/>
+                      <a:tailEnd type="none" w="med" len="med"/>
+                    </a:lnT>
+                    <a:lnB w="12700" cap="flat" cmpd="sng" algn="ctr">
+                      <a:solidFill>
+                        <a:schemeClr val="tx1"/>
+                      </a:solidFill>
+                      <a:prstDash val="solid"/>
+                      <a:round/>
+                      <a:headEnd type="none" w="med" len="med"/>
+                      <a:tailEnd type="none" w="med" len="med"/>
+                    </a:lnB>
+                  </a:tcPr>
+                </a:tc>
+                <a:tc>
+                  <a:txBody>
+                    <a:bodyPr/>
+                    <a:lstStyle/>
+                    <a:p>
+                      <a:endParaRPr lang="en-US" sz="1500" dirty="0"/>
+                    </a:p>
+                  </a:txBody>
+                  <a:tcPr marL="75520" marR="75520" marT="37755" marB="37755">
+                    <a:lnL w="12700" cap="flat" cmpd="sng" algn="ctr">
+                      <a:solidFill>
+                        <a:schemeClr val="tx1"/>
+                      </a:solidFill>
+                      <a:prstDash val="solid"/>
+                      <a:round/>
+                      <a:headEnd type="none" w="med" len="med"/>
+                      <a:tailEnd type="none" w="med" len="med"/>
+                    </a:lnL>
+                    <a:lnR w="12700" cap="flat" cmpd="sng" algn="ctr">
+                      <a:solidFill>
+                        <a:schemeClr val="tx1"/>
+                      </a:solidFill>
+                      <a:prstDash val="solid"/>
+                      <a:round/>
+                      <a:headEnd type="none" w="med" len="med"/>
+                      <a:tailEnd type="none" w="med" len="med"/>
+                    </a:lnR>
+                    <a:lnT w="12700" cap="flat" cmpd="sng" algn="ctr">
+                      <a:solidFill>
+                        <a:schemeClr val="tx1"/>
+                      </a:solidFill>
+                      <a:prstDash val="solid"/>
+                      <a:round/>
+                      <a:headEnd type="none" w="med" len="med"/>
+                      <a:tailEnd type="none" w="med" len="med"/>
+                    </a:lnT>
+                    <a:lnB w="12700" cap="flat" cmpd="sng" algn="ctr">
+                      <a:solidFill>
+                        <a:schemeClr val="tx1"/>
+                      </a:solidFill>
+                      <a:prstDash val="solid"/>
+                      <a:round/>
+                      <a:headEnd type="none" w="med" len="med"/>
+                      <a:tailEnd type="none" w="med" len="med"/>
+                    </a:lnB>
+                  </a:tcPr>
+                </a:tc>
+                <a:tc>
+                  <a:txBody>
+                    <a:bodyPr/>
+                    <a:lstStyle/>
+                    <a:p>
+                      <a:endParaRPr lang="en-US" sz="1500" dirty="0"/>
+                    </a:p>
+                  </a:txBody>
+                  <a:tcPr marL="75520" marR="75520" marT="37755" marB="37755">
+                    <a:lnL w="12700" cap="flat" cmpd="sng" algn="ctr">
+                      <a:solidFill>
+                        <a:schemeClr val="tx1"/>
+                      </a:solidFill>
+                      <a:prstDash val="solid"/>
+                      <a:round/>
+                      <a:headEnd type="none" w="med" len="med"/>
+                      <a:tailEnd type="none" w="med" len="med"/>
+                    </a:lnL>
+                    <a:lnR w="12700" cap="flat" cmpd="sng" algn="ctr">
+                      <a:solidFill>
+                        <a:schemeClr val="tx1"/>
+                      </a:solidFill>
+                      <a:prstDash val="solid"/>
+                      <a:round/>
+                      <a:headEnd type="none" w="med" len="med"/>
+                      <a:tailEnd type="none" w="med" len="med"/>
+                    </a:lnR>
+                    <a:lnT w="12700" cap="flat" cmpd="sng" algn="ctr">
+                      <a:solidFill>
+                        <a:schemeClr val="tx1"/>
+                      </a:solidFill>
+                      <a:prstDash val="solid"/>
+                      <a:round/>
+                      <a:headEnd type="none" w="med" len="med"/>
+                      <a:tailEnd type="none" w="med" len="med"/>
+                    </a:lnT>
+                    <a:lnB w="12700" cap="flat" cmpd="sng" algn="ctr">
+                      <a:solidFill>
+                        <a:schemeClr val="tx1"/>
+                      </a:solidFill>
+                      <a:prstDash val="solid"/>
+                      <a:round/>
+                      <a:headEnd type="none" w="med" len="med"/>
+                      <a:tailEnd type="none" w="med" len="med"/>
+                    </a:lnB>
+                  </a:tcPr>
+                </a:tc>
+                <a:tc>
+                  <a:txBody>
+                    <a:bodyPr/>
+                    <a:lstStyle/>
+                    <a:p>
+                      <a:endParaRPr lang="en-US" sz="1500" dirty="0"/>
+                    </a:p>
+                  </a:txBody>
+                  <a:tcPr marL="75520" marR="75520" marT="37755" marB="37755">
+                    <a:lnL w="12700" cap="flat" cmpd="sng" algn="ctr">
+                      <a:solidFill>
+                        <a:schemeClr val="tx1"/>
+                      </a:solidFill>
+                      <a:prstDash val="solid"/>
+                      <a:round/>
+                      <a:headEnd type="none" w="med" len="med"/>
+                      <a:tailEnd type="none" w="med" len="med"/>
+                    </a:lnL>
+                    <a:lnR w="12700" cap="flat" cmpd="sng" algn="ctr">
+                      <a:solidFill>
+                        <a:schemeClr val="tx1"/>
+                      </a:solidFill>
+                      <a:prstDash val="solid"/>
+                      <a:round/>
+                      <a:headEnd type="none" w="med" len="med"/>
+                      <a:tailEnd type="none" w="med" len="med"/>
+                    </a:lnR>
+                    <a:lnT w="12700" cap="flat" cmpd="sng" algn="ctr">
+                      <a:solidFill>
+                        <a:schemeClr val="tx1"/>
+                      </a:solidFill>
+                      <a:prstDash val="solid"/>
+                      <a:round/>
+                      <a:headEnd type="none" w="med" len="med"/>
+                      <a:tailEnd type="none" w="med" len="med"/>
+                    </a:lnT>
+                    <a:lnB w="12700" cap="flat" cmpd="sng" algn="ctr">
+                      <a:solidFill>
+                        <a:schemeClr val="tx1"/>
+                      </a:solidFill>
+                      <a:prstDash val="solid"/>
+                      <a:round/>
+                      <a:headEnd type="none" w="med" len="med"/>
+                      <a:tailEnd type="none" w="med" len="med"/>
+                    </a:lnB>
+                  </a:tcPr>
+                </a:tc>
+                <a:extLst>
+                  <a:ext uri="{0D108BD9-81ED-4DB2-BD59-A6C34878D82A}">
+                    <a16:rowId xmlns:a16="http://schemas.microsoft.com/office/drawing/2014/main" val="10004"/>
+                  </a:ext>
+                </a:extLst>
+              </a:tr>
+            </a:tbl>
+          </a:graphicData>
+        </a:graphic>
+      </p:graphicFrame>
     </p:spTree>
     <p:extLst>
       <p:ext uri="{BB962C8B-B14F-4D97-AF65-F5344CB8AC3E}">
-        <p14:creationId xmlns:p14="http://schemas.microsoft.com/office/powerpoint/2010/main" val="1474498500"/>
+        <p14:creationId xmlns:p14="http://schemas.microsoft.com/office/powerpoint/2010/main" val="1183892840"/>
       </p:ext>
     </p:extLst>
   </p:cSld>
@@ -5742,7 +9979,7 @@
         <p:spPr>
           <a:xfrm>
             <a:off x="669852" y="870596"/>
-            <a:ext cx="5029210" cy="577205"/>
+            <a:ext cx="3675645" cy="577205"/>
           </a:xfrm>
         </p:spPr>
         <p:txBody>
@@ -5757,74 +9994,18 @@
               </a:lnSpc>
             </a:pPr>
             <a:r>
-              <a:rPr lang="en-US" sz="3400" dirty="0" err="1"/>
-              <a:t>Cdc</a:t>
-            </a:r>
-            <a:r>
               <a:rPr lang="en-US" sz="3400" dirty="0"/>
-              <a:t> places measure title</a:t>
-            </a:r>
-            <a:br>
-              <a:rPr lang="en-US" sz="3400" dirty="0"/>
-            </a:br>
-            <a:r>
-              <a:rPr lang="en-US" sz="3400" dirty="0">
-                <a:solidFill>
-                  <a:schemeClr val="bg1">
-                    <a:lumMod val="50000"/>
-                  </a:schemeClr>
-                </a:solidFill>
-              </a:rPr>
-              <a:t>units</a:t>
-            </a:r>
-            <a:endParaRPr lang="en-US" sz="1800" dirty="0">
-              <a:latin typeface="Abadi Extra Light" panose="020B0604020202020204" pitchFamily="34" charset="0"/>
-            </a:endParaRPr>
+              <a:t>Summary by Model Category and recommendation</a:t>
+            </a:r>
           </a:p>
         </p:txBody>
       </p:sp>
-      <p:pic>
-        <p:nvPicPr>
-          <p:cNvPr id="9" name="Picture 8" descr="Diagram&#10;&#10;Description automatically generated">
+      <p:sp>
+        <p:nvSpPr>
+          <p:cNvPr id="3" name="TextBox 2">
             <a:extLst>
               <a:ext uri="{FF2B5EF4-FFF2-40B4-BE49-F238E27FC236}">
-                <a16:creationId xmlns:a16="http://schemas.microsoft.com/office/drawing/2014/main" id="{1519A766-3B04-ADD5-768D-E7F1CE9DA020}"/>
-              </a:ext>
-            </a:extLst>
-          </p:cNvPr>
-          <p:cNvPicPr>
-            <a:picLocks noChangeAspect="1"/>
-          </p:cNvPicPr>
-          <p:nvPr/>
-        </p:nvPicPr>
-        <p:blipFill>
-          <a:blip r:embed="rId2">
-            <a:extLst>
-              <a:ext uri="{28A0092B-C50C-407E-A947-70E740481C1C}">
-                <a14:useLocalDpi xmlns:a14="http://schemas.microsoft.com/office/drawing/2010/main" val="0"/>
-              </a:ext>
-            </a:extLst>
-          </a:blip>
-          <a:stretch>
-            <a:fillRect/>
-          </a:stretch>
-        </p:blipFill>
-        <p:spPr>
-          <a:xfrm>
-            <a:off x="6634768" y="914395"/>
-            <a:ext cx="5029210" cy="5029210"/>
-          </a:xfrm>
-          <a:prstGeom prst="rect">
-            <a:avLst/>
-          </a:prstGeom>
-        </p:spPr>
-      </p:pic>
-      <p:sp>
-        <p:nvSpPr>
-          <p:cNvPr id="11" name="TextBox 10">
-            <a:extLst>
-              <a:ext uri="{FF2B5EF4-FFF2-40B4-BE49-F238E27FC236}">
-                <a16:creationId xmlns:a16="http://schemas.microsoft.com/office/drawing/2014/main" id="{3E48FC44-1FA2-4F7A-0A80-59B4E81301D5}"/>
+                <a16:creationId xmlns:a16="http://schemas.microsoft.com/office/drawing/2014/main" id="{4EDB11EF-68D0-CAC9-DE37-2EE0A6BFBD92}"/>
               </a:ext>
             </a:extLst>
           </p:cNvPr>
@@ -5833,8 +10014,8 @@
         </p:nvSpPr>
         <p:spPr>
           <a:xfrm>
-            <a:off x="669852" y="2663113"/>
-            <a:ext cx="5507428" cy="584775"/>
+            <a:off x="5127771" y="1447801"/>
+            <a:ext cx="6094602" cy="4524315"/>
           </a:xfrm>
           <a:prstGeom prst="rect">
             <a:avLst/>
@@ -5848,53 +10029,2717 @@
           <a:lstStyle/>
           <a:p>
             <a:r>
-              <a:rPr lang="en-US" sz="1600" i="1" cap="none" dirty="0">
-                <a:latin typeface="Abadi Extra Light" panose="020B0604020202020204" pitchFamily="34" charset="0"/>
-              </a:rPr>
-              <a:t>Description of the component PLACES measure and brief analysis of distributions shown on map.</a:t>
-            </a:r>
-            <a:endParaRPr lang="en-US" sz="1600" cap="none" dirty="0">
-              <a:latin typeface="Abadi Extra Light" panose="020B0604020202020204" pitchFamily="34" charset="0"/>
+              <a:rPr lang="en-US" sz="1200" dirty="0" err="1">
+                <a:latin typeface="Tahoma" panose="020B0604030504040204" pitchFamily="34" charset="0"/>
+                <a:ea typeface="Tahoma" panose="020B0604030504040204" pitchFamily="34" charset="0"/>
+                <a:cs typeface="Tahoma" panose="020B0604030504040204" pitchFamily="34" charset="0"/>
+              </a:rPr>
+              <a:t>Nulla</a:t>
+            </a:r>
+            <a:r>
+              <a:rPr lang="en-US" sz="1200" dirty="0">
+                <a:latin typeface="Tahoma" panose="020B0604030504040204" pitchFamily="34" charset="0"/>
+                <a:ea typeface="Tahoma" panose="020B0604030504040204" pitchFamily="34" charset="0"/>
+                <a:cs typeface="Tahoma" panose="020B0604030504040204" pitchFamily="34" charset="0"/>
+              </a:rPr>
+              <a:t> id ipsum </a:t>
+            </a:r>
+            <a:r>
+              <a:rPr lang="en-US" sz="1200" dirty="0" err="1">
+                <a:latin typeface="Tahoma" panose="020B0604030504040204" pitchFamily="34" charset="0"/>
+                <a:ea typeface="Tahoma" panose="020B0604030504040204" pitchFamily="34" charset="0"/>
+                <a:cs typeface="Tahoma" panose="020B0604030504040204" pitchFamily="34" charset="0"/>
+              </a:rPr>
+              <a:t>iaculis</a:t>
+            </a:r>
+            <a:r>
+              <a:rPr lang="en-US" sz="1200" dirty="0">
+                <a:latin typeface="Tahoma" panose="020B0604030504040204" pitchFamily="34" charset="0"/>
+                <a:ea typeface="Tahoma" panose="020B0604030504040204" pitchFamily="34" charset="0"/>
+                <a:cs typeface="Tahoma" panose="020B0604030504040204" pitchFamily="34" charset="0"/>
+              </a:rPr>
+              <a:t> </a:t>
+            </a:r>
+            <a:r>
+              <a:rPr lang="en-US" sz="1200" dirty="0" err="1">
+                <a:latin typeface="Tahoma" panose="020B0604030504040204" pitchFamily="34" charset="0"/>
+                <a:ea typeface="Tahoma" panose="020B0604030504040204" pitchFamily="34" charset="0"/>
+                <a:cs typeface="Tahoma" panose="020B0604030504040204" pitchFamily="34" charset="0"/>
+              </a:rPr>
+              <a:t>velit</a:t>
+            </a:r>
+            <a:r>
+              <a:rPr lang="en-US" sz="1200" dirty="0">
+                <a:latin typeface="Tahoma" panose="020B0604030504040204" pitchFamily="34" charset="0"/>
+                <a:ea typeface="Tahoma" panose="020B0604030504040204" pitchFamily="34" charset="0"/>
+                <a:cs typeface="Tahoma" panose="020B0604030504040204" pitchFamily="34" charset="0"/>
+              </a:rPr>
+              <a:t> </a:t>
+            </a:r>
+            <a:r>
+              <a:rPr lang="en-US" sz="1200" dirty="0" err="1">
+                <a:latin typeface="Tahoma" panose="020B0604030504040204" pitchFamily="34" charset="0"/>
+                <a:ea typeface="Tahoma" panose="020B0604030504040204" pitchFamily="34" charset="0"/>
+                <a:cs typeface="Tahoma" panose="020B0604030504040204" pitchFamily="34" charset="0"/>
+              </a:rPr>
+              <a:t>sollicitudin</a:t>
+            </a:r>
+            <a:r>
+              <a:rPr lang="en-US" sz="1200" dirty="0">
+                <a:latin typeface="Tahoma" panose="020B0604030504040204" pitchFamily="34" charset="0"/>
+                <a:ea typeface="Tahoma" panose="020B0604030504040204" pitchFamily="34" charset="0"/>
+                <a:cs typeface="Tahoma" panose="020B0604030504040204" pitchFamily="34" charset="0"/>
+              </a:rPr>
+              <a:t> </a:t>
+            </a:r>
+            <a:r>
+              <a:rPr lang="en-US" sz="1200" dirty="0" err="1">
+                <a:latin typeface="Tahoma" panose="020B0604030504040204" pitchFamily="34" charset="0"/>
+                <a:ea typeface="Tahoma" panose="020B0604030504040204" pitchFamily="34" charset="0"/>
+                <a:cs typeface="Tahoma" panose="020B0604030504040204" pitchFamily="34" charset="0"/>
+              </a:rPr>
+              <a:t>viverra</a:t>
+            </a:r>
+            <a:r>
+              <a:rPr lang="en-US" sz="1200" dirty="0">
+                <a:latin typeface="Tahoma" panose="020B0604030504040204" pitchFamily="34" charset="0"/>
+                <a:ea typeface="Tahoma" panose="020B0604030504040204" pitchFamily="34" charset="0"/>
+                <a:cs typeface="Tahoma" panose="020B0604030504040204" pitchFamily="34" charset="0"/>
+              </a:rPr>
+              <a:t>. </a:t>
+            </a:r>
+            <a:r>
+              <a:rPr lang="en-US" sz="1200" dirty="0" err="1">
+                <a:latin typeface="Tahoma" panose="020B0604030504040204" pitchFamily="34" charset="0"/>
+                <a:ea typeface="Tahoma" panose="020B0604030504040204" pitchFamily="34" charset="0"/>
+                <a:cs typeface="Tahoma" panose="020B0604030504040204" pitchFamily="34" charset="0"/>
+              </a:rPr>
+              <a:t>Suspendisse</a:t>
+            </a:r>
+            <a:r>
+              <a:rPr lang="en-US" sz="1200" dirty="0">
+                <a:latin typeface="Tahoma" panose="020B0604030504040204" pitchFamily="34" charset="0"/>
+                <a:ea typeface="Tahoma" panose="020B0604030504040204" pitchFamily="34" charset="0"/>
+                <a:cs typeface="Tahoma" panose="020B0604030504040204" pitchFamily="34" charset="0"/>
+              </a:rPr>
+              <a:t> </a:t>
+            </a:r>
+            <a:r>
+              <a:rPr lang="en-US" sz="1200" dirty="0" err="1">
+                <a:latin typeface="Tahoma" panose="020B0604030504040204" pitchFamily="34" charset="0"/>
+                <a:ea typeface="Tahoma" panose="020B0604030504040204" pitchFamily="34" charset="0"/>
+                <a:cs typeface="Tahoma" panose="020B0604030504040204" pitchFamily="34" charset="0"/>
+              </a:rPr>
+              <a:t>potenti</a:t>
+            </a:r>
+            <a:r>
+              <a:rPr lang="en-US" sz="1200" dirty="0">
+                <a:latin typeface="Tahoma" panose="020B0604030504040204" pitchFamily="34" charset="0"/>
+                <a:ea typeface="Tahoma" panose="020B0604030504040204" pitchFamily="34" charset="0"/>
+                <a:cs typeface="Tahoma" panose="020B0604030504040204" pitchFamily="34" charset="0"/>
+              </a:rPr>
+              <a:t>. </a:t>
+            </a:r>
+            <a:r>
+              <a:rPr lang="en-US" sz="1200" dirty="0" err="1">
+                <a:latin typeface="Tahoma" panose="020B0604030504040204" pitchFamily="34" charset="0"/>
+                <a:ea typeface="Tahoma" panose="020B0604030504040204" pitchFamily="34" charset="0"/>
+                <a:cs typeface="Tahoma" panose="020B0604030504040204" pitchFamily="34" charset="0"/>
+              </a:rPr>
+              <a:t>Fusce</a:t>
+            </a:r>
+            <a:r>
+              <a:rPr lang="en-US" sz="1200" dirty="0">
+                <a:latin typeface="Tahoma" panose="020B0604030504040204" pitchFamily="34" charset="0"/>
+                <a:ea typeface="Tahoma" panose="020B0604030504040204" pitchFamily="34" charset="0"/>
+                <a:cs typeface="Tahoma" panose="020B0604030504040204" pitchFamily="34" charset="0"/>
+              </a:rPr>
+              <a:t> in </a:t>
+            </a:r>
+            <a:r>
+              <a:rPr lang="en-US" sz="1200" dirty="0" err="1">
+                <a:latin typeface="Tahoma" panose="020B0604030504040204" pitchFamily="34" charset="0"/>
+                <a:ea typeface="Tahoma" panose="020B0604030504040204" pitchFamily="34" charset="0"/>
+                <a:cs typeface="Tahoma" panose="020B0604030504040204" pitchFamily="34" charset="0"/>
+              </a:rPr>
+              <a:t>orci</a:t>
+            </a:r>
+            <a:r>
+              <a:rPr lang="en-US" sz="1200" dirty="0">
+                <a:latin typeface="Tahoma" panose="020B0604030504040204" pitchFamily="34" charset="0"/>
+                <a:ea typeface="Tahoma" panose="020B0604030504040204" pitchFamily="34" charset="0"/>
+                <a:cs typeface="Tahoma" panose="020B0604030504040204" pitchFamily="34" charset="0"/>
+              </a:rPr>
+              <a:t> id </a:t>
+            </a:r>
+            <a:r>
+              <a:rPr lang="en-US" sz="1200" dirty="0" err="1">
+                <a:latin typeface="Tahoma" panose="020B0604030504040204" pitchFamily="34" charset="0"/>
+                <a:ea typeface="Tahoma" panose="020B0604030504040204" pitchFamily="34" charset="0"/>
+                <a:cs typeface="Tahoma" panose="020B0604030504040204" pitchFamily="34" charset="0"/>
+              </a:rPr>
+              <a:t>tellus</a:t>
+            </a:r>
+            <a:r>
+              <a:rPr lang="en-US" sz="1200" dirty="0">
+                <a:latin typeface="Tahoma" panose="020B0604030504040204" pitchFamily="34" charset="0"/>
+                <a:ea typeface="Tahoma" panose="020B0604030504040204" pitchFamily="34" charset="0"/>
+                <a:cs typeface="Tahoma" panose="020B0604030504040204" pitchFamily="34" charset="0"/>
+              </a:rPr>
+              <a:t> </a:t>
+            </a:r>
+            <a:r>
+              <a:rPr lang="en-US" sz="1200" dirty="0" err="1">
+                <a:latin typeface="Tahoma" panose="020B0604030504040204" pitchFamily="34" charset="0"/>
+                <a:ea typeface="Tahoma" panose="020B0604030504040204" pitchFamily="34" charset="0"/>
+                <a:cs typeface="Tahoma" panose="020B0604030504040204" pitchFamily="34" charset="0"/>
+              </a:rPr>
+              <a:t>viverra</a:t>
+            </a:r>
+            <a:r>
+              <a:rPr lang="en-US" sz="1200" dirty="0">
+                <a:latin typeface="Tahoma" panose="020B0604030504040204" pitchFamily="34" charset="0"/>
+                <a:ea typeface="Tahoma" panose="020B0604030504040204" pitchFamily="34" charset="0"/>
+                <a:cs typeface="Tahoma" panose="020B0604030504040204" pitchFamily="34" charset="0"/>
+              </a:rPr>
+              <a:t> </a:t>
+            </a:r>
+            <a:r>
+              <a:rPr lang="en-US" sz="1200" dirty="0" err="1">
+                <a:latin typeface="Tahoma" panose="020B0604030504040204" pitchFamily="34" charset="0"/>
+                <a:ea typeface="Tahoma" panose="020B0604030504040204" pitchFamily="34" charset="0"/>
+                <a:cs typeface="Tahoma" panose="020B0604030504040204" pitchFamily="34" charset="0"/>
+              </a:rPr>
+              <a:t>sollicitudin</a:t>
+            </a:r>
+            <a:r>
+              <a:rPr lang="en-US" sz="1200" dirty="0">
+                <a:latin typeface="Tahoma" panose="020B0604030504040204" pitchFamily="34" charset="0"/>
+                <a:ea typeface="Tahoma" panose="020B0604030504040204" pitchFamily="34" charset="0"/>
+                <a:cs typeface="Tahoma" panose="020B0604030504040204" pitchFamily="34" charset="0"/>
+              </a:rPr>
+              <a:t>. </a:t>
+            </a:r>
+            <a:r>
+              <a:rPr lang="en-US" sz="1200" dirty="0" err="1">
+                <a:latin typeface="Tahoma" panose="020B0604030504040204" pitchFamily="34" charset="0"/>
+                <a:ea typeface="Tahoma" panose="020B0604030504040204" pitchFamily="34" charset="0"/>
+                <a:cs typeface="Tahoma" panose="020B0604030504040204" pitchFamily="34" charset="0"/>
+              </a:rPr>
+              <a:t>Phasellus</a:t>
+            </a:r>
+            <a:r>
+              <a:rPr lang="en-US" sz="1200" dirty="0">
+                <a:latin typeface="Tahoma" panose="020B0604030504040204" pitchFamily="34" charset="0"/>
+                <a:ea typeface="Tahoma" panose="020B0604030504040204" pitchFamily="34" charset="0"/>
+                <a:cs typeface="Tahoma" panose="020B0604030504040204" pitchFamily="34" charset="0"/>
+              </a:rPr>
+              <a:t> </a:t>
+            </a:r>
+            <a:r>
+              <a:rPr lang="en-US" sz="1200" dirty="0" err="1">
+                <a:latin typeface="Tahoma" panose="020B0604030504040204" pitchFamily="34" charset="0"/>
+                <a:ea typeface="Tahoma" panose="020B0604030504040204" pitchFamily="34" charset="0"/>
+                <a:cs typeface="Tahoma" panose="020B0604030504040204" pitchFamily="34" charset="0"/>
+              </a:rPr>
+              <a:t>eget</a:t>
+            </a:r>
+            <a:r>
+              <a:rPr lang="en-US" sz="1200" dirty="0">
+                <a:latin typeface="Tahoma" panose="020B0604030504040204" pitchFamily="34" charset="0"/>
+                <a:ea typeface="Tahoma" panose="020B0604030504040204" pitchFamily="34" charset="0"/>
+                <a:cs typeface="Tahoma" panose="020B0604030504040204" pitchFamily="34" charset="0"/>
+              </a:rPr>
+              <a:t> diam a eros </a:t>
+            </a:r>
+            <a:r>
+              <a:rPr lang="en-US" sz="1200" dirty="0" err="1">
+                <a:latin typeface="Tahoma" panose="020B0604030504040204" pitchFamily="34" charset="0"/>
+                <a:ea typeface="Tahoma" panose="020B0604030504040204" pitchFamily="34" charset="0"/>
+                <a:cs typeface="Tahoma" panose="020B0604030504040204" pitchFamily="34" charset="0"/>
+              </a:rPr>
+              <a:t>hendrerit</a:t>
+            </a:r>
+            <a:r>
+              <a:rPr lang="en-US" sz="1200" dirty="0">
+                <a:latin typeface="Tahoma" panose="020B0604030504040204" pitchFamily="34" charset="0"/>
+                <a:ea typeface="Tahoma" panose="020B0604030504040204" pitchFamily="34" charset="0"/>
+                <a:cs typeface="Tahoma" panose="020B0604030504040204" pitchFamily="34" charset="0"/>
+              </a:rPr>
+              <a:t> </a:t>
+            </a:r>
+            <a:r>
+              <a:rPr lang="en-US" sz="1200" dirty="0" err="1">
+                <a:latin typeface="Tahoma" panose="020B0604030504040204" pitchFamily="34" charset="0"/>
+                <a:ea typeface="Tahoma" panose="020B0604030504040204" pitchFamily="34" charset="0"/>
+                <a:cs typeface="Tahoma" panose="020B0604030504040204" pitchFamily="34" charset="0"/>
+              </a:rPr>
+              <a:t>tincidunt</a:t>
+            </a:r>
+            <a:r>
+              <a:rPr lang="en-US" sz="1200" dirty="0">
+                <a:latin typeface="Tahoma" panose="020B0604030504040204" pitchFamily="34" charset="0"/>
+                <a:ea typeface="Tahoma" panose="020B0604030504040204" pitchFamily="34" charset="0"/>
+                <a:cs typeface="Tahoma" panose="020B0604030504040204" pitchFamily="34" charset="0"/>
+              </a:rPr>
+              <a:t>. Maecenas et </a:t>
+            </a:r>
+            <a:r>
+              <a:rPr lang="en-US" sz="1200" dirty="0" err="1">
+                <a:latin typeface="Tahoma" panose="020B0604030504040204" pitchFamily="34" charset="0"/>
+                <a:ea typeface="Tahoma" panose="020B0604030504040204" pitchFamily="34" charset="0"/>
+                <a:cs typeface="Tahoma" panose="020B0604030504040204" pitchFamily="34" charset="0"/>
+              </a:rPr>
+              <a:t>nibh</a:t>
+            </a:r>
+            <a:r>
+              <a:rPr lang="en-US" sz="1200" dirty="0">
+                <a:latin typeface="Tahoma" panose="020B0604030504040204" pitchFamily="34" charset="0"/>
+                <a:ea typeface="Tahoma" panose="020B0604030504040204" pitchFamily="34" charset="0"/>
+                <a:cs typeface="Tahoma" panose="020B0604030504040204" pitchFamily="34" charset="0"/>
+              </a:rPr>
+              <a:t>. </a:t>
+            </a:r>
+            <a:r>
+              <a:rPr lang="en-US" sz="1200" dirty="0" err="1">
+                <a:latin typeface="Tahoma" panose="020B0604030504040204" pitchFamily="34" charset="0"/>
+                <a:ea typeface="Tahoma" panose="020B0604030504040204" pitchFamily="34" charset="0"/>
+                <a:cs typeface="Tahoma" panose="020B0604030504040204" pitchFamily="34" charset="0"/>
+              </a:rPr>
+              <a:t>Vivamus</a:t>
+            </a:r>
+            <a:r>
+              <a:rPr lang="en-US" sz="1200" dirty="0">
+                <a:latin typeface="Tahoma" panose="020B0604030504040204" pitchFamily="34" charset="0"/>
+                <a:ea typeface="Tahoma" panose="020B0604030504040204" pitchFamily="34" charset="0"/>
+                <a:cs typeface="Tahoma" panose="020B0604030504040204" pitchFamily="34" charset="0"/>
+              </a:rPr>
+              <a:t> </a:t>
+            </a:r>
+            <a:r>
+              <a:rPr lang="en-US" sz="1200" dirty="0" err="1">
+                <a:latin typeface="Tahoma" panose="020B0604030504040204" pitchFamily="34" charset="0"/>
+                <a:ea typeface="Tahoma" panose="020B0604030504040204" pitchFamily="34" charset="0"/>
+                <a:cs typeface="Tahoma" panose="020B0604030504040204" pitchFamily="34" charset="0"/>
+              </a:rPr>
+              <a:t>ut</a:t>
+            </a:r>
+            <a:r>
+              <a:rPr lang="en-US" sz="1200" dirty="0">
+                <a:latin typeface="Tahoma" panose="020B0604030504040204" pitchFamily="34" charset="0"/>
+                <a:ea typeface="Tahoma" panose="020B0604030504040204" pitchFamily="34" charset="0"/>
+                <a:cs typeface="Tahoma" panose="020B0604030504040204" pitchFamily="34" charset="0"/>
+              </a:rPr>
+              <a:t> </a:t>
+            </a:r>
+            <a:r>
+              <a:rPr lang="en-US" sz="1200" dirty="0" err="1">
+                <a:latin typeface="Tahoma" panose="020B0604030504040204" pitchFamily="34" charset="0"/>
+                <a:ea typeface="Tahoma" panose="020B0604030504040204" pitchFamily="34" charset="0"/>
+                <a:cs typeface="Tahoma" panose="020B0604030504040204" pitchFamily="34" charset="0"/>
+              </a:rPr>
+              <a:t>quam</a:t>
+            </a:r>
+            <a:r>
+              <a:rPr lang="en-US" sz="1200" dirty="0">
+                <a:latin typeface="Tahoma" panose="020B0604030504040204" pitchFamily="34" charset="0"/>
+                <a:ea typeface="Tahoma" panose="020B0604030504040204" pitchFamily="34" charset="0"/>
+                <a:cs typeface="Tahoma" panose="020B0604030504040204" pitchFamily="34" charset="0"/>
+              </a:rPr>
+              <a:t>. </a:t>
+            </a:r>
+            <a:r>
+              <a:rPr lang="en-US" sz="1200" dirty="0" err="1">
+                <a:latin typeface="Tahoma" panose="020B0604030504040204" pitchFamily="34" charset="0"/>
+                <a:ea typeface="Tahoma" panose="020B0604030504040204" pitchFamily="34" charset="0"/>
+                <a:cs typeface="Tahoma" panose="020B0604030504040204" pitchFamily="34" charset="0"/>
+              </a:rPr>
+              <a:t>Fusce</a:t>
+            </a:r>
+            <a:r>
+              <a:rPr lang="en-US" sz="1200" dirty="0">
+                <a:latin typeface="Tahoma" panose="020B0604030504040204" pitchFamily="34" charset="0"/>
+                <a:ea typeface="Tahoma" panose="020B0604030504040204" pitchFamily="34" charset="0"/>
+                <a:cs typeface="Tahoma" panose="020B0604030504040204" pitchFamily="34" charset="0"/>
+              </a:rPr>
+              <a:t> </a:t>
+            </a:r>
+            <a:r>
+              <a:rPr lang="en-US" sz="1200" dirty="0" err="1">
+                <a:latin typeface="Tahoma" panose="020B0604030504040204" pitchFamily="34" charset="0"/>
+                <a:ea typeface="Tahoma" panose="020B0604030504040204" pitchFamily="34" charset="0"/>
+                <a:cs typeface="Tahoma" panose="020B0604030504040204" pitchFamily="34" charset="0"/>
+              </a:rPr>
+              <a:t>turpis</a:t>
+            </a:r>
+            <a:r>
+              <a:rPr lang="en-US" sz="1200" dirty="0">
+                <a:latin typeface="Tahoma" panose="020B0604030504040204" pitchFamily="34" charset="0"/>
+                <a:ea typeface="Tahoma" panose="020B0604030504040204" pitchFamily="34" charset="0"/>
+                <a:cs typeface="Tahoma" panose="020B0604030504040204" pitchFamily="34" charset="0"/>
+              </a:rPr>
+              <a:t>. </a:t>
+            </a:r>
+            <a:r>
+              <a:rPr lang="en-US" sz="1200" dirty="0" err="1">
+                <a:latin typeface="Tahoma" panose="020B0604030504040204" pitchFamily="34" charset="0"/>
+                <a:ea typeface="Tahoma" panose="020B0604030504040204" pitchFamily="34" charset="0"/>
+                <a:cs typeface="Tahoma" panose="020B0604030504040204" pitchFamily="34" charset="0"/>
+              </a:rPr>
+              <a:t>Aliquam</a:t>
+            </a:r>
+            <a:r>
+              <a:rPr lang="en-US" sz="1200" dirty="0">
+                <a:latin typeface="Tahoma" panose="020B0604030504040204" pitchFamily="34" charset="0"/>
+                <a:ea typeface="Tahoma" panose="020B0604030504040204" pitchFamily="34" charset="0"/>
+                <a:cs typeface="Tahoma" panose="020B0604030504040204" pitchFamily="34" charset="0"/>
+              </a:rPr>
+              <a:t> </a:t>
+            </a:r>
+            <a:r>
+              <a:rPr lang="en-US" sz="1200" dirty="0" err="1">
+                <a:latin typeface="Tahoma" panose="020B0604030504040204" pitchFamily="34" charset="0"/>
+                <a:ea typeface="Tahoma" panose="020B0604030504040204" pitchFamily="34" charset="0"/>
+                <a:cs typeface="Tahoma" panose="020B0604030504040204" pitchFamily="34" charset="0"/>
+              </a:rPr>
+              <a:t>tincidunt</a:t>
+            </a:r>
+            <a:r>
+              <a:rPr lang="en-US" sz="1200" dirty="0">
+                <a:latin typeface="Tahoma" panose="020B0604030504040204" pitchFamily="34" charset="0"/>
+                <a:ea typeface="Tahoma" panose="020B0604030504040204" pitchFamily="34" charset="0"/>
+                <a:cs typeface="Tahoma" panose="020B0604030504040204" pitchFamily="34" charset="0"/>
+              </a:rPr>
+              <a:t> </a:t>
+            </a:r>
+            <a:r>
+              <a:rPr lang="en-US" sz="1200" dirty="0" err="1">
+                <a:latin typeface="Tahoma" panose="020B0604030504040204" pitchFamily="34" charset="0"/>
+                <a:ea typeface="Tahoma" panose="020B0604030504040204" pitchFamily="34" charset="0"/>
+                <a:cs typeface="Tahoma" panose="020B0604030504040204" pitchFamily="34" charset="0"/>
+              </a:rPr>
+              <a:t>faucibus</a:t>
+            </a:r>
+            <a:r>
+              <a:rPr lang="en-US" sz="1200" dirty="0">
+                <a:latin typeface="Tahoma" panose="020B0604030504040204" pitchFamily="34" charset="0"/>
+                <a:ea typeface="Tahoma" panose="020B0604030504040204" pitchFamily="34" charset="0"/>
+                <a:cs typeface="Tahoma" panose="020B0604030504040204" pitchFamily="34" charset="0"/>
+              </a:rPr>
+              <a:t> </a:t>
+            </a:r>
+            <a:r>
+              <a:rPr lang="en-US" sz="1200" dirty="0" err="1">
+                <a:latin typeface="Tahoma" panose="020B0604030504040204" pitchFamily="34" charset="0"/>
+                <a:ea typeface="Tahoma" panose="020B0604030504040204" pitchFamily="34" charset="0"/>
+                <a:cs typeface="Tahoma" panose="020B0604030504040204" pitchFamily="34" charset="0"/>
+              </a:rPr>
+              <a:t>pede</a:t>
+            </a:r>
+            <a:r>
+              <a:rPr lang="en-US" sz="1200" dirty="0">
+                <a:latin typeface="Tahoma" panose="020B0604030504040204" pitchFamily="34" charset="0"/>
+                <a:ea typeface="Tahoma" panose="020B0604030504040204" pitchFamily="34" charset="0"/>
+                <a:cs typeface="Tahoma" panose="020B0604030504040204" pitchFamily="34" charset="0"/>
+              </a:rPr>
+              <a:t>. Vestibulum ante ipsum </a:t>
+            </a:r>
+            <a:r>
+              <a:rPr lang="en-US" sz="1200" dirty="0" err="1">
+                <a:latin typeface="Tahoma" panose="020B0604030504040204" pitchFamily="34" charset="0"/>
+                <a:ea typeface="Tahoma" panose="020B0604030504040204" pitchFamily="34" charset="0"/>
+                <a:cs typeface="Tahoma" panose="020B0604030504040204" pitchFamily="34" charset="0"/>
+              </a:rPr>
+              <a:t>primis</a:t>
+            </a:r>
+            <a:r>
+              <a:rPr lang="en-US" sz="1200" dirty="0">
+                <a:latin typeface="Tahoma" panose="020B0604030504040204" pitchFamily="34" charset="0"/>
+                <a:ea typeface="Tahoma" panose="020B0604030504040204" pitchFamily="34" charset="0"/>
+                <a:cs typeface="Tahoma" panose="020B0604030504040204" pitchFamily="34" charset="0"/>
+              </a:rPr>
+              <a:t> in </a:t>
+            </a:r>
+            <a:r>
+              <a:rPr lang="en-US" sz="1200" dirty="0" err="1">
+                <a:latin typeface="Tahoma" panose="020B0604030504040204" pitchFamily="34" charset="0"/>
+                <a:ea typeface="Tahoma" panose="020B0604030504040204" pitchFamily="34" charset="0"/>
+                <a:cs typeface="Tahoma" panose="020B0604030504040204" pitchFamily="34" charset="0"/>
+              </a:rPr>
+              <a:t>faucibus</a:t>
+            </a:r>
+            <a:r>
+              <a:rPr lang="en-US" sz="1200" dirty="0">
+                <a:latin typeface="Tahoma" panose="020B0604030504040204" pitchFamily="34" charset="0"/>
+                <a:ea typeface="Tahoma" panose="020B0604030504040204" pitchFamily="34" charset="0"/>
+                <a:cs typeface="Tahoma" panose="020B0604030504040204" pitchFamily="34" charset="0"/>
+              </a:rPr>
+              <a:t> </a:t>
+            </a:r>
+            <a:r>
+              <a:rPr lang="en-US" sz="1200" dirty="0" err="1">
+                <a:latin typeface="Tahoma" panose="020B0604030504040204" pitchFamily="34" charset="0"/>
+                <a:ea typeface="Tahoma" panose="020B0604030504040204" pitchFamily="34" charset="0"/>
+                <a:cs typeface="Tahoma" panose="020B0604030504040204" pitchFamily="34" charset="0"/>
+              </a:rPr>
+              <a:t>orci</a:t>
+            </a:r>
+            <a:r>
+              <a:rPr lang="en-US" sz="1200" dirty="0">
+                <a:latin typeface="Tahoma" panose="020B0604030504040204" pitchFamily="34" charset="0"/>
+                <a:ea typeface="Tahoma" panose="020B0604030504040204" pitchFamily="34" charset="0"/>
+                <a:cs typeface="Tahoma" panose="020B0604030504040204" pitchFamily="34" charset="0"/>
+              </a:rPr>
+              <a:t> </a:t>
+            </a:r>
+            <a:r>
+              <a:rPr lang="en-US" sz="1200" dirty="0" err="1">
+                <a:latin typeface="Tahoma" panose="020B0604030504040204" pitchFamily="34" charset="0"/>
+                <a:ea typeface="Tahoma" panose="020B0604030504040204" pitchFamily="34" charset="0"/>
+                <a:cs typeface="Tahoma" panose="020B0604030504040204" pitchFamily="34" charset="0"/>
+              </a:rPr>
+              <a:t>luctus</a:t>
+            </a:r>
+            <a:r>
+              <a:rPr lang="en-US" sz="1200" dirty="0">
+                <a:latin typeface="Tahoma" panose="020B0604030504040204" pitchFamily="34" charset="0"/>
+                <a:ea typeface="Tahoma" panose="020B0604030504040204" pitchFamily="34" charset="0"/>
+                <a:cs typeface="Tahoma" panose="020B0604030504040204" pitchFamily="34" charset="0"/>
+              </a:rPr>
+              <a:t> et </a:t>
+            </a:r>
+            <a:r>
+              <a:rPr lang="en-US" sz="1200" dirty="0" err="1">
+                <a:latin typeface="Tahoma" panose="020B0604030504040204" pitchFamily="34" charset="0"/>
+                <a:ea typeface="Tahoma" panose="020B0604030504040204" pitchFamily="34" charset="0"/>
+                <a:cs typeface="Tahoma" panose="020B0604030504040204" pitchFamily="34" charset="0"/>
+              </a:rPr>
+              <a:t>ultrices</a:t>
+            </a:r>
+            <a:r>
+              <a:rPr lang="en-US" sz="1200" dirty="0">
+                <a:latin typeface="Tahoma" panose="020B0604030504040204" pitchFamily="34" charset="0"/>
+                <a:ea typeface="Tahoma" panose="020B0604030504040204" pitchFamily="34" charset="0"/>
+                <a:cs typeface="Tahoma" panose="020B0604030504040204" pitchFamily="34" charset="0"/>
+              </a:rPr>
+              <a:t> </a:t>
+            </a:r>
+            <a:r>
+              <a:rPr lang="en-US" sz="1200" dirty="0" err="1">
+                <a:latin typeface="Tahoma" panose="020B0604030504040204" pitchFamily="34" charset="0"/>
+                <a:ea typeface="Tahoma" panose="020B0604030504040204" pitchFamily="34" charset="0"/>
+                <a:cs typeface="Tahoma" panose="020B0604030504040204" pitchFamily="34" charset="0"/>
+              </a:rPr>
+              <a:t>posuere</a:t>
+            </a:r>
+            <a:r>
+              <a:rPr lang="en-US" sz="1200" dirty="0">
+                <a:latin typeface="Tahoma" panose="020B0604030504040204" pitchFamily="34" charset="0"/>
+                <a:ea typeface="Tahoma" panose="020B0604030504040204" pitchFamily="34" charset="0"/>
+                <a:cs typeface="Tahoma" panose="020B0604030504040204" pitchFamily="34" charset="0"/>
+              </a:rPr>
+              <a:t> </a:t>
+            </a:r>
+            <a:r>
+              <a:rPr lang="en-US" sz="1200" dirty="0" err="1">
+                <a:latin typeface="Tahoma" panose="020B0604030504040204" pitchFamily="34" charset="0"/>
+                <a:ea typeface="Tahoma" panose="020B0604030504040204" pitchFamily="34" charset="0"/>
+                <a:cs typeface="Tahoma" panose="020B0604030504040204" pitchFamily="34" charset="0"/>
+              </a:rPr>
+              <a:t>cubilia</a:t>
+            </a:r>
+            <a:r>
+              <a:rPr lang="en-US" sz="1200" dirty="0">
+                <a:latin typeface="Tahoma" panose="020B0604030504040204" pitchFamily="34" charset="0"/>
+                <a:ea typeface="Tahoma" panose="020B0604030504040204" pitchFamily="34" charset="0"/>
+                <a:cs typeface="Tahoma" panose="020B0604030504040204" pitchFamily="34" charset="0"/>
+              </a:rPr>
+              <a:t> Curae; </a:t>
+            </a:r>
+            <a:r>
+              <a:rPr lang="en-US" sz="1200" dirty="0" err="1">
+                <a:latin typeface="Tahoma" panose="020B0604030504040204" pitchFamily="34" charset="0"/>
+                <a:ea typeface="Tahoma" panose="020B0604030504040204" pitchFamily="34" charset="0"/>
+                <a:cs typeface="Tahoma" panose="020B0604030504040204" pitchFamily="34" charset="0"/>
+              </a:rPr>
+              <a:t>Suspendisse</a:t>
+            </a:r>
+            <a:r>
+              <a:rPr lang="en-US" sz="1200" dirty="0">
+                <a:latin typeface="Tahoma" panose="020B0604030504040204" pitchFamily="34" charset="0"/>
+                <a:ea typeface="Tahoma" panose="020B0604030504040204" pitchFamily="34" charset="0"/>
+                <a:cs typeface="Tahoma" panose="020B0604030504040204" pitchFamily="34" charset="0"/>
+              </a:rPr>
+              <a:t> </a:t>
+            </a:r>
+            <a:r>
+              <a:rPr lang="en-US" sz="1200" dirty="0" err="1">
+                <a:latin typeface="Tahoma" panose="020B0604030504040204" pitchFamily="34" charset="0"/>
+                <a:ea typeface="Tahoma" panose="020B0604030504040204" pitchFamily="34" charset="0"/>
+                <a:cs typeface="Tahoma" panose="020B0604030504040204" pitchFamily="34" charset="0"/>
+              </a:rPr>
+              <a:t>tortor</a:t>
+            </a:r>
+            <a:r>
+              <a:rPr lang="en-US" sz="1200" dirty="0">
+                <a:latin typeface="Tahoma" panose="020B0604030504040204" pitchFamily="34" charset="0"/>
+                <a:ea typeface="Tahoma" panose="020B0604030504040204" pitchFamily="34" charset="0"/>
+                <a:cs typeface="Tahoma" panose="020B0604030504040204" pitchFamily="34" charset="0"/>
+              </a:rPr>
+              <a:t> </a:t>
+            </a:r>
+            <a:r>
+              <a:rPr lang="en-US" sz="1200" dirty="0" err="1">
+                <a:latin typeface="Tahoma" panose="020B0604030504040204" pitchFamily="34" charset="0"/>
+                <a:ea typeface="Tahoma" panose="020B0604030504040204" pitchFamily="34" charset="0"/>
+                <a:cs typeface="Tahoma" panose="020B0604030504040204" pitchFamily="34" charset="0"/>
+              </a:rPr>
+              <a:t>elit</a:t>
+            </a:r>
+            <a:r>
+              <a:rPr lang="en-US" sz="1200" dirty="0">
+                <a:latin typeface="Tahoma" panose="020B0604030504040204" pitchFamily="34" charset="0"/>
+                <a:ea typeface="Tahoma" panose="020B0604030504040204" pitchFamily="34" charset="0"/>
+                <a:cs typeface="Tahoma" panose="020B0604030504040204" pitchFamily="34" charset="0"/>
+              </a:rPr>
+              <a:t>, tempus vitae, </a:t>
+            </a:r>
+            <a:r>
+              <a:rPr lang="en-US" sz="1200" dirty="0" err="1">
+                <a:latin typeface="Tahoma" panose="020B0604030504040204" pitchFamily="34" charset="0"/>
+                <a:ea typeface="Tahoma" panose="020B0604030504040204" pitchFamily="34" charset="0"/>
+                <a:cs typeface="Tahoma" panose="020B0604030504040204" pitchFamily="34" charset="0"/>
+              </a:rPr>
+              <a:t>aliquet</a:t>
+            </a:r>
+            <a:r>
+              <a:rPr lang="en-US" sz="1200" dirty="0">
+                <a:latin typeface="Tahoma" panose="020B0604030504040204" pitchFamily="34" charset="0"/>
+                <a:ea typeface="Tahoma" panose="020B0604030504040204" pitchFamily="34" charset="0"/>
+                <a:cs typeface="Tahoma" panose="020B0604030504040204" pitchFamily="34" charset="0"/>
+              </a:rPr>
+              <a:t> pharetra, </a:t>
+            </a:r>
+            <a:r>
+              <a:rPr lang="en-US" sz="1200" dirty="0" err="1">
+                <a:latin typeface="Tahoma" panose="020B0604030504040204" pitchFamily="34" charset="0"/>
+                <a:ea typeface="Tahoma" panose="020B0604030504040204" pitchFamily="34" charset="0"/>
+                <a:cs typeface="Tahoma" panose="020B0604030504040204" pitchFamily="34" charset="0"/>
+              </a:rPr>
+              <a:t>viverra</a:t>
+            </a:r>
+            <a:r>
+              <a:rPr lang="en-US" sz="1200" dirty="0">
+                <a:latin typeface="Tahoma" panose="020B0604030504040204" pitchFamily="34" charset="0"/>
+                <a:ea typeface="Tahoma" panose="020B0604030504040204" pitchFamily="34" charset="0"/>
+                <a:cs typeface="Tahoma" panose="020B0604030504040204" pitchFamily="34" charset="0"/>
+              </a:rPr>
+              <a:t> </a:t>
+            </a:r>
+            <a:r>
+              <a:rPr lang="en-US" sz="1200" dirty="0" err="1">
+                <a:latin typeface="Tahoma" panose="020B0604030504040204" pitchFamily="34" charset="0"/>
+                <a:ea typeface="Tahoma" panose="020B0604030504040204" pitchFamily="34" charset="0"/>
+                <a:cs typeface="Tahoma" panose="020B0604030504040204" pitchFamily="34" charset="0"/>
+              </a:rPr>
+              <a:t>nec</a:t>
+            </a:r>
+            <a:r>
+              <a:rPr lang="en-US" sz="1200" dirty="0">
+                <a:latin typeface="Tahoma" panose="020B0604030504040204" pitchFamily="34" charset="0"/>
+                <a:ea typeface="Tahoma" panose="020B0604030504040204" pitchFamily="34" charset="0"/>
+                <a:cs typeface="Tahoma" panose="020B0604030504040204" pitchFamily="34" charset="0"/>
+              </a:rPr>
+              <a:t>, mi. </a:t>
+            </a:r>
+            <a:r>
+              <a:rPr lang="en-US" sz="1200" dirty="0" err="1">
+                <a:latin typeface="Tahoma" panose="020B0604030504040204" pitchFamily="34" charset="0"/>
+                <a:ea typeface="Tahoma" panose="020B0604030504040204" pitchFamily="34" charset="0"/>
+                <a:cs typeface="Tahoma" panose="020B0604030504040204" pitchFamily="34" charset="0"/>
+              </a:rPr>
+              <a:t>Aliquam</a:t>
+            </a:r>
+            <a:r>
+              <a:rPr lang="en-US" sz="1200" dirty="0">
+                <a:latin typeface="Tahoma" panose="020B0604030504040204" pitchFamily="34" charset="0"/>
+                <a:ea typeface="Tahoma" panose="020B0604030504040204" pitchFamily="34" charset="0"/>
+                <a:cs typeface="Tahoma" panose="020B0604030504040204" pitchFamily="34" charset="0"/>
+              </a:rPr>
+              <a:t> id </a:t>
+            </a:r>
+            <a:r>
+              <a:rPr lang="en-US" sz="1200" dirty="0" err="1">
+                <a:latin typeface="Tahoma" panose="020B0604030504040204" pitchFamily="34" charset="0"/>
+                <a:ea typeface="Tahoma" panose="020B0604030504040204" pitchFamily="34" charset="0"/>
+                <a:cs typeface="Tahoma" panose="020B0604030504040204" pitchFamily="34" charset="0"/>
+              </a:rPr>
+              <a:t>nulla</a:t>
+            </a:r>
+            <a:r>
+              <a:rPr lang="en-US" sz="1200" dirty="0">
+                <a:latin typeface="Tahoma" panose="020B0604030504040204" pitchFamily="34" charset="0"/>
+                <a:ea typeface="Tahoma" panose="020B0604030504040204" pitchFamily="34" charset="0"/>
+                <a:cs typeface="Tahoma" panose="020B0604030504040204" pitchFamily="34" charset="0"/>
+              </a:rPr>
+              <a:t> ac </a:t>
+            </a:r>
+            <a:r>
+              <a:rPr lang="en-US" sz="1200" dirty="0" err="1">
+                <a:latin typeface="Tahoma" panose="020B0604030504040204" pitchFamily="34" charset="0"/>
+                <a:ea typeface="Tahoma" panose="020B0604030504040204" pitchFamily="34" charset="0"/>
+                <a:cs typeface="Tahoma" panose="020B0604030504040204" pitchFamily="34" charset="0"/>
+              </a:rPr>
+              <a:t>orci</a:t>
+            </a:r>
+            <a:r>
+              <a:rPr lang="en-US" sz="1200" dirty="0">
+                <a:latin typeface="Tahoma" panose="020B0604030504040204" pitchFamily="34" charset="0"/>
+                <a:ea typeface="Tahoma" panose="020B0604030504040204" pitchFamily="34" charset="0"/>
+                <a:cs typeface="Tahoma" panose="020B0604030504040204" pitchFamily="34" charset="0"/>
+              </a:rPr>
+              <a:t> </a:t>
+            </a:r>
+            <a:r>
+              <a:rPr lang="en-US" sz="1200" dirty="0" err="1">
+                <a:latin typeface="Tahoma" panose="020B0604030504040204" pitchFamily="34" charset="0"/>
+                <a:ea typeface="Tahoma" panose="020B0604030504040204" pitchFamily="34" charset="0"/>
+                <a:cs typeface="Tahoma" panose="020B0604030504040204" pitchFamily="34" charset="0"/>
+              </a:rPr>
+              <a:t>feugiat</a:t>
+            </a:r>
+            <a:r>
+              <a:rPr lang="en-US" sz="1200" dirty="0">
+                <a:latin typeface="Tahoma" panose="020B0604030504040204" pitchFamily="34" charset="0"/>
+                <a:ea typeface="Tahoma" panose="020B0604030504040204" pitchFamily="34" charset="0"/>
+                <a:cs typeface="Tahoma" panose="020B0604030504040204" pitchFamily="34" charset="0"/>
+              </a:rPr>
+              <a:t> </a:t>
+            </a:r>
+            <a:r>
+              <a:rPr lang="en-US" sz="1200" dirty="0" err="1">
+                <a:latin typeface="Tahoma" panose="020B0604030504040204" pitchFamily="34" charset="0"/>
+                <a:ea typeface="Tahoma" panose="020B0604030504040204" pitchFamily="34" charset="0"/>
+                <a:cs typeface="Tahoma" panose="020B0604030504040204" pitchFamily="34" charset="0"/>
+              </a:rPr>
+              <a:t>sollicitudin</a:t>
+            </a:r>
+            <a:r>
+              <a:rPr lang="en-US" sz="1200" dirty="0">
+                <a:latin typeface="Tahoma" panose="020B0604030504040204" pitchFamily="34" charset="0"/>
+                <a:ea typeface="Tahoma" panose="020B0604030504040204" pitchFamily="34" charset="0"/>
+                <a:cs typeface="Tahoma" panose="020B0604030504040204" pitchFamily="34" charset="0"/>
+              </a:rPr>
+              <a:t>. Lorem ipsum dolor sit </a:t>
+            </a:r>
+            <a:r>
+              <a:rPr lang="en-US" sz="1200" dirty="0" err="1">
+                <a:latin typeface="Tahoma" panose="020B0604030504040204" pitchFamily="34" charset="0"/>
+                <a:ea typeface="Tahoma" panose="020B0604030504040204" pitchFamily="34" charset="0"/>
+                <a:cs typeface="Tahoma" panose="020B0604030504040204" pitchFamily="34" charset="0"/>
+              </a:rPr>
+              <a:t>amet</a:t>
+            </a:r>
+            <a:r>
+              <a:rPr lang="en-US" sz="1200" dirty="0">
+                <a:latin typeface="Tahoma" panose="020B0604030504040204" pitchFamily="34" charset="0"/>
+                <a:ea typeface="Tahoma" panose="020B0604030504040204" pitchFamily="34" charset="0"/>
+                <a:cs typeface="Tahoma" panose="020B0604030504040204" pitchFamily="34" charset="0"/>
+              </a:rPr>
+              <a:t>, </a:t>
+            </a:r>
+            <a:r>
+              <a:rPr lang="en-US" sz="1200" dirty="0" err="1">
+                <a:latin typeface="Tahoma" panose="020B0604030504040204" pitchFamily="34" charset="0"/>
+                <a:ea typeface="Tahoma" panose="020B0604030504040204" pitchFamily="34" charset="0"/>
+                <a:cs typeface="Tahoma" panose="020B0604030504040204" pitchFamily="34" charset="0"/>
+              </a:rPr>
+              <a:t>consectetuer</a:t>
+            </a:r>
+            <a:r>
+              <a:rPr lang="en-US" sz="1200" dirty="0">
+                <a:latin typeface="Tahoma" panose="020B0604030504040204" pitchFamily="34" charset="0"/>
+                <a:ea typeface="Tahoma" panose="020B0604030504040204" pitchFamily="34" charset="0"/>
+                <a:cs typeface="Tahoma" panose="020B0604030504040204" pitchFamily="34" charset="0"/>
+              </a:rPr>
+              <a:t> </a:t>
+            </a:r>
+            <a:r>
+              <a:rPr lang="en-US" sz="1200" dirty="0" err="1">
+                <a:latin typeface="Tahoma" panose="020B0604030504040204" pitchFamily="34" charset="0"/>
+                <a:ea typeface="Tahoma" panose="020B0604030504040204" pitchFamily="34" charset="0"/>
+                <a:cs typeface="Tahoma" panose="020B0604030504040204" pitchFamily="34" charset="0"/>
+              </a:rPr>
+              <a:t>adipiscing</a:t>
+            </a:r>
+            <a:r>
+              <a:rPr lang="en-US" sz="1200" dirty="0">
+                <a:latin typeface="Tahoma" panose="020B0604030504040204" pitchFamily="34" charset="0"/>
+                <a:ea typeface="Tahoma" panose="020B0604030504040204" pitchFamily="34" charset="0"/>
+                <a:cs typeface="Tahoma" panose="020B0604030504040204" pitchFamily="34" charset="0"/>
+              </a:rPr>
+              <a:t> </a:t>
+            </a:r>
+            <a:r>
+              <a:rPr lang="en-US" sz="1200" dirty="0" err="1">
+                <a:latin typeface="Tahoma" panose="020B0604030504040204" pitchFamily="34" charset="0"/>
+                <a:ea typeface="Tahoma" panose="020B0604030504040204" pitchFamily="34" charset="0"/>
+                <a:cs typeface="Tahoma" panose="020B0604030504040204" pitchFamily="34" charset="0"/>
+              </a:rPr>
+              <a:t>elit</a:t>
+            </a:r>
+            <a:r>
+              <a:rPr lang="en-US" sz="1200" dirty="0">
+                <a:latin typeface="Tahoma" panose="020B0604030504040204" pitchFamily="34" charset="0"/>
+                <a:ea typeface="Tahoma" panose="020B0604030504040204" pitchFamily="34" charset="0"/>
+                <a:cs typeface="Tahoma" panose="020B0604030504040204" pitchFamily="34" charset="0"/>
+              </a:rPr>
+              <a:t>. </a:t>
+            </a:r>
+            <a:r>
+              <a:rPr lang="en-US" sz="1200" dirty="0" err="1">
+                <a:latin typeface="Tahoma" panose="020B0604030504040204" pitchFamily="34" charset="0"/>
+                <a:ea typeface="Tahoma" panose="020B0604030504040204" pitchFamily="34" charset="0"/>
+                <a:cs typeface="Tahoma" panose="020B0604030504040204" pitchFamily="34" charset="0"/>
+              </a:rPr>
+              <a:t>Curabitur</a:t>
+            </a:r>
+            <a:r>
+              <a:rPr lang="en-US" sz="1200" dirty="0">
+                <a:latin typeface="Tahoma" panose="020B0604030504040204" pitchFamily="34" charset="0"/>
+                <a:ea typeface="Tahoma" panose="020B0604030504040204" pitchFamily="34" charset="0"/>
+                <a:cs typeface="Tahoma" panose="020B0604030504040204" pitchFamily="34" charset="0"/>
+              </a:rPr>
+              <a:t> </a:t>
+            </a:r>
+            <a:r>
+              <a:rPr lang="en-US" sz="1200" dirty="0" err="1">
+                <a:latin typeface="Tahoma" panose="020B0604030504040204" pitchFamily="34" charset="0"/>
+                <a:ea typeface="Tahoma" panose="020B0604030504040204" pitchFamily="34" charset="0"/>
+                <a:cs typeface="Tahoma" panose="020B0604030504040204" pitchFamily="34" charset="0"/>
+              </a:rPr>
+              <a:t>elementum</a:t>
+            </a:r>
+            <a:r>
+              <a:rPr lang="en-US" sz="1200" dirty="0">
+                <a:latin typeface="Tahoma" panose="020B0604030504040204" pitchFamily="34" charset="0"/>
+                <a:ea typeface="Tahoma" panose="020B0604030504040204" pitchFamily="34" charset="0"/>
+                <a:cs typeface="Tahoma" panose="020B0604030504040204" pitchFamily="34" charset="0"/>
+              </a:rPr>
+              <a:t>. Lorem ipsum dolor sit </a:t>
+            </a:r>
+            <a:r>
+              <a:rPr lang="en-US" sz="1200" dirty="0" err="1">
+                <a:latin typeface="Tahoma" panose="020B0604030504040204" pitchFamily="34" charset="0"/>
+                <a:ea typeface="Tahoma" panose="020B0604030504040204" pitchFamily="34" charset="0"/>
+                <a:cs typeface="Tahoma" panose="020B0604030504040204" pitchFamily="34" charset="0"/>
+              </a:rPr>
+              <a:t>amet</a:t>
+            </a:r>
+            <a:r>
+              <a:rPr lang="en-US" sz="1200" dirty="0">
+                <a:latin typeface="Tahoma" panose="020B0604030504040204" pitchFamily="34" charset="0"/>
+                <a:ea typeface="Tahoma" panose="020B0604030504040204" pitchFamily="34" charset="0"/>
+                <a:cs typeface="Tahoma" panose="020B0604030504040204" pitchFamily="34" charset="0"/>
+              </a:rPr>
+              <a:t>, </a:t>
+            </a:r>
+            <a:r>
+              <a:rPr lang="en-US" sz="1200" dirty="0" err="1">
+                <a:latin typeface="Tahoma" panose="020B0604030504040204" pitchFamily="34" charset="0"/>
+                <a:ea typeface="Tahoma" panose="020B0604030504040204" pitchFamily="34" charset="0"/>
+                <a:cs typeface="Tahoma" panose="020B0604030504040204" pitchFamily="34" charset="0"/>
+              </a:rPr>
+              <a:t>consectetuer</a:t>
+            </a:r>
+            <a:r>
+              <a:rPr lang="en-US" sz="1200" dirty="0">
+                <a:latin typeface="Tahoma" panose="020B0604030504040204" pitchFamily="34" charset="0"/>
+                <a:ea typeface="Tahoma" panose="020B0604030504040204" pitchFamily="34" charset="0"/>
+                <a:cs typeface="Tahoma" panose="020B0604030504040204" pitchFamily="34" charset="0"/>
+              </a:rPr>
+              <a:t> </a:t>
+            </a:r>
+            <a:r>
+              <a:rPr lang="en-US" sz="1200" dirty="0" err="1">
+                <a:latin typeface="Tahoma" panose="020B0604030504040204" pitchFamily="34" charset="0"/>
+                <a:ea typeface="Tahoma" panose="020B0604030504040204" pitchFamily="34" charset="0"/>
+                <a:cs typeface="Tahoma" panose="020B0604030504040204" pitchFamily="34" charset="0"/>
+              </a:rPr>
+              <a:t>adipiscing</a:t>
+            </a:r>
+            <a:r>
+              <a:rPr lang="en-US" sz="1200" dirty="0">
+                <a:latin typeface="Tahoma" panose="020B0604030504040204" pitchFamily="34" charset="0"/>
+                <a:ea typeface="Tahoma" panose="020B0604030504040204" pitchFamily="34" charset="0"/>
+                <a:cs typeface="Tahoma" panose="020B0604030504040204" pitchFamily="34" charset="0"/>
+              </a:rPr>
+              <a:t> </a:t>
+            </a:r>
+            <a:r>
+              <a:rPr lang="en-US" sz="1200" dirty="0" err="1">
+                <a:latin typeface="Tahoma" panose="020B0604030504040204" pitchFamily="34" charset="0"/>
+                <a:ea typeface="Tahoma" panose="020B0604030504040204" pitchFamily="34" charset="0"/>
+                <a:cs typeface="Tahoma" panose="020B0604030504040204" pitchFamily="34" charset="0"/>
+              </a:rPr>
+              <a:t>elit</a:t>
+            </a:r>
+            <a:r>
+              <a:rPr lang="en-US" sz="1200" dirty="0">
+                <a:latin typeface="Tahoma" panose="020B0604030504040204" pitchFamily="34" charset="0"/>
+                <a:ea typeface="Tahoma" panose="020B0604030504040204" pitchFamily="34" charset="0"/>
+                <a:cs typeface="Tahoma" panose="020B0604030504040204" pitchFamily="34" charset="0"/>
+              </a:rPr>
+              <a:t>. Nam </a:t>
+            </a:r>
+            <a:r>
+              <a:rPr lang="en-US" sz="1200" dirty="0" err="1">
+                <a:latin typeface="Tahoma" panose="020B0604030504040204" pitchFamily="34" charset="0"/>
+                <a:ea typeface="Tahoma" panose="020B0604030504040204" pitchFamily="34" charset="0"/>
+                <a:cs typeface="Tahoma" panose="020B0604030504040204" pitchFamily="34" charset="0"/>
+              </a:rPr>
+              <a:t>porttitor</a:t>
+            </a:r>
+            <a:r>
+              <a:rPr lang="en-US" sz="1200" dirty="0">
+                <a:latin typeface="Tahoma" panose="020B0604030504040204" pitchFamily="34" charset="0"/>
+                <a:ea typeface="Tahoma" panose="020B0604030504040204" pitchFamily="34" charset="0"/>
+                <a:cs typeface="Tahoma" panose="020B0604030504040204" pitchFamily="34" charset="0"/>
+              </a:rPr>
+              <a:t>, </a:t>
+            </a:r>
+            <a:r>
+              <a:rPr lang="en-US" sz="1200" dirty="0" err="1">
+                <a:latin typeface="Tahoma" panose="020B0604030504040204" pitchFamily="34" charset="0"/>
+                <a:ea typeface="Tahoma" panose="020B0604030504040204" pitchFamily="34" charset="0"/>
+                <a:cs typeface="Tahoma" panose="020B0604030504040204" pitchFamily="34" charset="0"/>
+              </a:rPr>
+              <a:t>purus</a:t>
+            </a:r>
+            <a:r>
+              <a:rPr lang="en-US" sz="1200" dirty="0">
+                <a:latin typeface="Tahoma" panose="020B0604030504040204" pitchFamily="34" charset="0"/>
+                <a:ea typeface="Tahoma" panose="020B0604030504040204" pitchFamily="34" charset="0"/>
+                <a:cs typeface="Tahoma" panose="020B0604030504040204" pitchFamily="34" charset="0"/>
+              </a:rPr>
+              <a:t> </a:t>
+            </a:r>
+            <a:r>
+              <a:rPr lang="en-US" sz="1200" dirty="0" err="1">
+                <a:latin typeface="Tahoma" panose="020B0604030504040204" pitchFamily="34" charset="0"/>
+                <a:ea typeface="Tahoma" panose="020B0604030504040204" pitchFamily="34" charset="0"/>
+                <a:cs typeface="Tahoma" panose="020B0604030504040204" pitchFamily="34" charset="0"/>
+              </a:rPr>
+              <a:t>aliquet</a:t>
+            </a:r>
+            <a:r>
+              <a:rPr lang="en-US" sz="1200" dirty="0">
+                <a:latin typeface="Tahoma" panose="020B0604030504040204" pitchFamily="34" charset="0"/>
+                <a:ea typeface="Tahoma" panose="020B0604030504040204" pitchFamily="34" charset="0"/>
+                <a:cs typeface="Tahoma" panose="020B0604030504040204" pitchFamily="34" charset="0"/>
+              </a:rPr>
+              <a:t> vestibulum </a:t>
+            </a:r>
+            <a:r>
+              <a:rPr lang="en-US" sz="1200" dirty="0" err="1">
+                <a:latin typeface="Tahoma" panose="020B0604030504040204" pitchFamily="34" charset="0"/>
+                <a:ea typeface="Tahoma" panose="020B0604030504040204" pitchFamily="34" charset="0"/>
+                <a:cs typeface="Tahoma" panose="020B0604030504040204" pitchFamily="34" charset="0"/>
+              </a:rPr>
+              <a:t>volutpat</a:t>
+            </a:r>
+            <a:r>
+              <a:rPr lang="en-US" sz="1200" dirty="0">
+                <a:latin typeface="Tahoma" panose="020B0604030504040204" pitchFamily="34" charset="0"/>
+                <a:ea typeface="Tahoma" panose="020B0604030504040204" pitchFamily="34" charset="0"/>
+                <a:cs typeface="Tahoma" panose="020B0604030504040204" pitchFamily="34" charset="0"/>
+              </a:rPr>
+              <a:t>, dolor </a:t>
+            </a:r>
+            <a:r>
+              <a:rPr lang="en-US" sz="1200" dirty="0" err="1">
+                <a:latin typeface="Tahoma" panose="020B0604030504040204" pitchFamily="34" charset="0"/>
+                <a:ea typeface="Tahoma" panose="020B0604030504040204" pitchFamily="34" charset="0"/>
+                <a:cs typeface="Tahoma" panose="020B0604030504040204" pitchFamily="34" charset="0"/>
+              </a:rPr>
+              <a:t>nibh</a:t>
+            </a:r>
+            <a:r>
+              <a:rPr lang="en-US" sz="1200" dirty="0">
+                <a:latin typeface="Tahoma" panose="020B0604030504040204" pitchFamily="34" charset="0"/>
+                <a:ea typeface="Tahoma" panose="020B0604030504040204" pitchFamily="34" charset="0"/>
+                <a:cs typeface="Tahoma" panose="020B0604030504040204" pitchFamily="34" charset="0"/>
+              </a:rPr>
+              <a:t> </a:t>
+            </a:r>
+            <a:r>
+              <a:rPr lang="en-US" sz="1200" dirty="0" err="1">
+                <a:latin typeface="Tahoma" panose="020B0604030504040204" pitchFamily="34" charset="0"/>
+                <a:ea typeface="Tahoma" panose="020B0604030504040204" pitchFamily="34" charset="0"/>
+                <a:cs typeface="Tahoma" panose="020B0604030504040204" pitchFamily="34" charset="0"/>
+              </a:rPr>
+              <a:t>ornare</a:t>
+            </a:r>
+            <a:r>
+              <a:rPr lang="en-US" sz="1200" dirty="0">
+                <a:latin typeface="Tahoma" panose="020B0604030504040204" pitchFamily="34" charset="0"/>
+                <a:ea typeface="Tahoma" panose="020B0604030504040204" pitchFamily="34" charset="0"/>
+                <a:cs typeface="Tahoma" panose="020B0604030504040204" pitchFamily="34" charset="0"/>
+              </a:rPr>
+              <a:t> </a:t>
+            </a:r>
+            <a:r>
+              <a:rPr lang="en-US" sz="1200" dirty="0" err="1">
+                <a:latin typeface="Tahoma" panose="020B0604030504040204" pitchFamily="34" charset="0"/>
+                <a:ea typeface="Tahoma" panose="020B0604030504040204" pitchFamily="34" charset="0"/>
+                <a:cs typeface="Tahoma" panose="020B0604030504040204" pitchFamily="34" charset="0"/>
+              </a:rPr>
+              <a:t>mauris</a:t>
+            </a:r>
+            <a:r>
+              <a:rPr lang="en-US" sz="1200" dirty="0">
+                <a:latin typeface="Tahoma" panose="020B0604030504040204" pitchFamily="34" charset="0"/>
+                <a:ea typeface="Tahoma" panose="020B0604030504040204" pitchFamily="34" charset="0"/>
+                <a:cs typeface="Tahoma" panose="020B0604030504040204" pitchFamily="34" charset="0"/>
+              </a:rPr>
+              <a:t>, non </a:t>
+            </a:r>
+            <a:r>
+              <a:rPr lang="en-US" sz="1200" dirty="0" err="1">
+                <a:latin typeface="Tahoma" panose="020B0604030504040204" pitchFamily="34" charset="0"/>
+                <a:ea typeface="Tahoma" panose="020B0604030504040204" pitchFamily="34" charset="0"/>
+                <a:cs typeface="Tahoma" panose="020B0604030504040204" pitchFamily="34" charset="0"/>
+              </a:rPr>
+              <a:t>molestie</a:t>
+            </a:r>
+            <a:r>
+              <a:rPr lang="en-US" sz="1200" dirty="0">
+                <a:latin typeface="Tahoma" panose="020B0604030504040204" pitchFamily="34" charset="0"/>
+                <a:ea typeface="Tahoma" panose="020B0604030504040204" pitchFamily="34" charset="0"/>
+                <a:cs typeface="Tahoma" panose="020B0604030504040204" pitchFamily="34" charset="0"/>
+              </a:rPr>
+              <a:t> </a:t>
+            </a:r>
+            <a:r>
+              <a:rPr lang="en-US" sz="1200" dirty="0" err="1">
+                <a:latin typeface="Tahoma" panose="020B0604030504040204" pitchFamily="34" charset="0"/>
+                <a:ea typeface="Tahoma" panose="020B0604030504040204" pitchFamily="34" charset="0"/>
+                <a:cs typeface="Tahoma" panose="020B0604030504040204" pitchFamily="34" charset="0"/>
+              </a:rPr>
+              <a:t>enim</a:t>
+            </a:r>
+            <a:r>
+              <a:rPr lang="en-US" sz="1200" dirty="0">
+                <a:latin typeface="Tahoma" panose="020B0604030504040204" pitchFamily="34" charset="0"/>
+                <a:ea typeface="Tahoma" panose="020B0604030504040204" pitchFamily="34" charset="0"/>
+                <a:cs typeface="Tahoma" panose="020B0604030504040204" pitchFamily="34" charset="0"/>
+              </a:rPr>
+              <a:t> </a:t>
+            </a:r>
+            <a:r>
+              <a:rPr lang="en-US" sz="1200" dirty="0" err="1">
+                <a:latin typeface="Tahoma" panose="020B0604030504040204" pitchFamily="34" charset="0"/>
+                <a:ea typeface="Tahoma" panose="020B0604030504040204" pitchFamily="34" charset="0"/>
+                <a:cs typeface="Tahoma" panose="020B0604030504040204" pitchFamily="34" charset="0"/>
+              </a:rPr>
+              <a:t>leo</a:t>
+            </a:r>
+            <a:r>
+              <a:rPr lang="en-US" sz="1200" dirty="0">
+                <a:latin typeface="Tahoma" panose="020B0604030504040204" pitchFamily="34" charset="0"/>
+                <a:ea typeface="Tahoma" panose="020B0604030504040204" pitchFamily="34" charset="0"/>
+                <a:cs typeface="Tahoma" panose="020B0604030504040204" pitchFamily="34" charset="0"/>
+              </a:rPr>
+              <a:t> id </a:t>
+            </a:r>
+            <a:r>
+              <a:rPr lang="en-US" sz="1200" dirty="0" err="1">
+                <a:latin typeface="Tahoma" panose="020B0604030504040204" pitchFamily="34" charset="0"/>
+                <a:ea typeface="Tahoma" panose="020B0604030504040204" pitchFamily="34" charset="0"/>
+                <a:cs typeface="Tahoma" panose="020B0604030504040204" pitchFamily="34" charset="0"/>
+              </a:rPr>
+              <a:t>erat</a:t>
+            </a:r>
+            <a:r>
+              <a:rPr lang="en-US" sz="1200" dirty="0">
+                <a:latin typeface="Tahoma" panose="020B0604030504040204" pitchFamily="34" charset="0"/>
+                <a:ea typeface="Tahoma" panose="020B0604030504040204" pitchFamily="34" charset="0"/>
+                <a:cs typeface="Tahoma" panose="020B0604030504040204" pitchFamily="34" charset="0"/>
+              </a:rPr>
+              <a:t>. Lorem ipsum dolor sit </a:t>
+            </a:r>
+            <a:r>
+              <a:rPr lang="en-US" sz="1200" dirty="0" err="1">
+                <a:latin typeface="Tahoma" panose="020B0604030504040204" pitchFamily="34" charset="0"/>
+                <a:ea typeface="Tahoma" panose="020B0604030504040204" pitchFamily="34" charset="0"/>
+                <a:cs typeface="Tahoma" panose="020B0604030504040204" pitchFamily="34" charset="0"/>
+              </a:rPr>
+              <a:t>amet</a:t>
+            </a:r>
+            <a:r>
+              <a:rPr lang="en-US" sz="1200" dirty="0">
+                <a:latin typeface="Tahoma" panose="020B0604030504040204" pitchFamily="34" charset="0"/>
+                <a:ea typeface="Tahoma" panose="020B0604030504040204" pitchFamily="34" charset="0"/>
+                <a:cs typeface="Tahoma" panose="020B0604030504040204" pitchFamily="34" charset="0"/>
+              </a:rPr>
+              <a:t>, </a:t>
+            </a:r>
+            <a:r>
+              <a:rPr lang="en-US" sz="1200" dirty="0" err="1">
+                <a:latin typeface="Tahoma" panose="020B0604030504040204" pitchFamily="34" charset="0"/>
+                <a:ea typeface="Tahoma" panose="020B0604030504040204" pitchFamily="34" charset="0"/>
+                <a:cs typeface="Tahoma" panose="020B0604030504040204" pitchFamily="34" charset="0"/>
+              </a:rPr>
+              <a:t>consectetuer</a:t>
+            </a:r>
+            <a:r>
+              <a:rPr lang="en-US" sz="1200" dirty="0">
+                <a:latin typeface="Tahoma" panose="020B0604030504040204" pitchFamily="34" charset="0"/>
+                <a:ea typeface="Tahoma" panose="020B0604030504040204" pitchFamily="34" charset="0"/>
+                <a:cs typeface="Tahoma" panose="020B0604030504040204" pitchFamily="34" charset="0"/>
+              </a:rPr>
+              <a:t> </a:t>
+            </a:r>
+            <a:r>
+              <a:rPr lang="en-US" sz="1200" dirty="0" err="1">
+                <a:latin typeface="Tahoma" panose="020B0604030504040204" pitchFamily="34" charset="0"/>
+                <a:ea typeface="Tahoma" panose="020B0604030504040204" pitchFamily="34" charset="0"/>
+                <a:cs typeface="Tahoma" panose="020B0604030504040204" pitchFamily="34" charset="0"/>
+              </a:rPr>
+              <a:t>adipiscing</a:t>
+            </a:r>
+            <a:r>
+              <a:rPr lang="en-US" sz="1200" dirty="0">
+                <a:latin typeface="Tahoma" panose="020B0604030504040204" pitchFamily="34" charset="0"/>
+                <a:ea typeface="Tahoma" panose="020B0604030504040204" pitchFamily="34" charset="0"/>
+                <a:cs typeface="Tahoma" panose="020B0604030504040204" pitchFamily="34" charset="0"/>
+              </a:rPr>
+              <a:t> </a:t>
+            </a:r>
+            <a:r>
+              <a:rPr lang="en-US" sz="1200" dirty="0" err="1">
+                <a:latin typeface="Tahoma" panose="020B0604030504040204" pitchFamily="34" charset="0"/>
+                <a:ea typeface="Tahoma" panose="020B0604030504040204" pitchFamily="34" charset="0"/>
+                <a:cs typeface="Tahoma" panose="020B0604030504040204" pitchFamily="34" charset="0"/>
+              </a:rPr>
+              <a:t>elit</a:t>
+            </a:r>
+            <a:r>
+              <a:rPr lang="en-US" sz="1200" dirty="0">
+                <a:latin typeface="Tahoma" panose="020B0604030504040204" pitchFamily="34" charset="0"/>
+                <a:ea typeface="Tahoma" panose="020B0604030504040204" pitchFamily="34" charset="0"/>
+                <a:cs typeface="Tahoma" panose="020B0604030504040204" pitchFamily="34" charset="0"/>
+              </a:rPr>
+              <a:t>.</a:t>
+            </a:r>
+          </a:p>
+          <a:p>
+            <a:endParaRPr lang="en-US" sz="1200" dirty="0">
+              <a:latin typeface="Tahoma" panose="020B0604030504040204" pitchFamily="34" charset="0"/>
+              <a:ea typeface="Tahoma" panose="020B0604030504040204" pitchFamily="34" charset="0"/>
+              <a:cs typeface="Tahoma" panose="020B0604030504040204" pitchFamily="34" charset="0"/>
             </a:endParaRPr>
           </a:p>
-        </p:txBody>
-      </p:sp>
-      <p:sp>
-        <p:nvSpPr>
-          <p:cNvPr id="12" name="TextBox 11">
-            <a:extLst>
-              <a:ext uri="{FF2B5EF4-FFF2-40B4-BE49-F238E27FC236}">
-                <a16:creationId xmlns:a16="http://schemas.microsoft.com/office/drawing/2014/main" id="{87D582C6-CEC0-AFAA-58EF-768E3AC494E0}"/>
-              </a:ext>
-            </a:extLst>
-          </p:cNvPr>
-          <p:cNvSpPr txBox="1"/>
-          <p:nvPr/>
-        </p:nvSpPr>
-        <p:spPr>
-          <a:xfrm>
-            <a:off x="700332" y="5580302"/>
-            <a:ext cx="5507428" cy="307777"/>
-          </a:xfrm>
-          <a:prstGeom prst="rect">
-            <a:avLst/>
-          </a:prstGeom>
-          <a:noFill/>
-        </p:spPr>
-        <p:txBody>
-          <a:bodyPr wrap="square">
-            <a:spAutoFit/>
-          </a:bodyPr>
-          <a:lstStyle/>
-          <a:p>
-            <a:r>
-              <a:rPr lang="en-US" sz="1400" i="1" dirty="0">
-                <a:latin typeface="Abadi Extra Light" panose="020B0604020202020204" pitchFamily="34" charset="0"/>
-              </a:rPr>
-              <a:t>Data sources: CDC PLACES.</a:t>
-            </a:r>
-            <a:endParaRPr lang="en-US" sz="1400" i="1" cap="none" dirty="0">
-              <a:latin typeface="Abadi Extra Light" panose="020B0604020202020204" pitchFamily="34" charset="0"/>
+          <a:p>
+            <a:r>
+              <a:rPr lang="en-US" sz="1200" dirty="0">
+                <a:latin typeface="Tahoma" panose="020B0604030504040204" pitchFamily="34" charset="0"/>
+                <a:ea typeface="Tahoma" panose="020B0604030504040204" pitchFamily="34" charset="0"/>
+                <a:cs typeface="Tahoma" panose="020B0604030504040204" pitchFamily="34" charset="0"/>
+              </a:rPr>
+              <a:t>Nunc </a:t>
+            </a:r>
+            <a:r>
+              <a:rPr lang="en-US" sz="1200" dirty="0" err="1">
+                <a:latin typeface="Tahoma" panose="020B0604030504040204" pitchFamily="34" charset="0"/>
+                <a:ea typeface="Tahoma" panose="020B0604030504040204" pitchFamily="34" charset="0"/>
+                <a:cs typeface="Tahoma" panose="020B0604030504040204" pitchFamily="34" charset="0"/>
+              </a:rPr>
+              <a:t>eget</a:t>
+            </a:r>
+            <a:r>
+              <a:rPr lang="en-US" sz="1200" dirty="0">
+                <a:latin typeface="Tahoma" panose="020B0604030504040204" pitchFamily="34" charset="0"/>
+                <a:ea typeface="Tahoma" panose="020B0604030504040204" pitchFamily="34" charset="0"/>
+                <a:cs typeface="Tahoma" panose="020B0604030504040204" pitchFamily="34" charset="0"/>
+              </a:rPr>
+              <a:t> </a:t>
+            </a:r>
+            <a:r>
+              <a:rPr lang="en-US" sz="1200" dirty="0" err="1">
+                <a:latin typeface="Tahoma" panose="020B0604030504040204" pitchFamily="34" charset="0"/>
+                <a:ea typeface="Tahoma" panose="020B0604030504040204" pitchFamily="34" charset="0"/>
+                <a:cs typeface="Tahoma" panose="020B0604030504040204" pitchFamily="34" charset="0"/>
+              </a:rPr>
+              <a:t>urna</a:t>
+            </a:r>
+            <a:r>
+              <a:rPr lang="en-US" sz="1200" dirty="0">
+                <a:latin typeface="Tahoma" panose="020B0604030504040204" pitchFamily="34" charset="0"/>
+                <a:ea typeface="Tahoma" panose="020B0604030504040204" pitchFamily="34" charset="0"/>
+                <a:cs typeface="Tahoma" panose="020B0604030504040204" pitchFamily="34" charset="0"/>
+              </a:rPr>
+              <a:t> id </a:t>
+            </a:r>
+            <a:r>
+              <a:rPr lang="en-US" sz="1200" dirty="0" err="1">
+                <a:latin typeface="Tahoma" panose="020B0604030504040204" pitchFamily="34" charset="0"/>
+                <a:ea typeface="Tahoma" panose="020B0604030504040204" pitchFamily="34" charset="0"/>
+                <a:cs typeface="Tahoma" panose="020B0604030504040204" pitchFamily="34" charset="0"/>
+              </a:rPr>
+              <a:t>pede</a:t>
+            </a:r>
+            <a:r>
+              <a:rPr lang="en-US" sz="1200" dirty="0">
+                <a:latin typeface="Tahoma" panose="020B0604030504040204" pitchFamily="34" charset="0"/>
+                <a:ea typeface="Tahoma" panose="020B0604030504040204" pitchFamily="34" charset="0"/>
+                <a:cs typeface="Tahoma" panose="020B0604030504040204" pitchFamily="34" charset="0"/>
+              </a:rPr>
+              <a:t> </a:t>
+            </a:r>
+            <a:r>
+              <a:rPr lang="en-US" sz="1200" dirty="0" err="1">
+                <a:latin typeface="Tahoma" panose="020B0604030504040204" pitchFamily="34" charset="0"/>
+                <a:ea typeface="Tahoma" panose="020B0604030504040204" pitchFamily="34" charset="0"/>
+                <a:cs typeface="Tahoma" panose="020B0604030504040204" pitchFamily="34" charset="0"/>
+              </a:rPr>
+              <a:t>laoreet</a:t>
+            </a:r>
+            <a:r>
+              <a:rPr lang="en-US" sz="1200" dirty="0">
+                <a:latin typeface="Tahoma" panose="020B0604030504040204" pitchFamily="34" charset="0"/>
+                <a:ea typeface="Tahoma" panose="020B0604030504040204" pitchFamily="34" charset="0"/>
+                <a:cs typeface="Tahoma" panose="020B0604030504040204" pitchFamily="34" charset="0"/>
+              </a:rPr>
+              <a:t> </a:t>
+            </a:r>
+            <a:r>
+              <a:rPr lang="en-US" sz="1200" dirty="0" err="1">
+                <a:latin typeface="Tahoma" panose="020B0604030504040204" pitchFamily="34" charset="0"/>
+                <a:ea typeface="Tahoma" panose="020B0604030504040204" pitchFamily="34" charset="0"/>
+                <a:cs typeface="Tahoma" panose="020B0604030504040204" pitchFamily="34" charset="0"/>
+              </a:rPr>
+              <a:t>luctus</a:t>
+            </a:r>
+            <a:r>
+              <a:rPr lang="en-US" sz="1200" dirty="0">
+                <a:latin typeface="Tahoma" panose="020B0604030504040204" pitchFamily="34" charset="0"/>
+                <a:ea typeface="Tahoma" panose="020B0604030504040204" pitchFamily="34" charset="0"/>
+                <a:cs typeface="Tahoma" panose="020B0604030504040204" pitchFamily="34" charset="0"/>
+              </a:rPr>
+              <a:t>. Sed at </a:t>
+            </a:r>
+            <a:r>
+              <a:rPr lang="en-US" sz="1200" dirty="0" err="1">
+                <a:latin typeface="Tahoma" panose="020B0604030504040204" pitchFamily="34" charset="0"/>
+                <a:ea typeface="Tahoma" panose="020B0604030504040204" pitchFamily="34" charset="0"/>
+                <a:cs typeface="Tahoma" panose="020B0604030504040204" pitchFamily="34" charset="0"/>
+              </a:rPr>
+              <a:t>enim</a:t>
+            </a:r>
+            <a:r>
+              <a:rPr lang="en-US" sz="1200" dirty="0">
+                <a:latin typeface="Tahoma" panose="020B0604030504040204" pitchFamily="34" charset="0"/>
+                <a:ea typeface="Tahoma" panose="020B0604030504040204" pitchFamily="34" charset="0"/>
+                <a:cs typeface="Tahoma" panose="020B0604030504040204" pitchFamily="34" charset="0"/>
+              </a:rPr>
+              <a:t>. In sit </a:t>
+            </a:r>
+            <a:r>
+              <a:rPr lang="en-US" sz="1200" dirty="0" err="1">
+                <a:latin typeface="Tahoma" panose="020B0604030504040204" pitchFamily="34" charset="0"/>
+                <a:ea typeface="Tahoma" panose="020B0604030504040204" pitchFamily="34" charset="0"/>
+                <a:cs typeface="Tahoma" panose="020B0604030504040204" pitchFamily="34" charset="0"/>
+              </a:rPr>
+              <a:t>amet</a:t>
+            </a:r>
+            <a:r>
+              <a:rPr lang="en-US" sz="1200" dirty="0">
+                <a:latin typeface="Tahoma" panose="020B0604030504040204" pitchFamily="34" charset="0"/>
+                <a:ea typeface="Tahoma" panose="020B0604030504040204" pitchFamily="34" charset="0"/>
+                <a:cs typeface="Tahoma" panose="020B0604030504040204" pitchFamily="34" charset="0"/>
+              </a:rPr>
+              <a:t> </a:t>
+            </a:r>
+            <a:r>
+              <a:rPr lang="en-US" sz="1200" dirty="0" err="1">
+                <a:latin typeface="Tahoma" panose="020B0604030504040204" pitchFamily="34" charset="0"/>
+                <a:ea typeface="Tahoma" panose="020B0604030504040204" pitchFamily="34" charset="0"/>
+                <a:cs typeface="Tahoma" panose="020B0604030504040204" pitchFamily="34" charset="0"/>
+              </a:rPr>
+              <a:t>nibh</a:t>
+            </a:r>
+            <a:r>
+              <a:rPr lang="en-US" sz="1200" dirty="0">
+                <a:latin typeface="Tahoma" panose="020B0604030504040204" pitchFamily="34" charset="0"/>
+                <a:ea typeface="Tahoma" panose="020B0604030504040204" pitchFamily="34" charset="0"/>
+                <a:cs typeface="Tahoma" panose="020B0604030504040204" pitchFamily="34" charset="0"/>
+              </a:rPr>
+              <a:t> sit </a:t>
+            </a:r>
+            <a:r>
+              <a:rPr lang="en-US" sz="1200" dirty="0" err="1">
+                <a:latin typeface="Tahoma" panose="020B0604030504040204" pitchFamily="34" charset="0"/>
+                <a:ea typeface="Tahoma" panose="020B0604030504040204" pitchFamily="34" charset="0"/>
+                <a:cs typeface="Tahoma" panose="020B0604030504040204" pitchFamily="34" charset="0"/>
+              </a:rPr>
+              <a:t>amet</a:t>
+            </a:r>
+            <a:r>
+              <a:rPr lang="en-US" sz="1200" dirty="0">
+                <a:latin typeface="Tahoma" panose="020B0604030504040204" pitchFamily="34" charset="0"/>
+                <a:ea typeface="Tahoma" panose="020B0604030504040204" pitchFamily="34" charset="0"/>
+                <a:cs typeface="Tahoma" panose="020B0604030504040204" pitchFamily="34" charset="0"/>
+              </a:rPr>
+              <a:t> </a:t>
+            </a:r>
+            <a:r>
+              <a:rPr lang="en-US" sz="1200" dirty="0" err="1">
+                <a:latin typeface="Tahoma" panose="020B0604030504040204" pitchFamily="34" charset="0"/>
+                <a:ea typeface="Tahoma" panose="020B0604030504040204" pitchFamily="34" charset="0"/>
+                <a:cs typeface="Tahoma" panose="020B0604030504040204" pitchFamily="34" charset="0"/>
+              </a:rPr>
+              <a:t>enim</a:t>
+            </a:r>
+            <a:r>
+              <a:rPr lang="en-US" sz="1200" dirty="0">
+                <a:latin typeface="Tahoma" panose="020B0604030504040204" pitchFamily="34" charset="0"/>
+                <a:ea typeface="Tahoma" panose="020B0604030504040204" pitchFamily="34" charset="0"/>
+                <a:cs typeface="Tahoma" panose="020B0604030504040204" pitchFamily="34" charset="0"/>
+              </a:rPr>
+              <a:t> </a:t>
+            </a:r>
+            <a:r>
+              <a:rPr lang="en-US" sz="1200" dirty="0" err="1">
+                <a:latin typeface="Tahoma" panose="020B0604030504040204" pitchFamily="34" charset="0"/>
+                <a:ea typeface="Tahoma" panose="020B0604030504040204" pitchFamily="34" charset="0"/>
+                <a:cs typeface="Tahoma" panose="020B0604030504040204" pitchFamily="34" charset="0"/>
+              </a:rPr>
+              <a:t>molestie</a:t>
+            </a:r>
+            <a:r>
+              <a:rPr lang="en-US" sz="1200" dirty="0">
+                <a:latin typeface="Tahoma" panose="020B0604030504040204" pitchFamily="34" charset="0"/>
+                <a:ea typeface="Tahoma" panose="020B0604030504040204" pitchFamily="34" charset="0"/>
+                <a:cs typeface="Tahoma" panose="020B0604030504040204" pitchFamily="34" charset="0"/>
+              </a:rPr>
+              <a:t> </a:t>
+            </a:r>
+            <a:r>
+              <a:rPr lang="en-US" sz="1200" dirty="0" err="1">
+                <a:latin typeface="Tahoma" panose="020B0604030504040204" pitchFamily="34" charset="0"/>
+                <a:ea typeface="Tahoma" panose="020B0604030504040204" pitchFamily="34" charset="0"/>
+                <a:cs typeface="Tahoma" panose="020B0604030504040204" pitchFamily="34" charset="0"/>
+              </a:rPr>
+              <a:t>interdum</a:t>
+            </a:r>
+            <a:r>
+              <a:rPr lang="en-US" sz="1200" dirty="0">
+                <a:latin typeface="Tahoma" panose="020B0604030504040204" pitchFamily="34" charset="0"/>
+                <a:ea typeface="Tahoma" panose="020B0604030504040204" pitchFamily="34" charset="0"/>
+                <a:cs typeface="Tahoma" panose="020B0604030504040204" pitchFamily="34" charset="0"/>
+              </a:rPr>
+              <a:t>. </a:t>
+            </a:r>
+            <a:r>
+              <a:rPr lang="en-US" sz="1200" dirty="0" err="1">
+                <a:latin typeface="Tahoma" panose="020B0604030504040204" pitchFamily="34" charset="0"/>
+                <a:ea typeface="Tahoma" panose="020B0604030504040204" pitchFamily="34" charset="0"/>
+                <a:cs typeface="Tahoma" panose="020B0604030504040204" pitchFamily="34" charset="0"/>
+              </a:rPr>
+              <a:t>Quisque</a:t>
+            </a:r>
+            <a:r>
+              <a:rPr lang="en-US" sz="1200" dirty="0">
+                <a:latin typeface="Tahoma" panose="020B0604030504040204" pitchFamily="34" charset="0"/>
+                <a:ea typeface="Tahoma" panose="020B0604030504040204" pitchFamily="34" charset="0"/>
+                <a:cs typeface="Tahoma" panose="020B0604030504040204" pitchFamily="34" charset="0"/>
+              </a:rPr>
+              <a:t> dictum, mi a </a:t>
+            </a:r>
+            <a:r>
+              <a:rPr lang="en-US" sz="1200" dirty="0" err="1">
+                <a:latin typeface="Tahoma" panose="020B0604030504040204" pitchFamily="34" charset="0"/>
+                <a:ea typeface="Tahoma" panose="020B0604030504040204" pitchFamily="34" charset="0"/>
+                <a:cs typeface="Tahoma" panose="020B0604030504040204" pitchFamily="34" charset="0"/>
+              </a:rPr>
+              <a:t>tincidunt</a:t>
+            </a:r>
+            <a:r>
+              <a:rPr lang="en-US" sz="1200" dirty="0">
+                <a:latin typeface="Tahoma" panose="020B0604030504040204" pitchFamily="34" charset="0"/>
+                <a:ea typeface="Tahoma" panose="020B0604030504040204" pitchFamily="34" charset="0"/>
+                <a:cs typeface="Tahoma" panose="020B0604030504040204" pitchFamily="34" charset="0"/>
+              </a:rPr>
+              <a:t> vestibulum, dui </a:t>
+            </a:r>
+            <a:r>
+              <a:rPr lang="en-US" sz="1200" dirty="0" err="1">
+                <a:latin typeface="Tahoma" panose="020B0604030504040204" pitchFamily="34" charset="0"/>
+                <a:ea typeface="Tahoma" panose="020B0604030504040204" pitchFamily="34" charset="0"/>
+                <a:cs typeface="Tahoma" panose="020B0604030504040204" pitchFamily="34" charset="0"/>
+              </a:rPr>
+              <a:t>turpis</a:t>
+            </a:r>
+            <a:r>
+              <a:rPr lang="en-US" sz="1200" dirty="0">
+                <a:latin typeface="Tahoma" panose="020B0604030504040204" pitchFamily="34" charset="0"/>
+                <a:ea typeface="Tahoma" panose="020B0604030504040204" pitchFamily="34" charset="0"/>
+                <a:cs typeface="Tahoma" panose="020B0604030504040204" pitchFamily="34" charset="0"/>
+              </a:rPr>
+              <a:t> </a:t>
+            </a:r>
+            <a:r>
+              <a:rPr lang="en-US" sz="1200" dirty="0" err="1">
+                <a:latin typeface="Tahoma" panose="020B0604030504040204" pitchFamily="34" charset="0"/>
+                <a:ea typeface="Tahoma" panose="020B0604030504040204" pitchFamily="34" charset="0"/>
+                <a:cs typeface="Tahoma" panose="020B0604030504040204" pitchFamily="34" charset="0"/>
+              </a:rPr>
+              <a:t>varius</a:t>
+            </a:r>
+            <a:r>
+              <a:rPr lang="en-US" sz="1200" dirty="0">
+                <a:latin typeface="Tahoma" panose="020B0604030504040204" pitchFamily="34" charset="0"/>
+                <a:ea typeface="Tahoma" panose="020B0604030504040204" pitchFamily="34" charset="0"/>
+                <a:cs typeface="Tahoma" panose="020B0604030504040204" pitchFamily="34" charset="0"/>
+              </a:rPr>
+              <a:t> </a:t>
+            </a:r>
+            <a:r>
+              <a:rPr lang="en-US" sz="1200" dirty="0" err="1">
+                <a:latin typeface="Tahoma" panose="020B0604030504040204" pitchFamily="34" charset="0"/>
+                <a:ea typeface="Tahoma" panose="020B0604030504040204" pitchFamily="34" charset="0"/>
+                <a:cs typeface="Tahoma" panose="020B0604030504040204" pitchFamily="34" charset="0"/>
+              </a:rPr>
+              <a:t>elit</a:t>
+            </a:r>
+            <a:r>
+              <a:rPr lang="en-US" sz="1200" dirty="0">
+                <a:latin typeface="Tahoma" panose="020B0604030504040204" pitchFamily="34" charset="0"/>
+                <a:ea typeface="Tahoma" panose="020B0604030504040204" pitchFamily="34" charset="0"/>
+                <a:cs typeface="Tahoma" panose="020B0604030504040204" pitchFamily="34" charset="0"/>
+              </a:rPr>
+              <a:t>, sit </a:t>
+            </a:r>
+            <a:r>
+              <a:rPr lang="en-US" sz="1200" dirty="0" err="1">
+                <a:latin typeface="Tahoma" panose="020B0604030504040204" pitchFamily="34" charset="0"/>
+                <a:ea typeface="Tahoma" panose="020B0604030504040204" pitchFamily="34" charset="0"/>
+                <a:cs typeface="Tahoma" panose="020B0604030504040204" pitchFamily="34" charset="0"/>
+              </a:rPr>
+              <a:t>amet</a:t>
+            </a:r>
+            <a:r>
+              <a:rPr lang="en-US" sz="1200" dirty="0">
+                <a:latin typeface="Tahoma" panose="020B0604030504040204" pitchFamily="34" charset="0"/>
+                <a:ea typeface="Tahoma" panose="020B0604030504040204" pitchFamily="34" charset="0"/>
+                <a:cs typeface="Tahoma" panose="020B0604030504040204" pitchFamily="34" charset="0"/>
+              </a:rPr>
+              <a:t> dictum </a:t>
+            </a:r>
+            <a:r>
+              <a:rPr lang="en-US" sz="1200" dirty="0" err="1">
+                <a:latin typeface="Tahoma" panose="020B0604030504040204" pitchFamily="34" charset="0"/>
+                <a:ea typeface="Tahoma" panose="020B0604030504040204" pitchFamily="34" charset="0"/>
+                <a:cs typeface="Tahoma" panose="020B0604030504040204" pitchFamily="34" charset="0"/>
+              </a:rPr>
+              <a:t>tellus</a:t>
+            </a:r>
+            <a:r>
+              <a:rPr lang="en-US" sz="1200" dirty="0">
+                <a:latin typeface="Tahoma" panose="020B0604030504040204" pitchFamily="34" charset="0"/>
+                <a:ea typeface="Tahoma" panose="020B0604030504040204" pitchFamily="34" charset="0"/>
+                <a:cs typeface="Tahoma" panose="020B0604030504040204" pitchFamily="34" charset="0"/>
+              </a:rPr>
+              <a:t> </a:t>
+            </a:r>
+            <a:r>
+              <a:rPr lang="en-US" sz="1200" dirty="0" err="1">
+                <a:latin typeface="Tahoma" panose="020B0604030504040204" pitchFamily="34" charset="0"/>
+                <a:ea typeface="Tahoma" panose="020B0604030504040204" pitchFamily="34" charset="0"/>
+                <a:cs typeface="Tahoma" panose="020B0604030504040204" pitchFamily="34" charset="0"/>
+              </a:rPr>
+              <a:t>enim</a:t>
+            </a:r>
+            <a:r>
+              <a:rPr lang="en-US" sz="1200" dirty="0">
+                <a:latin typeface="Tahoma" panose="020B0604030504040204" pitchFamily="34" charset="0"/>
+                <a:ea typeface="Tahoma" panose="020B0604030504040204" pitchFamily="34" charset="0"/>
+                <a:cs typeface="Tahoma" panose="020B0604030504040204" pitchFamily="34" charset="0"/>
+              </a:rPr>
+              <a:t> </a:t>
+            </a:r>
+            <a:r>
+              <a:rPr lang="en-US" sz="1200" dirty="0" err="1">
+                <a:latin typeface="Tahoma" panose="020B0604030504040204" pitchFamily="34" charset="0"/>
+                <a:ea typeface="Tahoma" panose="020B0604030504040204" pitchFamily="34" charset="0"/>
+                <a:cs typeface="Tahoma" panose="020B0604030504040204" pitchFamily="34" charset="0"/>
+              </a:rPr>
+              <a:t>eget</a:t>
+            </a:r>
+            <a:r>
+              <a:rPr lang="en-US" sz="1200" dirty="0">
+                <a:latin typeface="Tahoma" panose="020B0604030504040204" pitchFamily="34" charset="0"/>
+                <a:ea typeface="Tahoma" panose="020B0604030504040204" pitchFamily="34" charset="0"/>
+                <a:cs typeface="Tahoma" panose="020B0604030504040204" pitchFamily="34" charset="0"/>
+              </a:rPr>
+              <a:t> </a:t>
+            </a:r>
+            <a:r>
+              <a:rPr lang="en-US" sz="1200" dirty="0" err="1">
+                <a:latin typeface="Tahoma" panose="020B0604030504040204" pitchFamily="34" charset="0"/>
+                <a:ea typeface="Tahoma" panose="020B0604030504040204" pitchFamily="34" charset="0"/>
+                <a:cs typeface="Tahoma" panose="020B0604030504040204" pitchFamily="34" charset="0"/>
+              </a:rPr>
+              <a:t>massa</a:t>
+            </a:r>
+            <a:r>
+              <a:rPr lang="en-US" sz="1200" dirty="0">
+                <a:latin typeface="Tahoma" panose="020B0604030504040204" pitchFamily="34" charset="0"/>
+                <a:ea typeface="Tahoma" panose="020B0604030504040204" pitchFamily="34" charset="0"/>
+                <a:cs typeface="Tahoma" panose="020B0604030504040204" pitchFamily="34" charset="0"/>
+              </a:rPr>
+              <a:t>. </a:t>
+            </a:r>
+            <a:r>
+              <a:rPr lang="en-US" sz="1200" dirty="0" err="1">
+                <a:latin typeface="Tahoma" panose="020B0604030504040204" pitchFamily="34" charset="0"/>
+                <a:ea typeface="Tahoma" panose="020B0604030504040204" pitchFamily="34" charset="0"/>
+                <a:cs typeface="Tahoma" panose="020B0604030504040204" pitchFamily="34" charset="0"/>
+              </a:rPr>
+              <a:t>Praesent</a:t>
+            </a:r>
+            <a:r>
+              <a:rPr lang="en-US" sz="1200" dirty="0">
+                <a:latin typeface="Tahoma" panose="020B0604030504040204" pitchFamily="34" charset="0"/>
+                <a:ea typeface="Tahoma" panose="020B0604030504040204" pitchFamily="34" charset="0"/>
+                <a:cs typeface="Tahoma" panose="020B0604030504040204" pitchFamily="34" charset="0"/>
+              </a:rPr>
+              <a:t> </a:t>
+            </a:r>
+            <a:r>
+              <a:rPr lang="en-US" sz="1200" dirty="0" err="1">
+                <a:latin typeface="Tahoma" panose="020B0604030504040204" pitchFamily="34" charset="0"/>
+                <a:ea typeface="Tahoma" panose="020B0604030504040204" pitchFamily="34" charset="0"/>
+                <a:cs typeface="Tahoma" panose="020B0604030504040204" pitchFamily="34" charset="0"/>
+              </a:rPr>
+              <a:t>ullamcorper</a:t>
+            </a:r>
+            <a:r>
+              <a:rPr lang="en-US" sz="1200" dirty="0">
+                <a:latin typeface="Tahoma" panose="020B0604030504040204" pitchFamily="34" charset="0"/>
+                <a:ea typeface="Tahoma" panose="020B0604030504040204" pitchFamily="34" charset="0"/>
+                <a:cs typeface="Tahoma" panose="020B0604030504040204" pitchFamily="34" charset="0"/>
+              </a:rPr>
+              <a:t> </a:t>
+            </a:r>
+            <a:r>
+              <a:rPr lang="en-US" sz="1200" dirty="0" err="1">
+                <a:latin typeface="Tahoma" panose="020B0604030504040204" pitchFamily="34" charset="0"/>
+                <a:ea typeface="Tahoma" panose="020B0604030504040204" pitchFamily="34" charset="0"/>
+                <a:cs typeface="Tahoma" panose="020B0604030504040204" pitchFamily="34" charset="0"/>
+              </a:rPr>
+              <a:t>fringilla</a:t>
+            </a:r>
+            <a:r>
+              <a:rPr lang="en-US" sz="1200" dirty="0">
+                <a:latin typeface="Tahoma" panose="020B0604030504040204" pitchFamily="34" charset="0"/>
+                <a:ea typeface="Tahoma" panose="020B0604030504040204" pitchFamily="34" charset="0"/>
+                <a:cs typeface="Tahoma" panose="020B0604030504040204" pitchFamily="34" charset="0"/>
+              </a:rPr>
+              <a:t> </a:t>
+            </a:r>
+            <a:r>
+              <a:rPr lang="en-US" sz="1200" dirty="0" err="1">
+                <a:latin typeface="Tahoma" panose="020B0604030504040204" pitchFamily="34" charset="0"/>
+                <a:ea typeface="Tahoma" panose="020B0604030504040204" pitchFamily="34" charset="0"/>
+                <a:cs typeface="Tahoma" panose="020B0604030504040204" pitchFamily="34" charset="0"/>
+              </a:rPr>
+              <a:t>lectus</a:t>
+            </a:r>
+            <a:r>
+              <a:rPr lang="en-US" sz="1200" dirty="0">
+                <a:latin typeface="Tahoma" panose="020B0604030504040204" pitchFamily="34" charset="0"/>
+                <a:ea typeface="Tahoma" panose="020B0604030504040204" pitchFamily="34" charset="0"/>
+                <a:cs typeface="Tahoma" panose="020B0604030504040204" pitchFamily="34" charset="0"/>
+              </a:rPr>
+              <a:t>. Vestibulum </a:t>
+            </a:r>
+            <a:r>
+              <a:rPr lang="en-US" sz="1200" dirty="0" err="1">
+                <a:latin typeface="Tahoma" panose="020B0604030504040204" pitchFamily="34" charset="0"/>
+                <a:ea typeface="Tahoma" panose="020B0604030504040204" pitchFamily="34" charset="0"/>
+                <a:cs typeface="Tahoma" panose="020B0604030504040204" pitchFamily="34" charset="0"/>
+              </a:rPr>
+              <a:t>euismod</a:t>
+            </a:r>
+            <a:r>
+              <a:rPr lang="en-US" sz="1200" dirty="0">
+                <a:latin typeface="Tahoma" panose="020B0604030504040204" pitchFamily="34" charset="0"/>
+                <a:ea typeface="Tahoma" panose="020B0604030504040204" pitchFamily="34" charset="0"/>
+                <a:cs typeface="Tahoma" panose="020B0604030504040204" pitchFamily="34" charset="0"/>
+              </a:rPr>
+              <a:t> </a:t>
+            </a:r>
+            <a:r>
+              <a:rPr lang="en-US" sz="1200" dirty="0" err="1">
+                <a:latin typeface="Tahoma" panose="020B0604030504040204" pitchFamily="34" charset="0"/>
+                <a:ea typeface="Tahoma" panose="020B0604030504040204" pitchFamily="34" charset="0"/>
+                <a:cs typeface="Tahoma" panose="020B0604030504040204" pitchFamily="34" charset="0"/>
+              </a:rPr>
+              <a:t>consequat</a:t>
+            </a:r>
+            <a:r>
+              <a:rPr lang="en-US" sz="1200" dirty="0">
+                <a:latin typeface="Tahoma" panose="020B0604030504040204" pitchFamily="34" charset="0"/>
+                <a:ea typeface="Tahoma" panose="020B0604030504040204" pitchFamily="34" charset="0"/>
+                <a:cs typeface="Tahoma" panose="020B0604030504040204" pitchFamily="34" charset="0"/>
+              </a:rPr>
+              <a:t> </a:t>
+            </a:r>
+            <a:r>
+              <a:rPr lang="en-US" sz="1200" dirty="0" err="1">
+                <a:latin typeface="Tahoma" panose="020B0604030504040204" pitchFamily="34" charset="0"/>
+                <a:ea typeface="Tahoma" panose="020B0604030504040204" pitchFamily="34" charset="0"/>
+                <a:cs typeface="Tahoma" panose="020B0604030504040204" pitchFamily="34" charset="0"/>
+              </a:rPr>
+              <a:t>orci</a:t>
+            </a:r>
+            <a:r>
+              <a:rPr lang="en-US" sz="1200" dirty="0">
+                <a:latin typeface="Tahoma" panose="020B0604030504040204" pitchFamily="34" charset="0"/>
+                <a:ea typeface="Tahoma" panose="020B0604030504040204" pitchFamily="34" charset="0"/>
+                <a:cs typeface="Tahoma" panose="020B0604030504040204" pitchFamily="34" charset="0"/>
+              </a:rPr>
+              <a:t>. Nam </a:t>
+            </a:r>
+            <a:r>
+              <a:rPr lang="en-US" sz="1200" dirty="0" err="1">
+                <a:latin typeface="Tahoma" panose="020B0604030504040204" pitchFamily="34" charset="0"/>
+                <a:ea typeface="Tahoma" panose="020B0604030504040204" pitchFamily="34" charset="0"/>
+                <a:cs typeface="Tahoma" panose="020B0604030504040204" pitchFamily="34" charset="0"/>
+              </a:rPr>
+              <a:t>nec</a:t>
+            </a:r>
+            <a:r>
+              <a:rPr lang="en-US" sz="1200" dirty="0">
+                <a:latin typeface="Tahoma" panose="020B0604030504040204" pitchFamily="34" charset="0"/>
+                <a:ea typeface="Tahoma" panose="020B0604030504040204" pitchFamily="34" charset="0"/>
+                <a:cs typeface="Tahoma" panose="020B0604030504040204" pitchFamily="34" charset="0"/>
+              </a:rPr>
+              <a:t> </a:t>
+            </a:r>
+            <a:r>
+              <a:rPr lang="en-US" sz="1200" dirty="0" err="1">
+                <a:latin typeface="Tahoma" panose="020B0604030504040204" pitchFamily="34" charset="0"/>
+                <a:ea typeface="Tahoma" panose="020B0604030504040204" pitchFamily="34" charset="0"/>
+                <a:cs typeface="Tahoma" panose="020B0604030504040204" pitchFamily="34" charset="0"/>
+              </a:rPr>
+              <a:t>sapien</a:t>
+            </a:r>
+            <a:r>
+              <a:rPr lang="en-US" sz="1200" dirty="0">
+                <a:latin typeface="Tahoma" panose="020B0604030504040204" pitchFamily="34" charset="0"/>
+                <a:ea typeface="Tahoma" panose="020B0604030504040204" pitchFamily="34" charset="0"/>
+                <a:cs typeface="Tahoma" panose="020B0604030504040204" pitchFamily="34" charset="0"/>
+              </a:rPr>
+              <a:t>. Morbi ac </a:t>
+            </a:r>
+            <a:r>
+              <a:rPr lang="en-US" sz="1200" dirty="0" err="1">
+                <a:latin typeface="Tahoma" panose="020B0604030504040204" pitchFamily="34" charset="0"/>
+                <a:ea typeface="Tahoma" panose="020B0604030504040204" pitchFamily="34" charset="0"/>
+                <a:cs typeface="Tahoma" panose="020B0604030504040204" pitchFamily="34" charset="0"/>
+              </a:rPr>
+              <a:t>augue</a:t>
+            </a:r>
+            <a:r>
+              <a:rPr lang="en-US" sz="1200" dirty="0">
+                <a:latin typeface="Tahoma" panose="020B0604030504040204" pitchFamily="34" charset="0"/>
+                <a:ea typeface="Tahoma" panose="020B0604030504040204" pitchFamily="34" charset="0"/>
+                <a:cs typeface="Tahoma" panose="020B0604030504040204" pitchFamily="34" charset="0"/>
+              </a:rPr>
+              <a:t>. </a:t>
+            </a:r>
+            <a:r>
+              <a:rPr lang="en-US" sz="1200" dirty="0" err="1">
+                <a:latin typeface="Tahoma" panose="020B0604030504040204" pitchFamily="34" charset="0"/>
+                <a:ea typeface="Tahoma" panose="020B0604030504040204" pitchFamily="34" charset="0"/>
+                <a:cs typeface="Tahoma" panose="020B0604030504040204" pitchFamily="34" charset="0"/>
+              </a:rPr>
+              <a:t>Mauris</a:t>
+            </a:r>
+            <a:r>
+              <a:rPr lang="en-US" sz="1200" dirty="0">
+                <a:latin typeface="Tahoma" panose="020B0604030504040204" pitchFamily="34" charset="0"/>
+                <a:ea typeface="Tahoma" panose="020B0604030504040204" pitchFamily="34" charset="0"/>
+                <a:cs typeface="Tahoma" panose="020B0604030504040204" pitchFamily="34" charset="0"/>
+              </a:rPr>
+              <a:t> </a:t>
+            </a:r>
+            <a:r>
+              <a:rPr lang="en-US" sz="1200" dirty="0" err="1">
+                <a:latin typeface="Tahoma" panose="020B0604030504040204" pitchFamily="34" charset="0"/>
+                <a:ea typeface="Tahoma" panose="020B0604030504040204" pitchFamily="34" charset="0"/>
+                <a:cs typeface="Tahoma" panose="020B0604030504040204" pitchFamily="34" charset="0"/>
+              </a:rPr>
+              <a:t>imperdiet</a:t>
+            </a:r>
+            <a:r>
+              <a:rPr lang="en-US" sz="1200" dirty="0">
+                <a:latin typeface="Tahoma" panose="020B0604030504040204" pitchFamily="34" charset="0"/>
+                <a:ea typeface="Tahoma" panose="020B0604030504040204" pitchFamily="34" charset="0"/>
+                <a:cs typeface="Tahoma" panose="020B0604030504040204" pitchFamily="34" charset="0"/>
+              </a:rPr>
+              <a:t> </a:t>
+            </a:r>
+            <a:r>
+              <a:rPr lang="en-US" sz="1200" dirty="0" err="1">
+                <a:latin typeface="Tahoma" panose="020B0604030504040204" pitchFamily="34" charset="0"/>
+                <a:ea typeface="Tahoma" panose="020B0604030504040204" pitchFamily="34" charset="0"/>
+                <a:cs typeface="Tahoma" panose="020B0604030504040204" pitchFamily="34" charset="0"/>
+              </a:rPr>
+              <a:t>leo</a:t>
+            </a:r>
+            <a:r>
+              <a:rPr lang="en-US" sz="1200" dirty="0">
+                <a:latin typeface="Tahoma" panose="020B0604030504040204" pitchFamily="34" charset="0"/>
+                <a:ea typeface="Tahoma" panose="020B0604030504040204" pitchFamily="34" charset="0"/>
+                <a:cs typeface="Tahoma" panose="020B0604030504040204" pitchFamily="34" charset="0"/>
+              </a:rPr>
+              <a:t> in </a:t>
+            </a:r>
+            <a:r>
+              <a:rPr lang="en-US" sz="1200" dirty="0" err="1">
+                <a:latin typeface="Tahoma" panose="020B0604030504040204" pitchFamily="34" charset="0"/>
+                <a:ea typeface="Tahoma" panose="020B0604030504040204" pitchFamily="34" charset="0"/>
+                <a:cs typeface="Tahoma" panose="020B0604030504040204" pitchFamily="34" charset="0"/>
+              </a:rPr>
+              <a:t>elit</a:t>
+            </a:r>
+            <a:r>
+              <a:rPr lang="en-US" sz="1200" dirty="0">
+                <a:latin typeface="Tahoma" panose="020B0604030504040204" pitchFamily="34" charset="0"/>
+                <a:ea typeface="Tahoma" panose="020B0604030504040204" pitchFamily="34" charset="0"/>
+                <a:cs typeface="Tahoma" panose="020B0604030504040204" pitchFamily="34" charset="0"/>
+              </a:rPr>
+              <a:t> </a:t>
+            </a:r>
+            <a:r>
+              <a:rPr lang="en-US" sz="1200" dirty="0" err="1">
+                <a:latin typeface="Tahoma" panose="020B0604030504040204" pitchFamily="34" charset="0"/>
+                <a:ea typeface="Tahoma" panose="020B0604030504040204" pitchFamily="34" charset="0"/>
+                <a:cs typeface="Tahoma" panose="020B0604030504040204" pitchFamily="34" charset="0"/>
+              </a:rPr>
+              <a:t>luctus</a:t>
+            </a:r>
+            <a:r>
+              <a:rPr lang="en-US" sz="1200" dirty="0">
+                <a:latin typeface="Tahoma" panose="020B0604030504040204" pitchFamily="34" charset="0"/>
+                <a:ea typeface="Tahoma" panose="020B0604030504040204" pitchFamily="34" charset="0"/>
+                <a:cs typeface="Tahoma" panose="020B0604030504040204" pitchFamily="34" charset="0"/>
+              </a:rPr>
+              <a:t> cursus. </a:t>
+            </a:r>
+            <a:r>
+              <a:rPr lang="en-US" sz="1200" dirty="0" err="1">
+                <a:latin typeface="Tahoma" panose="020B0604030504040204" pitchFamily="34" charset="0"/>
+                <a:ea typeface="Tahoma" panose="020B0604030504040204" pitchFamily="34" charset="0"/>
+                <a:cs typeface="Tahoma" panose="020B0604030504040204" pitchFamily="34" charset="0"/>
+              </a:rPr>
+              <a:t>Nullam</a:t>
+            </a:r>
+            <a:r>
+              <a:rPr lang="en-US" sz="1200" dirty="0">
+                <a:latin typeface="Tahoma" panose="020B0604030504040204" pitchFamily="34" charset="0"/>
+                <a:ea typeface="Tahoma" panose="020B0604030504040204" pitchFamily="34" charset="0"/>
+                <a:cs typeface="Tahoma" panose="020B0604030504040204" pitchFamily="34" charset="0"/>
+              </a:rPr>
+              <a:t> </a:t>
+            </a:r>
+            <a:r>
+              <a:rPr lang="en-US" sz="1200" dirty="0" err="1">
+                <a:latin typeface="Tahoma" panose="020B0604030504040204" pitchFamily="34" charset="0"/>
+                <a:ea typeface="Tahoma" panose="020B0604030504040204" pitchFamily="34" charset="0"/>
+                <a:cs typeface="Tahoma" panose="020B0604030504040204" pitchFamily="34" charset="0"/>
+              </a:rPr>
+              <a:t>risus</a:t>
+            </a:r>
+            <a:r>
+              <a:rPr lang="en-US" sz="1200" dirty="0">
+                <a:latin typeface="Tahoma" panose="020B0604030504040204" pitchFamily="34" charset="0"/>
+                <a:ea typeface="Tahoma" panose="020B0604030504040204" pitchFamily="34" charset="0"/>
+                <a:cs typeface="Tahoma" panose="020B0604030504040204" pitchFamily="34" charset="0"/>
+              </a:rPr>
+              <a:t> </a:t>
+            </a:r>
+            <a:r>
+              <a:rPr lang="en-US" sz="1200" dirty="0" err="1">
+                <a:latin typeface="Tahoma" panose="020B0604030504040204" pitchFamily="34" charset="0"/>
+                <a:ea typeface="Tahoma" panose="020B0604030504040204" pitchFamily="34" charset="0"/>
+                <a:cs typeface="Tahoma" panose="020B0604030504040204" pitchFamily="34" charset="0"/>
+              </a:rPr>
+              <a:t>lectus</a:t>
+            </a:r>
+            <a:r>
+              <a:rPr lang="en-US" sz="1200" dirty="0">
+                <a:latin typeface="Tahoma" panose="020B0604030504040204" pitchFamily="34" charset="0"/>
+                <a:ea typeface="Tahoma" panose="020B0604030504040204" pitchFamily="34" charset="0"/>
+                <a:cs typeface="Tahoma" panose="020B0604030504040204" pitchFamily="34" charset="0"/>
+              </a:rPr>
+              <a:t>, </a:t>
+            </a:r>
+            <a:r>
+              <a:rPr lang="en-US" sz="1200" dirty="0" err="1">
+                <a:latin typeface="Tahoma" panose="020B0604030504040204" pitchFamily="34" charset="0"/>
+                <a:ea typeface="Tahoma" panose="020B0604030504040204" pitchFamily="34" charset="0"/>
+                <a:cs typeface="Tahoma" panose="020B0604030504040204" pitchFamily="34" charset="0"/>
+              </a:rPr>
+              <a:t>tristique</a:t>
+            </a:r>
+            <a:r>
+              <a:rPr lang="en-US" sz="1200" dirty="0">
+                <a:latin typeface="Tahoma" panose="020B0604030504040204" pitchFamily="34" charset="0"/>
+                <a:ea typeface="Tahoma" panose="020B0604030504040204" pitchFamily="34" charset="0"/>
+                <a:cs typeface="Tahoma" panose="020B0604030504040204" pitchFamily="34" charset="0"/>
+              </a:rPr>
+              <a:t> vel, </a:t>
+            </a:r>
+            <a:r>
+              <a:rPr lang="en-US" sz="1200" dirty="0" err="1">
+                <a:latin typeface="Tahoma" panose="020B0604030504040204" pitchFamily="34" charset="0"/>
+                <a:ea typeface="Tahoma" panose="020B0604030504040204" pitchFamily="34" charset="0"/>
+                <a:cs typeface="Tahoma" panose="020B0604030504040204" pitchFamily="34" charset="0"/>
+              </a:rPr>
+              <a:t>aliquam</a:t>
+            </a:r>
+            <a:r>
+              <a:rPr lang="en-US" sz="1200" dirty="0">
+                <a:latin typeface="Tahoma" panose="020B0604030504040204" pitchFamily="34" charset="0"/>
+                <a:ea typeface="Tahoma" panose="020B0604030504040204" pitchFamily="34" charset="0"/>
+                <a:cs typeface="Tahoma" panose="020B0604030504040204" pitchFamily="34" charset="0"/>
+              </a:rPr>
+              <a:t> </a:t>
+            </a:r>
+            <a:r>
+              <a:rPr lang="en-US" sz="1200" dirty="0" err="1">
+                <a:latin typeface="Tahoma" panose="020B0604030504040204" pitchFamily="34" charset="0"/>
+                <a:ea typeface="Tahoma" panose="020B0604030504040204" pitchFamily="34" charset="0"/>
+                <a:cs typeface="Tahoma" panose="020B0604030504040204" pitchFamily="34" charset="0"/>
+              </a:rPr>
+              <a:t>eu</a:t>
+            </a:r>
+            <a:r>
+              <a:rPr lang="en-US" sz="1200" dirty="0">
+                <a:latin typeface="Tahoma" panose="020B0604030504040204" pitchFamily="34" charset="0"/>
+                <a:ea typeface="Tahoma" panose="020B0604030504040204" pitchFamily="34" charset="0"/>
+                <a:cs typeface="Tahoma" panose="020B0604030504040204" pitchFamily="34" charset="0"/>
+              </a:rPr>
+              <a:t>, </a:t>
+            </a:r>
+            <a:r>
+              <a:rPr lang="en-US" sz="1200" dirty="0" err="1">
+                <a:latin typeface="Tahoma" panose="020B0604030504040204" pitchFamily="34" charset="0"/>
+                <a:ea typeface="Tahoma" panose="020B0604030504040204" pitchFamily="34" charset="0"/>
+                <a:cs typeface="Tahoma" panose="020B0604030504040204" pitchFamily="34" charset="0"/>
+              </a:rPr>
+              <a:t>tincidunt</a:t>
+            </a:r>
+            <a:r>
+              <a:rPr lang="en-US" sz="1200" dirty="0">
+                <a:latin typeface="Tahoma" panose="020B0604030504040204" pitchFamily="34" charset="0"/>
+                <a:ea typeface="Tahoma" panose="020B0604030504040204" pitchFamily="34" charset="0"/>
+                <a:cs typeface="Tahoma" panose="020B0604030504040204" pitchFamily="34" charset="0"/>
+              </a:rPr>
+              <a:t> vel, </a:t>
+            </a:r>
+            <a:r>
+              <a:rPr lang="en-US" sz="1200" dirty="0" err="1">
+                <a:latin typeface="Tahoma" panose="020B0604030504040204" pitchFamily="34" charset="0"/>
+                <a:ea typeface="Tahoma" panose="020B0604030504040204" pitchFamily="34" charset="0"/>
+                <a:cs typeface="Tahoma" panose="020B0604030504040204" pitchFamily="34" charset="0"/>
+              </a:rPr>
+              <a:t>elit</a:t>
+            </a:r>
+            <a:r>
+              <a:rPr lang="en-US" sz="1200" dirty="0">
+                <a:latin typeface="Tahoma" panose="020B0604030504040204" pitchFamily="34" charset="0"/>
+                <a:ea typeface="Tahoma" panose="020B0604030504040204" pitchFamily="34" charset="0"/>
+                <a:cs typeface="Tahoma" panose="020B0604030504040204" pitchFamily="34" charset="0"/>
+              </a:rPr>
+              <a:t>.</a:t>
+            </a:r>
+          </a:p>
+          <a:p>
+            <a:endParaRPr lang="en-US" sz="1200" dirty="0">
+              <a:latin typeface="Tahoma" panose="020B0604030504040204" pitchFamily="34" charset="0"/>
+              <a:ea typeface="Tahoma" panose="020B0604030504040204" pitchFamily="34" charset="0"/>
+              <a:cs typeface="Tahoma" panose="020B0604030504040204" pitchFamily="34" charset="0"/>
+            </a:endParaRPr>
+          </a:p>
+          <a:p>
+            <a:r>
+              <a:rPr lang="en-US" altLang="en-US" sz="1200" dirty="0">
+                <a:latin typeface="Tahoma" panose="020B0604030504040204" pitchFamily="34" charset="0"/>
+                <a:ea typeface="Tahoma" panose="020B0604030504040204" pitchFamily="34" charset="0"/>
+                <a:cs typeface="Tahoma" panose="020B0604030504040204" pitchFamily="34" charset="0"/>
+              </a:rPr>
+              <a:t>Integer </a:t>
+            </a:r>
+            <a:r>
+              <a:rPr lang="en-US" altLang="en-US" sz="1200" dirty="0" err="1">
+                <a:latin typeface="Tahoma" panose="020B0604030504040204" pitchFamily="34" charset="0"/>
+                <a:ea typeface="Tahoma" panose="020B0604030504040204" pitchFamily="34" charset="0"/>
+                <a:cs typeface="Tahoma" panose="020B0604030504040204" pitchFamily="34" charset="0"/>
+              </a:rPr>
+              <a:t>bibendum</a:t>
+            </a:r>
+            <a:r>
+              <a:rPr lang="en-US" altLang="en-US" sz="1200" dirty="0">
+                <a:latin typeface="Tahoma" panose="020B0604030504040204" pitchFamily="34" charset="0"/>
+                <a:ea typeface="Tahoma" panose="020B0604030504040204" pitchFamily="34" charset="0"/>
+                <a:cs typeface="Tahoma" panose="020B0604030504040204" pitchFamily="34" charset="0"/>
+              </a:rPr>
+              <a:t> </a:t>
+            </a:r>
+            <a:r>
+              <a:rPr lang="en-US" altLang="en-US" sz="1200" dirty="0" err="1">
+                <a:latin typeface="Tahoma" panose="020B0604030504040204" pitchFamily="34" charset="0"/>
+                <a:ea typeface="Tahoma" panose="020B0604030504040204" pitchFamily="34" charset="0"/>
+                <a:cs typeface="Tahoma" panose="020B0604030504040204" pitchFamily="34" charset="0"/>
+              </a:rPr>
+              <a:t>massa</a:t>
+            </a:r>
+            <a:r>
+              <a:rPr lang="en-US" altLang="en-US" sz="1200" dirty="0">
+                <a:latin typeface="Tahoma" panose="020B0604030504040204" pitchFamily="34" charset="0"/>
+                <a:ea typeface="Tahoma" panose="020B0604030504040204" pitchFamily="34" charset="0"/>
+                <a:cs typeface="Tahoma" panose="020B0604030504040204" pitchFamily="34" charset="0"/>
+              </a:rPr>
+              <a:t> </a:t>
+            </a:r>
+            <a:r>
+              <a:rPr lang="en-US" altLang="en-US" sz="1200" dirty="0" err="1">
+                <a:latin typeface="Tahoma" panose="020B0604030504040204" pitchFamily="34" charset="0"/>
+                <a:ea typeface="Tahoma" panose="020B0604030504040204" pitchFamily="34" charset="0"/>
+                <a:cs typeface="Tahoma" panose="020B0604030504040204" pitchFamily="34" charset="0"/>
+              </a:rPr>
+              <a:t>ut</a:t>
+            </a:r>
+            <a:r>
+              <a:rPr lang="en-US" altLang="en-US" sz="1200" dirty="0">
+                <a:latin typeface="Tahoma" panose="020B0604030504040204" pitchFamily="34" charset="0"/>
+                <a:ea typeface="Tahoma" panose="020B0604030504040204" pitchFamily="34" charset="0"/>
+                <a:cs typeface="Tahoma" panose="020B0604030504040204" pitchFamily="34" charset="0"/>
+              </a:rPr>
+              <a:t> ipsum. </a:t>
+            </a:r>
+            <a:r>
+              <a:rPr lang="en-US" altLang="en-US" sz="1200" dirty="0" err="1">
+                <a:latin typeface="Tahoma" panose="020B0604030504040204" pitchFamily="34" charset="0"/>
+                <a:ea typeface="Tahoma" panose="020B0604030504040204" pitchFamily="34" charset="0"/>
+                <a:cs typeface="Tahoma" panose="020B0604030504040204" pitchFamily="34" charset="0"/>
+              </a:rPr>
+              <a:t>Suspendisse</a:t>
+            </a:r>
+            <a:r>
+              <a:rPr lang="en-US" altLang="en-US" sz="1200" dirty="0">
+                <a:latin typeface="Tahoma" panose="020B0604030504040204" pitchFamily="34" charset="0"/>
+                <a:ea typeface="Tahoma" panose="020B0604030504040204" pitchFamily="34" charset="0"/>
+                <a:cs typeface="Tahoma" panose="020B0604030504040204" pitchFamily="34" charset="0"/>
+              </a:rPr>
+              <a:t> </a:t>
+            </a:r>
+            <a:r>
+              <a:rPr lang="en-US" altLang="en-US" sz="1200" dirty="0" err="1">
+                <a:latin typeface="Tahoma" panose="020B0604030504040204" pitchFamily="34" charset="0"/>
+                <a:ea typeface="Tahoma" panose="020B0604030504040204" pitchFamily="34" charset="0"/>
+                <a:cs typeface="Tahoma" panose="020B0604030504040204" pitchFamily="34" charset="0"/>
+              </a:rPr>
+              <a:t>aliquam</a:t>
+            </a:r>
+            <a:r>
+              <a:rPr lang="en-US" altLang="en-US" sz="1200" dirty="0">
+                <a:latin typeface="Tahoma" panose="020B0604030504040204" pitchFamily="34" charset="0"/>
+                <a:ea typeface="Tahoma" panose="020B0604030504040204" pitchFamily="34" charset="0"/>
+                <a:cs typeface="Tahoma" panose="020B0604030504040204" pitchFamily="34" charset="0"/>
+              </a:rPr>
+              <a:t> magna sit </a:t>
+            </a:r>
+            <a:r>
+              <a:rPr lang="en-US" altLang="en-US" sz="1200" dirty="0" err="1">
+                <a:latin typeface="Tahoma" panose="020B0604030504040204" pitchFamily="34" charset="0"/>
+                <a:ea typeface="Tahoma" panose="020B0604030504040204" pitchFamily="34" charset="0"/>
+                <a:cs typeface="Tahoma" panose="020B0604030504040204" pitchFamily="34" charset="0"/>
+              </a:rPr>
+              <a:t>amet</a:t>
+            </a:r>
+            <a:r>
+              <a:rPr lang="en-US" altLang="en-US" sz="1200" dirty="0">
+                <a:latin typeface="Tahoma" panose="020B0604030504040204" pitchFamily="34" charset="0"/>
+                <a:ea typeface="Tahoma" panose="020B0604030504040204" pitchFamily="34" charset="0"/>
+                <a:cs typeface="Tahoma" panose="020B0604030504040204" pitchFamily="34" charset="0"/>
+              </a:rPr>
+              <a:t> </a:t>
+            </a:r>
+            <a:r>
+              <a:rPr lang="en-US" altLang="en-US" sz="1200" dirty="0" err="1">
+                <a:latin typeface="Tahoma" panose="020B0604030504040204" pitchFamily="34" charset="0"/>
+                <a:ea typeface="Tahoma" panose="020B0604030504040204" pitchFamily="34" charset="0"/>
+                <a:cs typeface="Tahoma" panose="020B0604030504040204" pitchFamily="34" charset="0"/>
+              </a:rPr>
+              <a:t>elit</a:t>
+            </a:r>
+            <a:r>
+              <a:rPr lang="en-US" altLang="en-US" sz="1200" dirty="0">
+                <a:latin typeface="Tahoma" panose="020B0604030504040204" pitchFamily="34" charset="0"/>
+                <a:ea typeface="Tahoma" panose="020B0604030504040204" pitchFamily="34" charset="0"/>
+                <a:cs typeface="Tahoma" panose="020B0604030504040204" pitchFamily="34" charset="0"/>
+              </a:rPr>
+              <a:t>. Donec convallis </a:t>
+            </a:r>
+            <a:r>
+              <a:rPr lang="en-US" altLang="en-US" sz="1200" dirty="0" err="1">
+                <a:latin typeface="Tahoma" panose="020B0604030504040204" pitchFamily="34" charset="0"/>
+                <a:ea typeface="Tahoma" panose="020B0604030504040204" pitchFamily="34" charset="0"/>
+                <a:cs typeface="Tahoma" panose="020B0604030504040204" pitchFamily="34" charset="0"/>
+              </a:rPr>
+              <a:t>enim</a:t>
+            </a:r>
+            <a:r>
+              <a:rPr lang="en-US" altLang="en-US" sz="1200" dirty="0">
+                <a:latin typeface="Tahoma" panose="020B0604030504040204" pitchFamily="34" charset="0"/>
+                <a:ea typeface="Tahoma" panose="020B0604030504040204" pitchFamily="34" charset="0"/>
+                <a:cs typeface="Tahoma" panose="020B0604030504040204" pitchFamily="34" charset="0"/>
+              </a:rPr>
+              <a:t> sed </a:t>
+            </a:r>
+            <a:r>
+              <a:rPr lang="en-US" altLang="en-US" sz="1200" dirty="0" err="1">
+                <a:latin typeface="Tahoma" panose="020B0604030504040204" pitchFamily="34" charset="0"/>
+                <a:ea typeface="Tahoma" panose="020B0604030504040204" pitchFamily="34" charset="0"/>
+                <a:cs typeface="Tahoma" panose="020B0604030504040204" pitchFamily="34" charset="0"/>
+              </a:rPr>
+              <a:t>augue</a:t>
+            </a:r>
+            <a:r>
+              <a:rPr lang="en-US" altLang="en-US" sz="1200" dirty="0">
+                <a:latin typeface="Tahoma" panose="020B0604030504040204" pitchFamily="34" charset="0"/>
+                <a:ea typeface="Tahoma" panose="020B0604030504040204" pitchFamily="34" charset="0"/>
+                <a:cs typeface="Tahoma" panose="020B0604030504040204" pitchFamily="34" charset="0"/>
+              </a:rPr>
+              <a:t>. </a:t>
+            </a:r>
+            <a:r>
+              <a:rPr lang="en-US" altLang="en-US" sz="1200" dirty="0" err="1">
+                <a:latin typeface="Tahoma" panose="020B0604030504040204" pitchFamily="34" charset="0"/>
+                <a:ea typeface="Tahoma" panose="020B0604030504040204" pitchFamily="34" charset="0"/>
+                <a:cs typeface="Tahoma" panose="020B0604030504040204" pitchFamily="34" charset="0"/>
+              </a:rPr>
+              <a:t>Mauris</a:t>
+            </a:r>
+            <a:r>
+              <a:rPr lang="en-US" altLang="en-US" sz="1200" dirty="0">
+                <a:latin typeface="Tahoma" panose="020B0604030504040204" pitchFamily="34" charset="0"/>
+                <a:ea typeface="Tahoma" panose="020B0604030504040204" pitchFamily="34" charset="0"/>
+                <a:cs typeface="Tahoma" panose="020B0604030504040204" pitchFamily="34" charset="0"/>
+              </a:rPr>
+              <a:t> </a:t>
+            </a:r>
+            <a:r>
+              <a:rPr lang="en-US" altLang="en-US" sz="1200" dirty="0" err="1">
+                <a:latin typeface="Tahoma" panose="020B0604030504040204" pitchFamily="34" charset="0"/>
+                <a:ea typeface="Tahoma" panose="020B0604030504040204" pitchFamily="34" charset="0"/>
+                <a:cs typeface="Tahoma" panose="020B0604030504040204" pitchFamily="34" charset="0"/>
+              </a:rPr>
+              <a:t>ornare</a:t>
+            </a:r>
+            <a:r>
+              <a:rPr lang="en-US" altLang="en-US" sz="1200" dirty="0">
+                <a:latin typeface="Tahoma" panose="020B0604030504040204" pitchFamily="34" charset="0"/>
+                <a:ea typeface="Tahoma" panose="020B0604030504040204" pitchFamily="34" charset="0"/>
+                <a:cs typeface="Tahoma" panose="020B0604030504040204" pitchFamily="34" charset="0"/>
+              </a:rPr>
+              <a:t> </a:t>
+            </a:r>
+            <a:r>
+              <a:rPr lang="en-US" altLang="en-US" sz="1200" dirty="0" err="1">
+                <a:latin typeface="Tahoma" panose="020B0604030504040204" pitchFamily="34" charset="0"/>
+                <a:ea typeface="Tahoma" panose="020B0604030504040204" pitchFamily="34" charset="0"/>
+                <a:cs typeface="Tahoma" panose="020B0604030504040204" pitchFamily="34" charset="0"/>
+              </a:rPr>
+              <a:t>vulputate</a:t>
+            </a:r>
+            <a:r>
+              <a:rPr lang="en-US" altLang="en-US" sz="1200" dirty="0">
+                <a:latin typeface="Tahoma" panose="020B0604030504040204" pitchFamily="34" charset="0"/>
+                <a:ea typeface="Tahoma" panose="020B0604030504040204" pitchFamily="34" charset="0"/>
+                <a:cs typeface="Tahoma" panose="020B0604030504040204" pitchFamily="34" charset="0"/>
+              </a:rPr>
+              <a:t> </a:t>
+            </a:r>
+            <a:r>
+              <a:rPr lang="en-US" altLang="en-US" sz="1200" dirty="0" err="1">
+                <a:latin typeface="Tahoma" panose="020B0604030504040204" pitchFamily="34" charset="0"/>
+                <a:ea typeface="Tahoma" panose="020B0604030504040204" pitchFamily="34" charset="0"/>
+                <a:cs typeface="Tahoma" panose="020B0604030504040204" pitchFamily="34" charset="0"/>
+              </a:rPr>
+              <a:t>orci</a:t>
+            </a:r>
+            <a:r>
+              <a:rPr lang="en-US" altLang="en-US" sz="1200" dirty="0">
+                <a:latin typeface="Tahoma" panose="020B0604030504040204" pitchFamily="34" charset="0"/>
+                <a:ea typeface="Tahoma" panose="020B0604030504040204" pitchFamily="34" charset="0"/>
+                <a:cs typeface="Tahoma" panose="020B0604030504040204" pitchFamily="34" charset="0"/>
+              </a:rPr>
+              <a:t>. Duis et </a:t>
+            </a:r>
+            <a:r>
+              <a:rPr lang="en-US" altLang="en-US" sz="1200" dirty="0" err="1">
+                <a:latin typeface="Tahoma" panose="020B0604030504040204" pitchFamily="34" charset="0"/>
+                <a:ea typeface="Tahoma" panose="020B0604030504040204" pitchFamily="34" charset="0"/>
+                <a:cs typeface="Tahoma" panose="020B0604030504040204" pitchFamily="34" charset="0"/>
+              </a:rPr>
+              <a:t>purus</a:t>
+            </a:r>
+            <a:r>
+              <a:rPr lang="en-US" altLang="en-US" sz="1200" dirty="0">
+                <a:latin typeface="Tahoma" panose="020B0604030504040204" pitchFamily="34" charset="0"/>
+                <a:ea typeface="Tahoma" panose="020B0604030504040204" pitchFamily="34" charset="0"/>
+                <a:cs typeface="Tahoma" panose="020B0604030504040204" pitchFamily="34" charset="0"/>
+              </a:rPr>
+              <a:t> non </a:t>
+            </a:r>
+            <a:r>
+              <a:rPr lang="en-US" altLang="en-US" sz="1200" dirty="0" err="1">
+                <a:latin typeface="Tahoma" panose="020B0604030504040204" pitchFamily="34" charset="0"/>
+                <a:ea typeface="Tahoma" panose="020B0604030504040204" pitchFamily="34" charset="0"/>
+                <a:cs typeface="Tahoma" panose="020B0604030504040204" pitchFamily="34" charset="0"/>
+              </a:rPr>
+              <a:t>urna</a:t>
+            </a:r>
+            <a:r>
+              <a:rPr lang="en-US" altLang="en-US" sz="1200" dirty="0">
+                <a:latin typeface="Tahoma" panose="020B0604030504040204" pitchFamily="34" charset="0"/>
+                <a:ea typeface="Tahoma" panose="020B0604030504040204" pitchFamily="34" charset="0"/>
+                <a:cs typeface="Tahoma" panose="020B0604030504040204" pitchFamily="34" charset="0"/>
+              </a:rPr>
+              <a:t> </a:t>
+            </a:r>
+            <a:r>
+              <a:rPr lang="en-US" altLang="en-US" sz="1200" dirty="0" err="1">
+                <a:latin typeface="Tahoma" panose="020B0604030504040204" pitchFamily="34" charset="0"/>
+                <a:ea typeface="Tahoma" panose="020B0604030504040204" pitchFamily="34" charset="0"/>
+                <a:cs typeface="Tahoma" panose="020B0604030504040204" pitchFamily="34" charset="0"/>
+              </a:rPr>
+              <a:t>bibendum</a:t>
+            </a:r>
+            <a:r>
+              <a:rPr lang="en-US" altLang="en-US" sz="1200" dirty="0">
+                <a:latin typeface="Tahoma" panose="020B0604030504040204" pitchFamily="34" charset="0"/>
+                <a:ea typeface="Tahoma" panose="020B0604030504040204" pitchFamily="34" charset="0"/>
+                <a:cs typeface="Tahoma" panose="020B0604030504040204" pitchFamily="34" charset="0"/>
+              </a:rPr>
+              <a:t> </a:t>
+            </a:r>
+            <a:r>
+              <a:rPr lang="en-US" altLang="en-US" sz="1200" dirty="0" err="1">
+                <a:latin typeface="Tahoma" panose="020B0604030504040204" pitchFamily="34" charset="0"/>
+                <a:ea typeface="Tahoma" panose="020B0604030504040204" pitchFamily="34" charset="0"/>
+                <a:cs typeface="Tahoma" panose="020B0604030504040204" pitchFamily="34" charset="0"/>
+              </a:rPr>
+              <a:t>scelerisque</a:t>
+            </a:r>
+            <a:r>
+              <a:rPr lang="en-US" altLang="en-US" sz="1200" dirty="0">
+                <a:latin typeface="Tahoma" panose="020B0604030504040204" pitchFamily="34" charset="0"/>
+                <a:ea typeface="Tahoma" panose="020B0604030504040204" pitchFamily="34" charset="0"/>
+                <a:cs typeface="Tahoma" panose="020B0604030504040204" pitchFamily="34" charset="0"/>
+              </a:rPr>
+              <a:t>. </a:t>
+            </a:r>
+            <a:r>
+              <a:rPr lang="en-US" altLang="en-US" sz="1200" dirty="0" err="1">
+                <a:latin typeface="Tahoma" panose="020B0604030504040204" pitchFamily="34" charset="0"/>
+                <a:ea typeface="Tahoma" panose="020B0604030504040204" pitchFamily="34" charset="0"/>
+                <a:cs typeface="Tahoma" panose="020B0604030504040204" pitchFamily="34" charset="0"/>
+              </a:rPr>
+              <a:t>Praesent</a:t>
+            </a:r>
+            <a:r>
+              <a:rPr lang="en-US" altLang="en-US" sz="1200" dirty="0">
+                <a:latin typeface="Tahoma" panose="020B0604030504040204" pitchFamily="34" charset="0"/>
+                <a:ea typeface="Tahoma" panose="020B0604030504040204" pitchFamily="34" charset="0"/>
+                <a:cs typeface="Tahoma" panose="020B0604030504040204" pitchFamily="34" charset="0"/>
+              </a:rPr>
+              <a:t> </a:t>
+            </a:r>
+            <a:r>
+              <a:rPr lang="en-US" altLang="en-US" sz="1200" dirty="0" err="1">
+                <a:latin typeface="Tahoma" panose="020B0604030504040204" pitchFamily="34" charset="0"/>
+                <a:ea typeface="Tahoma" panose="020B0604030504040204" pitchFamily="34" charset="0"/>
+                <a:cs typeface="Tahoma" panose="020B0604030504040204" pitchFamily="34" charset="0"/>
+              </a:rPr>
+              <a:t>turpis</a:t>
+            </a:r>
+            <a:r>
+              <a:rPr lang="en-US" altLang="en-US" sz="1200" dirty="0">
+                <a:latin typeface="Tahoma" panose="020B0604030504040204" pitchFamily="34" charset="0"/>
+                <a:ea typeface="Tahoma" panose="020B0604030504040204" pitchFamily="34" charset="0"/>
+                <a:cs typeface="Tahoma" panose="020B0604030504040204" pitchFamily="34" charset="0"/>
+              </a:rPr>
+              <a:t> ligula, </a:t>
+            </a:r>
+            <a:r>
+              <a:rPr lang="en-US" altLang="en-US" sz="1200" dirty="0" err="1">
+                <a:latin typeface="Tahoma" panose="020B0604030504040204" pitchFamily="34" charset="0"/>
+                <a:ea typeface="Tahoma" panose="020B0604030504040204" pitchFamily="34" charset="0"/>
+                <a:cs typeface="Tahoma" panose="020B0604030504040204" pitchFamily="34" charset="0"/>
+              </a:rPr>
+              <a:t>accumsan</a:t>
+            </a:r>
+            <a:r>
+              <a:rPr lang="en-US" altLang="en-US" sz="1200" dirty="0">
+                <a:latin typeface="Tahoma" panose="020B0604030504040204" pitchFamily="34" charset="0"/>
+                <a:ea typeface="Tahoma" panose="020B0604030504040204" pitchFamily="34" charset="0"/>
+                <a:cs typeface="Tahoma" panose="020B0604030504040204" pitchFamily="34" charset="0"/>
+              </a:rPr>
+              <a:t> </a:t>
+            </a:r>
+            <a:r>
+              <a:rPr lang="en-US" altLang="en-US" sz="1200" dirty="0" err="1">
+                <a:latin typeface="Tahoma" panose="020B0604030504040204" pitchFamily="34" charset="0"/>
+                <a:ea typeface="Tahoma" panose="020B0604030504040204" pitchFamily="34" charset="0"/>
+                <a:cs typeface="Tahoma" panose="020B0604030504040204" pitchFamily="34" charset="0"/>
+              </a:rPr>
+              <a:t>eu</a:t>
+            </a:r>
+            <a:r>
+              <a:rPr lang="en-US" altLang="en-US" sz="1200" dirty="0">
+                <a:latin typeface="Tahoma" panose="020B0604030504040204" pitchFamily="34" charset="0"/>
+                <a:ea typeface="Tahoma" panose="020B0604030504040204" pitchFamily="34" charset="0"/>
+                <a:cs typeface="Tahoma" panose="020B0604030504040204" pitchFamily="34" charset="0"/>
+              </a:rPr>
+              <a:t>, porta </a:t>
+            </a:r>
+            <a:r>
+              <a:rPr lang="en-US" altLang="en-US" sz="1200" dirty="0" err="1">
+                <a:latin typeface="Tahoma" panose="020B0604030504040204" pitchFamily="34" charset="0"/>
+                <a:ea typeface="Tahoma" panose="020B0604030504040204" pitchFamily="34" charset="0"/>
+                <a:cs typeface="Tahoma" panose="020B0604030504040204" pitchFamily="34" charset="0"/>
+              </a:rPr>
+              <a:t>nec</a:t>
+            </a:r>
+            <a:r>
+              <a:rPr lang="en-US" altLang="en-US" sz="1200" dirty="0">
+                <a:latin typeface="Tahoma" panose="020B0604030504040204" pitchFamily="34" charset="0"/>
+                <a:ea typeface="Tahoma" panose="020B0604030504040204" pitchFamily="34" charset="0"/>
+                <a:cs typeface="Tahoma" panose="020B0604030504040204" pitchFamily="34" charset="0"/>
+              </a:rPr>
+              <a:t>, </a:t>
+            </a:r>
+            <a:r>
+              <a:rPr lang="en-US" altLang="en-US" sz="1200" dirty="0" err="1">
+                <a:latin typeface="Tahoma" panose="020B0604030504040204" pitchFamily="34" charset="0"/>
+                <a:ea typeface="Tahoma" panose="020B0604030504040204" pitchFamily="34" charset="0"/>
+                <a:cs typeface="Tahoma" panose="020B0604030504040204" pitchFamily="34" charset="0"/>
+              </a:rPr>
+              <a:t>adipiscing</a:t>
+            </a:r>
+            <a:r>
+              <a:rPr lang="en-US" altLang="en-US" sz="1200" dirty="0">
+                <a:latin typeface="Tahoma" panose="020B0604030504040204" pitchFamily="34" charset="0"/>
+                <a:ea typeface="Tahoma" panose="020B0604030504040204" pitchFamily="34" charset="0"/>
+                <a:cs typeface="Tahoma" panose="020B0604030504040204" pitchFamily="34" charset="0"/>
+              </a:rPr>
+              <a:t> </a:t>
+            </a:r>
+            <a:r>
+              <a:rPr lang="en-US" altLang="en-US" sz="1200" dirty="0" err="1">
+                <a:latin typeface="Tahoma" panose="020B0604030504040204" pitchFamily="34" charset="0"/>
+                <a:ea typeface="Tahoma" panose="020B0604030504040204" pitchFamily="34" charset="0"/>
+                <a:cs typeface="Tahoma" panose="020B0604030504040204" pitchFamily="34" charset="0"/>
+              </a:rPr>
+              <a:t>nec</a:t>
+            </a:r>
+            <a:r>
+              <a:rPr lang="en-US" altLang="en-US" sz="1200" dirty="0">
+                <a:latin typeface="Tahoma" panose="020B0604030504040204" pitchFamily="34" charset="0"/>
+                <a:ea typeface="Tahoma" panose="020B0604030504040204" pitchFamily="34" charset="0"/>
+                <a:cs typeface="Tahoma" panose="020B0604030504040204" pitchFamily="34" charset="0"/>
+              </a:rPr>
+              <a:t>, est. </a:t>
+            </a:r>
+            <a:r>
+              <a:rPr lang="en-US" altLang="en-US" sz="1200" dirty="0" err="1">
+                <a:latin typeface="Tahoma" panose="020B0604030504040204" pitchFamily="34" charset="0"/>
+                <a:ea typeface="Tahoma" panose="020B0604030504040204" pitchFamily="34" charset="0"/>
+                <a:cs typeface="Tahoma" panose="020B0604030504040204" pitchFamily="34" charset="0"/>
+              </a:rPr>
+              <a:t>Vivamus</a:t>
+            </a:r>
+            <a:r>
+              <a:rPr lang="en-US" altLang="en-US" sz="1200" dirty="0">
+                <a:latin typeface="Tahoma" panose="020B0604030504040204" pitchFamily="34" charset="0"/>
+                <a:ea typeface="Tahoma" panose="020B0604030504040204" pitchFamily="34" charset="0"/>
+                <a:cs typeface="Tahoma" panose="020B0604030504040204" pitchFamily="34" charset="0"/>
+              </a:rPr>
+              <a:t> </a:t>
+            </a:r>
+            <a:r>
+              <a:rPr lang="en-US" altLang="en-US" sz="1200" dirty="0" err="1">
+                <a:latin typeface="Tahoma" panose="020B0604030504040204" pitchFamily="34" charset="0"/>
+                <a:ea typeface="Tahoma" panose="020B0604030504040204" pitchFamily="34" charset="0"/>
+                <a:cs typeface="Tahoma" panose="020B0604030504040204" pitchFamily="34" charset="0"/>
+              </a:rPr>
+              <a:t>adipiscing</a:t>
+            </a:r>
+            <a:r>
+              <a:rPr lang="en-US" altLang="en-US" sz="1200" dirty="0">
+                <a:latin typeface="Tahoma" panose="020B0604030504040204" pitchFamily="34" charset="0"/>
+                <a:ea typeface="Tahoma" panose="020B0604030504040204" pitchFamily="34" charset="0"/>
+                <a:cs typeface="Tahoma" panose="020B0604030504040204" pitchFamily="34" charset="0"/>
+              </a:rPr>
+              <a:t> </a:t>
+            </a:r>
+            <a:r>
+              <a:rPr lang="en-US" altLang="en-US" sz="1200" dirty="0" err="1">
+                <a:latin typeface="Tahoma" panose="020B0604030504040204" pitchFamily="34" charset="0"/>
+                <a:ea typeface="Tahoma" panose="020B0604030504040204" pitchFamily="34" charset="0"/>
+                <a:cs typeface="Tahoma" panose="020B0604030504040204" pitchFamily="34" charset="0"/>
+              </a:rPr>
+              <a:t>arcu</a:t>
+            </a:r>
+            <a:r>
+              <a:rPr lang="en-US" altLang="en-US" sz="1200" dirty="0">
+                <a:latin typeface="Tahoma" panose="020B0604030504040204" pitchFamily="34" charset="0"/>
+                <a:ea typeface="Tahoma" panose="020B0604030504040204" pitchFamily="34" charset="0"/>
+                <a:cs typeface="Tahoma" panose="020B0604030504040204" pitchFamily="34" charset="0"/>
+              </a:rPr>
+              <a:t> id </a:t>
+            </a:r>
+            <a:r>
+              <a:rPr lang="en-US" altLang="en-US" sz="1200" dirty="0" err="1">
+                <a:latin typeface="Tahoma" panose="020B0604030504040204" pitchFamily="34" charset="0"/>
+                <a:ea typeface="Tahoma" panose="020B0604030504040204" pitchFamily="34" charset="0"/>
+                <a:cs typeface="Tahoma" panose="020B0604030504040204" pitchFamily="34" charset="0"/>
+              </a:rPr>
+              <a:t>leo</a:t>
+            </a:r>
+            <a:r>
+              <a:rPr lang="en-US" altLang="en-US" sz="1200" dirty="0">
+                <a:latin typeface="Tahoma" panose="020B0604030504040204" pitchFamily="34" charset="0"/>
+                <a:ea typeface="Tahoma" panose="020B0604030504040204" pitchFamily="34" charset="0"/>
+                <a:cs typeface="Tahoma" panose="020B0604030504040204" pitchFamily="34" charset="0"/>
+              </a:rPr>
+              <a:t>. Donec </a:t>
+            </a:r>
+            <a:r>
+              <a:rPr lang="en-US" altLang="en-US" sz="1200" dirty="0" err="1">
+                <a:latin typeface="Tahoma" panose="020B0604030504040204" pitchFamily="34" charset="0"/>
+                <a:ea typeface="Tahoma" panose="020B0604030504040204" pitchFamily="34" charset="0"/>
+                <a:cs typeface="Tahoma" panose="020B0604030504040204" pitchFamily="34" charset="0"/>
+              </a:rPr>
+              <a:t>accumsan</a:t>
+            </a:r>
+            <a:r>
+              <a:rPr lang="en-US" altLang="en-US" sz="1200" dirty="0">
+                <a:latin typeface="Tahoma" panose="020B0604030504040204" pitchFamily="34" charset="0"/>
+                <a:ea typeface="Tahoma" panose="020B0604030504040204" pitchFamily="34" charset="0"/>
+                <a:cs typeface="Tahoma" panose="020B0604030504040204" pitchFamily="34" charset="0"/>
+              </a:rPr>
+              <a:t> </a:t>
+            </a:r>
+            <a:r>
+              <a:rPr lang="en-US" altLang="en-US" sz="1200" dirty="0" err="1">
+                <a:latin typeface="Tahoma" panose="020B0604030504040204" pitchFamily="34" charset="0"/>
+                <a:ea typeface="Tahoma" panose="020B0604030504040204" pitchFamily="34" charset="0"/>
+                <a:cs typeface="Tahoma" panose="020B0604030504040204" pitchFamily="34" charset="0"/>
+              </a:rPr>
+              <a:t>neque</a:t>
+            </a:r>
+            <a:r>
+              <a:rPr lang="en-US" altLang="en-US" sz="1200" dirty="0">
+                <a:latin typeface="Tahoma" panose="020B0604030504040204" pitchFamily="34" charset="0"/>
+                <a:ea typeface="Tahoma" panose="020B0604030504040204" pitchFamily="34" charset="0"/>
+                <a:cs typeface="Tahoma" panose="020B0604030504040204" pitchFamily="34" charset="0"/>
+              </a:rPr>
+              <a:t>. Sed vitae </a:t>
+            </a:r>
+            <a:r>
+              <a:rPr lang="en-US" altLang="en-US" sz="1200" dirty="0" err="1">
+                <a:latin typeface="Tahoma" panose="020B0604030504040204" pitchFamily="34" charset="0"/>
+                <a:ea typeface="Tahoma" panose="020B0604030504040204" pitchFamily="34" charset="0"/>
+                <a:cs typeface="Tahoma" panose="020B0604030504040204" pitchFamily="34" charset="0"/>
+              </a:rPr>
+              <a:t>lectus</a:t>
+            </a:r>
+            <a:r>
+              <a:rPr lang="en-US" altLang="en-US" sz="1200" dirty="0">
+                <a:latin typeface="Tahoma" panose="020B0604030504040204" pitchFamily="34" charset="0"/>
+                <a:ea typeface="Tahoma" panose="020B0604030504040204" pitchFamily="34" charset="0"/>
+                <a:cs typeface="Tahoma" panose="020B0604030504040204" pitchFamily="34" charset="0"/>
+              </a:rPr>
+              <a:t> sed </a:t>
+            </a:r>
+            <a:r>
+              <a:rPr lang="en-US" altLang="en-US" sz="1200" dirty="0" err="1">
+                <a:latin typeface="Tahoma" panose="020B0604030504040204" pitchFamily="34" charset="0"/>
+                <a:ea typeface="Tahoma" panose="020B0604030504040204" pitchFamily="34" charset="0"/>
+                <a:cs typeface="Tahoma" panose="020B0604030504040204" pitchFamily="34" charset="0"/>
+              </a:rPr>
+              <a:t>leo</a:t>
+            </a:r>
+            <a:r>
+              <a:rPr lang="en-US" altLang="en-US" sz="1200" dirty="0">
+                <a:latin typeface="Tahoma" panose="020B0604030504040204" pitchFamily="34" charset="0"/>
+                <a:ea typeface="Tahoma" panose="020B0604030504040204" pitchFamily="34" charset="0"/>
+                <a:cs typeface="Tahoma" panose="020B0604030504040204" pitchFamily="34" charset="0"/>
+              </a:rPr>
+              <a:t> </a:t>
+            </a:r>
+            <a:r>
+              <a:rPr lang="en-US" altLang="en-US" sz="1200" dirty="0" err="1">
+                <a:latin typeface="Tahoma" panose="020B0604030504040204" pitchFamily="34" charset="0"/>
+                <a:ea typeface="Tahoma" panose="020B0604030504040204" pitchFamily="34" charset="0"/>
+                <a:cs typeface="Tahoma" panose="020B0604030504040204" pitchFamily="34" charset="0"/>
+              </a:rPr>
+              <a:t>congue</a:t>
+            </a:r>
+            <a:r>
+              <a:rPr lang="en-US" altLang="en-US" sz="1200" dirty="0">
+                <a:latin typeface="Tahoma" panose="020B0604030504040204" pitchFamily="34" charset="0"/>
+                <a:ea typeface="Tahoma" panose="020B0604030504040204" pitchFamily="34" charset="0"/>
+                <a:cs typeface="Tahoma" panose="020B0604030504040204" pitchFamily="34" charset="0"/>
+              </a:rPr>
+              <a:t> </a:t>
+            </a:r>
+            <a:r>
+              <a:rPr lang="en-US" altLang="en-US" sz="1200" dirty="0" err="1">
+                <a:latin typeface="Tahoma" panose="020B0604030504040204" pitchFamily="34" charset="0"/>
+                <a:ea typeface="Tahoma" panose="020B0604030504040204" pitchFamily="34" charset="0"/>
+                <a:cs typeface="Tahoma" panose="020B0604030504040204" pitchFamily="34" charset="0"/>
+              </a:rPr>
+              <a:t>ultricies</a:t>
+            </a:r>
+            <a:r>
+              <a:rPr lang="en-US" altLang="en-US" sz="1200" dirty="0">
+                <a:latin typeface="Tahoma" panose="020B0604030504040204" pitchFamily="34" charset="0"/>
+                <a:ea typeface="Tahoma" panose="020B0604030504040204" pitchFamily="34" charset="0"/>
+                <a:cs typeface="Tahoma" panose="020B0604030504040204" pitchFamily="34" charset="0"/>
+              </a:rPr>
+              <a:t>. </a:t>
+            </a:r>
+            <a:r>
+              <a:rPr lang="en-US" altLang="en-US" sz="1200" dirty="0" err="1">
+                <a:latin typeface="Tahoma" panose="020B0604030504040204" pitchFamily="34" charset="0"/>
+                <a:ea typeface="Tahoma" panose="020B0604030504040204" pitchFamily="34" charset="0"/>
+                <a:cs typeface="Tahoma" panose="020B0604030504040204" pitchFamily="34" charset="0"/>
+              </a:rPr>
+              <a:t>Nullam</a:t>
+            </a:r>
+            <a:r>
+              <a:rPr lang="en-US" altLang="en-US" sz="1200" dirty="0">
+                <a:latin typeface="Tahoma" panose="020B0604030504040204" pitchFamily="34" charset="0"/>
+                <a:ea typeface="Tahoma" panose="020B0604030504040204" pitchFamily="34" charset="0"/>
+                <a:cs typeface="Tahoma" panose="020B0604030504040204" pitchFamily="34" charset="0"/>
+              </a:rPr>
+              <a:t> </a:t>
+            </a:r>
+            <a:r>
+              <a:rPr lang="en-US" altLang="en-US" sz="1200" dirty="0" err="1">
+                <a:latin typeface="Tahoma" panose="020B0604030504040204" pitchFamily="34" charset="0"/>
+                <a:ea typeface="Tahoma" panose="020B0604030504040204" pitchFamily="34" charset="0"/>
+                <a:cs typeface="Tahoma" panose="020B0604030504040204" pitchFamily="34" charset="0"/>
+              </a:rPr>
+              <a:t>faucibus</a:t>
+            </a:r>
+            <a:r>
+              <a:rPr lang="en-US" altLang="en-US" sz="1200" dirty="0">
+                <a:latin typeface="Tahoma" panose="020B0604030504040204" pitchFamily="34" charset="0"/>
+                <a:ea typeface="Tahoma" panose="020B0604030504040204" pitchFamily="34" charset="0"/>
+                <a:cs typeface="Tahoma" panose="020B0604030504040204" pitchFamily="34" charset="0"/>
+              </a:rPr>
+              <a:t>, </a:t>
+            </a:r>
+            <a:r>
+              <a:rPr lang="en-US" altLang="en-US" sz="1200" dirty="0" err="1">
+                <a:latin typeface="Tahoma" panose="020B0604030504040204" pitchFamily="34" charset="0"/>
+                <a:ea typeface="Tahoma" panose="020B0604030504040204" pitchFamily="34" charset="0"/>
+                <a:cs typeface="Tahoma" panose="020B0604030504040204" pitchFamily="34" charset="0"/>
+              </a:rPr>
+              <a:t>velit</a:t>
+            </a:r>
+            <a:r>
+              <a:rPr lang="en-US" altLang="en-US" sz="1200" dirty="0">
+                <a:latin typeface="Tahoma" panose="020B0604030504040204" pitchFamily="34" charset="0"/>
+                <a:ea typeface="Tahoma" panose="020B0604030504040204" pitchFamily="34" charset="0"/>
+                <a:cs typeface="Tahoma" panose="020B0604030504040204" pitchFamily="34" charset="0"/>
+              </a:rPr>
+              <a:t> vitae </a:t>
+            </a:r>
+            <a:r>
+              <a:rPr lang="en-US" altLang="en-US" sz="1200" dirty="0" err="1">
+                <a:latin typeface="Tahoma" panose="020B0604030504040204" pitchFamily="34" charset="0"/>
+                <a:ea typeface="Tahoma" panose="020B0604030504040204" pitchFamily="34" charset="0"/>
+                <a:cs typeface="Tahoma" panose="020B0604030504040204" pitchFamily="34" charset="0"/>
+              </a:rPr>
+              <a:t>imperdiet</a:t>
+            </a:r>
+            <a:r>
+              <a:rPr lang="en-US" altLang="en-US" sz="1200" dirty="0">
+                <a:latin typeface="Tahoma" panose="020B0604030504040204" pitchFamily="34" charset="0"/>
+                <a:ea typeface="Tahoma" panose="020B0604030504040204" pitchFamily="34" charset="0"/>
+                <a:cs typeface="Tahoma" panose="020B0604030504040204" pitchFamily="34" charset="0"/>
+              </a:rPr>
+              <a:t> </a:t>
+            </a:r>
+            <a:r>
+              <a:rPr lang="en-US" altLang="en-US" sz="1200" dirty="0" err="1">
+                <a:latin typeface="Tahoma" panose="020B0604030504040204" pitchFamily="34" charset="0"/>
+                <a:ea typeface="Tahoma" panose="020B0604030504040204" pitchFamily="34" charset="0"/>
+                <a:cs typeface="Tahoma" panose="020B0604030504040204" pitchFamily="34" charset="0"/>
+              </a:rPr>
+              <a:t>luctus</a:t>
+            </a:r>
+            <a:r>
+              <a:rPr lang="en-US" altLang="en-US" sz="1200" dirty="0">
+                <a:latin typeface="Tahoma" panose="020B0604030504040204" pitchFamily="34" charset="0"/>
+                <a:ea typeface="Tahoma" panose="020B0604030504040204" pitchFamily="34" charset="0"/>
+                <a:cs typeface="Tahoma" panose="020B0604030504040204" pitchFamily="34" charset="0"/>
+              </a:rPr>
+              <a:t>, </a:t>
+            </a:r>
+            <a:r>
+              <a:rPr lang="en-US" altLang="en-US" sz="1200" dirty="0" err="1">
+                <a:latin typeface="Tahoma" panose="020B0604030504040204" pitchFamily="34" charset="0"/>
+                <a:ea typeface="Tahoma" panose="020B0604030504040204" pitchFamily="34" charset="0"/>
+                <a:cs typeface="Tahoma" panose="020B0604030504040204" pitchFamily="34" charset="0"/>
+              </a:rPr>
+              <a:t>sapien</a:t>
+            </a:r>
+            <a:r>
+              <a:rPr lang="en-US" altLang="en-US" sz="1200" dirty="0">
+                <a:latin typeface="Tahoma" panose="020B0604030504040204" pitchFamily="34" charset="0"/>
+                <a:ea typeface="Tahoma" panose="020B0604030504040204" pitchFamily="34" charset="0"/>
+                <a:cs typeface="Tahoma" panose="020B0604030504040204" pitchFamily="34" charset="0"/>
+              </a:rPr>
+              <a:t> </a:t>
+            </a:r>
+            <a:r>
+              <a:rPr lang="en-US" altLang="en-US" sz="1200" dirty="0" err="1">
+                <a:latin typeface="Tahoma" panose="020B0604030504040204" pitchFamily="34" charset="0"/>
+                <a:ea typeface="Tahoma" panose="020B0604030504040204" pitchFamily="34" charset="0"/>
+                <a:cs typeface="Tahoma" panose="020B0604030504040204" pitchFamily="34" charset="0"/>
+              </a:rPr>
+              <a:t>odio</a:t>
+            </a:r>
+            <a:r>
+              <a:rPr lang="en-US" altLang="en-US" sz="1200" dirty="0">
+                <a:latin typeface="Tahoma" panose="020B0604030504040204" pitchFamily="34" charset="0"/>
+                <a:ea typeface="Tahoma" panose="020B0604030504040204" pitchFamily="34" charset="0"/>
+                <a:cs typeface="Tahoma" panose="020B0604030504040204" pitchFamily="34" charset="0"/>
+              </a:rPr>
+              <a:t> </a:t>
+            </a:r>
+            <a:r>
+              <a:rPr lang="en-US" altLang="en-US" sz="1200" dirty="0" err="1">
+                <a:latin typeface="Tahoma" panose="020B0604030504040204" pitchFamily="34" charset="0"/>
+                <a:ea typeface="Tahoma" panose="020B0604030504040204" pitchFamily="34" charset="0"/>
+                <a:cs typeface="Tahoma" panose="020B0604030504040204" pitchFamily="34" charset="0"/>
+              </a:rPr>
+              <a:t>varius</a:t>
+            </a:r>
+            <a:r>
+              <a:rPr lang="en-US" altLang="en-US" sz="1200" dirty="0">
+                <a:latin typeface="Tahoma" panose="020B0604030504040204" pitchFamily="34" charset="0"/>
+                <a:ea typeface="Tahoma" panose="020B0604030504040204" pitchFamily="34" charset="0"/>
+                <a:cs typeface="Tahoma" panose="020B0604030504040204" pitchFamily="34" charset="0"/>
+              </a:rPr>
+              <a:t> </a:t>
+            </a:r>
+            <a:r>
+              <a:rPr lang="en-US" altLang="en-US" sz="1200" dirty="0" err="1">
+                <a:latin typeface="Tahoma" panose="020B0604030504040204" pitchFamily="34" charset="0"/>
+                <a:ea typeface="Tahoma" panose="020B0604030504040204" pitchFamily="34" charset="0"/>
+                <a:cs typeface="Tahoma" panose="020B0604030504040204" pitchFamily="34" charset="0"/>
+              </a:rPr>
+              <a:t>odio</a:t>
+            </a:r>
+            <a:r>
+              <a:rPr lang="en-US" altLang="en-US" sz="1200" dirty="0">
+                <a:latin typeface="Tahoma" panose="020B0604030504040204" pitchFamily="34" charset="0"/>
+                <a:ea typeface="Tahoma" panose="020B0604030504040204" pitchFamily="34" charset="0"/>
+                <a:cs typeface="Tahoma" panose="020B0604030504040204" pitchFamily="34" charset="0"/>
+              </a:rPr>
+              <a:t>, </a:t>
+            </a:r>
+            <a:r>
+              <a:rPr lang="en-US" altLang="en-US" sz="1200" dirty="0" err="1">
+                <a:latin typeface="Tahoma" panose="020B0604030504040204" pitchFamily="34" charset="0"/>
+                <a:ea typeface="Tahoma" panose="020B0604030504040204" pitchFamily="34" charset="0"/>
+                <a:cs typeface="Tahoma" panose="020B0604030504040204" pitchFamily="34" charset="0"/>
+              </a:rPr>
+              <a:t>eget</a:t>
+            </a:r>
+            <a:r>
+              <a:rPr lang="en-US" altLang="en-US" sz="1200" dirty="0">
+                <a:latin typeface="Tahoma" panose="020B0604030504040204" pitchFamily="34" charset="0"/>
+                <a:ea typeface="Tahoma" panose="020B0604030504040204" pitchFamily="34" charset="0"/>
+                <a:cs typeface="Tahoma" panose="020B0604030504040204" pitchFamily="34" charset="0"/>
+              </a:rPr>
+              <a:t> </a:t>
+            </a:r>
+            <a:r>
+              <a:rPr lang="en-US" altLang="en-US" sz="1200" dirty="0" err="1">
+                <a:latin typeface="Tahoma" panose="020B0604030504040204" pitchFamily="34" charset="0"/>
+                <a:ea typeface="Tahoma" panose="020B0604030504040204" pitchFamily="34" charset="0"/>
+                <a:cs typeface="Tahoma" panose="020B0604030504040204" pitchFamily="34" charset="0"/>
+              </a:rPr>
+              <a:t>hendrerit</a:t>
+            </a:r>
+            <a:r>
+              <a:rPr lang="en-US" altLang="en-US" sz="1200" dirty="0">
+                <a:latin typeface="Tahoma" panose="020B0604030504040204" pitchFamily="34" charset="0"/>
+                <a:ea typeface="Tahoma" panose="020B0604030504040204" pitchFamily="34" charset="0"/>
+                <a:cs typeface="Tahoma" panose="020B0604030504040204" pitchFamily="34" charset="0"/>
+              </a:rPr>
+              <a:t> </a:t>
+            </a:r>
+            <a:r>
+              <a:rPr lang="en-US" altLang="en-US" sz="1200" dirty="0" err="1">
+                <a:latin typeface="Tahoma" panose="020B0604030504040204" pitchFamily="34" charset="0"/>
+                <a:ea typeface="Tahoma" panose="020B0604030504040204" pitchFamily="34" charset="0"/>
+                <a:cs typeface="Tahoma" panose="020B0604030504040204" pitchFamily="34" charset="0"/>
+              </a:rPr>
+              <a:t>sapien</a:t>
+            </a:r>
+            <a:r>
+              <a:rPr lang="en-US" altLang="en-US" sz="1200" dirty="0">
+                <a:latin typeface="Tahoma" panose="020B0604030504040204" pitchFamily="34" charset="0"/>
+                <a:ea typeface="Tahoma" panose="020B0604030504040204" pitchFamily="34" charset="0"/>
+                <a:cs typeface="Tahoma" panose="020B0604030504040204" pitchFamily="34" charset="0"/>
+              </a:rPr>
+              <a:t> mi </a:t>
+            </a:r>
+            <a:r>
+              <a:rPr lang="en-US" altLang="en-US" sz="1200" dirty="0" err="1">
+                <a:latin typeface="Tahoma" panose="020B0604030504040204" pitchFamily="34" charset="0"/>
+                <a:ea typeface="Tahoma" panose="020B0604030504040204" pitchFamily="34" charset="0"/>
+                <a:cs typeface="Tahoma" panose="020B0604030504040204" pitchFamily="34" charset="0"/>
+              </a:rPr>
+              <a:t>eget</a:t>
+            </a:r>
+            <a:r>
+              <a:rPr lang="en-US" altLang="en-US" sz="1200" dirty="0">
+                <a:latin typeface="Tahoma" panose="020B0604030504040204" pitchFamily="34" charset="0"/>
+                <a:ea typeface="Tahoma" panose="020B0604030504040204" pitchFamily="34" charset="0"/>
+                <a:cs typeface="Tahoma" panose="020B0604030504040204" pitchFamily="34" charset="0"/>
+              </a:rPr>
+              <a:t> </a:t>
+            </a:r>
+            <a:r>
+              <a:rPr lang="en-US" altLang="en-US" sz="1200" dirty="0" err="1">
+                <a:latin typeface="Tahoma" panose="020B0604030504040204" pitchFamily="34" charset="0"/>
+                <a:ea typeface="Tahoma" panose="020B0604030504040204" pitchFamily="34" charset="0"/>
+                <a:cs typeface="Tahoma" panose="020B0604030504040204" pitchFamily="34" charset="0"/>
+              </a:rPr>
+              <a:t>nisl</a:t>
+            </a:r>
+            <a:r>
+              <a:rPr lang="en-US" altLang="en-US" sz="1200" dirty="0">
+                <a:latin typeface="Tahoma" panose="020B0604030504040204" pitchFamily="34" charset="0"/>
+                <a:ea typeface="Tahoma" panose="020B0604030504040204" pitchFamily="34" charset="0"/>
+                <a:cs typeface="Tahoma" panose="020B0604030504040204" pitchFamily="34" charset="0"/>
+              </a:rPr>
+              <a:t>. In fermentum </a:t>
+            </a:r>
+            <a:r>
+              <a:rPr lang="en-US" altLang="en-US" sz="1200" dirty="0" err="1">
+                <a:latin typeface="Tahoma" panose="020B0604030504040204" pitchFamily="34" charset="0"/>
+                <a:ea typeface="Tahoma" panose="020B0604030504040204" pitchFamily="34" charset="0"/>
+                <a:cs typeface="Tahoma" panose="020B0604030504040204" pitchFamily="34" charset="0"/>
+              </a:rPr>
+              <a:t>placerat</a:t>
+            </a:r>
+            <a:r>
+              <a:rPr lang="en-US" altLang="en-US" sz="1200" dirty="0">
+                <a:latin typeface="Tahoma" panose="020B0604030504040204" pitchFamily="34" charset="0"/>
+                <a:ea typeface="Tahoma" panose="020B0604030504040204" pitchFamily="34" charset="0"/>
+                <a:cs typeface="Tahoma" panose="020B0604030504040204" pitchFamily="34" charset="0"/>
+              </a:rPr>
+              <a:t> dui. </a:t>
+            </a:r>
+            <a:r>
+              <a:rPr lang="en-US" altLang="en-US" sz="1200" dirty="0" err="1">
+                <a:latin typeface="Tahoma" panose="020B0604030504040204" pitchFamily="34" charset="0"/>
+                <a:ea typeface="Tahoma" panose="020B0604030504040204" pitchFamily="34" charset="0"/>
+                <a:cs typeface="Tahoma" panose="020B0604030504040204" pitchFamily="34" charset="0"/>
+              </a:rPr>
+              <a:t>Vivamus</a:t>
+            </a:r>
+            <a:r>
+              <a:rPr lang="en-US" altLang="en-US" sz="1200" dirty="0">
+                <a:latin typeface="Tahoma" panose="020B0604030504040204" pitchFamily="34" charset="0"/>
+                <a:ea typeface="Tahoma" panose="020B0604030504040204" pitchFamily="34" charset="0"/>
+                <a:cs typeface="Tahoma" panose="020B0604030504040204" pitchFamily="34" charset="0"/>
+              </a:rPr>
+              <a:t> </a:t>
+            </a:r>
+            <a:r>
+              <a:rPr lang="en-US" altLang="en-US" sz="1200" dirty="0" err="1">
+                <a:latin typeface="Tahoma" panose="020B0604030504040204" pitchFamily="34" charset="0"/>
+                <a:ea typeface="Tahoma" panose="020B0604030504040204" pitchFamily="34" charset="0"/>
+                <a:cs typeface="Tahoma" panose="020B0604030504040204" pitchFamily="34" charset="0"/>
+              </a:rPr>
+              <a:t>ultrices</a:t>
+            </a:r>
+            <a:r>
+              <a:rPr lang="en-US" altLang="en-US" sz="1200" dirty="0">
+                <a:latin typeface="Tahoma" panose="020B0604030504040204" pitchFamily="34" charset="0"/>
+                <a:ea typeface="Tahoma" panose="020B0604030504040204" pitchFamily="34" charset="0"/>
+                <a:cs typeface="Tahoma" panose="020B0604030504040204" pitchFamily="34" charset="0"/>
+              </a:rPr>
+              <a:t>. </a:t>
+            </a:r>
+            <a:r>
+              <a:rPr lang="en-US" altLang="en-US" sz="1200" dirty="0" err="1">
+                <a:latin typeface="Tahoma" panose="020B0604030504040204" pitchFamily="34" charset="0"/>
+                <a:ea typeface="Tahoma" panose="020B0604030504040204" pitchFamily="34" charset="0"/>
+                <a:cs typeface="Tahoma" panose="020B0604030504040204" pitchFamily="34" charset="0"/>
+              </a:rPr>
+              <a:t>Nullam</a:t>
+            </a:r>
+            <a:r>
+              <a:rPr lang="en-US" altLang="en-US" sz="1200" dirty="0">
+                <a:latin typeface="Tahoma" panose="020B0604030504040204" pitchFamily="34" charset="0"/>
+                <a:ea typeface="Tahoma" panose="020B0604030504040204" pitchFamily="34" charset="0"/>
+                <a:cs typeface="Tahoma" panose="020B0604030504040204" pitchFamily="34" charset="0"/>
+              </a:rPr>
+              <a:t> </a:t>
+            </a:r>
+            <a:r>
+              <a:rPr lang="en-US" altLang="en-US" sz="1200" dirty="0" err="1">
+                <a:latin typeface="Tahoma" panose="020B0604030504040204" pitchFamily="34" charset="0"/>
+                <a:ea typeface="Tahoma" panose="020B0604030504040204" pitchFamily="34" charset="0"/>
+                <a:cs typeface="Tahoma" panose="020B0604030504040204" pitchFamily="34" charset="0"/>
+              </a:rPr>
+              <a:t>elit</a:t>
+            </a:r>
+            <a:r>
+              <a:rPr lang="en-US" altLang="en-US" sz="1200" dirty="0">
+                <a:latin typeface="Tahoma" panose="020B0604030504040204" pitchFamily="34" charset="0"/>
+                <a:ea typeface="Tahoma" panose="020B0604030504040204" pitchFamily="34" charset="0"/>
+                <a:cs typeface="Tahoma" panose="020B0604030504040204" pitchFamily="34" charset="0"/>
+              </a:rPr>
+              <a:t>. </a:t>
+            </a:r>
+          </a:p>
+          <a:p>
+            <a:endParaRPr lang="en-US" sz="1200" dirty="0">
+              <a:latin typeface="Tahoma" panose="020B0604030504040204" pitchFamily="34" charset="0"/>
+              <a:ea typeface="Tahoma" panose="020B0604030504040204" pitchFamily="34" charset="0"/>
+              <a:cs typeface="Tahoma" panose="020B0604030504040204" pitchFamily="34" charset="0"/>
             </a:endParaRPr>
           </a:p>
         </p:txBody>
@@ -5902,517 +12747,7 @@
     </p:spTree>
     <p:extLst>
       <p:ext uri="{BB962C8B-B14F-4D97-AF65-F5344CB8AC3E}">
-        <p14:creationId xmlns:p14="http://schemas.microsoft.com/office/powerpoint/2010/main" val="3123183922"/>
-      </p:ext>
-    </p:extLst>
-  </p:cSld>
-  <p:clrMapOvr>
-    <a:masterClrMapping/>
-  </p:clrMapOvr>
-</p:sld>
-</file>
-
-<file path=ppt/slides/slide8.xml><?xml version="1.0" encoding="utf-8"?>
-<p:sld xmlns:a="http://schemas.openxmlformats.org/drawingml/2006/main" xmlns:r="http://schemas.openxmlformats.org/officeDocument/2006/relationships" xmlns:p="http://schemas.openxmlformats.org/presentationml/2006/main">
-  <p:cSld>
-    <p:spTree>
-      <p:nvGrpSpPr>
-        <p:cNvPr id="1" name=""/>
-        <p:cNvGrpSpPr/>
-        <p:nvPr/>
-      </p:nvGrpSpPr>
-      <p:grpSpPr>
-        <a:xfrm>
-          <a:off x="0" y="0"/>
-          <a:ext cx="0" cy="0"/>
-          <a:chOff x="0" y="0"/>
-          <a:chExt cx="0" cy="0"/>
-        </a:xfrm>
-      </p:grpSpPr>
-      <p:pic>
-        <p:nvPicPr>
-          <p:cNvPr id="10" name="Picture 9" descr="Diagram&#10;&#10;Description automatically generated">
-            <a:extLst>
-              <a:ext uri="{FF2B5EF4-FFF2-40B4-BE49-F238E27FC236}">
-                <a16:creationId xmlns:a16="http://schemas.microsoft.com/office/drawing/2014/main" id="{D93E8B9A-E376-44A5-BB8A-32E8B5D3F3ED}"/>
-              </a:ext>
-            </a:extLst>
-          </p:cNvPr>
-          <p:cNvPicPr>
-            <a:picLocks noChangeAspect="1"/>
-          </p:cNvPicPr>
-          <p:nvPr/>
-        </p:nvPicPr>
-        <p:blipFill>
-          <a:blip r:embed="rId2">
-            <a:extLst>
-              <a:ext uri="{28A0092B-C50C-407E-A947-70E740481C1C}">
-                <a14:useLocalDpi xmlns:a14="http://schemas.microsoft.com/office/drawing/2010/main" val="0"/>
-              </a:ext>
-            </a:extLst>
-          </a:blip>
-          <a:stretch>
-            <a:fillRect/>
-          </a:stretch>
-        </p:blipFill>
-        <p:spPr>
-          <a:xfrm>
-            <a:off x="6695440" y="1066795"/>
-            <a:ext cx="5029210" cy="5029210"/>
-          </a:xfrm>
-          <a:prstGeom prst="rect">
-            <a:avLst/>
-          </a:prstGeom>
-        </p:spPr>
-      </p:pic>
-      <p:sp>
-        <p:nvSpPr>
-          <p:cNvPr id="6" name="Title 5">
-            <a:extLst>
-              <a:ext uri="{FF2B5EF4-FFF2-40B4-BE49-F238E27FC236}">
-                <a16:creationId xmlns:a16="http://schemas.microsoft.com/office/drawing/2014/main" id="{77977495-7045-4BEB-B038-AC19B9064EC1}"/>
-              </a:ext>
-            </a:extLst>
-          </p:cNvPr>
-          <p:cNvSpPr>
-            <a:spLocks noGrp="1"/>
-          </p:cNvSpPr>
-          <p:nvPr>
-            <p:ph type="title"/>
-          </p:nvPr>
-        </p:nvSpPr>
-        <p:spPr>
-          <a:xfrm>
-            <a:off x="669852" y="870596"/>
-            <a:ext cx="5537908" cy="577205"/>
-          </a:xfrm>
-        </p:spPr>
-        <p:txBody>
-          <a:bodyPr vert="horz" lIns="91440" tIns="45720" rIns="91440" bIns="45720" rtlCol="0" anchor="t">
-            <a:normAutofit fontScale="90000"/>
-          </a:bodyPr>
-          <a:lstStyle/>
-          <a:p>
-            <a:pPr>
-              <a:lnSpc>
-                <a:spcPct val="90000"/>
-              </a:lnSpc>
-            </a:pPr>
-            <a:r>
-              <a:rPr lang="en-US" sz="3400" dirty="0" err="1"/>
-              <a:t>Cdc</a:t>
-            </a:r>
-            <a:r>
-              <a:rPr lang="en-US" sz="3400" dirty="0"/>
-              <a:t> SVI factor title</a:t>
-            </a:r>
-            <a:br>
-              <a:rPr lang="en-US" sz="3400" dirty="0"/>
-            </a:br>
-            <a:r>
-              <a:rPr lang="en-US" sz="3400" dirty="0">
-                <a:solidFill>
-                  <a:schemeClr val="bg1">
-                    <a:lumMod val="50000"/>
-                  </a:schemeClr>
-                </a:solidFill>
-              </a:rPr>
-              <a:t>units</a:t>
-            </a:r>
-            <a:br>
-              <a:rPr lang="en-US" sz="3400" dirty="0"/>
-            </a:br>
-            <a:br>
-              <a:rPr lang="en-US" sz="3400" dirty="0"/>
-            </a:br>
-            <a:endParaRPr lang="en-US" sz="1800" dirty="0">
-              <a:latin typeface="Abadi Extra Light" panose="020B0604020202020204" pitchFamily="34" charset="0"/>
-            </a:endParaRPr>
-          </a:p>
-        </p:txBody>
-      </p:sp>
-      <p:sp>
-        <p:nvSpPr>
-          <p:cNvPr id="2" name="AutoShape 2">
-            <a:extLst>
-              <a:ext uri="{FF2B5EF4-FFF2-40B4-BE49-F238E27FC236}">
-                <a16:creationId xmlns:a16="http://schemas.microsoft.com/office/drawing/2014/main" id="{07A25E57-B9E3-F05D-2DB4-D7A836A40E50}"/>
-              </a:ext>
-            </a:extLst>
-          </p:cNvPr>
-          <p:cNvSpPr>
-            <a:spLocks noChangeAspect="1" noChangeArrowheads="1"/>
-          </p:cNvSpPr>
-          <p:nvPr/>
-        </p:nvSpPr>
-        <p:spPr bwMode="auto">
-          <a:xfrm>
-            <a:off x="10668010" y="3276600"/>
-            <a:ext cx="304800" cy="304800"/>
-          </a:xfrm>
-          <a:prstGeom prst="rect">
-            <a:avLst/>
-          </a:prstGeom>
-          <a:noFill/>
-          <a:extLst>
-            <a:ext uri="{909E8E84-426E-40DD-AFC4-6F175D3DCCD1}">
-              <a14:hiddenFill xmlns:a14="http://schemas.microsoft.com/office/drawing/2010/main">
-                <a:solidFill>
-                  <a:srgbClr val="FFFFFF"/>
-                </a:solidFill>
-              </a14:hiddenFill>
-            </a:ext>
-          </a:extLst>
-        </p:spPr>
-        <p:txBody>
-          <a:bodyPr vert="horz" wrap="square" lIns="91440" tIns="45720" rIns="91440" bIns="45720" numCol="1" anchor="t" anchorCtr="0" compatLnSpc="1">
-            <a:prstTxWarp prst="textNoShape">
-              <a:avLst/>
-            </a:prstTxWarp>
-          </a:bodyPr>
-          <a:lstStyle/>
-          <a:p>
-            <a:endParaRPr lang="en-US"/>
-          </a:p>
-        </p:txBody>
-      </p:sp>
-      <p:sp>
-        <p:nvSpPr>
-          <p:cNvPr id="11" name="TextBox 10">
-            <a:extLst>
-              <a:ext uri="{FF2B5EF4-FFF2-40B4-BE49-F238E27FC236}">
-                <a16:creationId xmlns:a16="http://schemas.microsoft.com/office/drawing/2014/main" id="{EC1F356B-12BC-BB75-19B6-A6C0209E47D5}"/>
-              </a:ext>
-            </a:extLst>
-          </p:cNvPr>
-          <p:cNvSpPr txBox="1"/>
-          <p:nvPr/>
-        </p:nvSpPr>
-        <p:spPr>
-          <a:xfrm>
-            <a:off x="700332" y="5580302"/>
-            <a:ext cx="5507428" cy="307777"/>
-          </a:xfrm>
-          <a:prstGeom prst="rect">
-            <a:avLst/>
-          </a:prstGeom>
-          <a:noFill/>
-        </p:spPr>
-        <p:txBody>
-          <a:bodyPr wrap="square">
-            <a:spAutoFit/>
-          </a:bodyPr>
-          <a:lstStyle/>
-          <a:p>
-            <a:r>
-              <a:rPr lang="en-US" sz="1400" i="1" dirty="0">
-                <a:latin typeface="Abadi Extra Light" panose="020B0604020202020204" pitchFamily="34" charset="0"/>
-              </a:rPr>
-              <a:t>Data sources: CDC SVI.</a:t>
-            </a:r>
-            <a:endParaRPr lang="en-US" sz="1400" i="1" cap="none" dirty="0">
-              <a:latin typeface="Abadi Extra Light" panose="020B0604020202020204" pitchFamily="34" charset="0"/>
-            </a:endParaRPr>
-          </a:p>
-        </p:txBody>
-      </p:sp>
-      <p:sp>
-        <p:nvSpPr>
-          <p:cNvPr id="12" name="TextBox 11">
-            <a:extLst>
-              <a:ext uri="{FF2B5EF4-FFF2-40B4-BE49-F238E27FC236}">
-                <a16:creationId xmlns:a16="http://schemas.microsoft.com/office/drawing/2014/main" id="{D26A7A0C-C130-B3C2-D6B6-E4A036D9ACFB}"/>
-              </a:ext>
-            </a:extLst>
-          </p:cNvPr>
-          <p:cNvSpPr txBox="1"/>
-          <p:nvPr/>
-        </p:nvSpPr>
-        <p:spPr>
-          <a:xfrm>
-            <a:off x="669852" y="2663113"/>
-            <a:ext cx="5507428" cy="584775"/>
-          </a:xfrm>
-          <a:prstGeom prst="rect">
-            <a:avLst/>
-          </a:prstGeom>
-          <a:noFill/>
-        </p:spPr>
-        <p:txBody>
-          <a:bodyPr wrap="square">
-            <a:spAutoFit/>
-          </a:bodyPr>
-          <a:lstStyle/>
-          <a:p>
-            <a:r>
-              <a:rPr lang="en-US" sz="1600" i="1" cap="none" dirty="0">
-                <a:latin typeface="Abadi Extra Light" panose="020B0604020202020204" pitchFamily="34" charset="0"/>
-              </a:rPr>
-              <a:t>Description of the component SVI factor and brief analysis of distributions shown on map.</a:t>
-            </a:r>
-            <a:endParaRPr lang="en-US" sz="1600" cap="none" dirty="0">
-              <a:latin typeface="Abadi Extra Light" panose="020B0604020202020204" pitchFamily="34" charset="0"/>
-            </a:endParaRPr>
-          </a:p>
-        </p:txBody>
-      </p:sp>
-    </p:spTree>
-    <p:extLst>
-      <p:ext uri="{BB962C8B-B14F-4D97-AF65-F5344CB8AC3E}">
-        <p14:creationId xmlns:p14="http://schemas.microsoft.com/office/powerpoint/2010/main" val="2193025773"/>
-      </p:ext>
-    </p:extLst>
-  </p:cSld>
-  <p:clrMapOvr>
-    <a:masterClrMapping/>
-  </p:clrMapOvr>
-</p:sld>
-</file>
-
-<file path=ppt/slides/slide9.xml><?xml version="1.0" encoding="utf-8"?>
-<p:sld xmlns:a="http://schemas.openxmlformats.org/drawingml/2006/main" xmlns:r="http://schemas.openxmlformats.org/officeDocument/2006/relationships" xmlns:p="http://schemas.openxmlformats.org/presentationml/2006/main">
-  <p:cSld>
-    <p:spTree>
-      <p:nvGrpSpPr>
-        <p:cNvPr id="1" name=""/>
-        <p:cNvGrpSpPr/>
-        <p:nvPr/>
-      </p:nvGrpSpPr>
-      <p:grpSpPr>
-        <a:xfrm>
-          <a:off x="0" y="0"/>
-          <a:ext cx="0" cy="0"/>
-          <a:chOff x="0" y="0"/>
-          <a:chExt cx="0" cy="0"/>
-        </a:xfrm>
-      </p:grpSpPr>
-      <p:sp>
-        <p:nvSpPr>
-          <p:cNvPr id="6" name="Title 5">
-            <a:extLst>
-              <a:ext uri="{FF2B5EF4-FFF2-40B4-BE49-F238E27FC236}">
-                <a16:creationId xmlns:a16="http://schemas.microsoft.com/office/drawing/2014/main" id="{77977495-7045-4BEB-B038-AC19B9064EC1}"/>
-              </a:ext>
-            </a:extLst>
-          </p:cNvPr>
-          <p:cNvSpPr>
-            <a:spLocks noGrp="1"/>
-          </p:cNvSpPr>
-          <p:nvPr>
-            <p:ph type="title"/>
-          </p:nvPr>
-        </p:nvSpPr>
-        <p:spPr>
-          <a:xfrm>
-            <a:off x="669852" y="870596"/>
-            <a:ext cx="5537908" cy="577205"/>
-          </a:xfrm>
-        </p:spPr>
-        <p:txBody>
-          <a:bodyPr vert="horz" lIns="91440" tIns="45720" rIns="91440" bIns="45720" rtlCol="0" anchor="t">
-            <a:normAutofit fontScale="90000"/>
-          </a:bodyPr>
-          <a:lstStyle/>
-          <a:p>
-            <a:pPr>
-              <a:lnSpc>
-                <a:spcPct val="90000"/>
-              </a:lnSpc>
-            </a:pPr>
-            <a:r>
-              <a:rPr lang="en-US" sz="3400" dirty="0"/>
-              <a:t>BIVARIATE MAP TITLE</a:t>
-            </a:r>
-            <a:br>
-              <a:rPr lang="en-US" sz="3400" dirty="0"/>
-            </a:br>
-            <a:r>
-              <a:rPr lang="en-US" sz="3400" dirty="0">
-                <a:solidFill>
-                  <a:schemeClr val="bg1">
-                    <a:lumMod val="50000"/>
-                  </a:schemeClr>
-                </a:solidFill>
-              </a:rPr>
-              <a:t>UNITS OF COMPONENT VARIABLES</a:t>
-            </a:r>
-            <a:br>
-              <a:rPr lang="en-US" sz="3400" dirty="0"/>
-            </a:br>
-            <a:br>
-              <a:rPr lang="en-US" sz="3400" dirty="0"/>
-            </a:br>
-            <a:endParaRPr lang="en-US" sz="1800" dirty="0">
-              <a:latin typeface="Abadi Extra Light" panose="020B0604020202020204" pitchFamily="34" charset="0"/>
-            </a:endParaRPr>
-          </a:p>
-        </p:txBody>
-      </p:sp>
-      <p:sp>
-        <p:nvSpPr>
-          <p:cNvPr id="40" name="TextBox 39">
-            <a:extLst>
-              <a:ext uri="{FF2B5EF4-FFF2-40B4-BE49-F238E27FC236}">
-                <a16:creationId xmlns:a16="http://schemas.microsoft.com/office/drawing/2014/main" id="{3CB48F71-F2CE-4BBA-9675-40D850CCA5E6}"/>
-              </a:ext>
-            </a:extLst>
-          </p:cNvPr>
-          <p:cNvSpPr txBox="1"/>
-          <p:nvPr/>
-        </p:nvSpPr>
-        <p:spPr>
-          <a:xfrm>
-            <a:off x="669852" y="2663113"/>
-            <a:ext cx="5507428" cy="338554"/>
-          </a:xfrm>
-          <a:prstGeom prst="rect">
-            <a:avLst/>
-          </a:prstGeom>
-          <a:noFill/>
-        </p:spPr>
-        <p:txBody>
-          <a:bodyPr wrap="square">
-            <a:spAutoFit/>
-          </a:bodyPr>
-          <a:lstStyle/>
-          <a:p>
-            <a:r>
-              <a:rPr lang="en-US" sz="1600" i="1" cap="none" dirty="0">
-                <a:latin typeface="Abadi Extra Light" panose="020B0604020202020204" pitchFamily="34" charset="0"/>
-              </a:rPr>
-              <a:t>Map description and analysis</a:t>
-            </a:r>
-            <a:endParaRPr lang="en-US" sz="1600" cap="none" dirty="0">
-              <a:latin typeface="Abadi Extra Light" panose="020B0604020202020204" pitchFamily="34" charset="0"/>
-            </a:endParaRPr>
-          </a:p>
-        </p:txBody>
-      </p:sp>
-      <p:sp>
-        <p:nvSpPr>
-          <p:cNvPr id="41" name="TextBox 40">
-            <a:extLst>
-              <a:ext uri="{FF2B5EF4-FFF2-40B4-BE49-F238E27FC236}">
-                <a16:creationId xmlns:a16="http://schemas.microsoft.com/office/drawing/2014/main" id="{F069AEA9-916E-4C98-BFED-A884409BD104}"/>
-              </a:ext>
-            </a:extLst>
-          </p:cNvPr>
-          <p:cNvSpPr txBox="1"/>
-          <p:nvPr/>
-        </p:nvSpPr>
-        <p:spPr>
-          <a:xfrm>
-            <a:off x="700332" y="5580302"/>
-            <a:ext cx="5507428" cy="307777"/>
-          </a:xfrm>
-          <a:prstGeom prst="rect">
-            <a:avLst/>
-          </a:prstGeom>
-          <a:noFill/>
-        </p:spPr>
-        <p:txBody>
-          <a:bodyPr wrap="square">
-            <a:spAutoFit/>
-          </a:bodyPr>
-          <a:lstStyle/>
-          <a:p>
-            <a:r>
-              <a:rPr lang="en-US" sz="1400" i="1" dirty="0">
-                <a:latin typeface="Abadi Extra Light" panose="020B0604020202020204" pitchFamily="34" charset="0"/>
-              </a:rPr>
-              <a:t>Data sources: CDC PLACES; CDC SVI.</a:t>
-            </a:r>
-            <a:endParaRPr lang="en-US" sz="1400" i="1" cap="none" dirty="0">
-              <a:latin typeface="Abadi Extra Light" panose="020B0604020202020204" pitchFamily="34" charset="0"/>
-            </a:endParaRPr>
-          </a:p>
-        </p:txBody>
-      </p:sp>
-      <p:sp>
-        <p:nvSpPr>
-          <p:cNvPr id="2" name="AutoShape 2">
-            <a:extLst>
-              <a:ext uri="{FF2B5EF4-FFF2-40B4-BE49-F238E27FC236}">
-                <a16:creationId xmlns:a16="http://schemas.microsoft.com/office/drawing/2014/main" id="{07A25E57-B9E3-F05D-2DB4-D7A836A40E50}"/>
-              </a:ext>
-            </a:extLst>
-          </p:cNvPr>
-          <p:cNvSpPr>
-            <a:spLocks noChangeAspect="1" noChangeArrowheads="1"/>
-          </p:cNvSpPr>
-          <p:nvPr/>
-        </p:nvSpPr>
-        <p:spPr bwMode="auto">
-          <a:xfrm>
-            <a:off x="10668010" y="3276600"/>
-            <a:ext cx="304800" cy="304800"/>
-          </a:xfrm>
-          <a:prstGeom prst="rect">
-            <a:avLst/>
-          </a:prstGeom>
-          <a:noFill/>
-          <a:extLst>
-            <a:ext uri="{909E8E84-426E-40DD-AFC4-6F175D3DCCD1}">
-              <a14:hiddenFill xmlns:a14="http://schemas.microsoft.com/office/drawing/2010/main">
-                <a:solidFill>
-                  <a:srgbClr val="FFFFFF"/>
-                </a:solidFill>
-              </a14:hiddenFill>
-            </a:ext>
-          </a:extLst>
-        </p:spPr>
-        <p:txBody>
-          <a:bodyPr vert="horz" wrap="square" lIns="91440" tIns="45720" rIns="91440" bIns="45720" numCol="1" anchor="t" anchorCtr="0" compatLnSpc="1">
-            <a:prstTxWarp prst="textNoShape">
-              <a:avLst/>
-            </a:prstTxWarp>
-          </a:bodyPr>
-          <a:lstStyle/>
-          <a:p>
-            <a:endParaRPr lang="en-US"/>
-          </a:p>
-        </p:txBody>
-      </p:sp>
-      <p:pic>
-        <p:nvPicPr>
-          <p:cNvPr id="7" name="Picture 6" descr="A picture containing diagram&#10;&#10;Description automatically generated">
-            <a:extLst>
-              <a:ext uri="{FF2B5EF4-FFF2-40B4-BE49-F238E27FC236}">
-                <a16:creationId xmlns:a16="http://schemas.microsoft.com/office/drawing/2014/main" id="{E28382BA-0EFD-81AE-E5A3-9679A06ACF6C}"/>
-              </a:ext>
-            </a:extLst>
-          </p:cNvPr>
-          <p:cNvPicPr>
-            <a:picLocks noChangeAspect="1"/>
-          </p:cNvPicPr>
-          <p:nvPr/>
-        </p:nvPicPr>
-        <p:blipFill>
-          <a:blip r:embed="rId2">
-            <a:extLst>
-              <a:ext uri="{28A0092B-C50C-407E-A947-70E740481C1C}">
-                <a14:useLocalDpi xmlns:a14="http://schemas.microsoft.com/office/drawing/2010/main" val="0"/>
-              </a:ext>
-            </a:extLst>
-          </a:blip>
-          <a:stretch>
-            <a:fillRect/>
-          </a:stretch>
-        </p:blipFill>
-        <p:spPr>
-          <a:xfrm>
-            <a:off x="5090855" y="1066795"/>
-            <a:ext cx="6400813" cy="5029210"/>
-          </a:xfrm>
-          <a:prstGeom prst="rect">
-            <a:avLst/>
-          </a:prstGeom>
-        </p:spPr>
-      </p:pic>
-    </p:spTree>
-    <p:extLst>
-      <p:ext uri="{BB962C8B-B14F-4D97-AF65-F5344CB8AC3E}">
-        <p14:creationId xmlns:p14="http://schemas.microsoft.com/office/powerpoint/2010/main" val="215253476"/>
+        <p14:creationId xmlns:p14="http://schemas.microsoft.com/office/powerpoint/2010/main" val="2977487692"/>
       </p:ext>
     </p:extLst>
   </p:cSld>
@@ -6624,6 +12959,15 @@
 </file>
 
 <file path=customXml/item1.xml><?xml version="1.0" encoding="utf-8"?>
+<?mso-contentType ?>
+<FormTemplates xmlns="http://schemas.microsoft.com/sharepoint/v3/contenttype/forms">
+  <Display>DocumentLibraryForm</Display>
+  <Edit>DocumentLibraryForm</Edit>
+  <New>DocumentLibraryForm</New>
+</FormTemplates>
+</file>
+
+<file path=customXml/item2.xml><?xml version="1.0" encoding="utf-8"?>
 <ct:contentTypeSchema xmlns:ct="http://schemas.microsoft.com/office/2006/metadata/contentType" xmlns:ma="http://schemas.microsoft.com/office/2006/metadata/properties/metaAttributes" ct:_="" ma:_="" ma:contentTypeName="Document" ma:contentTypeID="0x010100C89E2DFAF961F54A84E2255C106EB7C6" ma:contentTypeVersion="14" ma:contentTypeDescription="Create a new document." ma:contentTypeScope="" ma:versionID="37fda1044ea6fcdf3bd16bc3c94ad44f">
   <xsd:schema xmlns:xsd="http://www.w3.org/2001/XMLSchema" xmlns:xs="http://www.w3.org/2001/XMLSchema" xmlns:p="http://schemas.microsoft.com/office/2006/metadata/properties" xmlns:ns3="f1ca5527-4d73-4ce9-b1ce-36fa22ecda61" xmlns:ns4="3dc9000b-820f-4ca7-9747-1e0793ae1595" targetNamespace="http://schemas.microsoft.com/office/2006/metadata/properties" ma:root="true" ma:fieldsID="5af716157f5d25fba0ad372f267ba070" ns3:_="" ns4:_="">
     <xsd:import namespace="f1ca5527-4d73-4ce9-b1ce-36fa22ecda61"/>
@@ -6852,15 +13196,6 @@
 </ct:contentTypeSchema>
 </file>
 
-<file path=customXml/item2.xml><?xml version="1.0" encoding="utf-8"?>
-<?mso-contentType ?>
-<FormTemplates xmlns="http://schemas.microsoft.com/sharepoint/v3/contenttype/forms">
-  <Display>DocumentLibraryForm</Display>
-  <Edit>DocumentLibraryForm</Edit>
-  <New>DocumentLibraryForm</New>
-</FormTemplates>
-</file>
-
 <file path=customXml/item3.xml><?xml version="1.0" encoding="utf-8"?>
 <p:properties xmlns:p="http://schemas.microsoft.com/office/2006/metadata/properties" xmlns:xsi="http://www.w3.org/2001/XMLSchema-instance" xmlns:pc="http://schemas.microsoft.com/office/infopath/2007/PartnerControls">
   <documentManagement/>
@@ -6868,6 +13203,14 @@
 </file>
 
 <file path=customXml/itemProps1.xml><?xml version="1.0" encoding="utf-8"?>
+<ds:datastoreItem xmlns:ds="http://schemas.openxmlformats.org/officeDocument/2006/customXml" ds:itemID="{9F16F009-DBF7-445D-86F2-D269D4D5C9CA}">
+  <ds:schemaRefs>
+    <ds:schemaRef ds:uri="http://schemas.microsoft.com/sharepoint/v3/contenttype/forms"/>
+  </ds:schemaRefs>
+</ds:datastoreItem>
+</file>
+
+<file path=customXml/itemProps2.xml><?xml version="1.0" encoding="utf-8"?>
 <ds:datastoreItem xmlns:ds="http://schemas.openxmlformats.org/officeDocument/2006/customXml" ds:itemID="{E65681D8-D955-4FCC-9752-6E901C9412E5}">
   <ds:schemaRefs>
     <ds:schemaRef ds:uri="http://schemas.microsoft.com/office/2006/metadata/contentType"/>
@@ -6882,14 +13225,6 @@
     <ds:schemaRef ds:uri="http://purl.org/dc/elements/1.1/"/>
     <ds:schemaRef ds:uri="http://purl.org/dc/terms/"/>
     <ds:schemaRef ds:uri="http://schemas.microsoft.com/internal/obd"/>
-  </ds:schemaRefs>
-</ds:datastoreItem>
-</file>
-
-<file path=customXml/itemProps2.xml><?xml version="1.0" encoding="utf-8"?>
-<ds:datastoreItem xmlns:ds="http://schemas.openxmlformats.org/officeDocument/2006/customXml" ds:itemID="{9F16F009-DBF7-445D-86F2-D269D4D5C9CA}">
-  <ds:schemaRefs>
-    <ds:schemaRef ds:uri="http://schemas.microsoft.com/sharepoint/v3/contenttype/forms"/>
   </ds:schemaRefs>
 </ds:datastoreItem>
 </file>
